--- a/slides/Slides deck.pptx
+++ b/slides/Slides deck.pptx
@@ -10,6 +10,8 @@
     <p:sldId id="259" r:id="rId4"/>
     <p:sldId id="256" r:id="rId5"/>
     <p:sldId id="260" r:id="rId6"/>
+    <p:sldId id="261" r:id="rId7"/>
+    <p:sldId id="262" r:id="rId8"/>
   </p:sldIdLst>
   <p:sldSz cx="9144000" cy="6858000" type="screen4x3"/>
   <p:notesSz cx="6858000" cy="9144000"/>
@@ -9101,6 +9103,4196 @@
 </p:sld>
 </file>
 
+<file path=ppt/slides/slide6.xml><?xml version="1.0" encoding="utf-8"?>
+<p:sld xmlns:a="http://schemas.openxmlformats.org/drawingml/2006/main" xmlns:r="http://schemas.openxmlformats.org/officeDocument/2006/relationships" xmlns:p="http://schemas.openxmlformats.org/presentationml/2006/main">
+  <p:cSld>
+    <p:spTree>
+      <p:nvGrpSpPr>
+        <p:cNvPr id="1" name=""/>
+        <p:cNvGrpSpPr/>
+        <p:nvPr/>
+      </p:nvGrpSpPr>
+      <p:grpSpPr>
+        <a:xfrm>
+          <a:off x="0" y="0"/>
+          <a:ext cx="0" cy="0"/>
+          <a:chOff x="0" y="0"/>
+          <a:chExt cx="0" cy="0"/>
+        </a:xfrm>
+      </p:grpSpPr>
+      <p:sp>
+        <p:nvSpPr>
+          <p:cNvPr id="10" name="TextBox 9"/>
+          <p:cNvSpPr txBox="1"/>
+          <p:nvPr/>
+        </p:nvSpPr>
+        <p:spPr>
+          <a:xfrm>
+            <a:off x="353801" y="1324480"/>
+            <a:ext cx="7751974" cy="1169551"/>
+          </a:xfrm>
+          <a:prstGeom prst="rect">
+            <a:avLst/>
+          </a:prstGeom>
+          <a:noFill/>
+        </p:spPr>
+        <p:txBody>
+          <a:bodyPr wrap="square" rtlCol="0">
+            <a:spAutoFit/>
+          </a:bodyPr>
+          <a:lstStyle/>
+          <a:p>
+            <a:pPr marL="285750" indent="-285750">
+              <a:buFont typeface="Arial" panose="020B0604020202020204" pitchFamily="34" charset="0"/>
+              <a:buChar char="•"/>
+            </a:pPr>
+            <a:r>
+              <a:rPr lang="en-US" sz="1400" dirty="0" smtClean="0">
+                <a:solidFill>
+                  <a:schemeClr val="bg1">
+                    <a:lumMod val="50000"/>
+                  </a:schemeClr>
+                </a:solidFill>
+              </a:rPr>
+              <a:t>As an extension towards the RFM model, an unsupervised clustering model (</a:t>
+            </a:r>
+            <a:r>
+              <a:rPr lang="en-US" sz="1400" dirty="0" err="1" smtClean="0">
+                <a:solidFill>
+                  <a:schemeClr val="bg1">
+                    <a:lumMod val="50000"/>
+                  </a:schemeClr>
+                </a:solidFill>
+              </a:rPr>
+              <a:t>Kmeans</a:t>
+            </a:r>
+            <a:r>
+              <a:rPr lang="en-US" sz="1400" dirty="0" smtClean="0">
+                <a:solidFill>
+                  <a:schemeClr val="bg1">
+                    <a:lumMod val="50000"/>
+                  </a:schemeClr>
+                </a:solidFill>
+              </a:rPr>
+              <a:t>) was used to further group the customers from a betting behavioral perspective</a:t>
+            </a:r>
+            <a:r>
+              <a:rPr lang="en-AU" sz="1400" dirty="0" smtClean="0">
+                <a:solidFill>
+                  <a:schemeClr val="bg1">
+                    <a:lumMod val="50000"/>
+                  </a:schemeClr>
+                </a:solidFill>
+              </a:rPr>
+              <a:t>. It combines with the RFM segmentations to support a more comprehensive and flexible marketing strategy.</a:t>
+            </a:r>
+          </a:p>
+          <a:p>
+            <a:pPr marL="285750" indent="-285750">
+              <a:buFont typeface="Arial" panose="020B0604020202020204" pitchFamily="34" charset="0"/>
+              <a:buChar char="•"/>
+            </a:pPr>
+            <a:r>
+              <a:rPr lang="en-AU" sz="1400" dirty="0" smtClean="0">
+                <a:solidFill>
+                  <a:schemeClr val="bg1">
+                    <a:lumMod val="50000"/>
+                  </a:schemeClr>
+                </a:solidFill>
+              </a:rPr>
+              <a:t>Each cluster shares roughly 25% of the total number of customers</a:t>
+            </a:r>
+            <a:endParaRPr lang="en-GB" sz="1400" dirty="0" smtClean="0">
+              <a:solidFill>
+                <a:schemeClr val="bg1">
+                  <a:lumMod val="50000"/>
+                </a:schemeClr>
+              </a:solidFill>
+            </a:endParaRPr>
+          </a:p>
+          <a:p>
+            <a:pPr marL="285750" indent="-285750">
+              <a:buFont typeface="Arial" panose="020B0604020202020204" pitchFamily="34" charset="0"/>
+              <a:buChar char="•"/>
+            </a:pPr>
+            <a:endParaRPr lang="en-GB" sz="1400" dirty="0">
+              <a:solidFill>
+                <a:schemeClr val="bg1">
+                  <a:lumMod val="50000"/>
+                </a:schemeClr>
+              </a:solidFill>
+            </a:endParaRPr>
+          </a:p>
+        </p:txBody>
+      </p:sp>
+      <p:sp>
+        <p:nvSpPr>
+          <p:cNvPr id="5" name="Title 1"/>
+          <p:cNvSpPr txBox="1">
+            <a:spLocks/>
+          </p:cNvSpPr>
+          <p:nvPr/>
+        </p:nvSpPr>
+        <p:spPr>
+          <a:xfrm>
+            <a:off x="342476" y="566655"/>
+            <a:ext cx="5838662" cy="390922"/>
+          </a:xfrm>
+          <a:prstGeom prst="rect">
+            <a:avLst/>
+          </a:prstGeom>
+        </p:spPr>
+        <p:txBody>
+          <a:bodyPr/>
+          <a:lstStyle>
+            <a:lvl1pPr algn="ctr" defTabSz="457200" rtl="0" eaLnBrk="1" latinLnBrk="0" hangingPunct="1">
+              <a:spcBef>
+                <a:spcPct val="0"/>
+              </a:spcBef>
+              <a:buNone/>
+              <a:defRPr sz="4400" kern="1200">
+                <a:solidFill>
+                  <a:schemeClr val="tx1"/>
+                </a:solidFill>
+                <a:latin typeface="+mj-lt"/>
+                <a:ea typeface="+mj-ea"/>
+                <a:cs typeface="+mj-cs"/>
+              </a:defRPr>
+            </a:lvl1pPr>
+          </a:lstStyle>
+          <a:p>
+            <a:pPr algn="l"/>
+            <a:r>
+              <a:rPr lang="en-GB" baseline="30000" dirty="0">
+                <a:solidFill>
+                  <a:schemeClr val="bg1">
+                    <a:lumMod val="50000"/>
+                  </a:schemeClr>
+                </a:solidFill>
+                <a:latin typeface="+mn-lt"/>
+                <a:cs typeface="Arial"/>
+              </a:rPr>
+              <a:t>The </a:t>
+            </a:r>
+            <a:r>
+              <a:rPr lang="en-GB" baseline="30000" dirty="0" smtClean="0">
+                <a:solidFill>
+                  <a:schemeClr val="bg1">
+                    <a:lumMod val="50000"/>
+                  </a:schemeClr>
+                </a:solidFill>
+                <a:latin typeface="+mn-lt"/>
+                <a:cs typeface="Arial"/>
+              </a:rPr>
+              <a:t>Clusters</a:t>
+            </a:r>
+            <a:endParaRPr lang="en-GB" baseline="30000" dirty="0">
+              <a:solidFill>
+                <a:schemeClr val="bg1">
+                  <a:lumMod val="50000"/>
+                </a:schemeClr>
+              </a:solidFill>
+              <a:latin typeface="+mn-lt"/>
+              <a:cs typeface="Arial"/>
+            </a:endParaRPr>
+          </a:p>
+        </p:txBody>
+      </p:sp>
+      <p:graphicFrame>
+        <p:nvGraphicFramePr>
+          <p:cNvPr id="3" name="Table 2"/>
+          <p:cNvGraphicFramePr>
+            <a:graphicFrameLocks noGrp="1"/>
+          </p:cNvGraphicFramePr>
+          <p:nvPr>
+            <p:extLst>
+              <p:ext uri="{D42A27DB-BD31-4B8C-83A1-F6EECF244321}">
+                <p14:modId xmlns:p14="http://schemas.microsoft.com/office/powerpoint/2010/main" val="4036596507"/>
+              </p:ext>
+            </p:extLst>
+          </p:nvPr>
+        </p:nvGraphicFramePr>
+        <p:xfrm>
+          <a:off x="457200" y="2818623"/>
+          <a:ext cx="8229600" cy="3647616"/>
+        </p:xfrm>
+        <a:graphic>
+          <a:graphicData uri="http://schemas.openxmlformats.org/drawingml/2006/table">
+            <a:tbl>
+              <a:tblPr/>
+              <a:tblGrid>
+                <a:gridCol w="177617"/>
+                <a:gridCol w="1530892"/>
+                <a:gridCol w="1201031"/>
+                <a:gridCol w="1201031"/>
+                <a:gridCol w="1201031"/>
+                <a:gridCol w="1201031"/>
+                <a:gridCol w="549768"/>
+                <a:gridCol w="549768"/>
+                <a:gridCol w="617431"/>
+              </a:tblGrid>
+              <a:tr h="339656">
+                <a:tc>
+                  <a:txBody>
+                    <a:bodyPr/>
+                    <a:lstStyle/>
+                    <a:p>
+                      <a:pPr algn="l" fontAlgn="b"/>
+                      <a:endParaRPr lang="en-US" sz="800" b="0" i="0" u="none" strike="noStrike">
+                        <a:solidFill>
+                          <a:srgbClr val="000000"/>
+                        </a:solidFill>
+                        <a:effectLst/>
+                        <a:latin typeface="Calibri"/>
+                      </a:endParaRPr>
+                    </a:p>
+                  </a:txBody>
+                  <a:tcPr marL="8458" marR="8458" marT="8458" marB="0" anchor="b">
+                    <a:lnL>
+                      <a:noFill/>
+                    </a:lnL>
+                    <a:lnR>
+                      <a:noFill/>
+                    </a:lnR>
+                    <a:lnT>
+                      <a:noFill/>
+                    </a:lnT>
+                    <a:lnB>
+                      <a:noFill/>
+                    </a:lnB>
+                  </a:tcPr>
+                </a:tc>
+                <a:tc>
+                  <a:txBody>
+                    <a:bodyPr/>
+                    <a:lstStyle/>
+                    <a:p>
+                      <a:pPr algn="l" fontAlgn="b"/>
+                      <a:endParaRPr lang="en-US" sz="800" b="0" i="0" u="none" strike="noStrike">
+                        <a:solidFill>
+                          <a:srgbClr val="000000"/>
+                        </a:solidFill>
+                        <a:effectLst/>
+                        <a:latin typeface="Calibri"/>
+                      </a:endParaRPr>
+                    </a:p>
+                  </a:txBody>
+                  <a:tcPr marL="8458" marR="8458" marT="8458" marB="0" anchor="b">
+                    <a:lnL>
+                      <a:noFill/>
+                    </a:lnL>
+                    <a:lnR>
+                      <a:noFill/>
+                    </a:lnR>
+                    <a:lnT>
+                      <a:noFill/>
+                    </a:lnT>
+                    <a:lnB w="6350" cap="flat" cmpd="sng" algn="ctr">
+                      <a:solidFill>
+                        <a:srgbClr val="000000"/>
+                      </a:solidFill>
+                      <a:prstDash val="solid"/>
+                      <a:round/>
+                      <a:headEnd type="none" w="med" len="med"/>
+                      <a:tailEnd type="none" w="med" len="med"/>
+                    </a:lnB>
+                  </a:tcPr>
+                </a:tc>
+                <a:tc gridSpan="4">
+                  <a:txBody>
+                    <a:bodyPr/>
+                    <a:lstStyle/>
+                    <a:p>
+                      <a:pPr algn="ctr" fontAlgn="b"/>
+                      <a:r>
+                        <a:rPr lang="en-US" sz="1200" b="1" i="0" u="none" strike="noStrike">
+                          <a:solidFill>
+                            <a:srgbClr val="000000"/>
+                          </a:solidFill>
+                          <a:effectLst/>
+                          <a:latin typeface="Calibri"/>
+                        </a:rPr>
+                        <a:t>Clusters</a:t>
+                      </a:r>
+                    </a:p>
+                  </a:txBody>
+                  <a:tcPr marL="8458" marR="8458" marT="8458" marB="0" anchor="b">
+                    <a:lnL>
+                      <a:noFill/>
+                    </a:lnL>
+                    <a:lnR>
+                      <a:noFill/>
+                    </a:lnR>
+                    <a:lnT>
+                      <a:noFill/>
+                    </a:lnT>
+                    <a:lnB w="6350" cap="flat" cmpd="sng" algn="ctr">
+                      <a:solidFill>
+                        <a:srgbClr val="000000"/>
+                      </a:solidFill>
+                      <a:prstDash val="solid"/>
+                      <a:round/>
+                      <a:headEnd type="none" w="med" len="med"/>
+                      <a:tailEnd type="none" w="med" len="med"/>
+                    </a:lnB>
+                  </a:tcPr>
+                </a:tc>
+                <a:tc hMerge="1">
+                  <a:txBody>
+                    <a:bodyPr/>
+                    <a:lstStyle/>
+                    <a:p>
+                      <a:endParaRPr lang="en-US"/>
+                    </a:p>
+                  </a:txBody>
+                  <a:tcPr/>
+                </a:tc>
+                <a:tc hMerge="1">
+                  <a:txBody>
+                    <a:bodyPr/>
+                    <a:lstStyle/>
+                    <a:p>
+                      <a:endParaRPr lang="en-US"/>
+                    </a:p>
+                  </a:txBody>
+                  <a:tcPr/>
+                </a:tc>
+                <a:tc hMerge="1">
+                  <a:txBody>
+                    <a:bodyPr/>
+                    <a:lstStyle/>
+                    <a:p>
+                      <a:endParaRPr lang="en-US"/>
+                    </a:p>
+                  </a:txBody>
+                  <a:tcPr/>
+                </a:tc>
+                <a:tc>
+                  <a:txBody>
+                    <a:bodyPr/>
+                    <a:lstStyle/>
+                    <a:p>
+                      <a:pPr algn="l" fontAlgn="b"/>
+                      <a:endParaRPr lang="en-US" sz="800" b="0" i="0" u="none" strike="noStrike">
+                        <a:solidFill>
+                          <a:srgbClr val="000000"/>
+                        </a:solidFill>
+                        <a:effectLst/>
+                        <a:latin typeface="Calibri"/>
+                      </a:endParaRPr>
+                    </a:p>
+                  </a:txBody>
+                  <a:tcPr marL="8458" marR="8458" marT="8458" marB="0" anchor="b">
+                    <a:lnL>
+                      <a:noFill/>
+                    </a:lnL>
+                    <a:lnR>
+                      <a:noFill/>
+                    </a:lnR>
+                    <a:lnT>
+                      <a:noFill/>
+                    </a:lnT>
+                    <a:lnB>
+                      <a:noFill/>
+                    </a:lnB>
+                  </a:tcPr>
+                </a:tc>
+                <a:tc>
+                  <a:txBody>
+                    <a:bodyPr/>
+                    <a:lstStyle/>
+                    <a:p>
+                      <a:pPr algn="l" fontAlgn="b"/>
+                      <a:endParaRPr lang="en-US" sz="800" b="0" i="0" u="none" strike="noStrike">
+                        <a:solidFill>
+                          <a:srgbClr val="000000"/>
+                        </a:solidFill>
+                        <a:effectLst/>
+                        <a:latin typeface="Calibri"/>
+                      </a:endParaRPr>
+                    </a:p>
+                  </a:txBody>
+                  <a:tcPr marL="8458" marR="8458" marT="8458" marB="0" anchor="b">
+                    <a:lnL>
+                      <a:noFill/>
+                    </a:lnL>
+                    <a:lnR>
+                      <a:noFill/>
+                    </a:lnR>
+                    <a:lnT>
+                      <a:noFill/>
+                    </a:lnT>
+                    <a:lnB>
+                      <a:noFill/>
+                    </a:lnB>
+                  </a:tcPr>
+                </a:tc>
+                <a:tc>
+                  <a:txBody>
+                    <a:bodyPr/>
+                    <a:lstStyle/>
+                    <a:p>
+                      <a:pPr algn="l" fontAlgn="b"/>
+                      <a:endParaRPr lang="en-US" sz="800" b="0" i="0" u="none" strike="noStrike">
+                        <a:solidFill>
+                          <a:srgbClr val="000000"/>
+                        </a:solidFill>
+                        <a:effectLst/>
+                        <a:latin typeface="Calibri"/>
+                      </a:endParaRPr>
+                    </a:p>
+                  </a:txBody>
+                  <a:tcPr marL="8458" marR="8458" marT="8458" marB="0" anchor="b">
+                    <a:lnL>
+                      <a:noFill/>
+                    </a:lnL>
+                    <a:lnR>
+                      <a:noFill/>
+                    </a:lnR>
+                    <a:lnT>
+                      <a:noFill/>
+                    </a:lnT>
+                    <a:lnB>
+                      <a:noFill/>
+                    </a:lnB>
+                  </a:tcPr>
+                </a:tc>
+              </a:tr>
+              <a:tr h="413495">
+                <a:tc>
+                  <a:txBody>
+                    <a:bodyPr/>
+                    <a:lstStyle/>
+                    <a:p>
+                      <a:pPr algn="l" fontAlgn="b"/>
+                      <a:endParaRPr lang="en-US" sz="800" b="0" i="0" u="none" strike="noStrike">
+                        <a:solidFill>
+                          <a:srgbClr val="000000"/>
+                        </a:solidFill>
+                        <a:effectLst/>
+                        <a:latin typeface="Calibri"/>
+                      </a:endParaRPr>
+                    </a:p>
+                  </a:txBody>
+                  <a:tcPr marL="8458" marR="8458" marT="8458" marB="0" anchor="b">
+                    <a:lnL>
+                      <a:noFill/>
+                    </a:lnL>
+                    <a:lnR w="6350" cap="flat" cmpd="sng" algn="ctr">
+                      <a:solidFill>
+                        <a:srgbClr val="000000"/>
+                      </a:solidFill>
+                      <a:prstDash val="solid"/>
+                      <a:round/>
+                      <a:headEnd type="none" w="med" len="med"/>
+                      <a:tailEnd type="none" w="med" len="med"/>
+                    </a:lnR>
+                    <a:lnT>
+                      <a:noFill/>
+                    </a:lnT>
+                    <a:lnB>
+                      <a:noFill/>
+                    </a:lnB>
+                  </a:tcPr>
+                </a:tc>
+                <a:tc>
+                  <a:txBody>
+                    <a:bodyPr/>
+                    <a:lstStyle/>
+                    <a:p>
+                      <a:pPr algn="l" fontAlgn="b"/>
+                      <a:r>
+                        <a:rPr lang="en-US" sz="800" b="0" i="0" u="none" strike="noStrike">
+                          <a:solidFill>
+                            <a:srgbClr val="000000"/>
+                          </a:solidFill>
+                          <a:effectLst/>
+                          <a:latin typeface="Calibri"/>
+                        </a:rPr>
+                        <a:t> </a:t>
+                      </a:r>
+                    </a:p>
+                  </a:txBody>
+                  <a:tcPr marL="8458" marR="8458" marT="8458" marB="0" anchor="b">
+                    <a:lnL w="6350" cap="flat" cmpd="sng" algn="ctr">
+                      <a:solidFill>
+                        <a:srgbClr val="000000"/>
+                      </a:solidFill>
+                      <a:prstDash val="solid"/>
+                      <a:round/>
+                      <a:headEnd type="none" w="med" len="med"/>
+                      <a:tailEnd type="none" w="med" len="med"/>
+                    </a:lnL>
+                    <a:lnR w="6350" cap="flat" cmpd="sng" algn="ctr">
+                      <a:solidFill>
+                        <a:srgbClr val="000000"/>
+                      </a:solidFill>
+                      <a:prstDash val="solid"/>
+                      <a:round/>
+                      <a:headEnd type="none" w="med" len="med"/>
+                      <a:tailEnd type="none" w="med" len="med"/>
+                    </a:lnR>
+                    <a:lnT w="6350" cap="flat" cmpd="sng" algn="ctr">
+                      <a:solidFill>
+                        <a:srgbClr val="000000"/>
+                      </a:solidFill>
+                      <a:prstDash val="solid"/>
+                      <a:round/>
+                      <a:headEnd type="none" w="med" len="med"/>
+                      <a:tailEnd type="none" w="med" len="med"/>
+                    </a:lnT>
+                    <a:lnB w="6350" cap="flat" cmpd="sng" algn="ctr">
+                      <a:solidFill>
+                        <a:srgbClr val="000000"/>
+                      </a:solidFill>
+                      <a:prstDash val="solid"/>
+                      <a:round/>
+                      <a:headEnd type="none" w="med" len="med"/>
+                      <a:tailEnd type="none" w="med" len="med"/>
+                    </a:lnB>
+                    <a:solidFill>
+                      <a:srgbClr val="D9D9D9"/>
+                    </a:solidFill>
+                  </a:tcPr>
+                </a:tc>
+                <a:tc>
+                  <a:txBody>
+                    <a:bodyPr/>
+                    <a:lstStyle/>
+                    <a:p>
+                      <a:pPr algn="ctr" fontAlgn="ctr"/>
+                      <a:r>
+                        <a:rPr lang="en-US" sz="900" b="1" i="0" u="none" strike="noStrike" dirty="0">
+                          <a:solidFill>
+                            <a:srgbClr val="000000"/>
+                          </a:solidFill>
+                          <a:effectLst/>
+                          <a:latin typeface="Calibri"/>
+                        </a:rPr>
+                        <a:t>a. Strong but Simple</a:t>
+                      </a:r>
+                    </a:p>
+                  </a:txBody>
+                  <a:tcPr marL="8458" marR="8458" marT="8458" marB="0" anchor="ctr">
+                    <a:lnL w="6350" cap="flat" cmpd="sng" algn="ctr">
+                      <a:solidFill>
+                        <a:srgbClr val="000000"/>
+                      </a:solidFill>
+                      <a:prstDash val="solid"/>
+                      <a:round/>
+                      <a:headEnd type="none" w="med" len="med"/>
+                      <a:tailEnd type="none" w="med" len="med"/>
+                    </a:lnL>
+                    <a:lnR w="6350" cap="flat" cmpd="sng" algn="ctr">
+                      <a:solidFill>
+                        <a:srgbClr val="000000"/>
+                      </a:solidFill>
+                      <a:prstDash val="solid"/>
+                      <a:round/>
+                      <a:headEnd type="none" w="med" len="med"/>
+                      <a:tailEnd type="none" w="med" len="med"/>
+                    </a:lnR>
+                    <a:lnT w="6350" cap="flat" cmpd="sng" algn="ctr">
+                      <a:solidFill>
+                        <a:srgbClr val="000000"/>
+                      </a:solidFill>
+                      <a:prstDash val="solid"/>
+                      <a:round/>
+                      <a:headEnd type="none" w="med" len="med"/>
+                      <a:tailEnd type="none" w="med" len="med"/>
+                    </a:lnT>
+                    <a:lnB w="6350" cap="flat" cmpd="sng" algn="ctr">
+                      <a:solidFill>
+                        <a:srgbClr val="000000"/>
+                      </a:solidFill>
+                      <a:prstDash val="solid"/>
+                      <a:round/>
+                      <a:headEnd type="none" w="med" len="med"/>
+                      <a:tailEnd type="none" w="med" len="med"/>
+                    </a:lnB>
+                    <a:solidFill>
+                      <a:srgbClr val="D9D9D9"/>
+                    </a:solidFill>
+                  </a:tcPr>
+                </a:tc>
+                <a:tc>
+                  <a:txBody>
+                    <a:bodyPr/>
+                    <a:lstStyle/>
+                    <a:p>
+                      <a:pPr algn="ctr" fontAlgn="ctr"/>
+                      <a:r>
+                        <a:rPr lang="en-US" sz="900" b="1" i="0" u="none" strike="noStrike" dirty="0">
+                          <a:solidFill>
+                            <a:srgbClr val="000000"/>
+                          </a:solidFill>
+                          <a:effectLst/>
+                          <a:latin typeface="Calibri"/>
+                        </a:rPr>
+                        <a:t>b. Frequent </a:t>
+                      </a:r>
+                      <a:r>
+                        <a:rPr lang="en-US" sz="900" b="1" i="0" u="none" strike="noStrike">
+                          <a:solidFill>
+                            <a:srgbClr val="000000"/>
+                          </a:solidFill>
+                          <a:effectLst/>
+                          <a:latin typeface="Calibri"/>
+                        </a:rPr>
+                        <a:t>and </a:t>
+                      </a:r>
+                      <a:r>
+                        <a:rPr lang="en-US" sz="900" b="1" i="0" u="none" strike="noStrike" smtClean="0">
+                          <a:solidFill>
+                            <a:srgbClr val="000000"/>
+                          </a:solidFill>
+                          <a:effectLst/>
+                          <a:latin typeface="Calibri"/>
+                        </a:rPr>
+                        <a:t>Careful</a:t>
+                      </a:r>
+                      <a:endParaRPr lang="en-US" sz="900" b="1" i="0" u="none" strike="noStrike" dirty="0">
+                        <a:solidFill>
+                          <a:srgbClr val="000000"/>
+                        </a:solidFill>
+                        <a:effectLst/>
+                        <a:latin typeface="Calibri"/>
+                      </a:endParaRPr>
+                    </a:p>
+                  </a:txBody>
+                  <a:tcPr marL="8458" marR="8458" marT="8458" marB="0" anchor="ctr">
+                    <a:lnL w="6350" cap="flat" cmpd="sng" algn="ctr">
+                      <a:solidFill>
+                        <a:srgbClr val="000000"/>
+                      </a:solidFill>
+                      <a:prstDash val="solid"/>
+                      <a:round/>
+                      <a:headEnd type="none" w="med" len="med"/>
+                      <a:tailEnd type="none" w="med" len="med"/>
+                    </a:lnL>
+                    <a:lnR w="6350" cap="flat" cmpd="sng" algn="ctr">
+                      <a:solidFill>
+                        <a:srgbClr val="000000"/>
+                      </a:solidFill>
+                      <a:prstDash val="solid"/>
+                      <a:round/>
+                      <a:headEnd type="none" w="med" len="med"/>
+                      <a:tailEnd type="none" w="med" len="med"/>
+                    </a:lnR>
+                    <a:lnT w="6350" cap="flat" cmpd="sng" algn="ctr">
+                      <a:solidFill>
+                        <a:srgbClr val="000000"/>
+                      </a:solidFill>
+                      <a:prstDash val="solid"/>
+                      <a:round/>
+                      <a:headEnd type="none" w="med" len="med"/>
+                      <a:tailEnd type="none" w="med" len="med"/>
+                    </a:lnT>
+                    <a:lnB w="6350" cap="flat" cmpd="sng" algn="ctr">
+                      <a:solidFill>
+                        <a:srgbClr val="000000"/>
+                      </a:solidFill>
+                      <a:prstDash val="solid"/>
+                      <a:round/>
+                      <a:headEnd type="none" w="med" len="med"/>
+                      <a:tailEnd type="none" w="med" len="med"/>
+                    </a:lnB>
+                    <a:solidFill>
+                      <a:srgbClr val="D9D9D9"/>
+                    </a:solidFill>
+                  </a:tcPr>
+                </a:tc>
+                <a:tc>
+                  <a:txBody>
+                    <a:bodyPr/>
+                    <a:lstStyle/>
+                    <a:p>
+                      <a:pPr algn="ctr" fontAlgn="ctr"/>
+                      <a:r>
+                        <a:rPr lang="en-US" sz="900" b="1" i="0" u="none" strike="noStrike" dirty="0">
+                          <a:solidFill>
+                            <a:srgbClr val="000000"/>
+                          </a:solidFill>
+                          <a:effectLst/>
+                          <a:latin typeface="Calibri"/>
+                        </a:rPr>
+                        <a:t>c. Fast then Win</a:t>
+                      </a:r>
+                    </a:p>
+                  </a:txBody>
+                  <a:tcPr marL="8458" marR="8458" marT="8458" marB="0" anchor="ctr">
+                    <a:lnL w="6350" cap="flat" cmpd="sng" algn="ctr">
+                      <a:solidFill>
+                        <a:srgbClr val="000000"/>
+                      </a:solidFill>
+                      <a:prstDash val="solid"/>
+                      <a:round/>
+                      <a:headEnd type="none" w="med" len="med"/>
+                      <a:tailEnd type="none" w="med" len="med"/>
+                    </a:lnL>
+                    <a:lnR w="6350" cap="flat" cmpd="sng" algn="ctr">
+                      <a:solidFill>
+                        <a:srgbClr val="000000"/>
+                      </a:solidFill>
+                      <a:prstDash val="solid"/>
+                      <a:round/>
+                      <a:headEnd type="none" w="med" len="med"/>
+                      <a:tailEnd type="none" w="med" len="med"/>
+                    </a:lnR>
+                    <a:lnT w="6350" cap="flat" cmpd="sng" algn="ctr">
+                      <a:solidFill>
+                        <a:srgbClr val="000000"/>
+                      </a:solidFill>
+                      <a:prstDash val="solid"/>
+                      <a:round/>
+                      <a:headEnd type="none" w="med" len="med"/>
+                      <a:tailEnd type="none" w="med" len="med"/>
+                    </a:lnT>
+                    <a:lnB w="6350" cap="flat" cmpd="sng" algn="ctr">
+                      <a:solidFill>
+                        <a:srgbClr val="000000"/>
+                      </a:solidFill>
+                      <a:prstDash val="solid"/>
+                      <a:round/>
+                      <a:headEnd type="none" w="med" len="med"/>
+                      <a:tailEnd type="none" w="med" len="med"/>
+                    </a:lnB>
+                    <a:solidFill>
+                      <a:srgbClr val="D9D9D9"/>
+                    </a:solidFill>
+                  </a:tcPr>
+                </a:tc>
+                <a:tc>
+                  <a:txBody>
+                    <a:bodyPr/>
+                    <a:lstStyle/>
+                    <a:p>
+                      <a:pPr algn="ctr" fontAlgn="ctr"/>
+                      <a:r>
+                        <a:rPr lang="en-US" sz="900" b="1" i="0" u="none" strike="noStrike" dirty="0">
+                          <a:solidFill>
+                            <a:srgbClr val="000000"/>
+                          </a:solidFill>
+                          <a:effectLst/>
+                          <a:latin typeface="Calibri"/>
+                        </a:rPr>
+                        <a:t>d. Casual and </a:t>
+                      </a:r>
+                      <a:r>
+                        <a:rPr lang="en-US" sz="900" b="1" i="0" u="none" strike="noStrike" dirty="0" smtClean="0">
+                          <a:solidFill>
+                            <a:srgbClr val="000000"/>
+                          </a:solidFill>
+                          <a:effectLst/>
+                          <a:latin typeface="Calibri"/>
+                        </a:rPr>
+                        <a:t>Bold</a:t>
+                      </a:r>
+                      <a:endParaRPr lang="en-US" sz="900" b="1" i="0" u="none" strike="noStrike" dirty="0">
+                        <a:solidFill>
+                          <a:srgbClr val="000000"/>
+                        </a:solidFill>
+                        <a:effectLst/>
+                        <a:latin typeface="Calibri"/>
+                      </a:endParaRPr>
+                    </a:p>
+                  </a:txBody>
+                  <a:tcPr marL="8458" marR="8458" marT="8458" marB="0" anchor="ctr">
+                    <a:lnL w="6350" cap="flat" cmpd="sng" algn="ctr">
+                      <a:solidFill>
+                        <a:srgbClr val="000000"/>
+                      </a:solidFill>
+                      <a:prstDash val="solid"/>
+                      <a:round/>
+                      <a:headEnd type="none" w="med" len="med"/>
+                      <a:tailEnd type="none" w="med" len="med"/>
+                    </a:lnL>
+                    <a:lnR w="6350" cap="flat" cmpd="sng" algn="ctr">
+                      <a:solidFill>
+                        <a:srgbClr val="000000"/>
+                      </a:solidFill>
+                      <a:prstDash val="solid"/>
+                      <a:round/>
+                      <a:headEnd type="none" w="med" len="med"/>
+                      <a:tailEnd type="none" w="med" len="med"/>
+                    </a:lnR>
+                    <a:lnT w="6350" cap="flat" cmpd="sng" algn="ctr">
+                      <a:solidFill>
+                        <a:srgbClr val="000000"/>
+                      </a:solidFill>
+                      <a:prstDash val="solid"/>
+                      <a:round/>
+                      <a:headEnd type="none" w="med" len="med"/>
+                      <a:tailEnd type="none" w="med" len="med"/>
+                    </a:lnT>
+                    <a:lnB w="6350" cap="flat" cmpd="sng" algn="ctr">
+                      <a:solidFill>
+                        <a:srgbClr val="000000"/>
+                      </a:solidFill>
+                      <a:prstDash val="solid"/>
+                      <a:round/>
+                      <a:headEnd type="none" w="med" len="med"/>
+                      <a:tailEnd type="none" w="med" len="med"/>
+                    </a:lnB>
+                    <a:solidFill>
+                      <a:srgbClr val="D9D9D9"/>
+                    </a:solidFill>
+                  </a:tcPr>
+                </a:tc>
+                <a:tc>
+                  <a:txBody>
+                    <a:bodyPr/>
+                    <a:lstStyle/>
+                    <a:p>
+                      <a:pPr algn="l" fontAlgn="b"/>
+                      <a:endParaRPr lang="en-US" sz="800" b="0" i="0" u="none" strike="noStrike">
+                        <a:solidFill>
+                          <a:srgbClr val="000000"/>
+                        </a:solidFill>
+                        <a:effectLst/>
+                        <a:latin typeface="Calibri"/>
+                      </a:endParaRPr>
+                    </a:p>
+                  </a:txBody>
+                  <a:tcPr marL="8458" marR="8458" marT="8458" marB="0" anchor="b">
+                    <a:lnL w="6350" cap="flat" cmpd="sng" algn="ctr">
+                      <a:solidFill>
+                        <a:srgbClr val="000000"/>
+                      </a:solidFill>
+                      <a:prstDash val="solid"/>
+                      <a:round/>
+                      <a:headEnd type="none" w="med" len="med"/>
+                      <a:tailEnd type="none" w="med" len="med"/>
+                    </a:lnL>
+                    <a:lnR>
+                      <a:noFill/>
+                    </a:lnR>
+                    <a:lnT>
+                      <a:noFill/>
+                    </a:lnT>
+                    <a:lnB>
+                      <a:noFill/>
+                    </a:lnB>
+                  </a:tcPr>
+                </a:tc>
+                <a:tc>
+                  <a:txBody>
+                    <a:bodyPr/>
+                    <a:lstStyle/>
+                    <a:p>
+                      <a:pPr algn="l" fontAlgn="b"/>
+                      <a:endParaRPr lang="en-US" sz="800" b="0" i="0" u="none" strike="noStrike">
+                        <a:solidFill>
+                          <a:srgbClr val="000000"/>
+                        </a:solidFill>
+                        <a:effectLst/>
+                        <a:latin typeface="Calibri"/>
+                      </a:endParaRPr>
+                    </a:p>
+                  </a:txBody>
+                  <a:tcPr marL="8458" marR="8458" marT="8458" marB="0" anchor="b">
+                    <a:lnL>
+                      <a:noFill/>
+                    </a:lnL>
+                    <a:lnR>
+                      <a:noFill/>
+                    </a:lnR>
+                    <a:lnT>
+                      <a:noFill/>
+                    </a:lnT>
+                    <a:lnB w="6350" cap="flat" cmpd="sng" algn="ctr">
+                      <a:solidFill>
+                        <a:srgbClr val="000000"/>
+                      </a:solidFill>
+                      <a:prstDash val="solid"/>
+                      <a:round/>
+                      <a:headEnd type="none" w="med" len="med"/>
+                      <a:tailEnd type="none" w="med" len="med"/>
+                    </a:lnB>
+                  </a:tcPr>
+                </a:tc>
+                <a:tc>
+                  <a:txBody>
+                    <a:bodyPr/>
+                    <a:lstStyle/>
+                    <a:p>
+                      <a:pPr algn="l" fontAlgn="b"/>
+                      <a:endParaRPr lang="en-US" sz="800" b="0" i="0" u="none" strike="noStrike">
+                        <a:solidFill>
+                          <a:srgbClr val="000000"/>
+                        </a:solidFill>
+                        <a:effectLst/>
+                        <a:latin typeface="Calibri"/>
+                      </a:endParaRPr>
+                    </a:p>
+                  </a:txBody>
+                  <a:tcPr marL="8458" marR="8458" marT="8458" marB="0" anchor="b">
+                    <a:lnL>
+                      <a:noFill/>
+                    </a:lnL>
+                    <a:lnR>
+                      <a:noFill/>
+                    </a:lnR>
+                    <a:lnT>
+                      <a:noFill/>
+                    </a:lnT>
+                    <a:lnB>
+                      <a:noFill/>
+                    </a:lnB>
+                  </a:tcPr>
+                </a:tc>
+              </a:tr>
+              <a:tr h="413495">
+                <a:tc rowSpan="7">
+                  <a:txBody>
+                    <a:bodyPr/>
+                    <a:lstStyle/>
+                    <a:p>
+                      <a:pPr algn="ctr" fontAlgn="ctr"/>
+                      <a:r>
+                        <a:rPr lang="en-US" sz="1200" b="1" i="0" u="none" strike="noStrike">
+                          <a:solidFill>
+                            <a:srgbClr val="000000"/>
+                          </a:solidFill>
+                          <a:effectLst/>
+                          <a:latin typeface="Calibri"/>
+                        </a:rPr>
+                        <a:t>Dimenstions</a:t>
+                      </a:r>
+                    </a:p>
+                  </a:txBody>
+                  <a:tcPr marL="8458" marR="8458" marT="8458" marB="0" vert="vert270" anchor="ctr">
+                    <a:lnL>
+                      <a:noFill/>
+                    </a:lnL>
+                    <a:lnR w="6350" cap="flat" cmpd="sng" algn="ctr">
+                      <a:solidFill>
+                        <a:srgbClr val="000000"/>
+                      </a:solidFill>
+                      <a:prstDash val="solid"/>
+                      <a:round/>
+                      <a:headEnd type="none" w="med" len="med"/>
+                      <a:tailEnd type="none" w="med" len="med"/>
+                    </a:lnR>
+                    <a:lnT>
+                      <a:noFill/>
+                    </a:lnT>
+                    <a:lnB>
+                      <a:noFill/>
+                    </a:lnB>
+                  </a:tcPr>
+                </a:tc>
+                <a:tc>
+                  <a:txBody>
+                    <a:bodyPr/>
+                    <a:lstStyle/>
+                    <a:p>
+                      <a:pPr algn="l" fontAlgn="ctr"/>
+                      <a:r>
+                        <a:rPr lang="en-US" sz="900" b="1" i="0" u="none" strike="noStrike" dirty="0">
+                          <a:solidFill>
+                            <a:srgbClr val="000000"/>
+                          </a:solidFill>
+                          <a:effectLst/>
+                          <a:latin typeface="Calibri"/>
+                        </a:rPr>
+                        <a:t>No. of Transactions per Bet</a:t>
+                      </a:r>
+                    </a:p>
+                  </a:txBody>
+                  <a:tcPr marL="8458" marR="8458" marT="8458" marB="0" anchor="ctr">
+                    <a:lnL w="6350" cap="flat" cmpd="sng" algn="ctr">
+                      <a:solidFill>
+                        <a:srgbClr val="000000"/>
+                      </a:solidFill>
+                      <a:prstDash val="solid"/>
+                      <a:round/>
+                      <a:headEnd type="none" w="med" len="med"/>
+                      <a:tailEnd type="none" w="med" len="med"/>
+                    </a:lnL>
+                    <a:lnR w="6350" cap="flat" cmpd="sng" algn="ctr">
+                      <a:solidFill>
+                        <a:srgbClr val="000000"/>
+                      </a:solidFill>
+                      <a:prstDash val="solid"/>
+                      <a:round/>
+                      <a:headEnd type="none" w="med" len="med"/>
+                      <a:tailEnd type="none" w="med" len="med"/>
+                    </a:lnR>
+                    <a:lnT w="6350" cap="flat" cmpd="sng" algn="ctr">
+                      <a:solidFill>
+                        <a:srgbClr val="000000"/>
+                      </a:solidFill>
+                      <a:prstDash val="solid"/>
+                      <a:round/>
+                      <a:headEnd type="none" w="med" len="med"/>
+                      <a:tailEnd type="none" w="med" len="med"/>
+                    </a:lnT>
+                    <a:lnB w="6350" cap="flat" cmpd="sng" algn="ctr">
+                      <a:solidFill>
+                        <a:srgbClr val="000000"/>
+                      </a:solidFill>
+                      <a:prstDash val="solid"/>
+                      <a:round/>
+                      <a:headEnd type="none" w="med" len="med"/>
+                      <a:tailEnd type="none" w="med" len="med"/>
+                    </a:lnB>
+                    <a:solidFill>
+                      <a:srgbClr val="D9D9D9"/>
+                    </a:solidFill>
+                  </a:tcPr>
+                </a:tc>
+                <a:tc>
+                  <a:txBody>
+                    <a:bodyPr/>
+                    <a:lstStyle/>
+                    <a:p>
+                      <a:pPr algn="l" fontAlgn="b"/>
+                      <a:r>
+                        <a:rPr lang="en-US" sz="800" b="0" i="0" u="none" strike="noStrike">
+                          <a:solidFill>
+                            <a:srgbClr val="000000"/>
+                          </a:solidFill>
+                          <a:effectLst/>
+                          <a:latin typeface="Calibri"/>
+                        </a:rPr>
+                        <a:t> </a:t>
+                      </a:r>
+                    </a:p>
+                  </a:txBody>
+                  <a:tcPr marL="8458" marR="8458" marT="8458" marB="0" anchor="b">
+                    <a:lnL w="6350" cap="flat" cmpd="sng" algn="ctr">
+                      <a:solidFill>
+                        <a:srgbClr val="000000"/>
+                      </a:solidFill>
+                      <a:prstDash val="solid"/>
+                      <a:round/>
+                      <a:headEnd type="none" w="med" len="med"/>
+                      <a:tailEnd type="none" w="med" len="med"/>
+                    </a:lnL>
+                    <a:lnR w="6350" cap="flat" cmpd="sng" algn="ctr">
+                      <a:solidFill>
+                        <a:srgbClr val="000000"/>
+                      </a:solidFill>
+                      <a:prstDash val="solid"/>
+                      <a:round/>
+                      <a:headEnd type="none" w="med" len="med"/>
+                      <a:tailEnd type="none" w="med" len="med"/>
+                    </a:lnR>
+                    <a:lnT w="6350" cap="flat" cmpd="sng" algn="ctr">
+                      <a:solidFill>
+                        <a:srgbClr val="000000"/>
+                      </a:solidFill>
+                      <a:prstDash val="solid"/>
+                      <a:round/>
+                      <a:headEnd type="none" w="med" len="med"/>
+                      <a:tailEnd type="none" w="med" len="med"/>
+                    </a:lnT>
+                    <a:lnB w="6350" cap="flat" cmpd="sng" algn="ctr">
+                      <a:solidFill>
+                        <a:srgbClr val="000000"/>
+                      </a:solidFill>
+                      <a:prstDash val="solid"/>
+                      <a:round/>
+                      <a:headEnd type="none" w="med" len="med"/>
+                      <a:tailEnd type="none" w="med" len="med"/>
+                    </a:lnB>
+                    <a:solidFill>
+                      <a:srgbClr val="E26B0A"/>
+                    </a:solidFill>
+                  </a:tcPr>
+                </a:tc>
+                <a:tc>
+                  <a:txBody>
+                    <a:bodyPr/>
+                    <a:lstStyle/>
+                    <a:p>
+                      <a:pPr algn="l" fontAlgn="b"/>
+                      <a:r>
+                        <a:rPr lang="en-US" sz="800" b="0" i="0" u="none" strike="noStrike">
+                          <a:solidFill>
+                            <a:srgbClr val="000000"/>
+                          </a:solidFill>
+                          <a:effectLst/>
+                          <a:latin typeface="Calibri"/>
+                        </a:rPr>
+                        <a:t> </a:t>
+                      </a:r>
+                    </a:p>
+                  </a:txBody>
+                  <a:tcPr marL="8458" marR="8458" marT="8458" marB="0" anchor="b">
+                    <a:lnL w="6350" cap="flat" cmpd="sng" algn="ctr">
+                      <a:solidFill>
+                        <a:srgbClr val="000000"/>
+                      </a:solidFill>
+                      <a:prstDash val="solid"/>
+                      <a:round/>
+                      <a:headEnd type="none" w="med" len="med"/>
+                      <a:tailEnd type="none" w="med" len="med"/>
+                    </a:lnL>
+                    <a:lnR w="6350" cap="flat" cmpd="sng" algn="ctr">
+                      <a:solidFill>
+                        <a:srgbClr val="000000"/>
+                      </a:solidFill>
+                      <a:prstDash val="solid"/>
+                      <a:round/>
+                      <a:headEnd type="none" w="med" len="med"/>
+                      <a:tailEnd type="none" w="med" len="med"/>
+                    </a:lnR>
+                    <a:lnT w="6350" cap="flat" cmpd="sng" algn="ctr">
+                      <a:solidFill>
+                        <a:srgbClr val="000000"/>
+                      </a:solidFill>
+                      <a:prstDash val="solid"/>
+                      <a:round/>
+                      <a:headEnd type="none" w="med" len="med"/>
+                      <a:tailEnd type="none" w="med" len="med"/>
+                    </a:lnT>
+                    <a:lnB w="6350" cap="flat" cmpd="sng" algn="ctr">
+                      <a:solidFill>
+                        <a:srgbClr val="000000"/>
+                      </a:solidFill>
+                      <a:prstDash val="solid"/>
+                      <a:round/>
+                      <a:headEnd type="none" w="med" len="med"/>
+                      <a:tailEnd type="none" w="med" len="med"/>
+                    </a:lnB>
+                    <a:solidFill>
+                      <a:srgbClr val="974706"/>
+                    </a:solidFill>
+                  </a:tcPr>
+                </a:tc>
+                <a:tc>
+                  <a:txBody>
+                    <a:bodyPr/>
+                    <a:lstStyle/>
+                    <a:p>
+                      <a:pPr algn="l" fontAlgn="b"/>
+                      <a:r>
+                        <a:rPr lang="en-US" sz="800" b="0" i="0" u="none" strike="noStrike">
+                          <a:solidFill>
+                            <a:srgbClr val="000000"/>
+                          </a:solidFill>
+                          <a:effectLst/>
+                          <a:latin typeface="Calibri"/>
+                        </a:rPr>
+                        <a:t> </a:t>
+                      </a:r>
+                    </a:p>
+                  </a:txBody>
+                  <a:tcPr marL="8458" marR="8458" marT="8458" marB="0" anchor="b">
+                    <a:lnL w="6350" cap="flat" cmpd="sng" algn="ctr">
+                      <a:solidFill>
+                        <a:srgbClr val="000000"/>
+                      </a:solidFill>
+                      <a:prstDash val="solid"/>
+                      <a:round/>
+                      <a:headEnd type="none" w="med" len="med"/>
+                      <a:tailEnd type="none" w="med" len="med"/>
+                    </a:lnL>
+                    <a:lnR w="6350" cap="flat" cmpd="sng" algn="ctr">
+                      <a:solidFill>
+                        <a:srgbClr val="000000"/>
+                      </a:solidFill>
+                      <a:prstDash val="solid"/>
+                      <a:round/>
+                      <a:headEnd type="none" w="med" len="med"/>
+                      <a:tailEnd type="none" w="med" len="med"/>
+                    </a:lnR>
+                    <a:lnT w="6350" cap="flat" cmpd="sng" algn="ctr">
+                      <a:solidFill>
+                        <a:srgbClr val="000000"/>
+                      </a:solidFill>
+                      <a:prstDash val="solid"/>
+                      <a:round/>
+                      <a:headEnd type="none" w="med" len="med"/>
+                      <a:tailEnd type="none" w="med" len="med"/>
+                    </a:lnT>
+                    <a:lnB w="6350" cap="flat" cmpd="sng" algn="ctr">
+                      <a:solidFill>
+                        <a:srgbClr val="000000"/>
+                      </a:solidFill>
+                      <a:prstDash val="solid"/>
+                      <a:round/>
+                      <a:headEnd type="none" w="med" len="med"/>
+                      <a:tailEnd type="none" w="med" len="med"/>
+                    </a:lnB>
+                    <a:solidFill>
+                      <a:srgbClr val="FABF8F"/>
+                    </a:solidFill>
+                  </a:tcPr>
+                </a:tc>
+                <a:tc>
+                  <a:txBody>
+                    <a:bodyPr/>
+                    <a:lstStyle/>
+                    <a:p>
+                      <a:pPr algn="l" fontAlgn="b"/>
+                      <a:r>
+                        <a:rPr lang="en-US" sz="800" b="0" i="0" u="none" strike="noStrike">
+                          <a:solidFill>
+                            <a:srgbClr val="000000"/>
+                          </a:solidFill>
+                          <a:effectLst/>
+                          <a:latin typeface="Calibri"/>
+                        </a:rPr>
+                        <a:t> </a:t>
+                      </a:r>
+                    </a:p>
+                  </a:txBody>
+                  <a:tcPr marL="8458" marR="8458" marT="8458" marB="0" anchor="b">
+                    <a:lnL w="6350" cap="flat" cmpd="sng" algn="ctr">
+                      <a:solidFill>
+                        <a:srgbClr val="000000"/>
+                      </a:solidFill>
+                      <a:prstDash val="solid"/>
+                      <a:round/>
+                      <a:headEnd type="none" w="med" len="med"/>
+                      <a:tailEnd type="none" w="med" len="med"/>
+                    </a:lnL>
+                    <a:lnR w="6350" cap="flat" cmpd="sng" algn="ctr">
+                      <a:solidFill>
+                        <a:srgbClr val="000000"/>
+                      </a:solidFill>
+                      <a:prstDash val="solid"/>
+                      <a:round/>
+                      <a:headEnd type="none" w="med" len="med"/>
+                      <a:tailEnd type="none" w="med" len="med"/>
+                    </a:lnR>
+                    <a:lnT w="6350" cap="flat" cmpd="sng" algn="ctr">
+                      <a:solidFill>
+                        <a:srgbClr val="000000"/>
+                      </a:solidFill>
+                      <a:prstDash val="solid"/>
+                      <a:round/>
+                      <a:headEnd type="none" w="med" len="med"/>
+                      <a:tailEnd type="none" w="med" len="med"/>
+                    </a:lnT>
+                    <a:lnB w="6350" cap="flat" cmpd="sng" algn="ctr">
+                      <a:solidFill>
+                        <a:srgbClr val="000000"/>
+                      </a:solidFill>
+                      <a:prstDash val="solid"/>
+                      <a:round/>
+                      <a:headEnd type="none" w="med" len="med"/>
+                      <a:tailEnd type="none" w="med" len="med"/>
+                    </a:lnB>
+                    <a:solidFill>
+                      <a:srgbClr val="FDE9D9"/>
+                    </a:solidFill>
+                  </a:tcPr>
+                </a:tc>
+                <a:tc>
+                  <a:txBody>
+                    <a:bodyPr/>
+                    <a:lstStyle/>
+                    <a:p>
+                      <a:pPr algn="l" fontAlgn="b"/>
+                      <a:endParaRPr lang="en-US" sz="800" b="0" i="0" u="none" strike="noStrike">
+                        <a:solidFill>
+                          <a:srgbClr val="000000"/>
+                        </a:solidFill>
+                        <a:effectLst/>
+                        <a:latin typeface="Calibri"/>
+                      </a:endParaRPr>
+                    </a:p>
+                  </a:txBody>
+                  <a:tcPr marL="8458" marR="8458" marT="8458" marB="0" anchor="b">
+                    <a:lnL w="6350" cap="flat" cmpd="sng" algn="ctr">
+                      <a:solidFill>
+                        <a:srgbClr val="000000"/>
+                      </a:solidFill>
+                      <a:prstDash val="solid"/>
+                      <a:round/>
+                      <a:headEnd type="none" w="med" len="med"/>
+                      <a:tailEnd type="none" w="med" len="med"/>
+                    </a:lnL>
+                    <a:lnR w="6350" cap="flat" cmpd="sng" algn="ctr">
+                      <a:solidFill>
+                        <a:srgbClr val="000000"/>
+                      </a:solidFill>
+                      <a:prstDash val="solid"/>
+                      <a:round/>
+                      <a:headEnd type="none" w="med" len="med"/>
+                      <a:tailEnd type="none" w="med" len="med"/>
+                    </a:lnR>
+                    <a:lnT>
+                      <a:noFill/>
+                    </a:lnT>
+                    <a:lnB>
+                      <a:noFill/>
+                    </a:lnB>
+                  </a:tcPr>
+                </a:tc>
+                <a:tc>
+                  <a:txBody>
+                    <a:bodyPr/>
+                    <a:lstStyle/>
+                    <a:p>
+                      <a:pPr algn="l" fontAlgn="b"/>
+                      <a:r>
+                        <a:rPr lang="en-US" sz="800" b="0" i="0" u="none" strike="noStrike">
+                          <a:solidFill>
+                            <a:srgbClr val="000000"/>
+                          </a:solidFill>
+                          <a:effectLst/>
+                          <a:latin typeface="Calibri"/>
+                        </a:rPr>
+                        <a:t> </a:t>
+                      </a:r>
+                    </a:p>
+                  </a:txBody>
+                  <a:tcPr marL="8458" marR="8458" marT="8458" marB="0" anchor="b">
+                    <a:lnL w="6350" cap="flat" cmpd="sng" algn="ctr">
+                      <a:solidFill>
+                        <a:srgbClr val="000000"/>
+                      </a:solidFill>
+                      <a:prstDash val="solid"/>
+                      <a:round/>
+                      <a:headEnd type="none" w="med" len="med"/>
+                      <a:tailEnd type="none" w="med" len="med"/>
+                    </a:lnL>
+                    <a:lnR w="6350" cap="flat" cmpd="sng" algn="ctr">
+                      <a:solidFill>
+                        <a:srgbClr val="000000"/>
+                      </a:solidFill>
+                      <a:prstDash val="solid"/>
+                      <a:round/>
+                      <a:headEnd type="none" w="med" len="med"/>
+                      <a:tailEnd type="none" w="med" len="med"/>
+                    </a:lnR>
+                    <a:lnT w="6350" cap="flat" cmpd="sng" algn="ctr">
+                      <a:solidFill>
+                        <a:srgbClr val="000000"/>
+                      </a:solidFill>
+                      <a:prstDash val="solid"/>
+                      <a:round/>
+                      <a:headEnd type="none" w="med" len="med"/>
+                      <a:tailEnd type="none" w="med" len="med"/>
+                    </a:lnT>
+                    <a:lnB w="6350" cap="flat" cmpd="sng" algn="ctr">
+                      <a:solidFill>
+                        <a:srgbClr val="000000"/>
+                      </a:solidFill>
+                      <a:prstDash val="solid"/>
+                      <a:round/>
+                      <a:headEnd type="none" w="med" len="med"/>
+                      <a:tailEnd type="none" w="med" len="med"/>
+                    </a:lnB>
+                    <a:solidFill>
+                      <a:srgbClr val="974706"/>
+                    </a:solidFill>
+                  </a:tcPr>
+                </a:tc>
+                <a:tc>
+                  <a:txBody>
+                    <a:bodyPr/>
+                    <a:lstStyle/>
+                    <a:p>
+                      <a:pPr algn="l" fontAlgn="ctr"/>
+                      <a:r>
+                        <a:rPr lang="en-US" sz="800" b="1" i="0" u="none" strike="noStrike">
+                          <a:solidFill>
+                            <a:srgbClr val="000000"/>
+                          </a:solidFill>
+                          <a:effectLst/>
+                          <a:latin typeface="Calibri"/>
+                        </a:rPr>
+                        <a:t>Severely High</a:t>
+                      </a:r>
+                    </a:p>
+                  </a:txBody>
+                  <a:tcPr marL="8458" marR="8458" marT="8458" marB="0" anchor="ctr">
+                    <a:lnL w="6350" cap="flat" cmpd="sng" algn="ctr">
+                      <a:solidFill>
+                        <a:srgbClr val="000000"/>
+                      </a:solidFill>
+                      <a:prstDash val="solid"/>
+                      <a:round/>
+                      <a:headEnd type="none" w="med" len="med"/>
+                      <a:tailEnd type="none" w="med" len="med"/>
+                    </a:lnL>
+                    <a:lnR>
+                      <a:noFill/>
+                    </a:lnR>
+                    <a:lnT>
+                      <a:noFill/>
+                    </a:lnT>
+                    <a:lnB>
+                      <a:noFill/>
+                    </a:lnB>
+                  </a:tcPr>
+                </a:tc>
+              </a:tr>
+              <a:tr h="413495">
+                <a:tc vMerge="1">
+                  <a:txBody>
+                    <a:bodyPr/>
+                    <a:lstStyle/>
+                    <a:p>
+                      <a:endParaRPr lang="en-US"/>
+                    </a:p>
+                  </a:txBody>
+                  <a:tcPr/>
+                </a:tc>
+                <a:tc>
+                  <a:txBody>
+                    <a:bodyPr/>
+                    <a:lstStyle/>
+                    <a:p>
+                      <a:pPr algn="l" fontAlgn="ctr"/>
+                      <a:r>
+                        <a:rPr lang="en-US" sz="900" b="1" i="0" u="none" strike="noStrike" dirty="0">
+                          <a:solidFill>
+                            <a:srgbClr val="000000"/>
+                          </a:solidFill>
+                          <a:effectLst/>
+                          <a:latin typeface="Calibri"/>
+                        </a:rPr>
+                        <a:t>No. of Bets per Match</a:t>
+                      </a:r>
+                    </a:p>
+                  </a:txBody>
+                  <a:tcPr marL="8458" marR="8458" marT="8458" marB="0" anchor="ctr">
+                    <a:lnL w="6350" cap="flat" cmpd="sng" algn="ctr">
+                      <a:solidFill>
+                        <a:srgbClr val="000000"/>
+                      </a:solidFill>
+                      <a:prstDash val="solid"/>
+                      <a:round/>
+                      <a:headEnd type="none" w="med" len="med"/>
+                      <a:tailEnd type="none" w="med" len="med"/>
+                    </a:lnL>
+                    <a:lnR w="6350" cap="flat" cmpd="sng" algn="ctr">
+                      <a:solidFill>
+                        <a:srgbClr val="000000"/>
+                      </a:solidFill>
+                      <a:prstDash val="solid"/>
+                      <a:round/>
+                      <a:headEnd type="none" w="med" len="med"/>
+                      <a:tailEnd type="none" w="med" len="med"/>
+                    </a:lnR>
+                    <a:lnT w="6350" cap="flat" cmpd="sng" algn="ctr">
+                      <a:solidFill>
+                        <a:srgbClr val="000000"/>
+                      </a:solidFill>
+                      <a:prstDash val="solid"/>
+                      <a:round/>
+                      <a:headEnd type="none" w="med" len="med"/>
+                      <a:tailEnd type="none" w="med" len="med"/>
+                    </a:lnT>
+                    <a:lnB w="6350" cap="flat" cmpd="sng" algn="ctr">
+                      <a:solidFill>
+                        <a:srgbClr val="000000"/>
+                      </a:solidFill>
+                      <a:prstDash val="solid"/>
+                      <a:round/>
+                      <a:headEnd type="none" w="med" len="med"/>
+                      <a:tailEnd type="none" w="med" len="med"/>
+                    </a:lnB>
+                    <a:solidFill>
+                      <a:srgbClr val="D9D9D9"/>
+                    </a:solidFill>
+                  </a:tcPr>
+                </a:tc>
+                <a:tc>
+                  <a:txBody>
+                    <a:bodyPr/>
+                    <a:lstStyle/>
+                    <a:p>
+                      <a:pPr algn="l" fontAlgn="b"/>
+                      <a:r>
+                        <a:rPr lang="en-US" sz="800" b="0" i="0" u="none" strike="noStrike">
+                          <a:solidFill>
+                            <a:srgbClr val="000000"/>
+                          </a:solidFill>
+                          <a:effectLst/>
+                          <a:latin typeface="Calibri"/>
+                        </a:rPr>
+                        <a:t> </a:t>
+                      </a:r>
+                    </a:p>
+                  </a:txBody>
+                  <a:tcPr marL="8458" marR="8458" marT="8458" marB="0" anchor="b">
+                    <a:lnL w="6350" cap="flat" cmpd="sng" algn="ctr">
+                      <a:solidFill>
+                        <a:srgbClr val="000000"/>
+                      </a:solidFill>
+                      <a:prstDash val="solid"/>
+                      <a:round/>
+                      <a:headEnd type="none" w="med" len="med"/>
+                      <a:tailEnd type="none" w="med" len="med"/>
+                    </a:lnL>
+                    <a:lnR w="6350" cap="flat" cmpd="sng" algn="ctr">
+                      <a:solidFill>
+                        <a:srgbClr val="000000"/>
+                      </a:solidFill>
+                      <a:prstDash val="solid"/>
+                      <a:round/>
+                      <a:headEnd type="none" w="med" len="med"/>
+                      <a:tailEnd type="none" w="med" len="med"/>
+                    </a:lnR>
+                    <a:lnT w="6350" cap="flat" cmpd="sng" algn="ctr">
+                      <a:solidFill>
+                        <a:srgbClr val="000000"/>
+                      </a:solidFill>
+                      <a:prstDash val="solid"/>
+                      <a:round/>
+                      <a:headEnd type="none" w="med" len="med"/>
+                      <a:tailEnd type="none" w="med" len="med"/>
+                    </a:lnT>
+                    <a:lnB w="6350" cap="flat" cmpd="sng" algn="ctr">
+                      <a:solidFill>
+                        <a:srgbClr val="000000"/>
+                      </a:solidFill>
+                      <a:prstDash val="solid"/>
+                      <a:round/>
+                      <a:headEnd type="none" w="med" len="med"/>
+                      <a:tailEnd type="none" w="med" len="med"/>
+                    </a:lnB>
+                    <a:solidFill>
+                      <a:srgbClr val="974706"/>
+                    </a:solidFill>
+                  </a:tcPr>
+                </a:tc>
+                <a:tc>
+                  <a:txBody>
+                    <a:bodyPr/>
+                    <a:lstStyle/>
+                    <a:p>
+                      <a:pPr algn="l" fontAlgn="b"/>
+                      <a:r>
+                        <a:rPr lang="en-US" sz="800" b="0" i="0" u="none" strike="noStrike">
+                          <a:solidFill>
+                            <a:srgbClr val="000000"/>
+                          </a:solidFill>
+                          <a:effectLst/>
+                          <a:latin typeface="Calibri"/>
+                        </a:rPr>
+                        <a:t> </a:t>
+                      </a:r>
+                    </a:p>
+                  </a:txBody>
+                  <a:tcPr marL="8458" marR="8458" marT="8458" marB="0" anchor="b">
+                    <a:lnL w="6350" cap="flat" cmpd="sng" algn="ctr">
+                      <a:solidFill>
+                        <a:srgbClr val="000000"/>
+                      </a:solidFill>
+                      <a:prstDash val="solid"/>
+                      <a:round/>
+                      <a:headEnd type="none" w="med" len="med"/>
+                      <a:tailEnd type="none" w="med" len="med"/>
+                    </a:lnL>
+                    <a:lnR w="6350" cap="flat" cmpd="sng" algn="ctr">
+                      <a:solidFill>
+                        <a:srgbClr val="000000"/>
+                      </a:solidFill>
+                      <a:prstDash val="solid"/>
+                      <a:round/>
+                      <a:headEnd type="none" w="med" len="med"/>
+                      <a:tailEnd type="none" w="med" len="med"/>
+                    </a:lnR>
+                    <a:lnT w="6350" cap="flat" cmpd="sng" algn="ctr">
+                      <a:solidFill>
+                        <a:srgbClr val="000000"/>
+                      </a:solidFill>
+                      <a:prstDash val="solid"/>
+                      <a:round/>
+                      <a:headEnd type="none" w="med" len="med"/>
+                      <a:tailEnd type="none" w="med" len="med"/>
+                    </a:lnT>
+                    <a:lnB w="6350" cap="flat" cmpd="sng" algn="ctr">
+                      <a:solidFill>
+                        <a:srgbClr val="000000"/>
+                      </a:solidFill>
+                      <a:prstDash val="solid"/>
+                      <a:round/>
+                      <a:headEnd type="none" w="med" len="med"/>
+                      <a:tailEnd type="none" w="med" len="med"/>
+                    </a:lnB>
+                    <a:solidFill>
+                      <a:srgbClr val="FABF8F"/>
+                    </a:solidFill>
+                  </a:tcPr>
+                </a:tc>
+                <a:tc>
+                  <a:txBody>
+                    <a:bodyPr/>
+                    <a:lstStyle/>
+                    <a:p>
+                      <a:pPr algn="l" fontAlgn="b"/>
+                      <a:r>
+                        <a:rPr lang="en-US" sz="800" b="0" i="0" u="none" strike="noStrike">
+                          <a:solidFill>
+                            <a:srgbClr val="000000"/>
+                          </a:solidFill>
+                          <a:effectLst/>
+                          <a:latin typeface="Calibri"/>
+                        </a:rPr>
+                        <a:t> </a:t>
+                      </a:r>
+                    </a:p>
+                  </a:txBody>
+                  <a:tcPr marL="8458" marR="8458" marT="8458" marB="0" anchor="b">
+                    <a:lnL w="6350" cap="flat" cmpd="sng" algn="ctr">
+                      <a:solidFill>
+                        <a:srgbClr val="000000"/>
+                      </a:solidFill>
+                      <a:prstDash val="solid"/>
+                      <a:round/>
+                      <a:headEnd type="none" w="med" len="med"/>
+                      <a:tailEnd type="none" w="med" len="med"/>
+                    </a:lnL>
+                    <a:lnR w="6350" cap="flat" cmpd="sng" algn="ctr">
+                      <a:solidFill>
+                        <a:srgbClr val="000000"/>
+                      </a:solidFill>
+                      <a:prstDash val="solid"/>
+                      <a:round/>
+                      <a:headEnd type="none" w="med" len="med"/>
+                      <a:tailEnd type="none" w="med" len="med"/>
+                    </a:lnR>
+                    <a:lnT w="6350" cap="flat" cmpd="sng" algn="ctr">
+                      <a:solidFill>
+                        <a:srgbClr val="000000"/>
+                      </a:solidFill>
+                      <a:prstDash val="solid"/>
+                      <a:round/>
+                      <a:headEnd type="none" w="med" len="med"/>
+                      <a:tailEnd type="none" w="med" len="med"/>
+                    </a:lnT>
+                    <a:lnB w="6350" cap="flat" cmpd="sng" algn="ctr">
+                      <a:solidFill>
+                        <a:srgbClr val="000000"/>
+                      </a:solidFill>
+                      <a:prstDash val="solid"/>
+                      <a:round/>
+                      <a:headEnd type="none" w="med" len="med"/>
+                      <a:tailEnd type="none" w="med" len="med"/>
+                    </a:lnB>
+                    <a:solidFill>
+                      <a:srgbClr val="E26B0A"/>
+                    </a:solidFill>
+                  </a:tcPr>
+                </a:tc>
+                <a:tc>
+                  <a:txBody>
+                    <a:bodyPr/>
+                    <a:lstStyle/>
+                    <a:p>
+                      <a:pPr algn="l" fontAlgn="b"/>
+                      <a:r>
+                        <a:rPr lang="en-US" sz="800" b="0" i="0" u="none" strike="noStrike">
+                          <a:solidFill>
+                            <a:srgbClr val="000000"/>
+                          </a:solidFill>
+                          <a:effectLst/>
+                          <a:latin typeface="Calibri"/>
+                        </a:rPr>
+                        <a:t> </a:t>
+                      </a:r>
+                    </a:p>
+                  </a:txBody>
+                  <a:tcPr marL="8458" marR="8458" marT="8458" marB="0" anchor="b">
+                    <a:lnL w="6350" cap="flat" cmpd="sng" algn="ctr">
+                      <a:solidFill>
+                        <a:srgbClr val="000000"/>
+                      </a:solidFill>
+                      <a:prstDash val="solid"/>
+                      <a:round/>
+                      <a:headEnd type="none" w="med" len="med"/>
+                      <a:tailEnd type="none" w="med" len="med"/>
+                    </a:lnL>
+                    <a:lnR w="6350" cap="flat" cmpd="sng" algn="ctr">
+                      <a:solidFill>
+                        <a:srgbClr val="000000"/>
+                      </a:solidFill>
+                      <a:prstDash val="solid"/>
+                      <a:round/>
+                      <a:headEnd type="none" w="med" len="med"/>
+                      <a:tailEnd type="none" w="med" len="med"/>
+                    </a:lnR>
+                    <a:lnT w="6350" cap="flat" cmpd="sng" algn="ctr">
+                      <a:solidFill>
+                        <a:srgbClr val="000000"/>
+                      </a:solidFill>
+                      <a:prstDash val="solid"/>
+                      <a:round/>
+                      <a:headEnd type="none" w="med" len="med"/>
+                      <a:tailEnd type="none" w="med" len="med"/>
+                    </a:lnT>
+                    <a:lnB w="6350" cap="flat" cmpd="sng" algn="ctr">
+                      <a:solidFill>
+                        <a:srgbClr val="000000"/>
+                      </a:solidFill>
+                      <a:prstDash val="solid"/>
+                      <a:round/>
+                      <a:headEnd type="none" w="med" len="med"/>
+                      <a:tailEnd type="none" w="med" len="med"/>
+                    </a:lnB>
+                    <a:solidFill>
+                      <a:srgbClr val="FDE9D9"/>
+                    </a:solidFill>
+                  </a:tcPr>
+                </a:tc>
+                <a:tc>
+                  <a:txBody>
+                    <a:bodyPr/>
+                    <a:lstStyle/>
+                    <a:p>
+                      <a:pPr algn="l" fontAlgn="b"/>
+                      <a:endParaRPr lang="en-US" sz="800" b="0" i="0" u="none" strike="noStrike">
+                        <a:solidFill>
+                          <a:srgbClr val="000000"/>
+                        </a:solidFill>
+                        <a:effectLst/>
+                        <a:latin typeface="Calibri"/>
+                      </a:endParaRPr>
+                    </a:p>
+                  </a:txBody>
+                  <a:tcPr marL="8458" marR="8458" marT="8458" marB="0" anchor="b">
+                    <a:lnL w="6350" cap="flat" cmpd="sng" algn="ctr">
+                      <a:solidFill>
+                        <a:srgbClr val="000000"/>
+                      </a:solidFill>
+                      <a:prstDash val="solid"/>
+                      <a:round/>
+                      <a:headEnd type="none" w="med" len="med"/>
+                      <a:tailEnd type="none" w="med" len="med"/>
+                    </a:lnL>
+                    <a:lnR w="6350" cap="flat" cmpd="sng" algn="ctr">
+                      <a:solidFill>
+                        <a:srgbClr val="000000"/>
+                      </a:solidFill>
+                      <a:prstDash val="solid"/>
+                      <a:round/>
+                      <a:headEnd type="none" w="med" len="med"/>
+                      <a:tailEnd type="none" w="med" len="med"/>
+                    </a:lnR>
+                    <a:lnT>
+                      <a:noFill/>
+                    </a:lnT>
+                    <a:lnB>
+                      <a:noFill/>
+                    </a:lnB>
+                  </a:tcPr>
+                </a:tc>
+                <a:tc>
+                  <a:txBody>
+                    <a:bodyPr/>
+                    <a:lstStyle/>
+                    <a:p>
+                      <a:pPr algn="l" fontAlgn="b"/>
+                      <a:r>
+                        <a:rPr lang="en-US" sz="800" b="0" i="0" u="none" strike="noStrike">
+                          <a:solidFill>
+                            <a:srgbClr val="000000"/>
+                          </a:solidFill>
+                          <a:effectLst/>
+                          <a:latin typeface="Calibri"/>
+                        </a:rPr>
+                        <a:t> </a:t>
+                      </a:r>
+                    </a:p>
+                  </a:txBody>
+                  <a:tcPr marL="8458" marR="8458" marT="8458" marB="0" anchor="b">
+                    <a:lnL w="6350" cap="flat" cmpd="sng" algn="ctr">
+                      <a:solidFill>
+                        <a:srgbClr val="000000"/>
+                      </a:solidFill>
+                      <a:prstDash val="solid"/>
+                      <a:round/>
+                      <a:headEnd type="none" w="med" len="med"/>
+                      <a:tailEnd type="none" w="med" len="med"/>
+                    </a:lnL>
+                    <a:lnR w="6350" cap="flat" cmpd="sng" algn="ctr">
+                      <a:solidFill>
+                        <a:srgbClr val="000000"/>
+                      </a:solidFill>
+                      <a:prstDash val="solid"/>
+                      <a:round/>
+                      <a:headEnd type="none" w="med" len="med"/>
+                      <a:tailEnd type="none" w="med" len="med"/>
+                    </a:lnR>
+                    <a:lnT w="6350" cap="flat" cmpd="sng" algn="ctr">
+                      <a:solidFill>
+                        <a:srgbClr val="000000"/>
+                      </a:solidFill>
+                      <a:prstDash val="solid"/>
+                      <a:round/>
+                      <a:headEnd type="none" w="med" len="med"/>
+                      <a:tailEnd type="none" w="med" len="med"/>
+                    </a:lnT>
+                    <a:lnB w="6350" cap="flat" cmpd="sng" algn="ctr">
+                      <a:solidFill>
+                        <a:srgbClr val="000000"/>
+                      </a:solidFill>
+                      <a:prstDash val="solid"/>
+                      <a:round/>
+                      <a:headEnd type="none" w="med" len="med"/>
+                      <a:tailEnd type="none" w="med" len="med"/>
+                    </a:lnB>
+                    <a:solidFill>
+                      <a:srgbClr val="E26B0A"/>
+                    </a:solidFill>
+                  </a:tcPr>
+                </a:tc>
+                <a:tc>
+                  <a:txBody>
+                    <a:bodyPr/>
+                    <a:lstStyle/>
+                    <a:p>
+                      <a:pPr algn="l" fontAlgn="ctr"/>
+                      <a:r>
+                        <a:rPr lang="en-US" sz="800" b="1" i="0" u="none" strike="noStrike">
+                          <a:solidFill>
+                            <a:srgbClr val="000000"/>
+                          </a:solidFill>
+                          <a:effectLst/>
+                          <a:latin typeface="Calibri"/>
+                        </a:rPr>
+                        <a:t>High</a:t>
+                      </a:r>
+                    </a:p>
+                  </a:txBody>
+                  <a:tcPr marL="8458" marR="8458" marT="8458" marB="0" anchor="ctr">
+                    <a:lnL w="6350" cap="flat" cmpd="sng" algn="ctr">
+                      <a:solidFill>
+                        <a:srgbClr val="000000"/>
+                      </a:solidFill>
+                      <a:prstDash val="solid"/>
+                      <a:round/>
+                      <a:headEnd type="none" w="med" len="med"/>
+                      <a:tailEnd type="none" w="med" len="med"/>
+                    </a:lnL>
+                    <a:lnR>
+                      <a:noFill/>
+                    </a:lnR>
+                    <a:lnT>
+                      <a:noFill/>
+                    </a:lnT>
+                    <a:lnB>
+                      <a:noFill/>
+                    </a:lnB>
+                  </a:tcPr>
+                </a:tc>
+              </a:tr>
+              <a:tr h="413495">
+                <a:tc vMerge="1">
+                  <a:txBody>
+                    <a:bodyPr/>
+                    <a:lstStyle/>
+                    <a:p>
+                      <a:endParaRPr lang="en-US"/>
+                    </a:p>
+                  </a:txBody>
+                  <a:tcPr/>
+                </a:tc>
+                <a:tc>
+                  <a:txBody>
+                    <a:bodyPr/>
+                    <a:lstStyle/>
+                    <a:p>
+                      <a:pPr algn="l" fontAlgn="ctr"/>
+                      <a:r>
+                        <a:rPr lang="en-US" sz="900" b="1" i="0" u="none" strike="noStrike" dirty="0">
+                          <a:solidFill>
+                            <a:srgbClr val="000000"/>
+                          </a:solidFill>
+                          <a:effectLst/>
+                          <a:latin typeface="Calibri"/>
+                        </a:rPr>
+                        <a:t>No. of </a:t>
+                      </a:r>
+                      <a:r>
+                        <a:rPr lang="en-US" sz="900" b="1" i="0" u="none" strike="noStrike" dirty="0" smtClean="0">
+                          <a:solidFill>
+                            <a:srgbClr val="000000"/>
+                          </a:solidFill>
+                          <a:effectLst/>
+                          <a:latin typeface="Calibri"/>
+                        </a:rPr>
+                        <a:t>Matches</a:t>
+                      </a:r>
+                      <a:endParaRPr lang="en-US" sz="900" b="1" i="0" u="none" strike="noStrike" dirty="0">
+                        <a:solidFill>
+                          <a:srgbClr val="000000"/>
+                        </a:solidFill>
+                        <a:effectLst/>
+                        <a:latin typeface="Calibri"/>
+                      </a:endParaRPr>
+                    </a:p>
+                  </a:txBody>
+                  <a:tcPr marL="8458" marR="8458" marT="8458" marB="0" anchor="ctr">
+                    <a:lnL w="6350" cap="flat" cmpd="sng" algn="ctr">
+                      <a:solidFill>
+                        <a:srgbClr val="000000"/>
+                      </a:solidFill>
+                      <a:prstDash val="solid"/>
+                      <a:round/>
+                      <a:headEnd type="none" w="med" len="med"/>
+                      <a:tailEnd type="none" w="med" len="med"/>
+                    </a:lnL>
+                    <a:lnR w="6350" cap="flat" cmpd="sng" algn="ctr">
+                      <a:solidFill>
+                        <a:srgbClr val="000000"/>
+                      </a:solidFill>
+                      <a:prstDash val="solid"/>
+                      <a:round/>
+                      <a:headEnd type="none" w="med" len="med"/>
+                      <a:tailEnd type="none" w="med" len="med"/>
+                    </a:lnR>
+                    <a:lnT w="6350" cap="flat" cmpd="sng" algn="ctr">
+                      <a:solidFill>
+                        <a:srgbClr val="000000"/>
+                      </a:solidFill>
+                      <a:prstDash val="solid"/>
+                      <a:round/>
+                      <a:headEnd type="none" w="med" len="med"/>
+                      <a:tailEnd type="none" w="med" len="med"/>
+                    </a:lnT>
+                    <a:lnB w="6350" cap="flat" cmpd="sng" algn="ctr">
+                      <a:solidFill>
+                        <a:srgbClr val="000000"/>
+                      </a:solidFill>
+                      <a:prstDash val="solid"/>
+                      <a:round/>
+                      <a:headEnd type="none" w="med" len="med"/>
+                      <a:tailEnd type="none" w="med" len="med"/>
+                    </a:lnB>
+                    <a:solidFill>
+                      <a:srgbClr val="D9D9D9"/>
+                    </a:solidFill>
+                  </a:tcPr>
+                </a:tc>
+                <a:tc>
+                  <a:txBody>
+                    <a:bodyPr/>
+                    <a:lstStyle/>
+                    <a:p>
+                      <a:pPr algn="l" fontAlgn="b"/>
+                      <a:r>
+                        <a:rPr lang="en-US" sz="800" b="0" i="0" u="none" strike="noStrike">
+                          <a:solidFill>
+                            <a:srgbClr val="000000"/>
+                          </a:solidFill>
+                          <a:effectLst/>
+                          <a:latin typeface="Calibri"/>
+                        </a:rPr>
+                        <a:t> </a:t>
+                      </a:r>
+                    </a:p>
+                  </a:txBody>
+                  <a:tcPr marL="8458" marR="8458" marT="8458" marB="0" anchor="b">
+                    <a:lnL w="6350" cap="flat" cmpd="sng" algn="ctr">
+                      <a:solidFill>
+                        <a:srgbClr val="000000"/>
+                      </a:solidFill>
+                      <a:prstDash val="solid"/>
+                      <a:round/>
+                      <a:headEnd type="none" w="med" len="med"/>
+                      <a:tailEnd type="none" w="med" len="med"/>
+                    </a:lnL>
+                    <a:lnR w="6350" cap="flat" cmpd="sng" algn="ctr">
+                      <a:solidFill>
+                        <a:srgbClr val="000000"/>
+                      </a:solidFill>
+                      <a:prstDash val="solid"/>
+                      <a:round/>
+                      <a:headEnd type="none" w="med" len="med"/>
+                      <a:tailEnd type="none" w="med" len="med"/>
+                    </a:lnR>
+                    <a:lnT w="6350" cap="flat" cmpd="sng" algn="ctr">
+                      <a:solidFill>
+                        <a:srgbClr val="000000"/>
+                      </a:solidFill>
+                      <a:prstDash val="solid"/>
+                      <a:round/>
+                      <a:headEnd type="none" w="med" len="med"/>
+                      <a:tailEnd type="none" w="med" len="med"/>
+                    </a:lnT>
+                    <a:lnB w="6350" cap="flat" cmpd="sng" algn="ctr">
+                      <a:solidFill>
+                        <a:srgbClr val="000000"/>
+                      </a:solidFill>
+                      <a:prstDash val="solid"/>
+                      <a:round/>
+                      <a:headEnd type="none" w="med" len="med"/>
+                      <a:tailEnd type="none" w="med" len="med"/>
+                    </a:lnB>
+                    <a:solidFill>
+                      <a:srgbClr val="974706"/>
+                    </a:solidFill>
+                  </a:tcPr>
+                </a:tc>
+                <a:tc>
+                  <a:txBody>
+                    <a:bodyPr/>
+                    <a:lstStyle/>
+                    <a:p>
+                      <a:pPr algn="l" fontAlgn="b"/>
+                      <a:r>
+                        <a:rPr lang="en-US" sz="800" b="0" i="0" u="none" strike="noStrike">
+                          <a:solidFill>
+                            <a:srgbClr val="000000"/>
+                          </a:solidFill>
+                          <a:effectLst/>
+                          <a:latin typeface="Calibri"/>
+                        </a:rPr>
+                        <a:t> </a:t>
+                      </a:r>
+                    </a:p>
+                  </a:txBody>
+                  <a:tcPr marL="8458" marR="8458" marT="8458" marB="0" anchor="b">
+                    <a:lnL w="6350" cap="flat" cmpd="sng" algn="ctr">
+                      <a:solidFill>
+                        <a:srgbClr val="000000"/>
+                      </a:solidFill>
+                      <a:prstDash val="solid"/>
+                      <a:round/>
+                      <a:headEnd type="none" w="med" len="med"/>
+                      <a:tailEnd type="none" w="med" len="med"/>
+                    </a:lnL>
+                    <a:lnR w="6350" cap="flat" cmpd="sng" algn="ctr">
+                      <a:solidFill>
+                        <a:srgbClr val="000000"/>
+                      </a:solidFill>
+                      <a:prstDash val="solid"/>
+                      <a:round/>
+                      <a:headEnd type="none" w="med" len="med"/>
+                      <a:tailEnd type="none" w="med" len="med"/>
+                    </a:lnR>
+                    <a:lnT w="6350" cap="flat" cmpd="sng" algn="ctr">
+                      <a:solidFill>
+                        <a:srgbClr val="000000"/>
+                      </a:solidFill>
+                      <a:prstDash val="solid"/>
+                      <a:round/>
+                      <a:headEnd type="none" w="med" len="med"/>
+                      <a:tailEnd type="none" w="med" len="med"/>
+                    </a:lnT>
+                    <a:lnB w="6350" cap="flat" cmpd="sng" algn="ctr">
+                      <a:solidFill>
+                        <a:srgbClr val="000000"/>
+                      </a:solidFill>
+                      <a:prstDash val="solid"/>
+                      <a:round/>
+                      <a:headEnd type="none" w="med" len="med"/>
+                      <a:tailEnd type="none" w="med" len="med"/>
+                    </a:lnB>
+                    <a:solidFill>
+                      <a:srgbClr val="E26B0A"/>
+                    </a:solidFill>
+                  </a:tcPr>
+                </a:tc>
+                <a:tc>
+                  <a:txBody>
+                    <a:bodyPr/>
+                    <a:lstStyle/>
+                    <a:p>
+                      <a:pPr algn="l" fontAlgn="b"/>
+                      <a:r>
+                        <a:rPr lang="en-US" sz="800" b="0" i="0" u="none" strike="noStrike">
+                          <a:solidFill>
+                            <a:srgbClr val="000000"/>
+                          </a:solidFill>
+                          <a:effectLst/>
+                          <a:latin typeface="Calibri"/>
+                        </a:rPr>
+                        <a:t> </a:t>
+                      </a:r>
+                    </a:p>
+                  </a:txBody>
+                  <a:tcPr marL="8458" marR="8458" marT="8458" marB="0" anchor="b">
+                    <a:lnL w="6350" cap="flat" cmpd="sng" algn="ctr">
+                      <a:solidFill>
+                        <a:srgbClr val="000000"/>
+                      </a:solidFill>
+                      <a:prstDash val="solid"/>
+                      <a:round/>
+                      <a:headEnd type="none" w="med" len="med"/>
+                      <a:tailEnd type="none" w="med" len="med"/>
+                    </a:lnL>
+                    <a:lnR w="6350" cap="flat" cmpd="sng" algn="ctr">
+                      <a:solidFill>
+                        <a:srgbClr val="000000"/>
+                      </a:solidFill>
+                      <a:prstDash val="solid"/>
+                      <a:round/>
+                      <a:headEnd type="none" w="med" len="med"/>
+                      <a:tailEnd type="none" w="med" len="med"/>
+                    </a:lnR>
+                    <a:lnT w="6350" cap="flat" cmpd="sng" algn="ctr">
+                      <a:solidFill>
+                        <a:srgbClr val="000000"/>
+                      </a:solidFill>
+                      <a:prstDash val="solid"/>
+                      <a:round/>
+                      <a:headEnd type="none" w="med" len="med"/>
+                      <a:tailEnd type="none" w="med" len="med"/>
+                    </a:lnT>
+                    <a:lnB w="6350" cap="flat" cmpd="sng" algn="ctr">
+                      <a:solidFill>
+                        <a:srgbClr val="000000"/>
+                      </a:solidFill>
+                      <a:prstDash val="solid"/>
+                      <a:round/>
+                      <a:headEnd type="none" w="med" len="med"/>
+                      <a:tailEnd type="none" w="med" len="med"/>
+                    </a:lnB>
+                    <a:solidFill>
+                      <a:srgbClr val="FABF8F"/>
+                    </a:solidFill>
+                  </a:tcPr>
+                </a:tc>
+                <a:tc>
+                  <a:txBody>
+                    <a:bodyPr/>
+                    <a:lstStyle/>
+                    <a:p>
+                      <a:pPr algn="l" fontAlgn="b"/>
+                      <a:r>
+                        <a:rPr lang="en-US" sz="800" b="0" i="0" u="none" strike="noStrike">
+                          <a:solidFill>
+                            <a:srgbClr val="000000"/>
+                          </a:solidFill>
+                          <a:effectLst/>
+                          <a:latin typeface="Calibri"/>
+                        </a:rPr>
+                        <a:t> </a:t>
+                      </a:r>
+                    </a:p>
+                  </a:txBody>
+                  <a:tcPr marL="8458" marR="8458" marT="8458" marB="0" anchor="b">
+                    <a:lnL w="6350" cap="flat" cmpd="sng" algn="ctr">
+                      <a:solidFill>
+                        <a:srgbClr val="000000"/>
+                      </a:solidFill>
+                      <a:prstDash val="solid"/>
+                      <a:round/>
+                      <a:headEnd type="none" w="med" len="med"/>
+                      <a:tailEnd type="none" w="med" len="med"/>
+                    </a:lnL>
+                    <a:lnR w="6350" cap="flat" cmpd="sng" algn="ctr">
+                      <a:solidFill>
+                        <a:srgbClr val="000000"/>
+                      </a:solidFill>
+                      <a:prstDash val="solid"/>
+                      <a:round/>
+                      <a:headEnd type="none" w="med" len="med"/>
+                      <a:tailEnd type="none" w="med" len="med"/>
+                    </a:lnR>
+                    <a:lnT w="6350" cap="flat" cmpd="sng" algn="ctr">
+                      <a:solidFill>
+                        <a:srgbClr val="000000"/>
+                      </a:solidFill>
+                      <a:prstDash val="solid"/>
+                      <a:round/>
+                      <a:headEnd type="none" w="med" len="med"/>
+                      <a:tailEnd type="none" w="med" len="med"/>
+                    </a:lnT>
+                    <a:lnB w="6350" cap="flat" cmpd="sng" algn="ctr">
+                      <a:solidFill>
+                        <a:srgbClr val="000000"/>
+                      </a:solidFill>
+                      <a:prstDash val="solid"/>
+                      <a:round/>
+                      <a:headEnd type="none" w="med" len="med"/>
+                      <a:tailEnd type="none" w="med" len="med"/>
+                    </a:lnB>
+                    <a:solidFill>
+                      <a:srgbClr val="FDE9D9"/>
+                    </a:solidFill>
+                  </a:tcPr>
+                </a:tc>
+                <a:tc>
+                  <a:txBody>
+                    <a:bodyPr/>
+                    <a:lstStyle/>
+                    <a:p>
+                      <a:pPr algn="l" fontAlgn="b"/>
+                      <a:endParaRPr lang="en-US" sz="800" b="0" i="0" u="none" strike="noStrike">
+                        <a:solidFill>
+                          <a:srgbClr val="000000"/>
+                        </a:solidFill>
+                        <a:effectLst/>
+                        <a:latin typeface="Calibri"/>
+                      </a:endParaRPr>
+                    </a:p>
+                  </a:txBody>
+                  <a:tcPr marL="8458" marR="8458" marT="8458" marB="0" anchor="b">
+                    <a:lnL w="6350" cap="flat" cmpd="sng" algn="ctr">
+                      <a:solidFill>
+                        <a:srgbClr val="000000"/>
+                      </a:solidFill>
+                      <a:prstDash val="solid"/>
+                      <a:round/>
+                      <a:headEnd type="none" w="med" len="med"/>
+                      <a:tailEnd type="none" w="med" len="med"/>
+                    </a:lnL>
+                    <a:lnR w="6350" cap="flat" cmpd="sng" algn="ctr">
+                      <a:solidFill>
+                        <a:srgbClr val="000000"/>
+                      </a:solidFill>
+                      <a:prstDash val="solid"/>
+                      <a:round/>
+                      <a:headEnd type="none" w="med" len="med"/>
+                      <a:tailEnd type="none" w="med" len="med"/>
+                    </a:lnR>
+                    <a:lnT>
+                      <a:noFill/>
+                    </a:lnT>
+                    <a:lnB>
+                      <a:noFill/>
+                    </a:lnB>
+                  </a:tcPr>
+                </a:tc>
+                <a:tc>
+                  <a:txBody>
+                    <a:bodyPr/>
+                    <a:lstStyle/>
+                    <a:p>
+                      <a:pPr algn="l" fontAlgn="b"/>
+                      <a:r>
+                        <a:rPr lang="en-US" sz="800" b="0" i="0" u="none" strike="noStrike">
+                          <a:solidFill>
+                            <a:srgbClr val="000000"/>
+                          </a:solidFill>
+                          <a:effectLst/>
+                          <a:latin typeface="Calibri"/>
+                        </a:rPr>
+                        <a:t> </a:t>
+                      </a:r>
+                    </a:p>
+                  </a:txBody>
+                  <a:tcPr marL="8458" marR="8458" marT="8458" marB="0" anchor="b">
+                    <a:lnL w="6350" cap="flat" cmpd="sng" algn="ctr">
+                      <a:solidFill>
+                        <a:srgbClr val="000000"/>
+                      </a:solidFill>
+                      <a:prstDash val="solid"/>
+                      <a:round/>
+                      <a:headEnd type="none" w="med" len="med"/>
+                      <a:tailEnd type="none" w="med" len="med"/>
+                    </a:lnL>
+                    <a:lnR w="6350" cap="flat" cmpd="sng" algn="ctr">
+                      <a:solidFill>
+                        <a:srgbClr val="000000"/>
+                      </a:solidFill>
+                      <a:prstDash val="solid"/>
+                      <a:round/>
+                      <a:headEnd type="none" w="med" len="med"/>
+                      <a:tailEnd type="none" w="med" len="med"/>
+                    </a:lnR>
+                    <a:lnT w="6350" cap="flat" cmpd="sng" algn="ctr">
+                      <a:solidFill>
+                        <a:srgbClr val="000000"/>
+                      </a:solidFill>
+                      <a:prstDash val="solid"/>
+                      <a:round/>
+                      <a:headEnd type="none" w="med" len="med"/>
+                      <a:tailEnd type="none" w="med" len="med"/>
+                    </a:lnT>
+                    <a:lnB w="6350" cap="flat" cmpd="sng" algn="ctr">
+                      <a:solidFill>
+                        <a:srgbClr val="000000"/>
+                      </a:solidFill>
+                      <a:prstDash val="solid"/>
+                      <a:round/>
+                      <a:headEnd type="none" w="med" len="med"/>
+                      <a:tailEnd type="none" w="med" len="med"/>
+                    </a:lnB>
+                    <a:solidFill>
+                      <a:srgbClr val="FABF8F"/>
+                    </a:solidFill>
+                  </a:tcPr>
+                </a:tc>
+                <a:tc>
+                  <a:txBody>
+                    <a:bodyPr/>
+                    <a:lstStyle/>
+                    <a:p>
+                      <a:pPr algn="l" fontAlgn="ctr"/>
+                      <a:r>
+                        <a:rPr lang="en-US" sz="800" b="1" i="0" u="none" strike="noStrike">
+                          <a:solidFill>
+                            <a:srgbClr val="000000"/>
+                          </a:solidFill>
+                          <a:effectLst/>
+                          <a:latin typeface="Calibri"/>
+                        </a:rPr>
+                        <a:t>Low</a:t>
+                      </a:r>
+                    </a:p>
+                  </a:txBody>
+                  <a:tcPr marL="8458" marR="8458" marT="8458" marB="0" anchor="ctr">
+                    <a:lnL w="6350" cap="flat" cmpd="sng" algn="ctr">
+                      <a:solidFill>
+                        <a:srgbClr val="000000"/>
+                      </a:solidFill>
+                      <a:prstDash val="solid"/>
+                      <a:round/>
+                      <a:headEnd type="none" w="med" len="med"/>
+                      <a:tailEnd type="none" w="med" len="med"/>
+                    </a:lnL>
+                    <a:lnR>
+                      <a:noFill/>
+                    </a:lnR>
+                    <a:lnT>
+                      <a:noFill/>
+                    </a:lnT>
+                    <a:lnB>
+                      <a:noFill/>
+                    </a:lnB>
+                  </a:tcPr>
+                </a:tc>
+              </a:tr>
+              <a:tr h="413495">
+                <a:tc vMerge="1">
+                  <a:txBody>
+                    <a:bodyPr/>
+                    <a:lstStyle/>
+                    <a:p>
+                      <a:endParaRPr lang="en-US"/>
+                    </a:p>
+                  </a:txBody>
+                  <a:tcPr/>
+                </a:tc>
+                <a:tc>
+                  <a:txBody>
+                    <a:bodyPr/>
+                    <a:lstStyle/>
+                    <a:p>
+                      <a:pPr algn="l" fontAlgn="ctr"/>
+                      <a:r>
+                        <a:rPr lang="en-US" sz="900" b="1" i="0" u="none" strike="noStrike">
+                          <a:solidFill>
+                            <a:srgbClr val="000000"/>
+                          </a:solidFill>
+                          <a:effectLst/>
+                          <a:latin typeface="Calibri"/>
+                        </a:rPr>
+                        <a:t>Actual Profit Loss Amt per Bet</a:t>
+                      </a:r>
+                    </a:p>
+                  </a:txBody>
+                  <a:tcPr marL="8458" marR="8458" marT="8458" marB="0" anchor="ctr">
+                    <a:lnL w="6350" cap="flat" cmpd="sng" algn="ctr">
+                      <a:solidFill>
+                        <a:srgbClr val="000000"/>
+                      </a:solidFill>
+                      <a:prstDash val="solid"/>
+                      <a:round/>
+                      <a:headEnd type="none" w="med" len="med"/>
+                      <a:tailEnd type="none" w="med" len="med"/>
+                    </a:lnL>
+                    <a:lnR w="6350" cap="flat" cmpd="sng" algn="ctr">
+                      <a:solidFill>
+                        <a:srgbClr val="000000"/>
+                      </a:solidFill>
+                      <a:prstDash val="solid"/>
+                      <a:round/>
+                      <a:headEnd type="none" w="med" len="med"/>
+                      <a:tailEnd type="none" w="med" len="med"/>
+                    </a:lnR>
+                    <a:lnT w="6350" cap="flat" cmpd="sng" algn="ctr">
+                      <a:solidFill>
+                        <a:srgbClr val="000000"/>
+                      </a:solidFill>
+                      <a:prstDash val="solid"/>
+                      <a:round/>
+                      <a:headEnd type="none" w="med" len="med"/>
+                      <a:tailEnd type="none" w="med" len="med"/>
+                    </a:lnT>
+                    <a:lnB w="6350" cap="flat" cmpd="sng" algn="ctr">
+                      <a:solidFill>
+                        <a:srgbClr val="000000"/>
+                      </a:solidFill>
+                      <a:prstDash val="solid"/>
+                      <a:round/>
+                      <a:headEnd type="none" w="med" len="med"/>
+                      <a:tailEnd type="none" w="med" len="med"/>
+                    </a:lnB>
+                    <a:solidFill>
+                      <a:srgbClr val="D9D9D9"/>
+                    </a:solidFill>
+                  </a:tcPr>
+                </a:tc>
+                <a:tc>
+                  <a:txBody>
+                    <a:bodyPr/>
+                    <a:lstStyle/>
+                    <a:p>
+                      <a:pPr algn="l" fontAlgn="b"/>
+                      <a:r>
+                        <a:rPr lang="en-US" sz="800" b="0" i="0" u="none" strike="noStrike">
+                          <a:solidFill>
+                            <a:srgbClr val="000000"/>
+                          </a:solidFill>
+                          <a:effectLst/>
+                          <a:latin typeface="Calibri"/>
+                        </a:rPr>
+                        <a:t> </a:t>
+                      </a:r>
+                    </a:p>
+                  </a:txBody>
+                  <a:tcPr marL="8458" marR="8458" marT="8458" marB="0" anchor="b">
+                    <a:lnL w="6350" cap="flat" cmpd="sng" algn="ctr">
+                      <a:solidFill>
+                        <a:srgbClr val="000000"/>
+                      </a:solidFill>
+                      <a:prstDash val="solid"/>
+                      <a:round/>
+                      <a:headEnd type="none" w="med" len="med"/>
+                      <a:tailEnd type="none" w="med" len="med"/>
+                    </a:lnL>
+                    <a:lnR w="6350" cap="flat" cmpd="sng" algn="ctr">
+                      <a:solidFill>
+                        <a:srgbClr val="000000"/>
+                      </a:solidFill>
+                      <a:prstDash val="solid"/>
+                      <a:round/>
+                      <a:headEnd type="none" w="med" len="med"/>
+                      <a:tailEnd type="none" w="med" len="med"/>
+                    </a:lnR>
+                    <a:lnT w="6350" cap="flat" cmpd="sng" algn="ctr">
+                      <a:solidFill>
+                        <a:srgbClr val="000000"/>
+                      </a:solidFill>
+                      <a:prstDash val="solid"/>
+                      <a:round/>
+                      <a:headEnd type="none" w="med" len="med"/>
+                      <a:tailEnd type="none" w="med" len="med"/>
+                    </a:lnT>
+                    <a:lnB w="6350" cap="flat" cmpd="sng" algn="ctr">
+                      <a:solidFill>
+                        <a:srgbClr val="000000"/>
+                      </a:solidFill>
+                      <a:prstDash val="solid"/>
+                      <a:round/>
+                      <a:headEnd type="none" w="med" len="med"/>
+                      <a:tailEnd type="none" w="med" len="med"/>
+                    </a:lnB>
+                    <a:solidFill>
+                      <a:srgbClr val="FDE9D9"/>
+                    </a:solidFill>
+                  </a:tcPr>
+                </a:tc>
+                <a:tc>
+                  <a:txBody>
+                    <a:bodyPr/>
+                    <a:lstStyle/>
+                    <a:p>
+                      <a:pPr algn="l" fontAlgn="b"/>
+                      <a:r>
+                        <a:rPr lang="en-US" sz="800" b="0" i="0" u="none" strike="noStrike">
+                          <a:solidFill>
+                            <a:srgbClr val="000000"/>
+                          </a:solidFill>
+                          <a:effectLst/>
+                          <a:latin typeface="Calibri"/>
+                        </a:rPr>
+                        <a:t> </a:t>
+                      </a:r>
+                    </a:p>
+                  </a:txBody>
+                  <a:tcPr marL="8458" marR="8458" marT="8458" marB="0" anchor="b">
+                    <a:lnL w="6350" cap="flat" cmpd="sng" algn="ctr">
+                      <a:solidFill>
+                        <a:srgbClr val="000000"/>
+                      </a:solidFill>
+                      <a:prstDash val="solid"/>
+                      <a:round/>
+                      <a:headEnd type="none" w="med" len="med"/>
+                      <a:tailEnd type="none" w="med" len="med"/>
+                    </a:lnL>
+                    <a:lnR w="6350" cap="flat" cmpd="sng" algn="ctr">
+                      <a:solidFill>
+                        <a:srgbClr val="000000"/>
+                      </a:solidFill>
+                      <a:prstDash val="solid"/>
+                      <a:round/>
+                      <a:headEnd type="none" w="med" len="med"/>
+                      <a:tailEnd type="none" w="med" len="med"/>
+                    </a:lnR>
+                    <a:lnT w="6350" cap="flat" cmpd="sng" algn="ctr">
+                      <a:solidFill>
+                        <a:srgbClr val="000000"/>
+                      </a:solidFill>
+                      <a:prstDash val="solid"/>
+                      <a:round/>
+                      <a:headEnd type="none" w="med" len="med"/>
+                      <a:tailEnd type="none" w="med" len="med"/>
+                    </a:lnT>
+                    <a:lnB w="6350" cap="flat" cmpd="sng" algn="ctr">
+                      <a:solidFill>
+                        <a:srgbClr val="000000"/>
+                      </a:solidFill>
+                      <a:prstDash val="solid"/>
+                      <a:round/>
+                      <a:headEnd type="none" w="med" len="med"/>
+                      <a:tailEnd type="none" w="med" len="med"/>
+                    </a:lnB>
+                    <a:solidFill>
+                      <a:srgbClr val="FABF8F"/>
+                    </a:solidFill>
+                  </a:tcPr>
+                </a:tc>
+                <a:tc>
+                  <a:txBody>
+                    <a:bodyPr/>
+                    <a:lstStyle/>
+                    <a:p>
+                      <a:pPr algn="l" fontAlgn="b"/>
+                      <a:r>
+                        <a:rPr lang="en-US" sz="800" b="0" i="0" u="none" strike="noStrike">
+                          <a:solidFill>
+                            <a:srgbClr val="000000"/>
+                          </a:solidFill>
+                          <a:effectLst/>
+                          <a:latin typeface="Calibri"/>
+                        </a:rPr>
+                        <a:t> </a:t>
+                      </a:r>
+                    </a:p>
+                  </a:txBody>
+                  <a:tcPr marL="8458" marR="8458" marT="8458" marB="0" anchor="b">
+                    <a:lnL w="6350" cap="flat" cmpd="sng" algn="ctr">
+                      <a:solidFill>
+                        <a:srgbClr val="000000"/>
+                      </a:solidFill>
+                      <a:prstDash val="solid"/>
+                      <a:round/>
+                      <a:headEnd type="none" w="med" len="med"/>
+                      <a:tailEnd type="none" w="med" len="med"/>
+                    </a:lnL>
+                    <a:lnR w="6350" cap="flat" cmpd="sng" algn="ctr">
+                      <a:solidFill>
+                        <a:srgbClr val="000000"/>
+                      </a:solidFill>
+                      <a:prstDash val="solid"/>
+                      <a:round/>
+                      <a:headEnd type="none" w="med" len="med"/>
+                      <a:tailEnd type="none" w="med" len="med"/>
+                    </a:lnR>
+                    <a:lnT w="6350" cap="flat" cmpd="sng" algn="ctr">
+                      <a:solidFill>
+                        <a:srgbClr val="000000"/>
+                      </a:solidFill>
+                      <a:prstDash val="solid"/>
+                      <a:round/>
+                      <a:headEnd type="none" w="med" len="med"/>
+                      <a:tailEnd type="none" w="med" len="med"/>
+                    </a:lnT>
+                    <a:lnB w="6350" cap="flat" cmpd="sng" algn="ctr">
+                      <a:solidFill>
+                        <a:srgbClr val="000000"/>
+                      </a:solidFill>
+                      <a:prstDash val="solid"/>
+                      <a:round/>
+                      <a:headEnd type="none" w="med" len="med"/>
+                      <a:tailEnd type="none" w="med" len="med"/>
+                    </a:lnB>
+                    <a:solidFill>
+                      <a:srgbClr val="974706"/>
+                    </a:solidFill>
+                  </a:tcPr>
+                </a:tc>
+                <a:tc>
+                  <a:txBody>
+                    <a:bodyPr/>
+                    <a:lstStyle/>
+                    <a:p>
+                      <a:pPr algn="l" fontAlgn="b"/>
+                      <a:r>
+                        <a:rPr lang="en-US" sz="800" b="0" i="0" u="none" strike="noStrike">
+                          <a:solidFill>
+                            <a:srgbClr val="000000"/>
+                          </a:solidFill>
+                          <a:effectLst/>
+                          <a:latin typeface="Calibri"/>
+                        </a:rPr>
+                        <a:t> </a:t>
+                      </a:r>
+                    </a:p>
+                  </a:txBody>
+                  <a:tcPr marL="8458" marR="8458" marT="8458" marB="0" anchor="b">
+                    <a:lnL w="6350" cap="flat" cmpd="sng" algn="ctr">
+                      <a:solidFill>
+                        <a:srgbClr val="000000"/>
+                      </a:solidFill>
+                      <a:prstDash val="solid"/>
+                      <a:round/>
+                      <a:headEnd type="none" w="med" len="med"/>
+                      <a:tailEnd type="none" w="med" len="med"/>
+                    </a:lnL>
+                    <a:lnR w="6350" cap="flat" cmpd="sng" algn="ctr">
+                      <a:solidFill>
+                        <a:srgbClr val="000000"/>
+                      </a:solidFill>
+                      <a:prstDash val="solid"/>
+                      <a:round/>
+                      <a:headEnd type="none" w="med" len="med"/>
+                      <a:tailEnd type="none" w="med" len="med"/>
+                    </a:lnR>
+                    <a:lnT w="6350" cap="flat" cmpd="sng" algn="ctr">
+                      <a:solidFill>
+                        <a:srgbClr val="000000"/>
+                      </a:solidFill>
+                      <a:prstDash val="solid"/>
+                      <a:round/>
+                      <a:headEnd type="none" w="med" len="med"/>
+                      <a:tailEnd type="none" w="med" len="med"/>
+                    </a:lnT>
+                    <a:lnB w="6350" cap="flat" cmpd="sng" algn="ctr">
+                      <a:solidFill>
+                        <a:srgbClr val="000000"/>
+                      </a:solidFill>
+                      <a:prstDash val="solid"/>
+                      <a:round/>
+                      <a:headEnd type="none" w="med" len="med"/>
+                      <a:tailEnd type="none" w="med" len="med"/>
+                    </a:lnB>
+                    <a:solidFill>
+                      <a:srgbClr val="E26B0A"/>
+                    </a:solidFill>
+                  </a:tcPr>
+                </a:tc>
+                <a:tc>
+                  <a:txBody>
+                    <a:bodyPr/>
+                    <a:lstStyle/>
+                    <a:p>
+                      <a:pPr algn="l" fontAlgn="b"/>
+                      <a:endParaRPr lang="en-US" sz="800" b="0" i="0" u="none" strike="noStrike">
+                        <a:solidFill>
+                          <a:srgbClr val="000000"/>
+                        </a:solidFill>
+                        <a:effectLst/>
+                        <a:latin typeface="Calibri"/>
+                      </a:endParaRPr>
+                    </a:p>
+                  </a:txBody>
+                  <a:tcPr marL="8458" marR="8458" marT="8458" marB="0" anchor="b">
+                    <a:lnL w="6350" cap="flat" cmpd="sng" algn="ctr">
+                      <a:solidFill>
+                        <a:srgbClr val="000000"/>
+                      </a:solidFill>
+                      <a:prstDash val="solid"/>
+                      <a:round/>
+                      <a:headEnd type="none" w="med" len="med"/>
+                      <a:tailEnd type="none" w="med" len="med"/>
+                    </a:lnL>
+                    <a:lnR w="6350" cap="flat" cmpd="sng" algn="ctr">
+                      <a:solidFill>
+                        <a:srgbClr val="000000"/>
+                      </a:solidFill>
+                      <a:prstDash val="solid"/>
+                      <a:round/>
+                      <a:headEnd type="none" w="med" len="med"/>
+                      <a:tailEnd type="none" w="med" len="med"/>
+                    </a:lnR>
+                    <a:lnT>
+                      <a:noFill/>
+                    </a:lnT>
+                    <a:lnB>
+                      <a:noFill/>
+                    </a:lnB>
+                  </a:tcPr>
+                </a:tc>
+                <a:tc>
+                  <a:txBody>
+                    <a:bodyPr/>
+                    <a:lstStyle/>
+                    <a:p>
+                      <a:pPr algn="l" fontAlgn="b"/>
+                      <a:r>
+                        <a:rPr lang="en-US" sz="800" b="0" i="0" u="none" strike="noStrike">
+                          <a:solidFill>
+                            <a:srgbClr val="000000"/>
+                          </a:solidFill>
+                          <a:effectLst/>
+                          <a:latin typeface="Calibri"/>
+                        </a:rPr>
+                        <a:t> </a:t>
+                      </a:r>
+                    </a:p>
+                  </a:txBody>
+                  <a:tcPr marL="8458" marR="8458" marT="8458" marB="0" anchor="b">
+                    <a:lnL w="6350" cap="flat" cmpd="sng" algn="ctr">
+                      <a:solidFill>
+                        <a:srgbClr val="000000"/>
+                      </a:solidFill>
+                      <a:prstDash val="solid"/>
+                      <a:round/>
+                      <a:headEnd type="none" w="med" len="med"/>
+                      <a:tailEnd type="none" w="med" len="med"/>
+                    </a:lnL>
+                    <a:lnR w="6350" cap="flat" cmpd="sng" algn="ctr">
+                      <a:solidFill>
+                        <a:srgbClr val="000000"/>
+                      </a:solidFill>
+                      <a:prstDash val="solid"/>
+                      <a:round/>
+                      <a:headEnd type="none" w="med" len="med"/>
+                      <a:tailEnd type="none" w="med" len="med"/>
+                    </a:lnR>
+                    <a:lnT w="6350" cap="flat" cmpd="sng" algn="ctr">
+                      <a:solidFill>
+                        <a:srgbClr val="000000"/>
+                      </a:solidFill>
+                      <a:prstDash val="solid"/>
+                      <a:round/>
+                      <a:headEnd type="none" w="med" len="med"/>
+                      <a:tailEnd type="none" w="med" len="med"/>
+                    </a:lnT>
+                    <a:lnB w="6350" cap="flat" cmpd="sng" algn="ctr">
+                      <a:solidFill>
+                        <a:srgbClr val="000000"/>
+                      </a:solidFill>
+                      <a:prstDash val="solid"/>
+                      <a:round/>
+                      <a:headEnd type="none" w="med" len="med"/>
+                      <a:tailEnd type="none" w="med" len="med"/>
+                    </a:lnB>
+                    <a:solidFill>
+                      <a:srgbClr val="FDE9D9"/>
+                    </a:solidFill>
+                  </a:tcPr>
+                </a:tc>
+                <a:tc>
+                  <a:txBody>
+                    <a:bodyPr/>
+                    <a:lstStyle/>
+                    <a:p>
+                      <a:pPr algn="l" fontAlgn="ctr"/>
+                      <a:r>
+                        <a:rPr lang="en-US" sz="800" b="1" i="0" u="none" strike="noStrike">
+                          <a:solidFill>
+                            <a:srgbClr val="000000"/>
+                          </a:solidFill>
+                          <a:effectLst/>
+                          <a:latin typeface="Calibri"/>
+                        </a:rPr>
+                        <a:t>Severely Low</a:t>
+                      </a:r>
+                    </a:p>
+                  </a:txBody>
+                  <a:tcPr marL="8458" marR="8458" marT="8458" marB="0" anchor="ctr">
+                    <a:lnL w="6350" cap="flat" cmpd="sng" algn="ctr">
+                      <a:solidFill>
+                        <a:srgbClr val="000000"/>
+                      </a:solidFill>
+                      <a:prstDash val="solid"/>
+                      <a:round/>
+                      <a:headEnd type="none" w="med" len="med"/>
+                      <a:tailEnd type="none" w="med" len="med"/>
+                    </a:lnL>
+                    <a:lnR>
+                      <a:noFill/>
+                    </a:lnR>
+                    <a:lnT>
+                      <a:noFill/>
+                    </a:lnT>
+                    <a:lnB>
+                      <a:noFill/>
+                    </a:lnB>
+                  </a:tcPr>
+                </a:tc>
+              </a:tr>
+              <a:tr h="413495">
+                <a:tc vMerge="1">
+                  <a:txBody>
+                    <a:bodyPr/>
+                    <a:lstStyle/>
+                    <a:p>
+                      <a:endParaRPr lang="en-US"/>
+                    </a:p>
+                  </a:txBody>
+                  <a:tcPr/>
+                </a:tc>
+                <a:tc>
+                  <a:txBody>
+                    <a:bodyPr/>
+                    <a:lstStyle/>
+                    <a:p>
+                      <a:pPr algn="l" fontAlgn="ctr"/>
+                      <a:r>
+                        <a:rPr lang="en-US" sz="900" b="1" i="0" u="none" strike="noStrike">
+                          <a:solidFill>
+                            <a:srgbClr val="000000"/>
+                          </a:solidFill>
+                          <a:effectLst/>
+                          <a:latin typeface="Calibri"/>
+                        </a:rPr>
+                        <a:t>Rate of Cancellation</a:t>
+                      </a:r>
+                    </a:p>
+                  </a:txBody>
+                  <a:tcPr marL="8458" marR="8458" marT="8458" marB="0" anchor="ctr">
+                    <a:lnL w="6350" cap="flat" cmpd="sng" algn="ctr">
+                      <a:solidFill>
+                        <a:srgbClr val="000000"/>
+                      </a:solidFill>
+                      <a:prstDash val="solid"/>
+                      <a:round/>
+                      <a:headEnd type="none" w="med" len="med"/>
+                      <a:tailEnd type="none" w="med" len="med"/>
+                    </a:lnL>
+                    <a:lnR w="6350" cap="flat" cmpd="sng" algn="ctr">
+                      <a:solidFill>
+                        <a:srgbClr val="000000"/>
+                      </a:solidFill>
+                      <a:prstDash val="solid"/>
+                      <a:round/>
+                      <a:headEnd type="none" w="med" len="med"/>
+                      <a:tailEnd type="none" w="med" len="med"/>
+                    </a:lnR>
+                    <a:lnT w="6350" cap="flat" cmpd="sng" algn="ctr">
+                      <a:solidFill>
+                        <a:srgbClr val="000000"/>
+                      </a:solidFill>
+                      <a:prstDash val="solid"/>
+                      <a:round/>
+                      <a:headEnd type="none" w="med" len="med"/>
+                      <a:tailEnd type="none" w="med" len="med"/>
+                    </a:lnT>
+                    <a:lnB w="6350" cap="flat" cmpd="sng" algn="ctr">
+                      <a:solidFill>
+                        <a:srgbClr val="000000"/>
+                      </a:solidFill>
+                      <a:prstDash val="solid"/>
+                      <a:round/>
+                      <a:headEnd type="none" w="med" len="med"/>
+                      <a:tailEnd type="none" w="med" len="med"/>
+                    </a:lnB>
+                    <a:solidFill>
+                      <a:srgbClr val="D9D9D9"/>
+                    </a:solidFill>
+                  </a:tcPr>
+                </a:tc>
+                <a:tc>
+                  <a:txBody>
+                    <a:bodyPr/>
+                    <a:lstStyle/>
+                    <a:p>
+                      <a:pPr algn="l" fontAlgn="b"/>
+                      <a:r>
+                        <a:rPr lang="en-US" sz="800" b="0" i="0" u="none" strike="noStrike">
+                          <a:solidFill>
+                            <a:srgbClr val="000000"/>
+                          </a:solidFill>
+                          <a:effectLst/>
+                          <a:latin typeface="Calibri"/>
+                        </a:rPr>
+                        <a:t> </a:t>
+                      </a:r>
+                    </a:p>
+                  </a:txBody>
+                  <a:tcPr marL="8458" marR="8458" marT="8458" marB="0" anchor="b">
+                    <a:lnL w="6350" cap="flat" cmpd="sng" algn="ctr">
+                      <a:solidFill>
+                        <a:srgbClr val="000000"/>
+                      </a:solidFill>
+                      <a:prstDash val="solid"/>
+                      <a:round/>
+                      <a:headEnd type="none" w="med" len="med"/>
+                      <a:tailEnd type="none" w="med" len="med"/>
+                    </a:lnL>
+                    <a:lnR w="6350" cap="flat" cmpd="sng" algn="ctr">
+                      <a:solidFill>
+                        <a:srgbClr val="000000"/>
+                      </a:solidFill>
+                      <a:prstDash val="solid"/>
+                      <a:round/>
+                      <a:headEnd type="none" w="med" len="med"/>
+                      <a:tailEnd type="none" w="med" len="med"/>
+                    </a:lnR>
+                    <a:lnT w="6350" cap="flat" cmpd="sng" algn="ctr">
+                      <a:solidFill>
+                        <a:srgbClr val="000000"/>
+                      </a:solidFill>
+                      <a:prstDash val="solid"/>
+                      <a:round/>
+                      <a:headEnd type="none" w="med" len="med"/>
+                      <a:tailEnd type="none" w="med" len="med"/>
+                    </a:lnT>
+                    <a:lnB w="6350" cap="flat" cmpd="sng" algn="ctr">
+                      <a:solidFill>
+                        <a:srgbClr val="000000"/>
+                      </a:solidFill>
+                      <a:prstDash val="solid"/>
+                      <a:round/>
+                      <a:headEnd type="none" w="med" len="med"/>
+                      <a:tailEnd type="none" w="med" len="med"/>
+                    </a:lnB>
+                    <a:solidFill>
+                      <a:srgbClr val="FABF8F"/>
+                    </a:solidFill>
+                  </a:tcPr>
+                </a:tc>
+                <a:tc>
+                  <a:txBody>
+                    <a:bodyPr/>
+                    <a:lstStyle/>
+                    <a:p>
+                      <a:pPr algn="l" fontAlgn="b"/>
+                      <a:r>
+                        <a:rPr lang="en-US" sz="800" b="0" i="0" u="none" strike="noStrike">
+                          <a:solidFill>
+                            <a:srgbClr val="000000"/>
+                          </a:solidFill>
+                          <a:effectLst/>
+                          <a:latin typeface="Calibri"/>
+                        </a:rPr>
+                        <a:t> </a:t>
+                      </a:r>
+                    </a:p>
+                  </a:txBody>
+                  <a:tcPr marL="8458" marR="8458" marT="8458" marB="0" anchor="b">
+                    <a:lnL w="6350" cap="flat" cmpd="sng" algn="ctr">
+                      <a:solidFill>
+                        <a:srgbClr val="000000"/>
+                      </a:solidFill>
+                      <a:prstDash val="solid"/>
+                      <a:round/>
+                      <a:headEnd type="none" w="med" len="med"/>
+                      <a:tailEnd type="none" w="med" len="med"/>
+                    </a:lnL>
+                    <a:lnR w="6350" cap="flat" cmpd="sng" algn="ctr">
+                      <a:solidFill>
+                        <a:srgbClr val="000000"/>
+                      </a:solidFill>
+                      <a:prstDash val="solid"/>
+                      <a:round/>
+                      <a:headEnd type="none" w="med" len="med"/>
+                      <a:tailEnd type="none" w="med" len="med"/>
+                    </a:lnR>
+                    <a:lnT w="6350" cap="flat" cmpd="sng" algn="ctr">
+                      <a:solidFill>
+                        <a:srgbClr val="000000"/>
+                      </a:solidFill>
+                      <a:prstDash val="solid"/>
+                      <a:round/>
+                      <a:headEnd type="none" w="med" len="med"/>
+                      <a:tailEnd type="none" w="med" len="med"/>
+                    </a:lnT>
+                    <a:lnB w="6350" cap="flat" cmpd="sng" algn="ctr">
+                      <a:solidFill>
+                        <a:srgbClr val="000000"/>
+                      </a:solidFill>
+                      <a:prstDash val="solid"/>
+                      <a:round/>
+                      <a:headEnd type="none" w="med" len="med"/>
+                      <a:tailEnd type="none" w="med" len="med"/>
+                    </a:lnB>
+                    <a:solidFill>
+                      <a:srgbClr val="974706"/>
+                    </a:solidFill>
+                  </a:tcPr>
+                </a:tc>
+                <a:tc>
+                  <a:txBody>
+                    <a:bodyPr/>
+                    <a:lstStyle/>
+                    <a:p>
+                      <a:pPr algn="l" fontAlgn="b"/>
+                      <a:r>
+                        <a:rPr lang="en-US" sz="800" b="0" i="0" u="none" strike="noStrike">
+                          <a:solidFill>
+                            <a:srgbClr val="000000"/>
+                          </a:solidFill>
+                          <a:effectLst/>
+                          <a:latin typeface="Calibri"/>
+                        </a:rPr>
+                        <a:t> </a:t>
+                      </a:r>
+                    </a:p>
+                  </a:txBody>
+                  <a:tcPr marL="8458" marR="8458" marT="8458" marB="0" anchor="b">
+                    <a:lnL w="6350" cap="flat" cmpd="sng" algn="ctr">
+                      <a:solidFill>
+                        <a:srgbClr val="000000"/>
+                      </a:solidFill>
+                      <a:prstDash val="solid"/>
+                      <a:round/>
+                      <a:headEnd type="none" w="med" len="med"/>
+                      <a:tailEnd type="none" w="med" len="med"/>
+                    </a:lnL>
+                    <a:lnR w="6350" cap="flat" cmpd="sng" algn="ctr">
+                      <a:solidFill>
+                        <a:srgbClr val="000000"/>
+                      </a:solidFill>
+                      <a:prstDash val="solid"/>
+                      <a:round/>
+                      <a:headEnd type="none" w="med" len="med"/>
+                      <a:tailEnd type="none" w="med" len="med"/>
+                    </a:lnR>
+                    <a:lnT w="6350" cap="flat" cmpd="sng" algn="ctr">
+                      <a:solidFill>
+                        <a:srgbClr val="000000"/>
+                      </a:solidFill>
+                      <a:prstDash val="solid"/>
+                      <a:round/>
+                      <a:headEnd type="none" w="med" len="med"/>
+                      <a:tailEnd type="none" w="med" len="med"/>
+                    </a:lnT>
+                    <a:lnB w="6350" cap="flat" cmpd="sng" algn="ctr">
+                      <a:solidFill>
+                        <a:srgbClr val="000000"/>
+                      </a:solidFill>
+                      <a:prstDash val="solid"/>
+                      <a:round/>
+                      <a:headEnd type="none" w="med" len="med"/>
+                      <a:tailEnd type="none" w="med" len="med"/>
+                    </a:lnB>
+                    <a:solidFill>
+                      <a:srgbClr val="E26B0A"/>
+                    </a:solidFill>
+                  </a:tcPr>
+                </a:tc>
+                <a:tc>
+                  <a:txBody>
+                    <a:bodyPr/>
+                    <a:lstStyle/>
+                    <a:p>
+                      <a:pPr algn="l" fontAlgn="b"/>
+                      <a:r>
+                        <a:rPr lang="en-US" sz="800" b="0" i="0" u="none" strike="noStrike">
+                          <a:solidFill>
+                            <a:srgbClr val="000000"/>
+                          </a:solidFill>
+                          <a:effectLst/>
+                          <a:latin typeface="Calibri"/>
+                        </a:rPr>
+                        <a:t> </a:t>
+                      </a:r>
+                    </a:p>
+                  </a:txBody>
+                  <a:tcPr marL="8458" marR="8458" marT="8458" marB="0" anchor="b">
+                    <a:lnL w="6350" cap="flat" cmpd="sng" algn="ctr">
+                      <a:solidFill>
+                        <a:srgbClr val="000000"/>
+                      </a:solidFill>
+                      <a:prstDash val="solid"/>
+                      <a:round/>
+                      <a:headEnd type="none" w="med" len="med"/>
+                      <a:tailEnd type="none" w="med" len="med"/>
+                    </a:lnL>
+                    <a:lnR w="6350" cap="flat" cmpd="sng" algn="ctr">
+                      <a:solidFill>
+                        <a:srgbClr val="000000"/>
+                      </a:solidFill>
+                      <a:prstDash val="solid"/>
+                      <a:round/>
+                      <a:headEnd type="none" w="med" len="med"/>
+                      <a:tailEnd type="none" w="med" len="med"/>
+                    </a:lnR>
+                    <a:lnT w="6350" cap="flat" cmpd="sng" algn="ctr">
+                      <a:solidFill>
+                        <a:srgbClr val="000000"/>
+                      </a:solidFill>
+                      <a:prstDash val="solid"/>
+                      <a:round/>
+                      <a:headEnd type="none" w="med" len="med"/>
+                      <a:tailEnd type="none" w="med" len="med"/>
+                    </a:lnT>
+                    <a:lnB w="6350" cap="flat" cmpd="sng" algn="ctr">
+                      <a:solidFill>
+                        <a:srgbClr val="000000"/>
+                      </a:solidFill>
+                      <a:prstDash val="solid"/>
+                      <a:round/>
+                      <a:headEnd type="none" w="med" len="med"/>
+                      <a:tailEnd type="none" w="med" len="med"/>
+                    </a:lnB>
+                    <a:solidFill>
+                      <a:srgbClr val="FDE9D9"/>
+                    </a:solidFill>
+                  </a:tcPr>
+                </a:tc>
+                <a:tc>
+                  <a:txBody>
+                    <a:bodyPr/>
+                    <a:lstStyle/>
+                    <a:p>
+                      <a:pPr algn="l" fontAlgn="b"/>
+                      <a:endParaRPr lang="en-US" sz="800" b="0" i="0" u="none" strike="noStrike">
+                        <a:solidFill>
+                          <a:srgbClr val="000000"/>
+                        </a:solidFill>
+                        <a:effectLst/>
+                        <a:latin typeface="Calibri"/>
+                      </a:endParaRPr>
+                    </a:p>
+                  </a:txBody>
+                  <a:tcPr marL="8458" marR="8458" marT="8458" marB="0" anchor="b">
+                    <a:lnL w="6350" cap="flat" cmpd="sng" algn="ctr">
+                      <a:solidFill>
+                        <a:srgbClr val="000000"/>
+                      </a:solidFill>
+                      <a:prstDash val="solid"/>
+                      <a:round/>
+                      <a:headEnd type="none" w="med" len="med"/>
+                      <a:tailEnd type="none" w="med" len="med"/>
+                    </a:lnL>
+                    <a:lnR>
+                      <a:noFill/>
+                    </a:lnR>
+                    <a:lnT>
+                      <a:noFill/>
+                    </a:lnT>
+                    <a:lnB>
+                      <a:noFill/>
+                    </a:lnB>
+                  </a:tcPr>
+                </a:tc>
+                <a:tc>
+                  <a:txBody>
+                    <a:bodyPr/>
+                    <a:lstStyle/>
+                    <a:p>
+                      <a:pPr algn="l" fontAlgn="b"/>
+                      <a:endParaRPr lang="en-US" sz="800" b="0" i="0" u="none" strike="noStrike">
+                        <a:solidFill>
+                          <a:srgbClr val="000000"/>
+                        </a:solidFill>
+                        <a:effectLst/>
+                        <a:latin typeface="Calibri"/>
+                      </a:endParaRPr>
+                    </a:p>
+                  </a:txBody>
+                  <a:tcPr marL="8458" marR="8458" marT="8458" marB="0" anchor="b">
+                    <a:lnL>
+                      <a:noFill/>
+                    </a:lnL>
+                    <a:lnR>
+                      <a:noFill/>
+                    </a:lnR>
+                    <a:lnT w="6350" cap="flat" cmpd="sng" algn="ctr">
+                      <a:solidFill>
+                        <a:srgbClr val="000000"/>
+                      </a:solidFill>
+                      <a:prstDash val="solid"/>
+                      <a:round/>
+                      <a:headEnd type="none" w="med" len="med"/>
+                      <a:tailEnd type="none" w="med" len="med"/>
+                    </a:lnT>
+                    <a:lnB>
+                      <a:noFill/>
+                    </a:lnB>
+                  </a:tcPr>
+                </a:tc>
+                <a:tc>
+                  <a:txBody>
+                    <a:bodyPr/>
+                    <a:lstStyle/>
+                    <a:p>
+                      <a:pPr algn="l" fontAlgn="b"/>
+                      <a:endParaRPr lang="en-US" sz="800" b="0" i="0" u="none" strike="noStrike">
+                        <a:solidFill>
+                          <a:srgbClr val="000000"/>
+                        </a:solidFill>
+                        <a:effectLst/>
+                        <a:latin typeface="Calibri"/>
+                      </a:endParaRPr>
+                    </a:p>
+                  </a:txBody>
+                  <a:tcPr marL="8458" marR="8458" marT="8458" marB="0" anchor="b">
+                    <a:lnL>
+                      <a:noFill/>
+                    </a:lnL>
+                    <a:lnR>
+                      <a:noFill/>
+                    </a:lnR>
+                    <a:lnT>
+                      <a:noFill/>
+                    </a:lnT>
+                    <a:lnB>
+                      <a:noFill/>
+                    </a:lnB>
+                  </a:tcPr>
+                </a:tc>
+              </a:tr>
+              <a:tr h="413495">
+                <a:tc vMerge="1">
+                  <a:txBody>
+                    <a:bodyPr/>
+                    <a:lstStyle/>
+                    <a:p>
+                      <a:endParaRPr lang="en-US"/>
+                    </a:p>
+                  </a:txBody>
+                  <a:tcPr/>
+                </a:tc>
+                <a:tc>
+                  <a:txBody>
+                    <a:bodyPr/>
+                    <a:lstStyle/>
+                    <a:p>
+                      <a:pPr algn="l" fontAlgn="ctr"/>
+                      <a:r>
+                        <a:rPr lang="en-US" sz="900" b="1" i="0" u="none" strike="noStrike" dirty="0">
+                          <a:solidFill>
+                            <a:srgbClr val="000000"/>
+                          </a:solidFill>
+                          <a:effectLst/>
+                          <a:latin typeface="Calibri"/>
+                        </a:rPr>
+                        <a:t>Rate of Win per Bet</a:t>
+                      </a:r>
+                    </a:p>
+                  </a:txBody>
+                  <a:tcPr marL="8458" marR="8458" marT="8458" marB="0" anchor="ctr">
+                    <a:lnL w="6350" cap="flat" cmpd="sng" algn="ctr">
+                      <a:solidFill>
+                        <a:srgbClr val="000000"/>
+                      </a:solidFill>
+                      <a:prstDash val="solid"/>
+                      <a:round/>
+                      <a:headEnd type="none" w="med" len="med"/>
+                      <a:tailEnd type="none" w="med" len="med"/>
+                    </a:lnL>
+                    <a:lnR w="6350" cap="flat" cmpd="sng" algn="ctr">
+                      <a:solidFill>
+                        <a:srgbClr val="000000"/>
+                      </a:solidFill>
+                      <a:prstDash val="solid"/>
+                      <a:round/>
+                      <a:headEnd type="none" w="med" len="med"/>
+                      <a:tailEnd type="none" w="med" len="med"/>
+                    </a:lnR>
+                    <a:lnT w="6350" cap="flat" cmpd="sng" algn="ctr">
+                      <a:solidFill>
+                        <a:srgbClr val="000000"/>
+                      </a:solidFill>
+                      <a:prstDash val="solid"/>
+                      <a:round/>
+                      <a:headEnd type="none" w="med" len="med"/>
+                      <a:tailEnd type="none" w="med" len="med"/>
+                    </a:lnT>
+                    <a:lnB w="6350" cap="flat" cmpd="sng" algn="ctr">
+                      <a:solidFill>
+                        <a:srgbClr val="000000"/>
+                      </a:solidFill>
+                      <a:prstDash val="solid"/>
+                      <a:round/>
+                      <a:headEnd type="none" w="med" len="med"/>
+                      <a:tailEnd type="none" w="med" len="med"/>
+                    </a:lnB>
+                    <a:solidFill>
+                      <a:srgbClr val="D9D9D9"/>
+                    </a:solidFill>
+                  </a:tcPr>
+                </a:tc>
+                <a:tc>
+                  <a:txBody>
+                    <a:bodyPr/>
+                    <a:lstStyle/>
+                    <a:p>
+                      <a:pPr algn="l" fontAlgn="b"/>
+                      <a:r>
+                        <a:rPr lang="en-US" sz="800" b="0" i="0" u="none" strike="noStrike">
+                          <a:solidFill>
+                            <a:srgbClr val="000000"/>
+                          </a:solidFill>
+                          <a:effectLst/>
+                          <a:latin typeface="Calibri"/>
+                        </a:rPr>
+                        <a:t> </a:t>
+                      </a:r>
+                    </a:p>
+                  </a:txBody>
+                  <a:tcPr marL="8458" marR="8458" marT="8458" marB="0" anchor="b">
+                    <a:lnL w="6350" cap="flat" cmpd="sng" algn="ctr">
+                      <a:solidFill>
+                        <a:srgbClr val="000000"/>
+                      </a:solidFill>
+                      <a:prstDash val="solid"/>
+                      <a:round/>
+                      <a:headEnd type="none" w="med" len="med"/>
+                      <a:tailEnd type="none" w="med" len="med"/>
+                    </a:lnL>
+                    <a:lnR w="6350" cap="flat" cmpd="sng" algn="ctr">
+                      <a:solidFill>
+                        <a:srgbClr val="000000"/>
+                      </a:solidFill>
+                      <a:prstDash val="solid"/>
+                      <a:round/>
+                      <a:headEnd type="none" w="med" len="med"/>
+                      <a:tailEnd type="none" w="med" len="med"/>
+                    </a:lnR>
+                    <a:lnT w="6350" cap="flat" cmpd="sng" algn="ctr">
+                      <a:solidFill>
+                        <a:srgbClr val="000000"/>
+                      </a:solidFill>
+                      <a:prstDash val="solid"/>
+                      <a:round/>
+                      <a:headEnd type="none" w="med" len="med"/>
+                      <a:tailEnd type="none" w="med" len="med"/>
+                    </a:lnT>
+                    <a:lnB w="6350" cap="flat" cmpd="sng" algn="ctr">
+                      <a:solidFill>
+                        <a:srgbClr val="000000"/>
+                      </a:solidFill>
+                      <a:prstDash val="solid"/>
+                      <a:round/>
+                      <a:headEnd type="none" w="med" len="med"/>
+                      <a:tailEnd type="none" w="med" len="med"/>
+                    </a:lnB>
+                    <a:solidFill>
+                      <a:srgbClr val="E26B0A"/>
+                    </a:solidFill>
+                  </a:tcPr>
+                </a:tc>
+                <a:tc>
+                  <a:txBody>
+                    <a:bodyPr/>
+                    <a:lstStyle/>
+                    <a:p>
+                      <a:pPr algn="l" fontAlgn="b"/>
+                      <a:r>
+                        <a:rPr lang="en-US" sz="800" b="0" i="0" u="none" strike="noStrike">
+                          <a:solidFill>
+                            <a:srgbClr val="000000"/>
+                          </a:solidFill>
+                          <a:effectLst/>
+                          <a:latin typeface="Calibri"/>
+                        </a:rPr>
+                        <a:t> </a:t>
+                      </a:r>
+                    </a:p>
+                  </a:txBody>
+                  <a:tcPr marL="8458" marR="8458" marT="8458" marB="0" anchor="b">
+                    <a:lnL w="6350" cap="flat" cmpd="sng" algn="ctr">
+                      <a:solidFill>
+                        <a:srgbClr val="000000"/>
+                      </a:solidFill>
+                      <a:prstDash val="solid"/>
+                      <a:round/>
+                      <a:headEnd type="none" w="med" len="med"/>
+                      <a:tailEnd type="none" w="med" len="med"/>
+                    </a:lnL>
+                    <a:lnR w="6350" cap="flat" cmpd="sng" algn="ctr">
+                      <a:solidFill>
+                        <a:srgbClr val="000000"/>
+                      </a:solidFill>
+                      <a:prstDash val="solid"/>
+                      <a:round/>
+                      <a:headEnd type="none" w="med" len="med"/>
+                      <a:tailEnd type="none" w="med" len="med"/>
+                    </a:lnR>
+                    <a:lnT w="6350" cap="flat" cmpd="sng" algn="ctr">
+                      <a:solidFill>
+                        <a:srgbClr val="000000"/>
+                      </a:solidFill>
+                      <a:prstDash val="solid"/>
+                      <a:round/>
+                      <a:headEnd type="none" w="med" len="med"/>
+                      <a:tailEnd type="none" w="med" len="med"/>
+                    </a:lnT>
+                    <a:lnB w="6350" cap="flat" cmpd="sng" algn="ctr">
+                      <a:solidFill>
+                        <a:srgbClr val="000000"/>
+                      </a:solidFill>
+                      <a:prstDash val="solid"/>
+                      <a:round/>
+                      <a:headEnd type="none" w="med" len="med"/>
+                      <a:tailEnd type="none" w="med" len="med"/>
+                    </a:lnB>
+                    <a:solidFill>
+                      <a:srgbClr val="974706"/>
+                    </a:solidFill>
+                  </a:tcPr>
+                </a:tc>
+                <a:tc>
+                  <a:txBody>
+                    <a:bodyPr/>
+                    <a:lstStyle/>
+                    <a:p>
+                      <a:pPr algn="l" fontAlgn="b"/>
+                      <a:r>
+                        <a:rPr lang="en-US" sz="800" b="0" i="0" u="none" strike="noStrike">
+                          <a:solidFill>
+                            <a:srgbClr val="000000"/>
+                          </a:solidFill>
+                          <a:effectLst/>
+                          <a:latin typeface="Calibri"/>
+                        </a:rPr>
+                        <a:t> </a:t>
+                      </a:r>
+                    </a:p>
+                  </a:txBody>
+                  <a:tcPr marL="8458" marR="8458" marT="8458" marB="0" anchor="b">
+                    <a:lnL w="6350" cap="flat" cmpd="sng" algn="ctr">
+                      <a:solidFill>
+                        <a:srgbClr val="000000"/>
+                      </a:solidFill>
+                      <a:prstDash val="solid"/>
+                      <a:round/>
+                      <a:headEnd type="none" w="med" len="med"/>
+                      <a:tailEnd type="none" w="med" len="med"/>
+                    </a:lnL>
+                    <a:lnR w="6350" cap="flat" cmpd="sng" algn="ctr">
+                      <a:solidFill>
+                        <a:srgbClr val="000000"/>
+                      </a:solidFill>
+                      <a:prstDash val="solid"/>
+                      <a:round/>
+                      <a:headEnd type="none" w="med" len="med"/>
+                      <a:tailEnd type="none" w="med" len="med"/>
+                    </a:lnR>
+                    <a:lnT w="6350" cap="flat" cmpd="sng" algn="ctr">
+                      <a:solidFill>
+                        <a:srgbClr val="000000"/>
+                      </a:solidFill>
+                      <a:prstDash val="solid"/>
+                      <a:round/>
+                      <a:headEnd type="none" w="med" len="med"/>
+                      <a:tailEnd type="none" w="med" len="med"/>
+                    </a:lnT>
+                    <a:lnB w="6350" cap="flat" cmpd="sng" algn="ctr">
+                      <a:solidFill>
+                        <a:srgbClr val="000000"/>
+                      </a:solidFill>
+                      <a:prstDash val="solid"/>
+                      <a:round/>
+                      <a:headEnd type="none" w="med" len="med"/>
+                      <a:tailEnd type="none" w="med" len="med"/>
+                    </a:lnB>
+                    <a:solidFill>
+                      <a:srgbClr val="FDE9D9"/>
+                    </a:solidFill>
+                  </a:tcPr>
+                </a:tc>
+                <a:tc>
+                  <a:txBody>
+                    <a:bodyPr/>
+                    <a:lstStyle/>
+                    <a:p>
+                      <a:pPr algn="l" fontAlgn="b"/>
+                      <a:r>
+                        <a:rPr lang="en-US" sz="800" b="0" i="0" u="none" strike="noStrike">
+                          <a:solidFill>
+                            <a:srgbClr val="000000"/>
+                          </a:solidFill>
+                          <a:effectLst/>
+                          <a:latin typeface="Calibri"/>
+                        </a:rPr>
+                        <a:t> </a:t>
+                      </a:r>
+                    </a:p>
+                  </a:txBody>
+                  <a:tcPr marL="8458" marR="8458" marT="8458" marB="0" anchor="b">
+                    <a:lnL w="6350" cap="flat" cmpd="sng" algn="ctr">
+                      <a:solidFill>
+                        <a:srgbClr val="000000"/>
+                      </a:solidFill>
+                      <a:prstDash val="solid"/>
+                      <a:round/>
+                      <a:headEnd type="none" w="med" len="med"/>
+                      <a:tailEnd type="none" w="med" len="med"/>
+                    </a:lnL>
+                    <a:lnR w="6350" cap="flat" cmpd="sng" algn="ctr">
+                      <a:solidFill>
+                        <a:srgbClr val="000000"/>
+                      </a:solidFill>
+                      <a:prstDash val="solid"/>
+                      <a:round/>
+                      <a:headEnd type="none" w="med" len="med"/>
+                      <a:tailEnd type="none" w="med" len="med"/>
+                    </a:lnR>
+                    <a:lnT w="6350" cap="flat" cmpd="sng" algn="ctr">
+                      <a:solidFill>
+                        <a:srgbClr val="000000"/>
+                      </a:solidFill>
+                      <a:prstDash val="solid"/>
+                      <a:round/>
+                      <a:headEnd type="none" w="med" len="med"/>
+                      <a:tailEnd type="none" w="med" len="med"/>
+                    </a:lnT>
+                    <a:lnB w="6350" cap="flat" cmpd="sng" algn="ctr">
+                      <a:solidFill>
+                        <a:srgbClr val="000000"/>
+                      </a:solidFill>
+                      <a:prstDash val="solid"/>
+                      <a:round/>
+                      <a:headEnd type="none" w="med" len="med"/>
+                      <a:tailEnd type="none" w="med" len="med"/>
+                    </a:lnB>
+                    <a:solidFill>
+                      <a:srgbClr val="FABF8F"/>
+                    </a:solidFill>
+                  </a:tcPr>
+                </a:tc>
+                <a:tc>
+                  <a:txBody>
+                    <a:bodyPr/>
+                    <a:lstStyle/>
+                    <a:p>
+                      <a:pPr algn="l" fontAlgn="b"/>
+                      <a:endParaRPr lang="en-US" sz="800" b="0" i="0" u="none" strike="noStrike">
+                        <a:solidFill>
+                          <a:srgbClr val="000000"/>
+                        </a:solidFill>
+                        <a:effectLst/>
+                        <a:latin typeface="Calibri"/>
+                      </a:endParaRPr>
+                    </a:p>
+                  </a:txBody>
+                  <a:tcPr marL="8458" marR="8458" marT="8458" marB="0" anchor="b">
+                    <a:lnL w="6350" cap="flat" cmpd="sng" algn="ctr">
+                      <a:solidFill>
+                        <a:srgbClr val="000000"/>
+                      </a:solidFill>
+                      <a:prstDash val="solid"/>
+                      <a:round/>
+                      <a:headEnd type="none" w="med" len="med"/>
+                      <a:tailEnd type="none" w="med" len="med"/>
+                    </a:lnL>
+                    <a:lnR>
+                      <a:noFill/>
+                    </a:lnR>
+                    <a:lnT>
+                      <a:noFill/>
+                    </a:lnT>
+                    <a:lnB>
+                      <a:noFill/>
+                    </a:lnB>
+                  </a:tcPr>
+                </a:tc>
+                <a:tc>
+                  <a:txBody>
+                    <a:bodyPr/>
+                    <a:lstStyle/>
+                    <a:p>
+                      <a:pPr algn="l" fontAlgn="b"/>
+                      <a:endParaRPr lang="en-US" sz="800" b="0" i="0" u="none" strike="noStrike">
+                        <a:solidFill>
+                          <a:srgbClr val="000000"/>
+                        </a:solidFill>
+                        <a:effectLst/>
+                        <a:latin typeface="Calibri"/>
+                      </a:endParaRPr>
+                    </a:p>
+                  </a:txBody>
+                  <a:tcPr marL="8458" marR="8458" marT="8458" marB="0" anchor="b">
+                    <a:lnL>
+                      <a:noFill/>
+                    </a:lnL>
+                    <a:lnR>
+                      <a:noFill/>
+                    </a:lnR>
+                    <a:lnT>
+                      <a:noFill/>
+                    </a:lnT>
+                    <a:lnB>
+                      <a:noFill/>
+                    </a:lnB>
+                  </a:tcPr>
+                </a:tc>
+                <a:tc>
+                  <a:txBody>
+                    <a:bodyPr/>
+                    <a:lstStyle/>
+                    <a:p>
+                      <a:pPr algn="l" fontAlgn="b"/>
+                      <a:endParaRPr lang="en-US" sz="800" b="0" i="0" u="none" strike="noStrike">
+                        <a:solidFill>
+                          <a:srgbClr val="000000"/>
+                        </a:solidFill>
+                        <a:effectLst/>
+                        <a:latin typeface="Calibri"/>
+                      </a:endParaRPr>
+                    </a:p>
+                  </a:txBody>
+                  <a:tcPr marL="8458" marR="8458" marT="8458" marB="0" anchor="b">
+                    <a:lnL>
+                      <a:noFill/>
+                    </a:lnL>
+                    <a:lnR>
+                      <a:noFill/>
+                    </a:lnR>
+                    <a:lnT>
+                      <a:noFill/>
+                    </a:lnT>
+                    <a:lnB>
+                      <a:noFill/>
+                    </a:lnB>
+                  </a:tcPr>
+                </a:tc>
+              </a:tr>
+              <a:tr h="413495">
+                <a:tc vMerge="1">
+                  <a:txBody>
+                    <a:bodyPr/>
+                    <a:lstStyle/>
+                    <a:p>
+                      <a:endParaRPr lang="en-US"/>
+                    </a:p>
+                  </a:txBody>
+                  <a:tcPr/>
+                </a:tc>
+                <a:tc>
+                  <a:txBody>
+                    <a:bodyPr/>
+                    <a:lstStyle/>
+                    <a:p>
+                      <a:pPr algn="l" fontAlgn="ctr"/>
+                      <a:r>
+                        <a:rPr lang="en-US" sz="900" b="1" i="0" u="none" strike="noStrike" dirty="0">
+                          <a:solidFill>
+                            <a:srgbClr val="000000"/>
+                          </a:solidFill>
+                          <a:effectLst/>
+                          <a:latin typeface="Calibri"/>
+                        </a:rPr>
+                        <a:t>Times of being an Early Bet Placer</a:t>
+                      </a:r>
+                    </a:p>
+                  </a:txBody>
+                  <a:tcPr marL="8458" marR="8458" marT="8458" marB="0" anchor="ctr">
+                    <a:lnL w="6350" cap="flat" cmpd="sng" algn="ctr">
+                      <a:solidFill>
+                        <a:srgbClr val="000000"/>
+                      </a:solidFill>
+                      <a:prstDash val="solid"/>
+                      <a:round/>
+                      <a:headEnd type="none" w="med" len="med"/>
+                      <a:tailEnd type="none" w="med" len="med"/>
+                    </a:lnL>
+                    <a:lnR w="6350" cap="flat" cmpd="sng" algn="ctr">
+                      <a:solidFill>
+                        <a:srgbClr val="000000"/>
+                      </a:solidFill>
+                      <a:prstDash val="solid"/>
+                      <a:round/>
+                      <a:headEnd type="none" w="med" len="med"/>
+                      <a:tailEnd type="none" w="med" len="med"/>
+                    </a:lnR>
+                    <a:lnT w="6350" cap="flat" cmpd="sng" algn="ctr">
+                      <a:solidFill>
+                        <a:srgbClr val="000000"/>
+                      </a:solidFill>
+                      <a:prstDash val="solid"/>
+                      <a:round/>
+                      <a:headEnd type="none" w="med" len="med"/>
+                      <a:tailEnd type="none" w="med" len="med"/>
+                    </a:lnT>
+                    <a:lnB w="6350" cap="flat" cmpd="sng" algn="ctr">
+                      <a:solidFill>
+                        <a:srgbClr val="000000"/>
+                      </a:solidFill>
+                      <a:prstDash val="solid"/>
+                      <a:round/>
+                      <a:headEnd type="none" w="med" len="med"/>
+                      <a:tailEnd type="none" w="med" len="med"/>
+                    </a:lnB>
+                    <a:solidFill>
+                      <a:srgbClr val="D9D9D9"/>
+                    </a:solidFill>
+                  </a:tcPr>
+                </a:tc>
+                <a:tc>
+                  <a:txBody>
+                    <a:bodyPr/>
+                    <a:lstStyle/>
+                    <a:p>
+                      <a:pPr algn="l" fontAlgn="b"/>
+                      <a:r>
+                        <a:rPr lang="en-US" sz="800" b="0" i="0" u="none" strike="noStrike">
+                          <a:solidFill>
+                            <a:srgbClr val="000000"/>
+                          </a:solidFill>
+                          <a:effectLst/>
+                          <a:latin typeface="Calibri"/>
+                        </a:rPr>
+                        <a:t> </a:t>
+                      </a:r>
+                    </a:p>
+                  </a:txBody>
+                  <a:tcPr marL="8458" marR="8458" marT="8458" marB="0" anchor="b">
+                    <a:lnL w="6350" cap="flat" cmpd="sng" algn="ctr">
+                      <a:solidFill>
+                        <a:srgbClr val="000000"/>
+                      </a:solidFill>
+                      <a:prstDash val="solid"/>
+                      <a:round/>
+                      <a:headEnd type="none" w="med" len="med"/>
+                      <a:tailEnd type="none" w="med" len="med"/>
+                    </a:lnL>
+                    <a:lnR w="6350" cap="flat" cmpd="sng" algn="ctr">
+                      <a:solidFill>
+                        <a:srgbClr val="000000"/>
+                      </a:solidFill>
+                      <a:prstDash val="solid"/>
+                      <a:round/>
+                      <a:headEnd type="none" w="med" len="med"/>
+                      <a:tailEnd type="none" w="med" len="med"/>
+                    </a:lnR>
+                    <a:lnT w="6350" cap="flat" cmpd="sng" algn="ctr">
+                      <a:solidFill>
+                        <a:srgbClr val="000000"/>
+                      </a:solidFill>
+                      <a:prstDash val="solid"/>
+                      <a:round/>
+                      <a:headEnd type="none" w="med" len="med"/>
+                      <a:tailEnd type="none" w="med" len="med"/>
+                    </a:lnT>
+                    <a:lnB w="6350" cap="flat" cmpd="sng" algn="ctr">
+                      <a:solidFill>
+                        <a:srgbClr val="000000"/>
+                      </a:solidFill>
+                      <a:prstDash val="solid"/>
+                      <a:round/>
+                      <a:headEnd type="none" w="med" len="med"/>
+                      <a:tailEnd type="none" w="med" len="med"/>
+                    </a:lnB>
+                    <a:solidFill>
+                      <a:srgbClr val="FABF8F"/>
+                    </a:solidFill>
+                  </a:tcPr>
+                </a:tc>
+                <a:tc>
+                  <a:txBody>
+                    <a:bodyPr/>
+                    <a:lstStyle/>
+                    <a:p>
+                      <a:pPr algn="l" fontAlgn="b"/>
+                      <a:r>
+                        <a:rPr lang="en-US" sz="800" b="0" i="0" u="none" strike="noStrike">
+                          <a:solidFill>
+                            <a:srgbClr val="000000"/>
+                          </a:solidFill>
+                          <a:effectLst/>
+                          <a:latin typeface="Calibri"/>
+                        </a:rPr>
+                        <a:t> </a:t>
+                      </a:r>
+                    </a:p>
+                  </a:txBody>
+                  <a:tcPr marL="8458" marR="8458" marT="8458" marB="0" anchor="b">
+                    <a:lnL w="6350" cap="flat" cmpd="sng" algn="ctr">
+                      <a:solidFill>
+                        <a:srgbClr val="000000"/>
+                      </a:solidFill>
+                      <a:prstDash val="solid"/>
+                      <a:round/>
+                      <a:headEnd type="none" w="med" len="med"/>
+                      <a:tailEnd type="none" w="med" len="med"/>
+                    </a:lnL>
+                    <a:lnR w="6350" cap="flat" cmpd="sng" algn="ctr">
+                      <a:solidFill>
+                        <a:srgbClr val="000000"/>
+                      </a:solidFill>
+                      <a:prstDash val="solid"/>
+                      <a:round/>
+                      <a:headEnd type="none" w="med" len="med"/>
+                      <a:tailEnd type="none" w="med" len="med"/>
+                    </a:lnR>
+                    <a:lnT w="6350" cap="flat" cmpd="sng" algn="ctr">
+                      <a:solidFill>
+                        <a:srgbClr val="000000"/>
+                      </a:solidFill>
+                      <a:prstDash val="solid"/>
+                      <a:round/>
+                      <a:headEnd type="none" w="med" len="med"/>
+                      <a:tailEnd type="none" w="med" len="med"/>
+                    </a:lnT>
+                    <a:lnB w="6350" cap="flat" cmpd="sng" algn="ctr">
+                      <a:solidFill>
+                        <a:srgbClr val="000000"/>
+                      </a:solidFill>
+                      <a:prstDash val="solid"/>
+                      <a:round/>
+                      <a:headEnd type="none" w="med" len="med"/>
+                      <a:tailEnd type="none" w="med" len="med"/>
+                    </a:lnB>
+                    <a:solidFill>
+                      <a:srgbClr val="FDE9D9"/>
+                    </a:solidFill>
+                  </a:tcPr>
+                </a:tc>
+                <a:tc>
+                  <a:txBody>
+                    <a:bodyPr/>
+                    <a:lstStyle/>
+                    <a:p>
+                      <a:pPr algn="l" fontAlgn="b"/>
+                      <a:r>
+                        <a:rPr lang="en-US" sz="800" b="0" i="0" u="none" strike="noStrike">
+                          <a:solidFill>
+                            <a:srgbClr val="000000"/>
+                          </a:solidFill>
+                          <a:effectLst/>
+                          <a:latin typeface="Calibri"/>
+                        </a:rPr>
+                        <a:t> </a:t>
+                      </a:r>
+                    </a:p>
+                  </a:txBody>
+                  <a:tcPr marL="8458" marR="8458" marT="8458" marB="0" anchor="b">
+                    <a:lnL w="6350" cap="flat" cmpd="sng" algn="ctr">
+                      <a:solidFill>
+                        <a:srgbClr val="000000"/>
+                      </a:solidFill>
+                      <a:prstDash val="solid"/>
+                      <a:round/>
+                      <a:headEnd type="none" w="med" len="med"/>
+                      <a:tailEnd type="none" w="med" len="med"/>
+                    </a:lnL>
+                    <a:lnR w="6350" cap="flat" cmpd="sng" algn="ctr">
+                      <a:solidFill>
+                        <a:srgbClr val="000000"/>
+                      </a:solidFill>
+                      <a:prstDash val="solid"/>
+                      <a:round/>
+                      <a:headEnd type="none" w="med" len="med"/>
+                      <a:tailEnd type="none" w="med" len="med"/>
+                    </a:lnR>
+                    <a:lnT w="6350" cap="flat" cmpd="sng" algn="ctr">
+                      <a:solidFill>
+                        <a:srgbClr val="000000"/>
+                      </a:solidFill>
+                      <a:prstDash val="solid"/>
+                      <a:round/>
+                      <a:headEnd type="none" w="med" len="med"/>
+                      <a:tailEnd type="none" w="med" len="med"/>
+                    </a:lnT>
+                    <a:lnB w="6350" cap="flat" cmpd="sng" algn="ctr">
+                      <a:solidFill>
+                        <a:srgbClr val="000000"/>
+                      </a:solidFill>
+                      <a:prstDash val="solid"/>
+                      <a:round/>
+                      <a:headEnd type="none" w="med" len="med"/>
+                      <a:tailEnd type="none" w="med" len="med"/>
+                    </a:lnB>
+                    <a:solidFill>
+                      <a:srgbClr val="974706"/>
+                    </a:solidFill>
+                  </a:tcPr>
+                </a:tc>
+                <a:tc>
+                  <a:txBody>
+                    <a:bodyPr/>
+                    <a:lstStyle/>
+                    <a:p>
+                      <a:pPr algn="l" fontAlgn="b"/>
+                      <a:r>
+                        <a:rPr lang="en-US" sz="800" b="0" i="0" u="none" strike="noStrike">
+                          <a:solidFill>
+                            <a:srgbClr val="000000"/>
+                          </a:solidFill>
+                          <a:effectLst/>
+                          <a:latin typeface="Calibri"/>
+                        </a:rPr>
+                        <a:t> </a:t>
+                      </a:r>
+                    </a:p>
+                  </a:txBody>
+                  <a:tcPr marL="8458" marR="8458" marT="8458" marB="0" anchor="b">
+                    <a:lnL w="6350" cap="flat" cmpd="sng" algn="ctr">
+                      <a:solidFill>
+                        <a:srgbClr val="000000"/>
+                      </a:solidFill>
+                      <a:prstDash val="solid"/>
+                      <a:round/>
+                      <a:headEnd type="none" w="med" len="med"/>
+                      <a:tailEnd type="none" w="med" len="med"/>
+                    </a:lnL>
+                    <a:lnR w="6350" cap="flat" cmpd="sng" algn="ctr">
+                      <a:solidFill>
+                        <a:srgbClr val="000000"/>
+                      </a:solidFill>
+                      <a:prstDash val="solid"/>
+                      <a:round/>
+                      <a:headEnd type="none" w="med" len="med"/>
+                      <a:tailEnd type="none" w="med" len="med"/>
+                    </a:lnR>
+                    <a:lnT w="6350" cap="flat" cmpd="sng" algn="ctr">
+                      <a:solidFill>
+                        <a:srgbClr val="000000"/>
+                      </a:solidFill>
+                      <a:prstDash val="solid"/>
+                      <a:round/>
+                      <a:headEnd type="none" w="med" len="med"/>
+                      <a:tailEnd type="none" w="med" len="med"/>
+                    </a:lnT>
+                    <a:lnB w="6350" cap="flat" cmpd="sng" algn="ctr">
+                      <a:solidFill>
+                        <a:srgbClr val="000000"/>
+                      </a:solidFill>
+                      <a:prstDash val="solid"/>
+                      <a:round/>
+                      <a:headEnd type="none" w="med" len="med"/>
+                      <a:tailEnd type="none" w="med" len="med"/>
+                    </a:lnB>
+                    <a:solidFill>
+                      <a:srgbClr val="E26B0A"/>
+                    </a:solidFill>
+                  </a:tcPr>
+                </a:tc>
+                <a:tc>
+                  <a:txBody>
+                    <a:bodyPr/>
+                    <a:lstStyle/>
+                    <a:p>
+                      <a:pPr algn="l" fontAlgn="b"/>
+                      <a:endParaRPr lang="en-US" sz="800" b="0" i="0" u="none" strike="noStrike">
+                        <a:solidFill>
+                          <a:srgbClr val="000000"/>
+                        </a:solidFill>
+                        <a:effectLst/>
+                        <a:latin typeface="Calibri"/>
+                      </a:endParaRPr>
+                    </a:p>
+                  </a:txBody>
+                  <a:tcPr marL="8458" marR="8458" marT="8458" marB="0" anchor="b">
+                    <a:lnL w="6350" cap="flat" cmpd="sng" algn="ctr">
+                      <a:solidFill>
+                        <a:srgbClr val="000000"/>
+                      </a:solidFill>
+                      <a:prstDash val="solid"/>
+                      <a:round/>
+                      <a:headEnd type="none" w="med" len="med"/>
+                      <a:tailEnd type="none" w="med" len="med"/>
+                    </a:lnL>
+                    <a:lnR>
+                      <a:noFill/>
+                    </a:lnR>
+                    <a:lnT>
+                      <a:noFill/>
+                    </a:lnT>
+                    <a:lnB>
+                      <a:noFill/>
+                    </a:lnB>
+                  </a:tcPr>
+                </a:tc>
+                <a:tc>
+                  <a:txBody>
+                    <a:bodyPr/>
+                    <a:lstStyle/>
+                    <a:p>
+                      <a:pPr algn="l" fontAlgn="b"/>
+                      <a:endParaRPr lang="en-US" sz="800" b="0" i="0" u="none" strike="noStrike">
+                        <a:solidFill>
+                          <a:srgbClr val="000000"/>
+                        </a:solidFill>
+                        <a:effectLst/>
+                        <a:latin typeface="Calibri"/>
+                      </a:endParaRPr>
+                    </a:p>
+                  </a:txBody>
+                  <a:tcPr marL="8458" marR="8458" marT="8458" marB="0" anchor="b">
+                    <a:lnL>
+                      <a:noFill/>
+                    </a:lnL>
+                    <a:lnR>
+                      <a:noFill/>
+                    </a:lnR>
+                    <a:lnT>
+                      <a:noFill/>
+                    </a:lnT>
+                    <a:lnB>
+                      <a:noFill/>
+                    </a:lnB>
+                  </a:tcPr>
+                </a:tc>
+                <a:tc>
+                  <a:txBody>
+                    <a:bodyPr/>
+                    <a:lstStyle/>
+                    <a:p>
+                      <a:pPr algn="l" fontAlgn="b"/>
+                      <a:endParaRPr lang="en-US" sz="800" b="0" i="0" u="none" strike="noStrike" dirty="0">
+                        <a:solidFill>
+                          <a:srgbClr val="000000"/>
+                        </a:solidFill>
+                        <a:effectLst/>
+                        <a:latin typeface="Calibri"/>
+                      </a:endParaRPr>
+                    </a:p>
+                  </a:txBody>
+                  <a:tcPr marL="8458" marR="8458" marT="8458" marB="0" anchor="b">
+                    <a:lnL>
+                      <a:noFill/>
+                    </a:lnL>
+                    <a:lnR>
+                      <a:noFill/>
+                    </a:lnR>
+                    <a:lnT>
+                      <a:noFill/>
+                    </a:lnT>
+                    <a:lnB>
+                      <a:noFill/>
+                    </a:lnB>
+                  </a:tcPr>
+                </a:tc>
+              </a:tr>
+            </a:tbl>
+          </a:graphicData>
+        </a:graphic>
+      </p:graphicFrame>
+    </p:spTree>
+    <p:extLst>
+      <p:ext uri="{BB962C8B-B14F-4D97-AF65-F5344CB8AC3E}">
+        <p14:creationId xmlns:p14="http://schemas.microsoft.com/office/powerpoint/2010/main" val="72709391"/>
+      </p:ext>
+    </p:extLst>
+  </p:cSld>
+  <p:clrMapOvr>
+    <a:masterClrMapping/>
+  </p:clrMapOvr>
+  <p:timing>
+    <p:tnLst>
+      <p:par>
+        <p:cTn xmlns:p14="http://schemas.microsoft.com/office/powerpoint/2010/main" id="1" dur="indefinite" restart="never" nodeType="tmRoot"/>
+      </p:par>
+    </p:tnLst>
+  </p:timing>
+</p:sld>
+</file>
+
+<file path=ppt/slides/slide7.xml><?xml version="1.0" encoding="utf-8"?>
+<p:sld xmlns:a="http://schemas.openxmlformats.org/drawingml/2006/main" xmlns:r="http://schemas.openxmlformats.org/officeDocument/2006/relationships" xmlns:p="http://schemas.openxmlformats.org/presentationml/2006/main">
+  <p:cSld>
+    <p:spTree>
+      <p:nvGrpSpPr>
+        <p:cNvPr id="1" name=""/>
+        <p:cNvGrpSpPr/>
+        <p:nvPr/>
+      </p:nvGrpSpPr>
+      <p:grpSpPr>
+        <a:xfrm>
+          <a:off x="0" y="0"/>
+          <a:ext cx="0" cy="0"/>
+          <a:chOff x="0" y="0"/>
+          <a:chExt cx="0" cy="0"/>
+        </a:xfrm>
+      </p:grpSpPr>
+      <p:pic>
+        <p:nvPicPr>
+          <p:cNvPr id="8" name="Picture 7" descr="plot_kmeans_vertical.png"/>
+          <p:cNvPicPr>
+            <a:picLocks noChangeAspect="1"/>
+          </p:cNvPicPr>
+          <p:nvPr/>
+        </p:nvPicPr>
+        <p:blipFill>
+          <a:blip r:embed="rId2">
+            <a:extLst>
+              <a:ext uri="{28A0092B-C50C-407E-A947-70E740481C1C}">
+                <a14:useLocalDpi xmlns:a14="http://schemas.microsoft.com/office/drawing/2010/main" val="0"/>
+              </a:ext>
+            </a:extLst>
+          </a:blip>
+          <a:stretch>
+            <a:fillRect/>
+          </a:stretch>
+        </p:blipFill>
+        <p:spPr>
+          <a:xfrm>
+            <a:off x="4743277" y="0"/>
+            <a:ext cx="4286250" cy="6858000"/>
+          </a:xfrm>
+          <a:prstGeom prst="rect">
+            <a:avLst/>
+          </a:prstGeom>
+        </p:spPr>
+      </p:pic>
+      <p:sp>
+        <p:nvSpPr>
+          <p:cNvPr id="11" name="TextBox 10"/>
+          <p:cNvSpPr txBox="1"/>
+          <p:nvPr/>
+        </p:nvSpPr>
+        <p:spPr>
+          <a:xfrm>
+            <a:off x="353801" y="1324480"/>
+            <a:ext cx="4389476" cy="738664"/>
+          </a:xfrm>
+          <a:prstGeom prst="rect">
+            <a:avLst/>
+          </a:prstGeom>
+          <a:noFill/>
+        </p:spPr>
+        <p:txBody>
+          <a:bodyPr wrap="square" rtlCol="0">
+            <a:spAutoFit/>
+          </a:bodyPr>
+          <a:lstStyle/>
+          <a:p>
+            <a:pPr marL="285750" indent="-285750">
+              <a:buFont typeface="Arial" panose="020B0604020202020204" pitchFamily="34" charset="0"/>
+              <a:buChar char="•"/>
+            </a:pPr>
+            <a:r>
+              <a:rPr lang="en-AU" sz="1400" dirty="0" smtClean="0">
+                <a:solidFill>
+                  <a:schemeClr val="bg1">
+                    <a:lumMod val="50000"/>
+                  </a:schemeClr>
+                </a:solidFill>
+              </a:rPr>
+              <a:t>A. Strong but Simple: Bet more and diversely, but does not have a good outcome</a:t>
+            </a:r>
+          </a:p>
+          <a:p>
+            <a:pPr marL="285750" indent="-285750">
+              <a:buFont typeface="Arial" panose="020B0604020202020204" pitchFamily="34" charset="0"/>
+              <a:buChar char="•"/>
+            </a:pPr>
+            <a:r>
+              <a:rPr lang="en-AU" sz="1400" dirty="0" smtClean="0">
+                <a:solidFill>
+                  <a:schemeClr val="bg1">
+                    <a:lumMod val="50000"/>
+                  </a:schemeClr>
+                </a:solidFill>
+              </a:rPr>
+              <a:t>B. Frequent and Reactive: Bet frequently, but </a:t>
+            </a:r>
+            <a:r>
+              <a:rPr lang="en-AU" sz="1400" dirty="0" err="1" smtClean="0">
+                <a:solidFill>
+                  <a:schemeClr val="bg1">
+                    <a:lumMod val="50000"/>
+                  </a:schemeClr>
+                </a:solidFill>
+              </a:rPr>
+              <a:t>cancell</a:t>
+            </a:r>
+            <a:endParaRPr lang="en-GB" sz="1400" dirty="0">
+              <a:solidFill>
+                <a:schemeClr val="bg1">
+                  <a:lumMod val="50000"/>
+                </a:schemeClr>
+              </a:solidFill>
+            </a:endParaRPr>
+          </a:p>
+        </p:txBody>
+      </p:sp>
+    </p:spTree>
+    <p:extLst>
+      <p:ext uri="{BB962C8B-B14F-4D97-AF65-F5344CB8AC3E}">
+        <p14:creationId xmlns:p14="http://schemas.microsoft.com/office/powerpoint/2010/main" val="3719023442"/>
+      </p:ext>
+    </p:extLst>
+  </p:cSld>
+  <p:clrMapOvr>
+    <a:masterClrMapping/>
+  </p:clrMapOvr>
+  <p:timing>
+    <p:tnLst>
+      <p:par>
+        <p:cTn xmlns:p14="http://schemas.microsoft.com/office/powerpoint/2010/main" id="1" dur="indefinite" restart="never" nodeType="tmRoot"/>
+      </p:par>
+    </p:tnLst>
+  </p:timing>
+</p:sld>
+</file>
+
 <file path=ppt/theme/theme1.xml><?xml version="1.0" encoding="utf-8"?>
 <a:theme xmlns:a="http://schemas.openxmlformats.org/drawingml/2006/main" name="Office Theme">
   <a:themeElements>

--- a/slides/Slides deck.pptx
+++ b/slides/Slides deck.pptx
@@ -9129,7 +9129,7 @@
         <p:spPr>
           <a:xfrm>
             <a:off x="353801" y="1324480"/>
-            <a:ext cx="7751974" cy="1169551"/>
+            <a:ext cx="7751974" cy="738664"/>
           </a:xfrm>
           <a:prstGeom prst="rect">
             <a:avLst/>
@@ -9187,42 +9187,6 @@
               <a:t>. It combines with the RFM segmentations to support a more comprehensive and flexible marketing strategy.</a:t>
             </a:r>
           </a:p>
-          <a:p>
-            <a:pPr marL="285750" indent="-285750">
-              <a:buFont typeface="Arial" panose="020B0604020202020204" pitchFamily="34" charset="0"/>
-              <a:buChar char="•"/>
-            </a:pPr>
-            <a:r>
-              <a:rPr lang="en-AU" sz="1400" dirty="0" smtClean="0">
-                <a:solidFill>
-                  <a:schemeClr val="bg1">
-                    <a:lumMod val="50000"/>
-                  </a:schemeClr>
-                </a:solidFill>
-              </a:rPr>
-              <a:t>Each cluster shares roughly 25% of the total number of customers</a:t>
-            </a:r>
-            <a:endParaRPr lang="en-GB" sz="1400" dirty="0" smtClean="0">
-              <a:solidFill>
-                <a:schemeClr val="bg1">
-                  <a:lumMod val="50000"/>
-                </a:schemeClr>
-              </a:solidFill>
-            </a:endParaRPr>
-          </a:p>
-          <a:p>
-            <a:pPr marL="285750" indent="-285750">
-              <a:buFont typeface="Arial" panose="020B0604020202020204" pitchFamily="34" charset="0"/>
-              <a:buChar char="•"/>
-            </a:pPr>
-            <a:endParaRPr lang="en-GB" sz="1400" dirty="0">
-              <a:solidFill>
-                <a:schemeClr val="bg1">
-                  <a:lumMod val="50000"/>
-                </a:schemeClr>
-              </a:solidFill>
-            </a:endParaRPr>
-          </a:p>
         </p:txBody>
       </p:sp>
       <p:sp>
@@ -9729,20 +9693,10 @@
                           <a:effectLst/>
                           <a:latin typeface="Calibri"/>
                         </a:rPr>
-                        <a:t>b. Frequent </a:t>
+                        <a:t>b. Frequent and </a:t>
                       </a:r>
                       <a:r>
-                        <a:rPr lang="en-US" sz="900" b="1" i="0" u="none" strike="noStrike">
-                          <a:solidFill>
-                            <a:srgbClr val="000000"/>
-                          </a:solidFill>
-                          <a:effectLst/>
-                          <a:latin typeface="Calibri"/>
-                        </a:rPr>
-                        <a:t>and </a:t>
-                      </a:r>
-                      <a:r>
-                        <a:rPr lang="en-US" sz="900" b="1" i="0" u="none" strike="noStrike" smtClean="0">
+                        <a:rPr lang="en-US" sz="900" b="1" i="0" u="none" strike="noStrike" dirty="0" smtClean="0">
                           <a:solidFill>
                             <a:srgbClr val="000000"/>
                           </a:solidFill>
@@ -13171,9 +13125,209 @@
           <a:chExt cx="0" cy="0"/>
         </a:xfrm>
       </p:grpSpPr>
+      <p:sp>
+        <p:nvSpPr>
+          <p:cNvPr id="11" name="TextBox 10"/>
+          <p:cNvSpPr txBox="1"/>
+          <p:nvPr/>
+        </p:nvSpPr>
+        <p:spPr>
+          <a:xfrm>
+            <a:off x="353801" y="1324480"/>
+            <a:ext cx="4389476" cy="3323987"/>
+          </a:xfrm>
+          <a:prstGeom prst="rect">
+            <a:avLst/>
+          </a:prstGeom>
+          <a:noFill/>
+        </p:spPr>
+        <p:txBody>
+          <a:bodyPr wrap="square" rtlCol="0">
+            <a:spAutoFit/>
+          </a:bodyPr>
+          <a:lstStyle/>
+          <a:p>
+            <a:pPr marL="285750" indent="-285750">
+              <a:buFont typeface="Arial" panose="020B0604020202020204" pitchFamily="34" charset="0"/>
+              <a:buChar char="•"/>
+            </a:pPr>
+            <a:r>
+              <a:rPr lang="en-AU" sz="1400" dirty="0" smtClean="0">
+                <a:solidFill>
+                  <a:schemeClr val="bg1">
+                    <a:lumMod val="50000"/>
+                  </a:schemeClr>
+                </a:solidFill>
+              </a:rPr>
+              <a:t>A. Strong but Simple: Bet more and diversely, but does not have a good outcome</a:t>
+            </a:r>
+          </a:p>
+          <a:p>
+            <a:pPr marL="285750" indent="-285750">
+              <a:buFont typeface="Arial" panose="020B0604020202020204" pitchFamily="34" charset="0"/>
+              <a:buChar char="•"/>
+            </a:pPr>
+            <a:r>
+              <a:rPr lang="en-AU" sz="1400" dirty="0" smtClean="0">
+                <a:solidFill>
+                  <a:schemeClr val="bg1">
+                    <a:lumMod val="50000"/>
+                  </a:schemeClr>
+                </a:solidFill>
+              </a:rPr>
+              <a:t>B. Frequent and Care: Bet frequently, but cancel a lot</a:t>
+            </a:r>
+          </a:p>
+          <a:p>
+            <a:pPr marL="285750" indent="-285750">
+              <a:buFont typeface="Arial" panose="020B0604020202020204" pitchFamily="34" charset="0"/>
+              <a:buChar char="•"/>
+            </a:pPr>
+            <a:r>
+              <a:rPr lang="en-AU" sz="1400" dirty="0" smtClean="0">
+                <a:solidFill>
+                  <a:schemeClr val="bg1">
+                    <a:lumMod val="50000"/>
+                  </a:schemeClr>
+                </a:solidFill>
+              </a:rPr>
+              <a:t>C. Fast then Win!: Bet less and early, but wins a lot</a:t>
+            </a:r>
+          </a:p>
+          <a:p>
+            <a:pPr marL="285750" indent="-285750">
+              <a:buFont typeface="Arial" panose="020B0604020202020204" pitchFamily="34" charset="0"/>
+              <a:buChar char="•"/>
+            </a:pPr>
+            <a:r>
+              <a:rPr lang="en-AU" sz="1400" dirty="0" smtClean="0">
+                <a:solidFill>
+                  <a:schemeClr val="bg1">
+                    <a:lumMod val="50000"/>
+                  </a:schemeClr>
+                </a:solidFill>
+              </a:rPr>
+              <a:t>D. Casual and Bold: No strategy, just casually play</a:t>
+            </a:r>
+          </a:p>
+          <a:p>
+            <a:pPr marL="285750" indent="-285750">
+              <a:buFont typeface="Arial" panose="020B0604020202020204" pitchFamily="34" charset="0"/>
+              <a:buChar char="•"/>
+            </a:pPr>
+            <a:endParaRPr lang="en-AU" sz="1400" dirty="0">
+              <a:solidFill>
+                <a:schemeClr val="bg1">
+                  <a:lumMod val="50000"/>
+                </a:schemeClr>
+              </a:solidFill>
+            </a:endParaRPr>
+          </a:p>
+          <a:p>
+            <a:pPr marL="285750" indent="-285750">
+              <a:buFont typeface="Arial" panose="020B0604020202020204" pitchFamily="34" charset="0"/>
+              <a:buChar char="•"/>
+            </a:pPr>
+            <a:endParaRPr lang="en-AU" sz="1400" dirty="0" smtClean="0">
+              <a:solidFill>
+                <a:schemeClr val="bg1">
+                  <a:lumMod val="50000"/>
+                </a:schemeClr>
+              </a:solidFill>
+            </a:endParaRPr>
+          </a:p>
+          <a:p>
+            <a:pPr marL="285750" indent="-285750">
+              <a:buFont typeface="Arial" panose="020B0604020202020204" pitchFamily="34" charset="0"/>
+              <a:buChar char="•"/>
+            </a:pPr>
+            <a:endParaRPr lang="en-AU" sz="1400" dirty="0">
+              <a:solidFill>
+                <a:schemeClr val="bg1">
+                  <a:lumMod val="50000"/>
+                </a:schemeClr>
+              </a:solidFill>
+            </a:endParaRPr>
+          </a:p>
+          <a:p>
+            <a:r>
+              <a:rPr lang="en-AU" sz="1400" b="1" dirty="0" smtClean="0">
+                <a:solidFill>
+                  <a:schemeClr val="bg1">
+                    <a:lumMod val="50000"/>
+                  </a:schemeClr>
+                </a:solidFill>
+              </a:rPr>
+              <a:t>Gut Findings from the Clusters Profiles</a:t>
+            </a:r>
+            <a:endParaRPr lang="en-AU" sz="1400" b="1" dirty="0">
+              <a:solidFill>
+                <a:schemeClr val="bg1">
+                  <a:lumMod val="50000"/>
+                </a:schemeClr>
+              </a:solidFill>
+            </a:endParaRPr>
+          </a:p>
+          <a:p>
+            <a:pPr marL="285750" indent="-285750">
+              <a:buFont typeface="Arial" panose="020B0604020202020204" pitchFamily="34" charset="0"/>
+              <a:buChar char="•"/>
+            </a:pPr>
+            <a:r>
+              <a:rPr lang="en-AU" sz="1400" dirty="0" smtClean="0">
+                <a:solidFill>
+                  <a:schemeClr val="bg1">
+                    <a:lumMod val="50000"/>
+                  </a:schemeClr>
+                </a:solidFill>
+              </a:rPr>
+              <a:t>Those who placed the bet early and focus on smaller number of bets seem to gain more profit than others</a:t>
+            </a:r>
+          </a:p>
+          <a:p>
+            <a:pPr marL="285750" indent="-285750">
+              <a:buFont typeface="Arial" panose="020B0604020202020204" pitchFamily="34" charset="0"/>
+              <a:buChar char="•"/>
+            </a:pPr>
+            <a:r>
+              <a:rPr lang="en-GB" sz="1400" dirty="0" smtClean="0">
+                <a:solidFill>
+                  <a:schemeClr val="bg1">
+                    <a:lumMod val="50000"/>
+                  </a:schemeClr>
+                </a:solidFill>
+              </a:rPr>
+              <a:t>Those who put more transactions into a single bet and carefully considering cancelling offers, turns out to have a higher win rate than others</a:t>
+            </a:r>
+          </a:p>
+          <a:p>
+            <a:pPr marL="285750" indent="-285750">
+              <a:buFont typeface="Arial" panose="020B0604020202020204" pitchFamily="34" charset="0"/>
+              <a:buChar char="•"/>
+            </a:pPr>
+            <a:r>
+              <a:rPr lang="en-GB" sz="1400" dirty="0" smtClean="0">
+                <a:solidFill>
+                  <a:schemeClr val="bg1">
+                    <a:lumMod val="50000"/>
+                  </a:schemeClr>
+                </a:solidFill>
+              </a:rPr>
+              <a:t>More bets do not mean more win/profit</a:t>
+            </a:r>
+            <a:endParaRPr lang="en-GB" sz="1400" dirty="0" smtClean="0">
+              <a:solidFill>
+                <a:schemeClr val="bg1">
+                  <a:lumMod val="50000"/>
+                </a:schemeClr>
+              </a:solidFill>
+            </a:endParaRPr>
+          </a:p>
+        </p:txBody>
+      </p:sp>
       <p:pic>
         <p:nvPicPr>
-          <p:cNvPr id="8" name="Picture 7" descr="plot_kmeans_vertical.png"/>
+          <p:cNvPr id="12" name="Picture 11" descr="plot_kmeans_vertical.png"/>
           <p:cNvPicPr>
             <a:picLocks noChangeAspect="1"/>
           </p:cNvPicPr>
@@ -13201,78 +13355,6 @@
           </a:prstGeom>
         </p:spPr>
       </p:pic>
-      <p:sp>
-        <p:nvSpPr>
-          <p:cNvPr id="11" name="TextBox 10"/>
-          <p:cNvSpPr txBox="1"/>
-          <p:nvPr/>
-        </p:nvSpPr>
-        <p:spPr>
-          <a:xfrm>
-            <a:off x="353801" y="1324480"/>
-            <a:ext cx="4389476" cy="738664"/>
-          </a:xfrm>
-          <a:prstGeom prst="rect">
-            <a:avLst/>
-          </a:prstGeom>
-          <a:noFill/>
-        </p:spPr>
-        <p:txBody>
-          <a:bodyPr wrap="square" rtlCol="0">
-            <a:spAutoFit/>
-          </a:bodyPr>
-          <a:lstStyle/>
-          <a:p>
-            <a:pPr marL="285750" indent="-285750">
-              <a:buFont typeface="Arial" panose="020B0604020202020204" pitchFamily="34" charset="0"/>
-              <a:buChar char="•"/>
-            </a:pPr>
-            <a:r>
-              <a:rPr lang="en-AU" sz="1400" dirty="0" smtClean="0">
-                <a:solidFill>
-                  <a:schemeClr val="bg1">
-                    <a:lumMod val="50000"/>
-                  </a:schemeClr>
-                </a:solidFill>
-              </a:rPr>
-              <a:t>A. Strong but Simple: Bet more and diversely, but does not have a good outcome</a:t>
-            </a:r>
-          </a:p>
-          <a:p>
-            <a:pPr marL="285750" indent="-285750">
-              <a:buFont typeface="Arial" panose="020B0604020202020204" pitchFamily="34" charset="0"/>
-              <a:buChar char="•"/>
-            </a:pPr>
-            <a:r>
-              <a:rPr lang="en-AU" sz="1400" dirty="0" smtClean="0">
-                <a:solidFill>
-                  <a:schemeClr val="bg1">
-                    <a:lumMod val="50000"/>
-                  </a:schemeClr>
-                </a:solidFill>
-              </a:rPr>
-              <a:t>B. Frequent and Reactive: Bet frequently, but </a:t>
-            </a:r>
-            <a:r>
-              <a:rPr lang="en-AU" sz="1400" dirty="0" err="1" smtClean="0">
-                <a:solidFill>
-                  <a:schemeClr val="bg1">
-                    <a:lumMod val="50000"/>
-                  </a:schemeClr>
-                </a:solidFill>
-              </a:rPr>
-              <a:t>cancell</a:t>
-            </a:r>
-            <a:endParaRPr lang="en-GB" sz="1400" dirty="0">
-              <a:solidFill>
-                <a:schemeClr val="bg1">
-                  <a:lumMod val="50000"/>
-                </a:schemeClr>
-              </a:solidFill>
-            </a:endParaRPr>
-          </a:p>
-        </p:txBody>
-      </p:sp>
     </p:spTree>
     <p:extLst>
       <p:ext uri="{BB962C8B-B14F-4D97-AF65-F5344CB8AC3E}">

--- a/slides/Slides deck.pptx
+++ b/slides/Slides deck.pptx
@@ -12,6 +12,7 @@
     <p:sldId id="260" r:id="rId6"/>
     <p:sldId id="261" r:id="rId7"/>
     <p:sldId id="262" r:id="rId8"/>
+    <p:sldId id="263" r:id="rId9"/>
   </p:sldIdLst>
   <p:sldSz cx="9144000" cy="6858000" type="screen4x3"/>
   <p:notesSz cx="6858000" cy="9144000"/>
@@ -230,8 +231,8 @@
           <c:showBubbleSize val="0"/>
         </c:dLbls>
         <c:gapWidth val="150"/>
-        <c:axId val="-2088073992"/>
-        <c:axId val="-2088072584"/>
+        <c:axId val="2133095640"/>
+        <c:axId val="2133820248"/>
       </c:barChart>
       <c:lineChart>
         <c:grouping val="standard"/>
@@ -426,11 +427,11 @@
         </c:dLbls>
         <c:marker val="1"/>
         <c:smooth val="0"/>
-        <c:axId val="-2088069464"/>
-        <c:axId val="-2088070888"/>
+        <c:axId val="2133064888"/>
+        <c:axId val="2133068936"/>
       </c:lineChart>
       <c:catAx>
-        <c:axId val="-2088073992"/>
+        <c:axId val="2133095640"/>
         <c:scaling>
           <c:orientation val="minMax"/>
         </c:scaling>
@@ -439,7 +440,7 @@
         <c:majorTickMark val="out"/>
         <c:minorTickMark val="none"/>
         <c:tickLblPos val="nextTo"/>
-        <c:crossAx val="-2088072584"/>
+        <c:crossAx val="2133820248"/>
         <c:crosses val="autoZero"/>
         <c:auto val="1"/>
         <c:lblAlgn val="ctr"/>
@@ -447,7 +448,7 @@
         <c:noMultiLvlLbl val="0"/>
       </c:catAx>
       <c:valAx>
-        <c:axId val="-2088072584"/>
+        <c:axId val="2133820248"/>
         <c:scaling>
           <c:orientation val="minMax"/>
         </c:scaling>
@@ -457,12 +458,12 @@
         <c:majorTickMark val="out"/>
         <c:minorTickMark val="none"/>
         <c:tickLblPos val="nextTo"/>
-        <c:crossAx val="-2088073992"/>
+        <c:crossAx val="2133095640"/>
         <c:crosses val="autoZero"/>
         <c:crossBetween val="between"/>
       </c:valAx>
       <c:valAx>
-        <c:axId val="-2088070888"/>
+        <c:axId val="2133068936"/>
         <c:scaling>
           <c:orientation val="minMax"/>
         </c:scaling>
@@ -472,12 +473,12 @@
         <c:majorTickMark val="out"/>
         <c:minorTickMark val="none"/>
         <c:tickLblPos val="nextTo"/>
-        <c:crossAx val="-2088069464"/>
+        <c:crossAx val="2133064888"/>
         <c:crosses val="max"/>
         <c:crossBetween val="between"/>
       </c:valAx>
       <c:catAx>
-        <c:axId val="-2088069464"/>
+        <c:axId val="2133064888"/>
         <c:scaling>
           <c:orientation val="minMax"/>
         </c:scaling>
@@ -486,7 +487,7 @@
         <c:majorTickMark val="out"/>
         <c:minorTickMark val="none"/>
         <c:tickLblPos val="nextTo"/>
-        <c:crossAx val="-2088070888"/>
+        <c:crossAx val="2133068936"/>
         <c:crosses val="autoZero"/>
         <c:auto val="1"/>
         <c:lblAlgn val="ctr"/>
@@ -7151,7 +7152,7 @@
                     <a:p>
                       <a:pPr algn="ctr" fontAlgn="ctr"/>
                       <a:r>
-                        <a:rPr lang="en-US" sz="1200" b="0" i="0" u="none" strike="noStrike">
+                        <a:rPr lang="en-US" sz="1200" b="0" i="0" u="none" strike="noStrike" dirty="0">
                           <a:solidFill>
                             <a:srgbClr val="000000"/>
                           </a:solidFill>
@@ -13315,13 +13316,6 @@
               </a:rPr>
               <a:t>More bets do not mean more win/profit</a:t>
             </a:r>
-            <a:endParaRPr lang="en-GB" sz="1400" dirty="0" smtClean="0">
-              <a:solidFill>
-                <a:schemeClr val="bg1">
-                  <a:lumMod val="50000"/>
-                </a:schemeClr>
-              </a:solidFill>
-            </a:endParaRPr>
           </a:p>
         </p:txBody>
       </p:sp>
@@ -13372,6 +13366,2345 @@
       </p:par>
     </p:tnLst>
   </p:timing>
+</p:sld>
+</file>
+
+<file path=ppt/slides/slide8.xml><?xml version="1.0" encoding="utf-8"?>
+<p:sld xmlns:a="http://schemas.openxmlformats.org/drawingml/2006/main" xmlns:r="http://schemas.openxmlformats.org/officeDocument/2006/relationships" xmlns:p="http://schemas.openxmlformats.org/presentationml/2006/main">
+  <p:cSld>
+    <p:spTree>
+      <p:nvGrpSpPr>
+        <p:cNvPr id="1" name=""/>
+        <p:cNvGrpSpPr/>
+        <p:nvPr/>
+      </p:nvGrpSpPr>
+      <p:grpSpPr>
+        <a:xfrm>
+          <a:off x="0" y="0"/>
+          <a:ext cx="0" cy="0"/>
+          <a:chOff x="0" y="0"/>
+          <a:chExt cx="0" cy="0"/>
+        </a:xfrm>
+      </p:grpSpPr>
+      <p:graphicFrame>
+        <p:nvGraphicFramePr>
+          <p:cNvPr id="4" name="Table 3"/>
+          <p:cNvGraphicFramePr>
+            <a:graphicFrameLocks noGrp="1"/>
+          </p:cNvGraphicFramePr>
+          <p:nvPr>
+            <p:extLst>
+              <p:ext uri="{D42A27DB-BD31-4B8C-83A1-F6EECF244321}">
+                <p14:modId xmlns:p14="http://schemas.microsoft.com/office/powerpoint/2010/main" val="1833164319"/>
+              </p:ext>
+            </p:extLst>
+          </p:nvPr>
+        </p:nvGraphicFramePr>
+        <p:xfrm>
+          <a:off x="2723766" y="3728722"/>
+          <a:ext cx="6103706" cy="1657328"/>
+        </p:xfrm>
+        <a:graphic>
+          <a:graphicData uri="http://schemas.openxmlformats.org/drawingml/2006/table">
+            <a:tbl>
+              <a:tblPr/>
+              <a:tblGrid>
+                <a:gridCol w="871958"/>
+                <a:gridCol w="871958"/>
+                <a:gridCol w="871958"/>
+                <a:gridCol w="871958"/>
+                <a:gridCol w="871958"/>
+                <a:gridCol w="871958"/>
+                <a:gridCol w="871958"/>
+              </a:tblGrid>
+              <a:tr h="207166">
+                <a:tc>
+                  <a:txBody>
+                    <a:bodyPr/>
+                    <a:lstStyle/>
+                    <a:p>
+                      <a:pPr algn="l" fontAlgn="ctr"/>
+                      <a:endParaRPr lang="en-US" sz="1000" b="0" i="0" u="none" strike="noStrike">
+                        <a:solidFill>
+                          <a:srgbClr val="000000"/>
+                        </a:solidFill>
+                        <a:effectLst/>
+                        <a:latin typeface="Calibri"/>
+                      </a:endParaRPr>
+                    </a:p>
+                  </a:txBody>
+                  <a:tcPr marL="12700" marR="12700" marT="12700" marB="0" anchor="ctr">
+                    <a:lnL>
+                      <a:noFill/>
+                    </a:lnL>
+                    <a:lnR w="6350" cap="flat" cmpd="sng" algn="ctr">
+                      <a:solidFill>
+                        <a:srgbClr val="000000"/>
+                      </a:solidFill>
+                      <a:prstDash val="solid"/>
+                      <a:round/>
+                      <a:headEnd type="none" w="med" len="med"/>
+                      <a:tailEnd type="none" w="med" len="med"/>
+                    </a:lnR>
+                    <a:lnT>
+                      <a:noFill/>
+                    </a:lnT>
+                    <a:lnB w="6350" cap="flat" cmpd="sng" algn="ctr">
+                      <a:solidFill>
+                        <a:srgbClr val="000000"/>
+                      </a:solidFill>
+                      <a:prstDash val="solid"/>
+                      <a:round/>
+                      <a:headEnd type="none" w="med" len="med"/>
+                      <a:tailEnd type="none" w="med" len="med"/>
+                    </a:lnB>
+                  </a:tcPr>
+                </a:tc>
+                <a:tc gridSpan="6">
+                  <a:txBody>
+                    <a:bodyPr/>
+                    <a:lstStyle/>
+                    <a:p>
+                      <a:pPr algn="ctr" fontAlgn="ctr"/>
+                      <a:r>
+                        <a:rPr lang="en-US" sz="1000" b="1" i="0" u="none" strike="noStrike" dirty="0">
+                          <a:solidFill>
+                            <a:srgbClr val="FFFFFF"/>
+                          </a:solidFill>
+                          <a:effectLst/>
+                          <a:latin typeface="Calibri"/>
+                        </a:rPr>
+                        <a:t>Average Spend Bands</a:t>
+                      </a:r>
+                    </a:p>
+                  </a:txBody>
+                  <a:tcPr marL="12700" marR="12700" marT="12700" marB="0" anchor="ctr">
+                    <a:lnL w="6350" cap="flat" cmpd="sng" algn="ctr">
+                      <a:solidFill>
+                        <a:srgbClr val="000000"/>
+                      </a:solidFill>
+                      <a:prstDash val="solid"/>
+                      <a:round/>
+                      <a:headEnd type="none" w="med" len="med"/>
+                      <a:tailEnd type="none" w="med" len="med"/>
+                    </a:lnL>
+                    <a:lnR w="6350" cap="flat" cmpd="sng" algn="ctr">
+                      <a:solidFill>
+                        <a:srgbClr val="000000"/>
+                      </a:solidFill>
+                      <a:prstDash val="solid"/>
+                      <a:round/>
+                      <a:headEnd type="none" w="med" len="med"/>
+                      <a:tailEnd type="none" w="med" len="med"/>
+                    </a:lnR>
+                    <a:lnT w="6350" cap="flat" cmpd="sng" algn="ctr">
+                      <a:solidFill>
+                        <a:srgbClr val="000000"/>
+                      </a:solidFill>
+                      <a:prstDash val="solid"/>
+                      <a:round/>
+                      <a:headEnd type="none" w="med" len="med"/>
+                      <a:tailEnd type="none" w="med" len="med"/>
+                    </a:lnT>
+                    <a:lnB w="6350" cap="flat" cmpd="sng" algn="ctr">
+                      <a:solidFill>
+                        <a:srgbClr val="000000"/>
+                      </a:solidFill>
+                      <a:prstDash val="solid"/>
+                      <a:round/>
+                      <a:headEnd type="none" w="med" len="med"/>
+                      <a:tailEnd type="none" w="med" len="med"/>
+                    </a:lnB>
+                    <a:solidFill>
+                      <a:srgbClr val="366092"/>
+                    </a:solidFill>
+                  </a:tcPr>
+                </a:tc>
+                <a:tc hMerge="1">
+                  <a:txBody>
+                    <a:bodyPr/>
+                    <a:lstStyle/>
+                    <a:p>
+                      <a:endParaRPr lang="en-US"/>
+                    </a:p>
+                  </a:txBody>
+                  <a:tcPr/>
+                </a:tc>
+                <a:tc hMerge="1">
+                  <a:txBody>
+                    <a:bodyPr/>
+                    <a:lstStyle/>
+                    <a:p>
+                      <a:endParaRPr lang="en-US"/>
+                    </a:p>
+                  </a:txBody>
+                  <a:tcPr/>
+                </a:tc>
+                <a:tc hMerge="1">
+                  <a:txBody>
+                    <a:bodyPr/>
+                    <a:lstStyle/>
+                    <a:p>
+                      <a:endParaRPr lang="en-US"/>
+                    </a:p>
+                  </a:txBody>
+                  <a:tcPr/>
+                </a:tc>
+                <a:tc hMerge="1">
+                  <a:txBody>
+                    <a:bodyPr/>
+                    <a:lstStyle/>
+                    <a:p>
+                      <a:endParaRPr lang="en-US"/>
+                    </a:p>
+                  </a:txBody>
+                  <a:tcPr/>
+                </a:tc>
+                <a:tc hMerge="1">
+                  <a:txBody>
+                    <a:bodyPr/>
+                    <a:lstStyle/>
+                    <a:p>
+                      <a:endParaRPr lang="en-US"/>
+                    </a:p>
+                  </a:txBody>
+                  <a:tcPr/>
+                </a:tc>
+              </a:tr>
+              <a:tr h="207166">
+                <a:tc>
+                  <a:txBody>
+                    <a:bodyPr/>
+                    <a:lstStyle/>
+                    <a:p>
+                      <a:pPr algn="l" fontAlgn="ctr"/>
+                      <a:r>
+                        <a:rPr lang="en-US" sz="1000" b="1" i="0" u="none" strike="noStrike" dirty="0" smtClean="0">
+                          <a:solidFill>
+                            <a:srgbClr val="FFFFFF"/>
+                          </a:solidFill>
+                          <a:effectLst/>
+                          <a:latin typeface="Calibri"/>
+                        </a:rPr>
+                        <a:t>Bets Bands</a:t>
+                      </a:r>
+                      <a:endParaRPr lang="en-US" sz="1000" b="1" i="0" u="none" strike="noStrike" dirty="0">
+                        <a:solidFill>
+                          <a:srgbClr val="FFFFFF"/>
+                        </a:solidFill>
+                        <a:effectLst/>
+                        <a:latin typeface="Calibri"/>
+                      </a:endParaRPr>
+                    </a:p>
+                  </a:txBody>
+                  <a:tcPr marL="12700" marR="12700" marT="12700" marB="0" anchor="ctr">
+                    <a:lnL w="6350" cap="flat" cmpd="sng" algn="ctr">
+                      <a:solidFill>
+                        <a:srgbClr val="000000"/>
+                      </a:solidFill>
+                      <a:prstDash val="solid"/>
+                      <a:round/>
+                      <a:headEnd type="none" w="med" len="med"/>
+                      <a:tailEnd type="none" w="med" len="med"/>
+                    </a:lnL>
+                    <a:lnR w="6350" cap="flat" cmpd="sng" algn="ctr">
+                      <a:solidFill>
+                        <a:srgbClr val="000000"/>
+                      </a:solidFill>
+                      <a:prstDash val="solid"/>
+                      <a:round/>
+                      <a:headEnd type="none" w="med" len="med"/>
+                      <a:tailEnd type="none" w="med" len="med"/>
+                    </a:lnR>
+                    <a:lnT w="6350" cap="flat" cmpd="sng" algn="ctr">
+                      <a:solidFill>
+                        <a:srgbClr val="000000"/>
+                      </a:solidFill>
+                      <a:prstDash val="solid"/>
+                      <a:round/>
+                      <a:headEnd type="none" w="med" len="med"/>
+                      <a:tailEnd type="none" w="med" len="med"/>
+                    </a:lnT>
+                    <a:lnB w="6350" cap="flat" cmpd="sng" algn="ctr">
+                      <a:solidFill>
+                        <a:srgbClr val="000000"/>
+                      </a:solidFill>
+                      <a:prstDash val="solid"/>
+                      <a:round/>
+                      <a:headEnd type="none" w="med" len="med"/>
+                      <a:tailEnd type="none" w="med" len="med"/>
+                    </a:lnB>
+                    <a:solidFill>
+                      <a:srgbClr val="366092"/>
+                    </a:solidFill>
+                  </a:tcPr>
+                </a:tc>
+                <a:tc>
+                  <a:txBody>
+                    <a:bodyPr/>
+                    <a:lstStyle/>
+                    <a:p>
+                      <a:pPr algn="ctr" fontAlgn="ctr"/>
+                      <a:r>
+                        <a:rPr lang="en-US" sz="1000" b="0" i="0" u="none" strike="noStrike" dirty="0">
+                          <a:solidFill>
+                            <a:srgbClr val="000000"/>
+                          </a:solidFill>
+                          <a:effectLst/>
+                          <a:latin typeface="Calibri"/>
+                        </a:rPr>
+                        <a:t>&lt;=$20</a:t>
+                      </a:r>
+                    </a:p>
+                  </a:txBody>
+                  <a:tcPr marL="12700" marR="12700" marT="12700" marB="0" anchor="ctr">
+                    <a:lnL w="6350" cap="flat" cmpd="sng" algn="ctr">
+                      <a:solidFill>
+                        <a:srgbClr val="000000"/>
+                      </a:solidFill>
+                      <a:prstDash val="solid"/>
+                      <a:round/>
+                      <a:headEnd type="none" w="med" len="med"/>
+                      <a:tailEnd type="none" w="med" len="med"/>
+                    </a:lnL>
+                    <a:lnR w="6350" cap="flat" cmpd="sng" algn="ctr">
+                      <a:solidFill>
+                        <a:srgbClr val="000000"/>
+                      </a:solidFill>
+                      <a:prstDash val="solid"/>
+                      <a:round/>
+                      <a:headEnd type="none" w="med" len="med"/>
+                      <a:tailEnd type="none" w="med" len="med"/>
+                    </a:lnR>
+                    <a:lnT w="6350" cap="flat" cmpd="sng" algn="ctr">
+                      <a:solidFill>
+                        <a:srgbClr val="000000"/>
+                      </a:solidFill>
+                      <a:prstDash val="solid"/>
+                      <a:round/>
+                      <a:headEnd type="none" w="med" len="med"/>
+                      <a:tailEnd type="none" w="med" len="med"/>
+                    </a:lnT>
+                    <a:lnB w="28575" cap="flat" cmpd="sng" algn="ctr">
+                      <a:solidFill>
+                        <a:scrgbClr r="0" g="0" b="0"/>
+                      </a:solidFill>
+                      <a:prstDash val="solid"/>
+                      <a:round/>
+                      <a:headEnd type="none" w="med" len="med"/>
+                      <a:tailEnd type="none" w="med" len="med"/>
+                    </a:lnB>
+                    <a:solidFill>
+                      <a:srgbClr val="95B3D7"/>
+                    </a:solidFill>
+                  </a:tcPr>
+                </a:tc>
+                <a:tc>
+                  <a:txBody>
+                    <a:bodyPr/>
+                    <a:lstStyle/>
+                    <a:p>
+                      <a:pPr algn="ctr" fontAlgn="ctr"/>
+                      <a:r>
+                        <a:rPr lang="en-US" sz="1000" b="0" i="0" u="none" strike="noStrike" dirty="0">
+                          <a:solidFill>
+                            <a:srgbClr val="000000"/>
+                          </a:solidFill>
+                          <a:effectLst/>
+                          <a:latin typeface="Calibri"/>
+                        </a:rPr>
+                        <a:t>$21 to $45</a:t>
+                      </a:r>
+                    </a:p>
+                  </a:txBody>
+                  <a:tcPr marL="12700" marR="12700" marT="12700" marB="0" anchor="ctr">
+                    <a:lnL w="6350" cap="flat" cmpd="sng" algn="ctr">
+                      <a:solidFill>
+                        <a:srgbClr val="000000"/>
+                      </a:solidFill>
+                      <a:prstDash val="solid"/>
+                      <a:round/>
+                      <a:headEnd type="none" w="med" len="med"/>
+                      <a:tailEnd type="none" w="med" len="med"/>
+                    </a:lnL>
+                    <a:lnR w="6350" cap="flat" cmpd="sng" algn="ctr">
+                      <a:solidFill>
+                        <a:srgbClr val="000000"/>
+                      </a:solidFill>
+                      <a:prstDash val="solid"/>
+                      <a:round/>
+                      <a:headEnd type="none" w="med" len="med"/>
+                      <a:tailEnd type="none" w="med" len="med"/>
+                    </a:lnR>
+                    <a:lnT w="6350" cap="flat" cmpd="sng" algn="ctr">
+                      <a:solidFill>
+                        <a:srgbClr val="000000"/>
+                      </a:solidFill>
+                      <a:prstDash val="solid"/>
+                      <a:round/>
+                      <a:headEnd type="none" w="med" len="med"/>
+                      <a:tailEnd type="none" w="med" len="med"/>
+                    </a:lnT>
+                    <a:lnB w="28575" cap="flat" cmpd="sng" algn="ctr">
+                      <a:solidFill>
+                        <a:scrgbClr r="0" g="0" b="0"/>
+                      </a:solidFill>
+                      <a:prstDash val="solid"/>
+                      <a:round/>
+                      <a:headEnd type="none" w="med" len="med"/>
+                      <a:tailEnd type="none" w="med" len="med"/>
+                    </a:lnB>
+                    <a:solidFill>
+                      <a:srgbClr val="95B3D7"/>
+                    </a:solidFill>
+                  </a:tcPr>
+                </a:tc>
+                <a:tc>
+                  <a:txBody>
+                    <a:bodyPr/>
+                    <a:lstStyle/>
+                    <a:p>
+                      <a:pPr algn="ctr" fontAlgn="ctr"/>
+                      <a:r>
+                        <a:rPr lang="en-US" sz="1000" b="0" i="0" u="none" strike="noStrike" dirty="0">
+                          <a:solidFill>
+                            <a:srgbClr val="000000"/>
+                          </a:solidFill>
+                          <a:effectLst/>
+                          <a:latin typeface="Calibri"/>
+                        </a:rPr>
+                        <a:t>$46 to $100</a:t>
+                      </a:r>
+                    </a:p>
+                  </a:txBody>
+                  <a:tcPr marL="12700" marR="12700" marT="12700" marB="0" anchor="ctr">
+                    <a:lnL w="6350" cap="flat" cmpd="sng" algn="ctr">
+                      <a:solidFill>
+                        <a:srgbClr val="000000"/>
+                      </a:solidFill>
+                      <a:prstDash val="solid"/>
+                      <a:round/>
+                      <a:headEnd type="none" w="med" len="med"/>
+                      <a:tailEnd type="none" w="med" len="med"/>
+                    </a:lnL>
+                    <a:lnR w="6350" cap="flat" cmpd="sng" algn="ctr">
+                      <a:solidFill>
+                        <a:srgbClr val="000000"/>
+                      </a:solidFill>
+                      <a:prstDash val="solid"/>
+                      <a:round/>
+                      <a:headEnd type="none" w="med" len="med"/>
+                      <a:tailEnd type="none" w="med" len="med"/>
+                    </a:lnR>
+                    <a:lnT w="6350" cap="flat" cmpd="sng" algn="ctr">
+                      <a:solidFill>
+                        <a:srgbClr val="000000"/>
+                      </a:solidFill>
+                      <a:prstDash val="solid"/>
+                      <a:round/>
+                      <a:headEnd type="none" w="med" len="med"/>
+                      <a:tailEnd type="none" w="med" len="med"/>
+                    </a:lnT>
+                    <a:lnB w="28575" cap="flat" cmpd="sng" algn="ctr">
+                      <a:solidFill>
+                        <a:scrgbClr r="0" g="0" b="0"/>
+                      </a:solidFill>
+                      <a:prstDash val="solid"/>
+                      <a:round/>
+                      <a:headEnd type="none" w="med" len="med"/>
+                      <a:tailEnd type="none" w="med" len="med"/>
+                    </a:lnB>
+                    <a:solidFill>
+                      <a:srgbClr val="95B3D7"/>
+                    </a:solidFill>
+                  </a:tcPr>
+                </a:tc>
+                <a:tc>
+                  <a:txBody>
+                    <a:bodyPr/>
+                    <a:lstStyle/>
+                    <a:p>
+                      <a:pPr algn="ctr" fontAlgn="ctr"/>
+                      <a:r>
+                        <a:rPr lang="en-US" sz="1000" b="0" i="0" u="none" strike="noStrike" dirty="0">
+                          <a:solidFill>
+                            <a:srgbClr val="000000"/>
+                          </a:solidFill>
+                          <a:effectLst/>
+                          <a:latin typeface="Calibri"/>
+                        </a:rPr>
+                        <a:t>$101 to $290</a:t>
+                      </a:r>
+                    </a:p>
+                  </a:txBody>
+                  <a:tcPr marL="12700" marR="12700" marT="12700" marB="0" anchor="ctr">
+                    <a:lnL w="6350" cap="flat" cmpd="sng" algn="ctr">
+                      <a:solidFill>
+                        <a:srgbClr val="000000"/>
+                      </a:solidFill>
+                      <a:prstDash val="solid"/>
+                      <a:round/>
+                      <a:headEnd type="none" w="med" len="med"/>
+                      <a:tailEnd type="none" w="med" len="med"/>
+                    </a:lnL>
+                    <a:lnR w="6350" cap="flat" cmpd="sng" algn="ctr">
+                      <a:solidFill>
+                        <a:srgbClr val="000000"/>
+                      </a:solidFill>
+                      <a:prstDash val="solid"/>
+                      <a:round/>
+                      <a:headEnd type="none" w="med" len="med"/>
+                      <a:tailEnd type="none" w="med" len="med"/>
+                    </a:lnR>
+                    <a:lnT w="6350" cap="flat" cmpd="sng" algn="ctr">
+                      <a:solidFill>
+                        <a:srgbClr val="000000"/>
+                      </a:solidFill>
+                      <a:prstDash val="solid"/>
+                      <a:round/>
+                      <a:headEnd type="none" w="med" len="med"/>
+                      <a:tailEnd type="none" w="med" len="med"/>
+                    </a:lnT>
+                    <a:lnB w="12700" cap="flat" cmpd="sng" algn="ctr">
+                      <a:solidFill>
+                        <a:srgbClr val="000000"/>
+                      </a:solidFill>
+                      <a:prstDash val="solid"/>
+                      <a:round/>
+                      <a:headEnd type="none" w="med" len="med"/>
+                      <a:tailEnd type="none" w="med" len="med"/>
+                    </a:lnB>
+                    <a:solidFill>
+                      <a:srgbClr val="95B3D7"/>
+                    </a:solidFill>
+                  </a:tcPr>
+                </a:tc>
+                <a:tc>
+                  <a:txBody>
+                    <a:bodyPr/>
+                    <a:lstStyle/>
+                    <a:p>
+                      <a:pPr algn="ctr" fontAlgn="ctr"/>
+                      <a:r>
+                        <a:rPr lang="en-US" sz="1000" b="0" i="0" u="none" strike="noStrike" dirty="0">
+                          <a:solidFill>
+                            <a:srgbClr val="000000"/>
+                          </a:solidFill>
+                          <a:effectLst/>
+                          <a:latin typeface="Calibri"/>
+                        </a:rPr>
+                        <a:t>$291 to $1000</a:t>
+                      </a:r>
+                    </a:p>
+                  </a:txBody>
+                  <a:tcPr marL="12700" marR="12700" marT="12700" marB="0" anchor="ctr">
+                    <a:lnL w="6350" cap="flat" cmpd="sng" algn="ctr">
+                      <a:solidFill>
+                        <a:srgbClr val="000000"/>
+                      </a:solidFill>
+                      <a:prstDash val="solid"/>
+                      <a:round/>
+                      <a:headEnd type="none" w="med" len="med"/>
+                      <a:tailEnd type="none" w="med" len="med"/>
+                    </a:lnL>
+                    <a:lnR w="6350" cap="flat" cmpd="sng" algn="ctr">
+                      <a:solidFill>
+                        <a:srgbClr val="000000"/>
+                      </a:solidFill>
+                      <a:prstDash val="solid"/>
+                      <a:round/>
+                      <a:headEnd type="none" w="med" len="med"/>
+                      <a:tailEnd type="none" w="med" len="med"/>
+                    </a:lnR>
+                    <a:lnT w="6350" cap="flat" cmpd="sng" algn="ctr">
+                      <a:solidFill>
+                        <a:srgbClr val="000000"/>
+                      </a:solidFill>
+                      <a:prstDash val="solid"/>
+                      <a:round/>
+                      <a:headEnd type="none" w="med" len="med"/>
+                      <a:tailEnd type="none" w="med" len="med"/>
+                    </a:lnT>
+                    <a:lnB w="12700" cap="flat" cmpd="sng" algn="ctr">
+                      <a:solidFill>
+                        <a:srgbClr val="000000"/>
+                      </a:solidFill>
+                      <a:prstDash val="solid"/>
+                      <a:round/>
+                      <a:headEnd type="none" w="med" len="med"/>
+                      <a:tailEnd type="none" w="med" len="med"/>
+                    </a:lnB>
+                    <a:solidFill>
+                      <a:srgbClr val="95B3D7"/>
+                    </a:solidFill>
+                  </a:tcPr>
+                </a:tc>
+                <a:tc>
+                  <a:txBody>
+                    <a:bodyPr/>
+                    <a:lstStyle/>
+                    <a:p>
+                      <a:pPr algn="ctr" fontAlgn="ctr"/>
+                      <a:r>
+                        <a:rPr lang="en-US" sz="1000" b="0" i="0" u="none" strike="noStrike" dirty="0">
+                          <a:solidFill>
+                            <a:srgbClr val="000000"/>
+                          </a:solidFill>
+                          <a:effectLst/>
+                          <a:latin typeface="Calibri"/>
+                        </a:rPr>
+                        <a:t>&gt;$1000</a:t>
+                      </a:r>
+                    </a:p>
+                  </a:txBody>
+                  <a:tcPr marL="12700" marR="12700" marT="12700" marB="0" anchor="ctr">
+                    <a:lnL w="6350" cap="flat" cmpd="sng" algn="ctr">
+                      <a:solidFill>
+                        <a:srgbClr val="000000"/>
+                      </a:solidFill>
+                      <a:prstDash val="solid"/>
+                      <a:round/>
+                      <a:headEnd type="none" w="med" len="med"/>
+                      <a:tailEnd type="none" w="med" len="med"/>
+                    </a:lnL>
+                    <a:lnR w="6350" cap="flat" cmpd="sng" algn="ctr">
+                      <a:solidFill>
+                        <a:srgbClr val="000000"/>
+                      </a:solidFill>
+                      <a:prstDash val="solid"/>
+                      <a:round/>
+                      <a:headEnd type="none" w="med" len="med"/>
+                      <a:tailEnd type="none" w="med" len="med"/>
+                    </a:lnR>
+                    <a:lnT w="6350" cap="flat" cmpd="sng" algn="ctr">
+                      <a:solidFill>
+                        <a:srgbClr val="000000"/>
+                      </a:solidFill>
+                      <a:prstDash val="solid"/>
+                      <a:round/>
+                      <a:headEnd type="none" w="med" len="med"/>
+                      <a:tailEnd type="none" w="med" len="med"/>
+                    </a:lnT>
+                    <a:lnB w="12700" cap="flat" cmpd="sng" algn="ctr">
+                      <a:solidFill>
+                        <a:srgbClr val="000000"/>
+                      </a:solidFill>
+                      <a:prstDash val="solid"/>
+                      <a:round/>
+                      <a:headEnd type="none" w="med" len="med"/>
+                      <a:tailEnd type="none" w="med" len="med"/>
+                    </a:lnB>
+                    <a:solidFill>
+                      <a:srgbClr val="95B3D7"/>
+                    </a:solidFill>
+                  </a:tcPr>
+                </a:tc>
+              </a:tr>
+              <a:tr h="207166">
+                <a:tc>
+                  <a:txBody>
+                    <a:bodyPr/>
+                    <a:lstStyle/>
+                    <a:p>
+                      <a:pPr algn="l" fontAlgn="ctr"/>
+                      <a:r>
+                        <a:rPr lang="sv-SE" sz="1000" b="0" i="0" u="none" strike="noStrike" dirty="0">
+                          <a:solidFill>
+                            <a:srgbClr val="000000"/>
+                          </a:solidFill>
+                          <a:effectLst/>
+                          <a:latin typeface="Calibri"/>
+                        </a:rPr>
+                        <a:t>&lt;= 2 bets</a:t>
+                      </a:r>
+                    </a:p>
+                  </a:txBody>
+                  <a:tcPr marL="12700" marR="12700" marT="12700" marB="0" anchor="ctr">
+                    <a:lnL w="6350" cap="flat" cmpd="sng" algn="ctr">
+                      <a:solidFill>
+                        <a:srgbClr val="000000"/>
+                      </a:solidFill>
+                      <a:prstDash val="solid"/>
+                      <a:round/>
+                      <a:headEnd type="none" w="med" len="med"/>
+                      <a:tailEnd type="none" w="med" len="med"/>
+                    </a:lnL>
+                    <a:lnR w="28575" cap="flat" cmpd="sng" algn="ctr">
+                      <a:solidFill>
+                        <a:scrgbClr r="0" g="0" b="0"/>
+                      </a:solidFill>
+                      <a:prstDash val="solid"/>
+                      <a:round/>
+                      <a:headEnd type="none" w="med" len="med"/>
+                      <a:tailEnd type="none" w="med" len="med"/>
+                    </a:lnR>
+                    <a:lnT w="6350" cap="flat" cmpd="sng" algn="ctr">
+                      <a:solidFill>
+                        <a:srgbClr val="000000"/>
+                      </a:solidFill>
+                      <a:prstDash val="solid"/>
+                      <a:round/>
+                      <a:headEnd type="none" w="med" len="med"/>
+                      <a:tailEnd type="none" w="med" len="med"/>
+                    </a:lnT>
+                    <a:lnB w="6350" cap="flat" cmpd="sng" algn="ctr">
+                      <a:solidFill>
+                        <a:srgbClr val="000000"/>
+                      </a:solidFill>
+                      <a:prstDash val="solid"/>
+                      <a:round/>
+                      <a:headEnd type="none" w="med" len="med"/>
+                      <a:tailEnd type="none" w="med" len="med"/>
+                    </a:lnB>
+                    <a:solidFill>
+                      <a:srgbClr val="95B3D7"/>
+                    </a:solidFill>
+                  </a:tcPr>
+                </a:tc>
+                <a:tc gridSpan="3">
+                  <a:txBody>
+                    <a:bodyPr/>
+                    <a:lstStyle/>
+                    <a:p>
+                      <a:pPr algn="ctr" fontAlgn="ctr"/>
+                      <a:r>
+                        <a:rPr lang="en-US" sz="1000" b="0" i="0" u="none" strike="noStrike" dirty="0">
+                          <a:solidFill>
+                            <a:srgbClr val="000000"/>
+                          </a:solidFill>
+                          <a:effectLst/>
+                          <a:latin typeface="Calibri"/>
+                        </a:rPr>
+                        <a:t>9. Try person</a:t>
+                      </a:r>
+                    </a:p>
+                  </a:txBody>
+                  <a:tcPr marL="12700" marR="12700" marT="12700" marB="0" anchor="ctr">
+                    <a:lnL w="28575" cap="flat" cmpd="sng" algn="ctr">
+                      <a:solidFill>
+                        <a:scrgbClr r="0" g="0" b="0"/>
+                      </a:solidFill>
+                      <a:prstDash val="solid"/>
+                      <a:round/>
+                      <a:headEnd type="none" w="med" len="med"/>
+                      <a:tailEnd type="none" w="med" len="med"/>
+                    </a:lnL>
+                    <a:lnR w="28575" cap="flat" cmpd="sng" algn="ctr">
+                      <a:solidFill>
+                        <a:scrgbClr r="0" g="0" b="0"/>
+                      </a:solidFill>
+                      <a:prstDash val="solid"/>
+                      <a:round/>
+                      <a:headEnd type="none" w="med" len="med"/>
+                      <a:tailEnd type="none" w="med" len="med"/>
+                    </a:lnR>
+                    <a:lnT w="28575" cap="flat" cmpd="sng" algn="ctr">
+                      <a:solidFill>
+                        <a:scrgbClr r="0" g="0" b="0"/>
+                      </a:solidFill>
+                      <a:prstDash val="solid"/>
+                      <a:round/>
+                      <a:headEnd type="none" w="med" len="med"/>
+                      <a:tailEnd type="none" w="med" len="med"/>
+                    </a:lnT>
+                    <a:lnB w="28575" cap="flat" cmpd="sng" algn="ctr">
+                      <a:solidFill>
+                        <a:scrgbClr r="0" g="0" b="0"/>
+                      </a:solidFill>
+                      <a:prstDash val="solid"/>
+                      <a:round/>
+                      <a:headEnd type="none" w="med" len="med"/>
+                      <a:tailEnd type="none" w="med" len="med"/>
+                    </a:lnB>
+                    <a:solidFill>
+                      <a:srgbClr val="E6B8B7"/>
+                    </a:solidFill>
+                  </a:tcPr>
+                </a:tc>
+                <a:tc hMerge="1">
+                  <a:txBody>
+                    <a:bodyPr/>
+                    <a:lstStyle/>
+                    <a:p>
+                      <a:endParaRPr lang="en-US"/>
+                    </a:p>
+                  </a:txBody>
+                  <a:tcPr/>
+                </a:tc>
+                <a:tc hMerge="1">
+                  <a:txBody>
+                    <a:bodyPr/>
+                    <a:lstStyle/>
+                    <a:p>
+                      <a:endParaRPr lang="en-US"/>
+                    </a:p>
+                  </a:txBody>
+                  <a:tcPr/>
+                </a:tc>
+                <a:tc gridSpan="3">
+                  <a:txBody>
+                    <a:bodyPr/>
+                    <a:lstStyle/>
+                    <a:p>
+                      <a:pPr algn="ctr" fontAlgn="ctr"/>
+                      <a:r>
+                        <a:rPr lang="en-US" sz="1000" b="0" i="0" u="none" strike="noStrike" dirty="0">
+                          <a:solidFill>
+                            <a:srgbClr val="000000"/>
+                          </a:solidFill>
+                          <a:effectLst/>
+                          <a:latin typeface="Calibri"/>
+                        </a:rPr>
+                        <a:t>8. Event focused player</a:t>
+                      </a:r>
+                    </a:p>
+                  </a:txBody>
+                  <a:tcPr marL="12700" marR="12700" marT="12700" marB="0" anchor="ctr">
+                    <a:lnL w="28575" cap="flat" cmpd="sng" algn="ctr">
+                      <a:solidFill>
+                        <a:scrgbClr r="0" g="0" b="0"/>
+                      </a:solidFill>
+                      <a:prstDash val="solid"/>
+                      <a:round/>
+                      <a:headEnd type="none" w="med" len="med"/>
+                      <a:tailEnd type="none" w="med" len="med"/>
+                    </a:lnL>
+                    <a:lnR w="12700" cap="flat" cmpd="sng" algn="ctr">
+                      <a:solidFill>
+                        <a:srgbClr val="000000"/>
+                      </a:solidFill>
+                      <a:prstDash val="solid"/>
+                      <a:round/>
+                      <a:headEnd type="none" w="med" len="med"/>
+                      <a:tailEnd type="none" w="med" len="med"/>
+                    </a:lnR>
+                    <a:lnT w="12700" cap="flat" cmpd="sng" algn="ctr">
+                      <a:solidFill>
+                        <a:srgbClr val="000000"/>
+                      </a:solidFill>
+                      <a:prstDash val="solid"/>
+                      <a:round/>
+                      <a:headEnd type="none" w="med" len="med"/>
+                      <a:tailEnd type="none" w="med" len="med"/>
+                    </a:lnT>
+                    <a:lnB w="12700" cap="flat" cmpd="sng" algn="ctr">
+                      <a:solidFill>
+                        <a:srgbClr val="000000"/>
+                      </a:solidFill>
+                      <a:prstDash val="solid"/>
+                      <a:round/>
+                      <a:headEnd type="none" w="med" len="med"/>
+                      <a:tailEnd type="none" w="med" len="med"/>
+                    </a:lnB>
+                    <a:solidFill>
+                      <a:srgbClr val="FCD5B4"/>
+                    </a:solidFill>
+                  </a:tcPr>
+                </a:tc>
+                <a:tc hMerge="1">
+                  <a:txBody>
+                    <a:bodyPr/>
+                    <a:lstStyle/>
+                    <a:p>
+                      <a:endParaRPr lang="en-US"/>
+                    </a:p>
+                  </a:txBody>
+                  <a:tcPr/>
+                </a:tc>
+                <a:tc hMerge="1">
+                  <a:txBody>
+                    <a:bodyPr/>
+                    <a:lstStyle/>
+                    <a:p>
+                      <a:endParaRPr lang="en-US"/>
+                    </a:p>
+                  </a:txBody>
+                  <a:tcPr/>
+                </a:tc>
+              </a:tr>
+              <a:tr h="207166">
+                <a:tc>
+                  <a:txBody>
+                    <a:bodyPr/>
+                    <a:lstStyle/>
+                    <a:p>
+                      <a:pPr algn="l" fontAlgn="ctr"/>
+                      <a:r>
+                        <a:rPr lang="sv-SE" sz="1000" b="0" i="0" u="none" strike="noStrike" dirty="0">
+                          <a:solidFill>
+                            <a:srgbClr val="000000"/>
+                          </a:solidFill>
+                          <a:effectLst/>
+                          <a:latin typeface="Calibri"/>
+                        </a:rPr>
+                        <a:t>3 </a:t>
+                      </a:r>
+                      <a:r>
+                        <a:rPr lang="sv-SE" sz="1000" b="0" i="0" u="none" strike="noStrike" dirty="0" err="1">
+                          <a:solidFill>
+                            <a:srgbClr val="000000"/>
+                          </a:solidFill>
+                          <a:effectLst/>
+                          <a:latin typeface="Calibri"/>
+                        </a:rPr>
+                        <a:t>to</a:t>
+                      </a:r>
+                      <a:r>
+                        <a:rPr lang="sv-SE" sz="1000" b="0" i="0" u="none" strike="noStrike" dirty="0">
+                          <a:solidFill>
+                            <a:srgbClr val="000000"/>
+                          </a:solidFill>
+                          <a:effectLst/>
+                          <a:latin typeface="Calibri"/>
+                        </a:rPr>
+                        <a:t> 9 bets</a:t>
+                      </a:r>
+                    </a:p>
+                  </a:txBody>
+                  <a:tcPr marL="12700" marR="12700" marT="12700" marB="0" anchor="ctr">
+                    <a:lnL w="6350" cap="flat" cmpd="sng" algn="ctr">
+                      <a:solidFill>
+                        <a:srgbClr val="000000"/>
+                      </a:solidFill>
+                      <a:prstDash val="solid"/>
+                      <a:round/>
+                      <a:headEnd type="none" w="med" len="med"/>
+                      <a:tailEnd type="none" w="med" len="med"/>
+                    </a:lnL>
+                    <a:lnR w="12700" cap="flat" cmpd="sng" algn="ctr">
+                      <a:solidFill>
+                        <a:srgbClr val="000000"/>
+                      </a:solidFill>
+                      <a:prstDash val="solid"/>
+                      <a:round/>
+                      <a:headEnd type="none" w="med" len="med"/>
+                      <a:tailEnd type="none" w="med" len="med"/>
+                    </a:lnR>
+                    <a:lnT w="6350" cap="flat" cmpd="sng" algn="ctr">
+                      <a:solidFill>
+                        <a:srgbClr val="000000"/>
+                      </a:solidFill>
+                      <a:prstDash val="solid"/>
+                      <a:round/>
+                      <a:headEnd type="none" w="med" len="med"/>
+                      <a:tailEnd type="none" w="med" len="med"/>
+                    </a:lnT>
+                    <a:lnB w="6350" cap="flat" cmpd="sng" algn="ctr">
+                      <a:solidFill>
+                        <a:srgbClr val="000000"/>
+                      </a:solidFill>
+                      <a:prstDash val="solid"/>
+                      <a:round/>
+                      <a:headEnd type="none" w="med" len="med"/>
+                      <a:tailEnd type="none" w="med" len="med"/>
+                    </a:lnB>
+                    <a:solidFill>
+                      <a:srgbClr val="95B3D7"/>
+                    </a:solidFill>
+                  </a:tcPr>
+                </a:tc>
+                <a:tc rowSpan="2" gridSpan="3">
+                  <a:txBody>
+                    <a:bodyPr/>
+                    <a:lstStyle/>
+                    <a:p>
+                      <a:pPr algn="ctr" fontAlgn="ctr"/>
+                      <a:r>
+                        <a:rPr lang="en-US" sz="1000" b="0" i="0" u="none" strike="noStrike" dirty="0">
+                          <a:solidFill>
+                            <a:srgbClr val="000000"/>
+                          </a:solidFill>
+                          <a:effectLst/>
+                          <a:latin typeface="Calibri"/>
+                        </a:rPr>
+                        <a:t>7. Casual entertainer</a:t>
+                      </a:r>
+                    </a:p>
+                  </a:txBody>
+                  <a:tcPr marL="12700" marR="12700" marT="12700" marB="0" anchor="ctr">
+                    <a:lnL w="12700" cap="flat" cmpd="sng" algn="ctr">
+                      <a:solidFill>
+                        <a:srgbClr val="000000"/>
+                      </a:solidFill>
+                      <a:prstDash val="solid"/>
+                      <a:round/>
+                      <a:headEnd type="none" w="med" len="med"/>
+                      <a:tailEnd type="none" w="med" len="med"/>
+                    </a:lnL>
+                    <a:lnR w="12700" cap="flat" cmpd="sng" algn="ctr">
+                      <a:solidFill>
+                        <a:srgbClr val="000000"/>
+                      </a:solidFill>
+                      <a:prstDash val="solid"/>
+                      <a:round/>
+                      <a:headEnd type="none" w="med" len="med"/>
+                      <a:tailEnd type="none" w="med" len="med"/>
+                    </a:lnR>
+                    <a:lnT w="28575" cap="flat" cmpd="sng" algn="ctr">
+                      <a:solidFill>
+                        <a:scrgbClr r="0" g="0" b="0"/>
+                      </a:solidFill>
+                      <a:prstDash val="solid"/>
+                      <a:round/>
+                      <a:headEnd type="none" w="med" len="med"/>
+                      <a:tailEnd type="none" w="med" len="med"/>
+                    </a:lnT>
+                    <a:lnB w="12700" cap="flat" cmpd="sng" algn="ctr">
+                      <a:solidFill>
+                        <a:srgbClr val="000000"/>
+                      </a:solidFill>
+                      <a:prstDash val="solid"/>
+                      <a:round/>
+                      <a:headEnd type="none" w="med" len="med"/>
+                      <a:tailEnd type="none" w="med" len="med"/>
+                    </a:lnB>
+                    <a:solidFill>
+                      <a:srgbClr val="FCD5B4"/>
+                    </a:solidFill>
+                  </a:tcPr>
+                </a:tc>
+                <a:tc rowSpan="2" hMerge="1">
+                  <a:txBody>
+                    <a:bodyPr/>
+                    <a:lstStyle/>
+                    <a:p>
+                      <a:endParaRPr lang="en-US"/>
+                    </a:p>
+                  </a:txBody>
+                  <a:tcPr/>
+                </a:tc>
+                <a:tc rowSpan="2" hMerge="1">
+                  <a:txBody>
+                    <a:bodyPr/>
+                    <a:lstStyle/>
+                    <a:p>
+                      <a:endParaRPr lang="en-US"/>
+                    </a:p>
+                  </a:txBody>
+                  <a:tcPr/>
+                </a:tc>
+                <a:tc rowSpan="2" gridSpan="2">
+                  <a:txBody>
+                    <a:bodyPr/>
+                    <a:lstStyle/>
+                    <a:p>
+                      <a:pPr algn="ctr" fontAlgn="ctr"/>
+                      <a:r>
+                        <a:rPr lang="en-US" sz="1000" b="0" i="0" u="none" strike="noStrike" dirty="0">
+                          <a:solidFill>
+                            <a:srgbClr val="000000"/>
+                          </a:solidFill>
+                          <a:effectLst/>
+                          <a:latin typeface="Calibri"/>
+                        </a:rPr>
+                        <a:t>6. Frequent gambler</a:t>
+                      </a:r>
+                    </a:p>
+                  </a:txBody>
+                  <a:tcPr marL="12700" marR="12700" marT="12700" marB="0" anchor="ctr">
+                    <a:lnL w="12700" cap="flat" cmpd="sng" algn="ctr">
+                      <a:solidFill>
+                        <a:srgbClr val="000000"/>
+                      </a:solidFill>
+                      <a:prstDash val="solid"/>
+                      <a:round/>
+                      <a:headEnd type="none" w="med" len="med"/>
+                      <a:tailEnd type="none" w="med" len="med"/>
+                    </a:lnL>
+                    <a:lnR w="12700" cap="flat" cmpd="sng" algn="ctr">
+                      <a:solidFill>
+                        <a:srgbClr val="000000"/>
+                      </a:solidFill>
+                      <a:prstDash val="solid"/>
+                      <a:round/>
+                      <a:headEnd type="none" w="med" len="med"/>
+                      <a:tailEnd type="none" w="med" len="med"/>
+                    </a:lnR>
+                    <a:lnT w="12700" cap="flat" cmpd="sng" algn="ctr">
+                      <a:solidFill>
+                        <a:srgbClr val="000000"/>
+                      </a:solidFill>
+                      <a:prstDash val="solid"/>
+                      <a:round/>
+                      <a:headEnd type="none" w="med" len="med"/>
+                      <a:tailEnd type="none" w="med" len="med"/>
+                    </a:lnT>
+                    <a:lnB w="12700" cap="flat" cmpd="sng" algn="ctr">
+                      <a:solidFill>
+                        <a:srgbClr val="000000"/>
+                      </a:solidFill>
+                      <a:prstDash val="solid"/>
+                      <a:round/>
+                      <a:headEnd type="none" w="med" len="med"/>
+                      <a:tailEnd type="none" w="med" len="med"/>
+                    </a:lnB>
+                    <a:solidFill>
+                      <a:srgbClr val="FCD5B4"/>
+                    </a:solidFill>
+                  </a:tcPr>
+                </a:tc>
+                <a:tc rowSpan="2" hMerge="1">
+                  <a:txBody>
+                    <a:bodyPr/>
+                    <a:lstStyle/>
+                    <a:p>
+                      <a:endParaRPr lang="en-US"/>
+                    </a:p>
+                  </a:txBody>
+                  <a:tcPr/>
+                </a:tc>
+                <a:tc rowSpan="2">
+                  <a:txBody>
+                    <a:bodyPr/>
+                    <a:lstStyle/>
+                    <a:p>
+                      <a:pPr algn="ctr" fontAlgn="ctr"/>
+                      <a:r>
+                        <a:rPr lang="en-US" sz="1000" b="0" i="0" u="none" strike="noStrike">
+                          <a:solidFill>
+                            <a:srgbClr val="000000"/>
+                          </a:solidFill>
+                          <a:effectLst/>
+                          <a:latin typeface="Calibri"/>
+                        </a:rPr>
+                        <a:t> </a:t>
+                      </a:r>
+                    </a:p>
+                  </a:txBody>
+                  <a:tcPr marL="12700" marR="12700" marT="12700" marB="0" anchor="ctr">
+                    <a:lnL w="12700" cap="flat" cmpd="sng" algn="ctr">
+                      <a:solidFill>
+                        <a:srgbClr val="000000"/>
+                      </a:solidFill>
+                      <a:prstDash val="solid"/>
+                      <a:round/>
+                      <a:headEnd type="none" w="med" len="med"/>
+                      <a:tailEnd type="none" w="med" len="med"/>
+                    </a:lnL>
+                    <a:lnR w="12700" cap="flat" cmpd="sng" algn="ctr">
+                      <a:solidFill>
+                        <a:srgbClr val="000000"/>
+                      </a:solidFill>
+                      <a:prstDash val="solid"/>
+                      <a:round/>
+                      <a:headEnd type="none" w="med" len="med"/>
+                      <a:tailEnd type="none" w="med" len="med"/>
+                    </a:lnR>
+                    <a:lnT w="12700" cap="flat" cmpd="sng" algn="ctr">
+                      <a:solidFill>
+                        <a:srgbClr val="000000"/>
+                      </a:solidFill>
+                      <a:prstDash val="solid"/>
+                      <a:round/>
+                      <a:headEnd type="none" w="med" len="med"/>
+                      <a:tailEnd type="none" w="med" len="med"/>
+                    </a:lnT>
+                    <a:lnB>
+                      <a:noFill/>
+                    </a:lnB>
+                    <a:solidFill>
+                      <a:srgbClr val="C4D79B"/>
+                    </a:solidFill>
+                  </a:tcPr>
+                </a:tc>
+              </a:tr>
+              <a:tr h="207166">
+                <a:tc>
+                  <a:txBody>
+                    <a:bodyPr/>
+                    <a:lstStyle/>
+                    <a:p>
+                      <a:pPr algn="l" fontAlgn="ctr"/>
+                      <a:r>
+                        <a:rPr lang="sv-SE" sz="1000" b="0" i="0" u="none" strike="noStrike">
+                          <a:solidFill>
+                            <a:srgbClr val="000000"/>
+                          </a:solidFill>
+                          <a:effectLst/>
+                          <a:latin typeface="Calibri"/>
+                        </a:rPr>
+                        <a:t>10 to 50 bets</a:t>
+                      </a:r>
+                    </a:p>
+                  </a:txBody>
+                  <a:tcPr marL="12700" marR="12700" marT="12700" marB="0" anchor="ctr">
+                    <a:lnL w="6350" cap="flat" cmpd="sng" algn="ctr">
+                      <a:solidFill>
+                        <a:srgbClr val="000000"/>
+                      </a:solidFill>
+                      <a:prstDash val="solid"/>
+                      <a:round/>
+                      <a:headEnd type="none" w="med" len="med"/>
+                      <a:tailEnd type="none" w="med" len="med"/>
+                    </a:lnL>
+                    <a:lnR w="12700" cap="flat" cmpd="sng" algn="ctr">
+                      <a:solidFill>
+                        <a:srgbClr val="000000"/>
+                      </a:solidFill>
+                      <a:prstDash val="solid"/>
+                      <a:round/>
+                      <a:headEnd type="none" w="med" len="med"/>
+                      <a:tailEnd type="none" w="med" len="med"/>
+                    </a:lnR>
+                    <a:lnT w="6350" cap="flat" cmpd="sng" algn="ctr">
+                      <a:solidFill>
+                        <a:srgbClr val="000000"/>
+                      </a:solidFill>
+                      <a:prstDash val="solid"/>
+                      <a:round/>
+                      <a:headEnd type="none" w="med" len="med"/>
+                      <a:tailEnd type="none" w="med" len="med"/>
+                    </a:lnT>
+                    <a:lnB w="6350" cap="flat" cmpd="sng" algn="ctr">
+                      <a:solidFill>
+                        <a:srgbClr val="000000"/>
+                      </a:solidFill>
+                      <a:prstDash val="solid"/>
+                      <a:round/>
+                      <a:headEnd type="none" w="med" len="med"/>
+                      <a:tailEnd type="none" w="med" len="med"/>
+                    </a:lnB>
+                    <a:solidFill>
+                      <a:srgbClr val="95B3D7"/>
+                    </a:solidFill>
+                  </a:tcPr>
+                </a:tc>
+                <a:tc gridSpan="3" vMerge="1">
+                  <a:txBody>
+                    <a:bodyPr/>
+                    <a:lstStyle/>
+                    <a:p>
+                      <a:endParaRPr lang="en-US"/>
+                    </a:p>
+                  </a:txBody>
+                  <a:tcPr/>
+                </a:tc>
+                <a:tc hMerge="1" vMerge="1">
+                  <a:txBody>
+                    <a:bodyPr/>
+                    <a:lstStyle/>
+                    <a:p>
+                      <a:endParaRPr lang="en-US"/>
+                    </a:p>
+                  </a:txBody>
+                  <a:tcPr/>
+                </a:tc>
+                <a:tc hMerge="1" vMerge="1">
+                  <a:txBody>
+                    <a:bodyPr/>
+                    <a:lstStyle/>
+                    <a:p>
+                      <a:endParaRPr lang="en-US"/>
+                    </a:p>
+                  </a:txBody>
+                  <a:tcPr/>
+                </a:tc>
+                <a:tc gridSpan="2" vMerge="1">
+                  <a:txBody>
+                    <a:bodyPr/>
+                    <a:lstStyle/>
+                    <a:p>
+                      <a:endParaRPr lang="en-US"/>
+                    </a:p>
+                  </a:txBody>
+                  <a:tcPr/>
+                </a:tc>
+                <a:tc hMerge="1" vMerge="1">
+                  <a:txBody>
+                    <a:bodyPr/>
+                    <a:lstStyle/>
+                    <a:p>
+                      <a:endParaRPr lang="en-US"/>
+                    </a:p>
+                  </a:txBody>
+                  <a:tcPr/>
+                </a:tc>
+                <a:tc vMerge="1">
+                  <a:txBody>
+                    <a:bodyPr/>
+                    <a:lstStyle/>
+                    <a:p>
+                      <a:endParaRPr lang="en-US"/>
+                    </a:p>
+                  </a:txBody>
+                  <a:tcPr/>
+                </a:tc>
+              </a:tr>
+              <a:tr h="207166">
+                <a:tc>
+                  <a:txBody>
+                    <a:bodyPr/>
+                    <a:lstStyle/>
+                    <a:p>
+                      <a:pPr algn="l" fontAlgn="ctr"/>
+                      <a:r>
+                        <a:rPr lang="sv-SE" sz="1000" b="0" i="0" u="none" strike="noStrike">
+                          <a:solidFill>
+                            <a:srgbClr val="000000"/>
+                          </a:solidFill>
+                          <a:effectLst/>
+                          <a:latin typeface="Calibri"/>
+                        </a:rPr>
+                        <a:t>51 to 100 bets</a:t>
+                      </a:r>
+                    </a:p>
+                  </a:txBody>
+                  <a:tcPr marL="12700" marR="12700" marT="12700" marB="0" anchor="ctr">
+                    <a:lnL w="6350" cap="flat" cmpd="sng" algn="ctr">
+                      <a:solidFill>
+                        <a:srgbClr val="000000"/>
+                      </a:solidFill>
+                      <a:prstDash val="solid"/>
+                      <a:round/>
+                      <a:headEnd type="none" w="med" len="med"/>
+                      <a:tailEnd type="none" w="med" len="med"/>
+                    </a:lnL>
+                    <a:lnR w="12700" cap="flat" cmpd="sng" algn="ctr">
+                      <a:solidFill>
+                        <a:srgbClr val="000000"/>
+                      </a:solidFill>
+                      <a:prstDash val="solid"/>
+                      <a:round/>
+                      <a:headEnd type="none" w="med" len="med"/>
+                      <a:tailEnd type="none" w="med" len="med"/>
+                    </a:lnR>
+                    <a:lnT w="6350" cap="flat" cmpd="sng" algn="ctr">
+                      <a:solidFill>
+                        <a:srgbClr val="000000"/>
+                      </a:solidFill>
+                      <a:prstDash val="solid"/>
+                      <a:round/>
+                      <a:headEnd type="none" w="med" len="med"/>
+                      <a:tailEnd type="none" w="med" len="med"/>
+                    </a:lnT>
+                    <a:lnB w="6350" cap="flat" cmpd="sng" algn="ctr">
+                      <a:solidFill>
+                        <a:srgbClr val="000000"/>
+                      </a:solidFill>
+                      <a:prstDash val="solid"/>
+                      <a:round/>
+                      <a:headEnd type="none" w="med" len="med"/>
+                      <a:tailEnd type="none" w="med" len="med"/>
+                    </a:lnB>
+                    <a:solidFill>
+                      <a:srgbClr val="95B3D7"/>
+                    </a:solidFill>
+                  </a:tcPr>
+                </a:tc>
+                <a:tc rowSpan="2" gridSpan="2">
+                  <a:txBody>
+                    <a:bodyPr/>
+                    <a:lstStyle/>
+                    <a:p>
+                      <a:pPr algn="ctr" fontAlgn="ctr"/>
+                      <a:r>
+                        <a:rPr lang="en-US" sz="1000" b="0" i="0" u="none" strike="noStrike" dirty="0">
+                          <a:solidFill>
+                            <a:srgbClr val="000000"/>
+                          </a:solidFill>
+                          <a:effectLst/>
+                          <a:latin typeface="Calibri"/>
+                        </a:rPr>
+                        <a:t>5. Opportunism</a:t>
+                      </a:r>
+                    </a:p>
+                  </a:txBody>
+                  <a:tcPr marL="12700" marR="12700" marT="12700" marB="0" anchor="ctr">
+                    <a:lnL w="12700" cap="flat" cmpd="sng" algn="ctr">
+                      <a:solidFill>
+                        <a:srgbClr val="000000"/>
+                      </a:solidFill>
+                      <a:prstDash val="solid"/>
+                      <a:round/>
+                      <a:headEnd type="none" w="med" len="med"/>
+                      <a:tailEnd type="none" w="med" len="med"/>
+                    </a:lnL>
+                    <a:lnR w="12700" cap="flat" cmpd="sng" algn="ctr">
+                      <a:solidFill>
+                        <a:srgbClr val="000000"/>
+                      </a:solidFill>
+                      <a:prstDash val="solid"/>
+                      <a:round/>
+                      <a:headEnd type="none" w="med" len="med"/>
+                      <a:tailEnd type="none" w="med" len="med"/>
+                    </a:lnR>
+                    <a:lnT w="12700" cap="flat" cmpd="sng" algn="ctr">
+                      <a:solidFill>
+                        <a:srgbClr val="000000"/>
+                      </a:solidFill>
+                      <a:prstDash val="solid"/>
+                      <a:round/>
+                      <a:headEnd type="none" w="med" len="med"/>
+                      <a:tailEnd type="none" w="med" len="med"/>
+                    </a:lnT>
+                    <a:lnB w="12700" cap="flat" cmpd="sng" algn="ctr">
+                      <a:solidFill>
+                        <a:srgbClr val="000000"/>
+                      </a:solidFill>
+                      <a:prstDash val="solid"/>
+                      <a:round/>
+                      <a:headEnd type="none" w="med" len="med"/>
+                      <a:tailEnd type="none" w="med" len="med"/>
+                    </a:lnB>
+                    <a:solidFill>
+                      <a:srgbClr val="C4D79B"/>
+                    </a:solidFill>
+                  </a:tcPr>
+                </a:tc>
+                <a:tc rowSpan="2" hMerge="1">
+                  <a:txBody>
+                    <a:bodyPr/>
+                    <a:lstStyle/>
+                    <a:p>
+                      <a:endParaRPr lang="en-US"/>
+                    </a:p>
+                  </a:txBody>
+                  <a:tcPr/>
+                </a:tc>
+                <a:tc rowSpan="2" gridSpan="2">
+                  <a:txBody>
+                    <a:bodyPr/>
+                    <a:lstStyle/>
+                    <a:p>
+                      <a:pPr algn="ctr" fontAlgn="ctr"/>
+                      <a:r>
+                        <a:rPr lang="en-US" sz="1000" b="0" i="0" u="none" strike="noStrike" dirty="0">
+                          <a:solidFill>
+                            <a:srgbClr val="000000"/>
+                          </a:solidFill>
+                          <a:effectLst/>
+                          <a:latin typeface="Calibri"/>
+                        </a:rPr>
+                        <a:t>4. Strategy driven gambler</a:t>
+                      </a:r>
+                    </a:p>
+                  </a:txBody>
+                  <a:tcPr marL="12700" marR="12700" marT="12700" marB="0" anchor="ctr">
+                    <a:lnL w="12700" cap="flat" cmpd="sng" algn="ctr">
+                      <a:solidFill>
+                        <a:srgbClr val="000000"/>
+                      </a:solidFill>
+                      <a:prstDash val="solid"/>
+                      <a:round/>
+                      <a:headEnd type="none" w="med" len="med"/>
+                      <a:tailEnd type="none" w="med" len="med"/>
+                    </a:lnL>
+                    <a:lnR w="12700" cap="flat" cmpd="sng" algn="ctr">
+                      <a:solidFill>
+                        <a:srgbClr val="000000"/>
+                      </a:solidFill>
+                      <a:prstDash val="solid"/>
+                      <a:round/>
+                      <a:headEnd type="none" w="med" len="med"/>
+                      <a:tailEnd type="none" w="med" len="med"/>
+                    </a:lnR>
+                    <a:lnT w="12700" cap="flat" cmpd="sng" algn="ctr">
+                      <a:solidFill>
+                        <a:srgbClr val="000000"/>
+                      </a:solidFill>
+                      <a:prstDash val="solid"/>
+                      <a:round/>
+                      <a:headEnd type="none" w="med" len="med"/>
+                      <a:tailEnd type="none" w="med" len="med"/>
+                    </a:lnT>
+                    <a:lnB w="12700" cap="flat" cmpd="sng" algn="ctr">
+                      <a:solidFill>
+                        <a:srgbClr val="000000"/>
+                      </a:solidFill>
+                      <a:prstDash val="solid"/>
+                      <a:round/>
+                      <a:headEnd type="none" w="med" len="med"/>
+                      <a:tailEnd type="none" w="med" len="med"/>
+                    </a:lnB>
+                    <a:solidFill>
+                      <a:srgbClr val="C4D79B"/>
+                    </a:solidFill>
+                  </a:tcPr>
+                </a:tc>
+                <a:tc rowSpan="2" hMerge="1">
+                  <a:txBody>
+                    <a:bodyPr/>
+                    <a:lstStyle/>
+                    <a:p>
+                      <a:endParaRPr lang="en-US"/>
+                    </a:p>
+                  </a:txBody>
+                  <a:tcPr/>
+                </a:tc>
+                <a:tc rowSpan="2" gridSpan="2">
+                  <a:txBody>
+                    <a:bodyPr/>
+                    <a:lstStyle/>
+                    <a:p>
+                      <a:pPr algn="ctr" fontAlgn="ctr"/>
+                      <a:r>
+                        <a:rPr lang="en-US" sz="1000" b="0" i="0" u="none" strike="noStrike" dirty="0">
+                          <a:solidFill>
+                            <a:srgbClr val="000000"/>
+                          </a:solidFill>
+                          <a:effectLst/>
+                          <a:latin typeface="Calibri"/>
+                        </a:rPr>
+                        <a:t>3. Professional gambler</a:t>
+                      </a:r>
+                    </a:p>
+                  </a:txBody>
+                  <a:tcPr marL="12700" marR="12700" marT="12700" marB="0" anchor="ctr">
+                    <a:lnL w="12700" cap="flat" cmpd="sng" algn="ctr">
+                      <a:solidFill>
+                        <a:srgbClr val="000000"/>
+                      </a:solidFill>
+                      <a:prstDash val="solid"/>
+                      <a:round/>
+                      <a:headEnd type="none" w="med" len="med"/>
+                      <a:tailEnd type="none" w="med" len="med"/>
+                    </a:lnL>
+                    <a:lnR w="12700" cap="flat" cmpd="sng" algn="ctr">
+                      <a:solidFill>
+                        <a:srgbClr val="000000"/>
+                      </a:solidFill>
+                      <a:prstDash val="solid"/>
+                      <a:round/>
+                      <a:headEnd type="none" w="med" len="med"/>
+                      <a:tailEnd type="none" w="med" len="med"/>
+                    </a:lnR>
+                    <a:lnT w="12700" cap="flat" cmpd="sng" algn="ctr">
+                      <a:solidFill>
+                        <a:srgbClr val="000000"/>
+                      </a:solidFill>
+                      <a:prstDash val="solid"/>
+                      <a:round/>
+                      <a:headEnd type="none" w="med" len="med"/>
+                      <a:tailEnd type="none" w="med" len="med"/>
+                    </a:lnT>
+                    <a:lnB w="12700" cap="flat" cmpd="sng" algn="ctr">
+                      <a:solidFill>
+                        <a:srgbClr val="000000"/>
+                      </a:solidFill>
+                      <a:prstDash val="solid"/>
+                      <a:round/>
+                      <a:headEnd type="none" w="med" len="med"/>
+                      <a:tailEnd type="none" w="med" len="med"/>
+                    </a:lnB>
+                    <a:solidFill>
+                      <a:srgbClr val="C4D79B"/>
+                    </a:solidFill>
+                  </a:tcPr>
+                </a:tc>
+                <a:tc rowSpan="2" hMerge="1">
+                  <a:txBody>
+                    <a:bodyPr/>
+                    <a:lstStyle/>
+                    <a:p>
+                      <a:endParaRPr lang="en-US"/>
+                    </a:p>
+                  </a:txBody>
+                  <a:tcPr/>
+                </a:tc>
+              </a:tr>
+              <a:tr h="207166">
+                <a:tc>
+                  <a:txBody>
+                    <a:bodyPr/>
+                    <a:lstStyle/>
+                    <a:p>
+                      <a:pPr algn="l" fontAlgn="ctr"/>
+                      <a:r>
+                        <a:rPr lang="sv-SE" sz="1000" b="0" i="0" u="none" strike="noStrike">
+                          <a:solidFill>
+                            <a:srgbClr val="000000"/>
+                          </a:solidFill>
+                          <a:effectLst/>
+                          <a:latin typeface="Calibri"/>
+                        </a:rPr>
+                        <a:t>101 to 500 bets</a:t>
+                      </a:r>
+                    </a:p>
+                  </a:txBody>
+                  <a:tcPr marL="12700" marR="12700" marT="12700" marB="0" anchor="ctr">
+                    <a:lnL w="6350" cap="flat" cmpd="sng" algn="ctr">
+                      <a:solidFill>
+                        <a:srgbClr val="000000"/>
+                      </a:solidFill>
+                      <a:prstDash val="solid"/>
+                      <a:round/>
+                      <a:headEnd type="none" w="med" len="med"/>
+                      <a:tailEnd type="none" w="med" len="med"/>
+                    </a:lnL>
+                    <a:lnR w="12700" cap="flat" cmpd="sng" algn="ctr">
+                      <a:solidFill>
+                        <a:srgbClr val="000000"/>
+                      </a:solidFill>
+                      <a:prstDash val="solid"/>
+                      <a:round/>
+                      <a:headEnd type="none" w="med" len="med"/>
+                      <a:tailEnd type="none" w="med" len="med"/>
+                    </a:lnR>
+                    <a:lnT w="6350" cap="flat" cmpd="sng" algn="ctr">
+                      <a:solidFill>
+                        <a:srgbClr val="000000"/>
+                      </a:solidFill>
+                      <a:prstDash val="solid"/>
+                      <a:round/>
+                      <a:headEnd type="none" w="med" len="med"/>
+                      <a:tailEnd type="none" w="med" len="med"/>
+                    </a:lnT>
+                    <a:lnB w="6350" cap="flat" cmpd="sng" algn="ctr">
+                      <a:solidFill>
+                        <a:srgbClr val="000000"/>
+                      </a:solidFill>
+                      <a:prstDash val="solid"/>
+                      <a:round/>
+                      <a:headEnd type="none" w="med" len="med"/>
+                      <a:tailEnd type="none" w="med" len="med"/>
+                    </a:lnB>
+                    <a:solidFill>
+                      <a:srgbClr val="95B3D7"/>
+                    </a:solidFill>
+                  </a:tcPr>
+                </a:tc>
+                <a:tc gridSpan="2" vMerge="1">
+                  <a:txBody>
+                    <a:bodyPr/>
+                    <a:lstStyle/>
+                    <a:p>
+                      <a:endParaRPr lang="en-US"/>
+                    </a:p>
+                  </a:txBody>
+                  <a:tcPr/>
+                </a:tc>
+                <a:tc hMerge="1" vMerge="1">
+                  <a:txBody>
+                    <a:bodyPr/>
+                    <a:lstStyle/>
+                    <a:p>
+                      <a:endParaRPr lang="en-US"/>
+                    </a:p>
+                  </a:txBody>
+                  <a:tcPr/>
+                </a:tc>
+                <a:tc gridSpan="2" vMerge="1">
+                  <a:txBody>
+                    <a:bodyPr/>
+                    <a:lstStyle/>
+                    <a:p>
+                      <a:endParaRPr lang="en-US"/>
+                    </a:p>
+                  </a:txBody>
+                  <a:tcPr/>
+                </a:tc>
+                <a:tc hMerge="1" vMerge="1">
+                  <a:txBody>
+                    <a:bodyPr/>
+                    <a:lstStyle/>
+                    <a:p>
+                      <a:endParaRPr lang="en-US"/>
+                    </a:p>
+                  </a:txBody>
+                  <a:tcPr/>
+                </a:tc>
+                <a:tc gridSpan="2" vMerge="1">
+                  <a:txBody>
+                    <a:bodyPr/>
+                    <a:lstStyle/>
+                    <a:p>
+                      <a:endParaRPr lang="en-US"/>
+                    </a:p>
+                  </a:txBody>
+                  <a:tcPr/>
+                </a:tc>
+                <a:tc hMerge="1" vMerge="1">
+                  <a:txBody>
+                    <a:bodyPr/>
+                    <a:lstStyle/>
+                    <a:p>
+                      <a:endParaRPr lang="en-US"/>
+                    </a:p>
+                  </a:txBody>
+                  <a:tcPr/>
+                </a:tc>
+              </a:tr>
+              <a:tr h="207166">
+                <a:tc>
+                  <a:txBody>
+                    <a:bodyPr/>
+                    <a:lstStyle/>
+                    <a:p>
+                      <a:pPr algn="l" fontAlgn="ctr"/>
+                      <a:r>
+                        <a:rPr lang="sv-SE" sz="1000" b="0" i="0" u="none" strike="noStrike" dirty="0">
+                          <a:solidFill>
+                            <a:srgbClr val="000000"/>
+                          </a:solidFill>
+                          <a:effectLst/>
+                          <a:latin typeface="Calibri"/>
+                        </a:rPr>
+                        <a:t>&gt; 500 bets</a:t>
+                      </a:r>
+                    </a:p>
+                  </a:txBody>
+                  <a:tcPr marL="12700" marR="12700" marT="12700" marB="0" anchor="ctr">
+                    <a:lnL w="6350" cap="flat" cmpd="sng" algn="ctr">
+                      <a:solidFill>
+                        <a:srgbClr val="000000"/>
+                      </a:solidFill>
+                      <a:prstDash val="solid"/>
+                      <a:round/>
+                      <a:headEnd type="none" w="med" len="med"/>
+                      <a:tailEnd type="none" w="med" len="med"/>
+                    </a:lnL>
+                    <a:lnR w="12700" cap="flat" cmpd="sng" algn="ctr">
+                      <a:solidFill>
+                        <a:srgbClr val="000000"/>
+                      </a:solidFill>
+                      <a:prstDash val="solid"/>
+                      <a:round/>
+                      <a:headEnd type="none" w="med" len="med"/>
+                      <a:tailEnd type="none" w="med" len="med"/>
+                    </a:lnR>
+                    <a:lnT w="6350" cap="flat" cmpd="sng" algn="ctr">
+                      <a:solidFill>
+                        <a:srgbClr val="000000"/>
+                      </a:solidFill>
+                      <a:prstDash val="solid"/>
+                      <a:round/>
+                      <a:headEnd type="none" w="med" len="med"/>
+                      <a:tailEnd type="none" w="med" len="med"/>
+                    </a:lnT>
+                    <a:lnB w="6350" cap="flat" cmpd="sng" algn="ctr">
+                      <a:solidFill>
+                        <a:srgbClr val="000000"/>
+                      </a:solidFill>
+                      <a:prstDash val="solid"/>
+                      <a:round/>
+                      <a:headEnd type="none" w="med" len="med"/>
+                      <a:tailEnd type="none" w="med" len="med"/>
+                    </a:lnB>
+                    <a:solidFill>
+                      <a:srgbClr val="95B3D7"/>
+                    </a:solidFill>
+                  </a:tcPr>
+                </a:tc>
+                <a:tc gridSpan="3">
+                  <a:txBody>
+                    <a:bodyPr/>
+                    <a:lstStyle/>
+                    <a:p>
+                      <a:pPr algn="ctr" fontAlgn="ctr"/>
+                      <a:r>
+                        <a:rPr lang="en-US" sz="1000" b="0" i="0" u="none" strike="noStrike" dirty="0">
+                          <a:solidFill>
+                            <a:srgbClr val="000000"/>
+                          </a:solidFill>
+                          <a:effectLst/>
+                          <a:latin typeface="Calibri"/>
+                        </a:rPr>
+                        <a:t>2. Small casual groups</a:t>
+                      </a:r>
+                    </a:p>
+                  </a:txBody>
+                  <a:tcPr marL="12700" marR="12700" marT="12700" marB="0" anchor="ctr">
+                    <a:lnL w="12700" cap="flat" cmpd="sng" algn="ctr">
+                      <a:solidFill>
+                        <a:srgbClr val="000000"/>
+                      </a:solidFill>
+                      <a:prstDash val="solid"/>
+                      <a:round/>
+                      <a:headEnd type="none" w="med" len="med"/>
+                      <a:tailEnd type="none" w="med" len="med"/>
+                    </a:lnL>
+                    <a:lnR w="12700" cap="flat" cmpd="sng" algn="ctr">
+                      <a:solidFill>
+                        <a:srgbClr val="000000"/>
+                      </a:solidFill>
+                      <a:prstDash val="solid"/>
+                      <a:round/>
+                      <a:headEnd type="none" w="med" len="med"/>
+                      <a:tailEnd type="none" w="med" len="med"/>
+                    </a:lnR>
+                    <a:lnT w="12700" cap="flat" cmpd="sng" algn="ctr">
+                      <a:solidFill>
+                        <a:srgbClr val="000000"/>
+                      </a:solidFill>
+                      <a:prstDash val="solid"/>
+                      <a:round/>
+                      <a:headEnd type="none" w="med" len="med"/>
+                      <a:tailEnd type="none" w="med" len="med"/>
+                    </a:lnT>
+                    <a:lnB w="12700" cap="flat" cmpd="sng" algn="ctr">
+                      <a:solidFill>
+                        <a:srgbClr val="000000"/>
+                      </a:solidFill>
+                      <a:prstDash val="solid"/>
+                      <a:round/>
+                      <a:headEnd type="none" w="med" len="med"/>
+                      <a:tailEnd type="none" w="med" len="med"/>
+                    </a:lnB>
+                    <a:solidFill>
+                      <a:srgbClr val="76933C"/>
+                    </a:solidFill>
+                  </a:tcPr>
+                </a:tc>
+                <a:tc hMerge="1">
+                  <a:txBody>
+                    <a:bodyPr/>
+                    <a:lstStyle/>
+                    <a:p>
+                      <a:endParaRPr lang="en-US"/>
+                    </a:p>
+                  </a:txBody>
+                  <a:tcPr/>
+                </a:tc>
+                <a:tc hMerge="1">
+                  <a:txBody>
+                    <a:bodyPr/>
+                    <a:lstStyle/>
+                    <a:p>
+                      <a:endParaRPr lang="en-US"/>
+                    </a:p>
+                  </a:txBody>
+                  <a:tcPr/>
+                </a:tc>
+                <a:tc gridSpan="3">
+                  <a:txBody>
+                    <a:bodyPr/>
+                    <a:lstStyle/>
+                    <a:p>
+                      <a:pPr algn="ctr" fontAlgn="ctr"/>
+                      <a:r>
+                        <a:rPr lang="en-US" sz="1000" b="0" i="0" u="none" strike="noStrike" dirty="0">
+                          <a:solidFill>
+                            <a:srgbClr val="000000"/>
+                          </a:solidFill>
+                          <a:effectLst/>
+                          <a:latin typeface="Calibri"/>
+                        </a:rPr>
+                        <a:t>1. Large gambling group / business</a:t>
+                      </a:r>
+                    </a:p>
+                  </a:txBody>
+                  <a:tcPr marL="12700" marR="12700" marT="12700" marB="0" anchor="ctr">
+                    <a:lnL w="12700" cap="flat" cmpd="sng" algn="ctr">
+                      <a:solidFill>
+                        <a:srgbClr val="000000"/>
+                      </a:solidFill>
+                      <a:prstDash val="solid"/>
+                      <a:round/>
+                      <a:headEnd type="none" w="med" len="med"/>
+                      <a:tailEnd type="none" w="med" len="med"/>
+                    </a:lnL>
+                    <a:lnR w="12700" cap="flat" cmpd="sng" algn="ctr">
+                      <a:solidFill>
+                        <a:srgbClr val="000000"/>
+                      </a:solidFill>
+                      <a:prstDash val="solid"/>
+                      <a:round/>
+                      <a:headEnd type="none" w="med" len="med"/>
+                      <a:tailEnd type="none" w="med" len="med"/>
+                    </a:lnR>
+                    <a:lnT w="12700" cap="flat" cmpd="sng" algn="ctr">
+                      <a:solidFill>
+                        <a:srgbClr val="000000"/>
+                      </a:solidFill>
+                      <a:prstDash val="solid"/>
+                      <a:round/>
+                      <a:headEnd type="none" w="med" len="med"/>
+                      <a:tailEnd type="none" w="med" len="med"/>
+                    </a:lnT>
+                    <a:lnB w="12700" cap="flat" cmpd="sng" algn="ctr">
+                      <a:solidFill>
+                        <a:srgbClr val="000000"/>
+                      </a:solidFill>
+                      <a:prstDash val="solid"/>
+                      <a:round/>
+                      <a:headEnd type="none" w="med" len="med"/>
+                      <a:tailEnd type="none" w="med" len="med"/>
+                    </a:lnB>
+                    <a:solidFill>
+                      <a:srgbClr val="76933C"/>
+                    </a:solidFill>
+                  </a:tcPr>
+                </a:tc>
+                <a:tc hMerge="1">
+                  <a:txBody>
+                    <a:bodyPr/>
+                    <a:lstStyle/>
+                    <a:p>
+                      <a:endParaRPr lang="en-US"/>
+                    </a:p>
+                  </a:txBody>
+                  <a:tcPr/>
+                </a:tc>
+                <a:tc hMerge="1">
+                  <a:txBody>
+                    <a:bodyPr/>
+                    <a:lstStyle/>
+                    <a:p>
+                      <a:endParaRPr lang="en-US"/>
+                    </a:p>
+                  </a:txBody>
+                  <a:tcPr/>
+                </a:tc>
+              </a:tr>
+            </a:tbl>
+          </a:graphicData>
+        </a:graphic>
+      </p:graphicFrame>
+      <p:cxnSp>
+        <p:nvCxnSpPr>
+          <p:cNvPr id="9" name="Straight Connector 8"/>
+          <p:cNvCxnSpPr/>
+          <p:nvPr/>
+        </p:nvCxnSpPr>
+        <p:spPr>
+          <a:xfrm>
+            <a:off x="2406780" y="3034062"/>
+            <a:ext cx="1173110" cy="1094719"/>
+          </a:xfrm>
+          <a:prstGeom prst="line">
+            <a:avLst/>
+          </a:prstGeom>
+        </p:spPr>
+        <p:style>
+          <a:lnRef idx="2">
+            <a:schemeClr val="dk1"/>
+          </a:lnRef>
+          <a:fillRef idx="0">
+            <a:schemeClr val="dk1"/>
+          </a:fillRef>
+          <a:effectRef idx="1">
+            <a:schemeClr val="dk1"/>
+          </a:effectRef>
+          <a:fontRef idx="minor">
+            <a:schemeClr val="tx1"/>
+          </a:fontRef>
+        </p:style>
+      </p:cxnSp>
+      <p:cxnSp>
+        <p:nvCxnSpPr>
+          <p:cNvPr id="10" name="Straight Connector 9"/>
+          <p:cNvCxnSpPr/>
+          <p:nvPr/>
+        </p:nvCxnSpPr>
+        <p:spPr>
+          <a:xfrm flipV="1">
+            <a:off x="2406780" y="4351175"/>
+            <a:ext cx="1173110" cy="1408826"/>
+          </a:xfrm>
+          <a:prstGeom prst="line">
+            <a:avLst/>
+          </a:prstGeom>
+        </p:spPr>
+        <p:style>
+          <a:lnRef idx="2">
+            <a:schemeClr val="dk1"/>
+          </a:lnRef>
+          <a:fillRef idx="0">
+            <a:schemeClr val="dk1"/>
+          </a:fillRef>
+          <a:effectRef idx="1">
+            <a:schemeClr val="dk1"/>
+          </a:effectRef>
+          <a:fontRef idx="minor">
+            <a:schemeClr val="tx1"/>
+          </a:fontRef>
+        </p:style>
+      </p:cxnSp>
+      <p:pic>
+        <p:nvPicPr>
+          <p:cNvPr id="14" name="Picture 13" descr="plot_kmeans_vertical.png"/>
+          <p:cNvPicPr>
+            <a:picLocks noChangeAspect="1"/>
+          </p:cNvPicPr>
+          <p:nvPr/>
+        </p:nvPicPr>
+        <p:blipFill>
+          <a:blip r:embed="rId2">
+            <a:extLst>
+              <a:ext uri="{28A0092B-C50C-407E-A947-70E740481C1C}">
+                <a14:useLocalDpi xmlns:a14="http://schemas.microsoft.com/office/drawing/2010/main" val="0"/>
+              </a:ext>
+            </a:extLst>
+          </a:blip>
+          <a:stretch>
+            <a:fillRect/>
+          </a:stretch>
+        </p:blipFill>
+        <p:spPr>
+          <a:xfrm>
+            <a:off x="606780" y="2880000"/>
+            <a:ext cx="1800000" cy="2880000"/>
+          </a:xfrm>
+          <a:prstGeom prst="rect">
+            <a:avLst/>
+          </a:prstGeom>
+        </p:spPr>
+      </p:pic>
+      <p:sp>
+        <p:nvSpPr>
+          <p:cNvPr id="24" name="TextBox 23"/>
+          <p:cNvSpPr txBox="1"/>
+          <p:nvPr/>
+        </p:nvSpPr>
+        <p:spPr>
+          <a:xfrm>
+            <a:off x="178723" y="3390168"/>
+            <a:ext cx="906004" cy="461665"/>
+          </a:xfrm>
+          <a:prstGeom prst="rect">
+            <a:avLst/>
+          </a:prstGeom>
+          <a:noFill/>
+        </p:spPr>
+        <p:txBody>
+          <a:bodyPr wrap="square" rtlCol="0">
+            <a:spAutoFit/>
+          </a:bodyPr>
+          <a:lstStyle/>
+          <a:p>
+            <a:r>
+              <a:rPr lang="en-US" sz="800" b="1" dirty="0" smtClean="0">
+                <a:solidFill>
+                  <a:schemeClr val="accent2"/>
+                </a:solidFill>
+              </a:rPr>
+              <a:t>Bets stretch</a:t>
+            </a:r>
+          </a:p>
+          <a:p>
+            <a:r>
+              <a:rPr lang="en-US" sz="800" b="1" dirty="0" smtClean="0">
+                <a:solidFill>
+                  <a:schemeClr val="accent2"/>
+                </a:solidFill>
+              </a:rPr>
+              <a:t>(towards RFM segment 7)</a:t>
+            </a:r>
+            <a:endParaRPr lang="en-US" sz="800" b="1" dirty="0">
+              <a:solidFill>
+                <a:schemeClr val="accent2"/>
+              </a:solidFill>
+            </a:endParaRPr>
+          </a:p>
+        </p:txBody>
+      </p:sp>
+      <p:sp>
+        <p:nvSpPr>
+          <p:cNvPr id="25" name="Left Brace 24"/>
+          <p:cNvSpPr/>
+          <p:nvPr/>
+        </p:nvSpPr>
+        <p:spPr>
+          <a:xfrm>
+            <a:off x="974893" y="3128141"/>
+            <a:ext cx="235190" cy="914400"/>
+          </a:xfrm>
+          <a:prstGeom prst="leftBrace">
+            <a:avLst/>
+          </a:prstGeom>
+        </p:spPr>
+        <p:style>
+          <a:lnRef idx="2">
+            <a:schemeClr val="accent2"/>
+          </a:lnRef>
+          <a:fillRef idx="0">
+            <a:schemeClr val="accent2"/>
+          </a:fillRef>
+          <a:effectRef idx="1">
+            <a:schemeClr val="accent2"/>
+          </a:effectRef>
+          <a:fontRef idx="minor">
+            <a:schemeClr val="tx1"/>
+          </a:fontRef>
+        </p:style>
+        <p:txBody>
+          <a:bodyPr rtlCol="0" anchor="ctr"/>
+          <a:lstStyle/>
+          <a:p>
+            <a:pPr algn="ctr"/>
+            <a:endParaRPr lang="en-US"/>
+          </a:p>
+        </p:txBody>
+      </p:sp>
+      <p:sp>
+        <p:nvSpPr>
+          <p:cNvPr id="26" name="Left Brace 25"/>
+          <p:cNvSpPr/>
+          <p:nvPr/>
+        </p:nvSpPr>
+        <p:spPr>
+          <a:xfrm>
+            <a:off x="954147" y="4351175"/>
+            <a:ext cx="255936" cy="914400"/>
+          </a:xfrm>
+          <a:prstGeom prst="leftBrace">
+            <a:avLst/>
+          </a:prstGeom>
+        </p:spPr>
+        <p:style>
+          <a:lnRef idx="2">
+            <a:schemeClr val="accent1"/>
+          </a:lnRef>
+          <a:fillRef idx="0">
+            <a:schemeClr val="accent1"/>
+          </a:fillRef>
+          <a:effectRef idx="1">
+            <a:schemeClr val="accent1"/>
+          </a:effectRef>
+          <a:fontRef idx="minor">
+            <a:schemeClr val="tx1"/>
+          </a:fontRef>
+        </p:style>
+        <p:txBody>
+          <a:bodyPr rtlCol="0" anchor="ctr"/>
+          <a:lstStyle/>
+          <a:p>
+            <a:pPr algn="ctr"/>
+            <a:endParaRPr lang="en-US"/>
+          </a:p>
+        </p:txBody>
+      </p:sp>
+      <p:sp>
+        <p:nvSpPr>
+          <p:cNvPr id="27" name="TextBox 26"/>
+          <p:cNvSpPr txBox="1"/>
+          <p:nvPr/>
+        </p:nvSpPr>
+        <p:spPr>
+          <a:xfrm>
+            <a:off x="181496" y="4538242"/>
+            <a:ext cx="906004" cy="461665"/>
+          </a:xfrm>
+          <a:prstGeom prst="rect">
+            <a:avLst/>
+          </a:prstGeom>
+          <a:noFill/>
+        </p:spPr>
+        <p:txBody>
+          <a:bodyPr wrap="square" rtlCol="0">
+            <a:spAutoFit/>
+          </a:bodyPr>
+          <a:lstStyle/>
+          <a:p>
+            <a:r>
+              <a:rPr lang="en-US" sz="800" b="1" dirty="0" smtClean="0">
+                <a:solidFill>
+                  <a:schemeClr val="accent1"/>
+                </a:solidFill>
+              </a:rPr>
+              <a:t>Spend stretch</a:t>
+            </a:r>
+          </a:p>
+          <a:p>
+            <a:r>
+              <a:rPr lang="en-US" sz="800" b="1" dirty="0" smtClean="0">
+                <a:solidFill>
+                  <a:schemeClr val="accent1"/>
+                </a:solidFill>
+              </a:rPr>
+              <a:t>(towards RFM segment 8)</a:t>
+            </a:r>
+            <a:endParaRPr lang="en-US" sz="800" b="1" dirty="0">
+              <a:solidFill>
+                <a:schemeClr val="accent1"/>
+              </a:solidFill>
+            </a:endParaRPr>
+          </a:p>
+        </p:txBody>
+      </p:sp>
+      <p:sp>
+        <p:nvSpPr>
+          <p:cNvPr id="28" name="Title 1"/>
+          <p:cNvSpPr txBox="1">
+            <a:spLocks/>
+          </p:cNvSpPr>
+          <p:nvPr/>
+        </p:nvSpPr>
+        <p:spPr>
+          <a:xfrm>
+            <a:off x="342476" y="566655"/>
+            <a:ext cx="5838662" cy="390922"/>
+          </a:xfrm>
+          <a:prstGeom prst="rect">
+            <a:avLst/>
+          </a:prstGeom>
+        </p:spPr>
+        <p:txBody>
+          <a:bodyPr/>
+          <a:lstStyle>
+            <a:lvl1pPr algn="ctr" defTabSz="457200" rtl="0" eaLnBrk="1" latinLnBrk="0" hangingPunct="1">
+              <a:spcBef>
+                <a:spcPct val="0"/>
+              </a:spcBef>
+              <a:buNone/>
+              <a:defRPr sz="4400" kern="1200">
+                <a:solidFill>
+                  <a:schemeClr val="tx1"/>
+                </a:solidFill>
+                <a:latin typeface="+mj-lt"/>
+                <a:ea typeface="+mj-ea"/>
+                <a:cs typeface="+mj-cs"/>
+              </a:defRPr>
+            </a:lvl1pPr>
+          </a:lstStyle>
+          <a:p>
+            <a:pPr algn="l"/>
+            <a:r>
+              <a:rPr lang="en-US" baseline="30000" dirty="0" smtClean="0">
+                <a:solidFill>
+                  <a:schemeClr val="bg1">
+                    <a:lumMod val="50000"/>
+                  </a:schemeClr>
+                </a:solidFill>
+                <a:latin typeface="+mn-lt"/>
+                <a:cs typeface="Arial"/>
+              </a:rPr>
+              <a:t>Example</a:t>
+            </a:r>
+            <a:endParaRPr lang="en-GB" baseline="30000" dirty="0">
+              <a:solidFill>
+                <a:schemeClr val="bg1">
+                  <a:lumMod val="50000"/>
+                </a:schemeClr>
+              </a:solidFill>
+              <a:latin typeface="+mn-lt"/>
+              <a:cs typeface="Arial"/>
+            </a:endParaRPr>
+          </a:p>
+        </p:txBody>
+      </p:sp>
+      <p:sp>
+        <p:nvSpPr>
+          <p:cNvPr id="29" name="Notched Right Arrow 28"/>
+          <p:cNvSpPr/>
+          <p:nvPr/>
+        </p:nvSpPr>
+        <p:spPr>
+          <a:xfrm rot="5400000">
+            <a:off x="3617874" y="4394173"/>
+            <a:ext cx="355600" cy="75847"/>
+          </a:xfrm>
+          <a:prstGeom prst="notchedRightArrow">
+            <a:avLst/>
+          </a:prstGeom>
+          <a:ln/>
+        </p:spPr>
+        <p:style>
+          <a:lnRef idx="1">
+            <a:schemeClr val="accent2"/>
+          </a:lnRef>
+          <a:fillRef idx="3">
+            <a:schemeClr val="accent2"/>
+          </a:fillRef>
+          <a:effectRef idx="2">
+            <a:schemeClr val="accent2"/>
+          </a:effectRef>
+          <a:fontRef idx="minor">
+            <a:schemeClr val="lt1"/>
+          </a:fontRef>
+        </p:style>
+        <p:txBody>
+          <a:bodyPr/>
+          <a:lstStyle/>
+          <a:p>
+            <a:endParaRPr lang="en-US"/>
+          </a:p>
+        </p:txBody>
+      </p:sp>
+      <p:sp>
+        <p:nvSpPr>
+          <p:cNvPr id="30" name="Notched Right Arrow 29"/>
+          <p:cNvSpPr/>
+          <p:nvPr/>
+        </p:nvSpPr>
+        <p:spPr>
+          <a:xfrm>
+            <a:off x="6013030" y="4196619"/>
+            <a:ext cx="399823" cy="96877"/>
+          </a:xfrm>
+          <a:prstGeom prst="notchedRightArrow">
+            <a:avLst/>
+          </a:prstGeom>
+          <a:ln/>
+        </p:spPr>
+        <p:style>
+          <a:lnRef idx="1">
+            <a:schemeClr val="accent1"/>
+          </a:lnRef>
+          <a:fillRef idx="3">
+            <a:schemeClr val="accent1"/>
+          </a:fillRef>
+          <a:effectRef idx="2">
+            <a:schemeClr val="accent1"/>
+          </a:effectRef>
+          <a:fontRef idx="minor">
+            <a:schemeClr val="lt1"/>
+          </a:fontRef>
+        </p:style>
+        <p:txBody>
+          <a:bodyPr/>
+          <a:lstStyle/>
+          <a:p>
+            <a:endParaRPr lang="en-US"/>
+          </a:p>
+        </p:txBody>
+      </p:sp>
+      <p:sp>
+        <p:nvSpPr>
+          <p:cNvPr id="31" name="TextBox 30"/>
+          <p:cNvSpPr txBox="1"/>
+          <p:nvPr/>
+        </p:nvSpPr>
+        <p:spPr>
+          <a:xfrm>
+            <a:off x="353800" y="1324480"/>
+            <a:ext cx="5827337" cy="523220"/>
+          </a:xfrm>
+          <a:prstGeom prst="rect">
+            <a:avLst/>
+          </a:prstGeom>
+          <a:noFill/>
+        </p:spPr>
+        <p:txBody>
+          <a:bodyPr wrap="square" rtlCol="0">
+            <a:spAutoFit/>
+          </a:bodyPr>
+          <a:lstStyle/>
+          <a:p>
+            <a:pPr marL="285750" indent="-285750">
+              <a:buFont typeface="Arial" panose="020B0604020202020204" pitchFamily="34" charset="0"/>
+              <a:buChar char="•"/>
+            </a:pPr>
+            <a:r>
+              <a:rPr lang="en-AU" sz="1400" dirty="0" smtClean="0">
+                <a:solidFill>
+                  <a:schemeClr val="bg1">
+                    <a:lumMod val="50000"/>
+                  </a:schemeClr>
+                </a:solidFill>
+              </a:rPr>
+              <a:t>Send right customers the right offer to increase ROI and minimize campaign / offer costs</a:t>
+            </a:r>
+            <a:endParaRPr lang="en-GB" sz="1400" dirty="0" smtClean="0">
+              <a:solidFill>
+                <a:schemeClr val="bg1">
+                  <a:lumMod val="50000"/>
+                </a:schemeClr>
+              </a:solidFill>
+            </a:endParaRPr>
+          </a:p>
+        </p:txBody>
+      </p:sp>
+    </p:spTree>
+    <p:extLst>
+      <p:ext uri="{BB962C8B-B14F-4D97-AF65-F5344CB8AC3E}">
+        <p14:creationId xmlns:p14="http://schemas.microsoft.com/office/powerpoint/2010/main" val="1227926686"/>
+      </p:ext>
+    </p:extLst>
+  </p:cSld>
+  <p:clrMapOvr>
+    <a:masterClrMapping/>
+  </p:clrMapOvr>
 </p:sld>
 </file>
 

--- a/slides/Slides deck.pptx
+++ b/slides/Slides deck.pptx
@@ -230,8 +230,8 @@
           <c:showBubbleSize val="0"/>
         </c:dLbls>
         <c:gapWidth val="150"/>
-        <c:axId val="-2088073992"/>
-        <c:axId val="-2088072584"/>
+        <c:axId val="2081044248"/>
+        <c:axId val="2081047224"/>
       </c:barChart>
       <c:lineChart>
         <c:grouping val="standard"/>
@@ -426,11 +426,11 @@
         </c:dLbls>
         <c:marker val="1"/>
         <c:smooth val="0"/>
-        <c:axId val="-2088069464"/>
-        <c:axId val="-2088070888"/>
+        <c:axId val="2080878920"/>
+        <c:axId val="2081050680"/>
       </c:lineChart>
       <c:catAx>
-        <c:axId val="-2088073992"/>
+        <c:axId val="2081044248"/>
         <c:scaling>
           <c:orientation val="minMax"/>
         </c:scaling>
@@ -439,7 +439,7 @@
         <c:majorTickMark val="out"/>
         <c:minorTickMark val="none"/>
         <c:tickLblPos val="nextTo"/>
-        <c:crossAx val="-2088072584"/>
+        <c:crossAx val="2081047224"/>
         <c:crosses val="autoZero"/>
         <c:auto val="1"/>
         <c:lblAlgn val="ctr"/>
@@ -447,7 +447,7 @@
         <c:noMultiLvlLbl val="0"/>
       </c:catAx>
       <c:valAx>
-        <c:axId val="-2088072584"/>
+        <c:axId val="2081047224"/>
         <c:scaling>
           <c:orientation val="minMax"/>
         </c:scaling>
@@ -457,12 +457,12 @@
         <c:majorTickMark val="out"/>
         <c:minorTickMark val="none"/>
         <c:tickLblPos val="nextTo"/>
-        <c:crossAx val="-2088073992"/>
+        <c:crossAx val="2081044248"/>
         <c:crosses val="autoZero"/>
         <c:crossBetween val="between"/>
       </c:valAx>
       <c:valAx>
-        <c:axId val="-2088070888"/>
+        <c:axId val="2081050680"/>
         <c:scaling>
           <c:orientation val="minMax"/>
         </c:scaling>
@@ -472,12 +472,12 @@
         <c:majorTickMark val="out"/>
         <c:minorTickMark val="none"/>
         <c:tickLblPos val="nextTo"/>
-        <c:crossAx val="-2088069464"/>
+        <c:crossAx val="2080878920"/>
         <c:crosses val="max"/>
         <c:crossBetween val="between"/>
       </c:valAx>
       <c:catAx>
-        <c:axId val="-2088069464"/>
+        <c:axId val="2080878920"/>
         <c:scaling>
           <c:orientation val="minMax"/>
         </c:scaling>
@@ -486,7 +486,7 @@
         <c:majorTickMark val="out"/>
         <c:minorTickMark val="none"/>
         <c:tickLblPos val="nextTo"/>
-        <c:crossAx val="-2088070888"/>
+        <c:crossAx val="2081050680"/>
         <c:crosses val="autoZero"/>
         <c:auto val="1"/>
         <c:lblAlgn val="ctr"/>
@@ -9262,3832 +9262,36 @@
           </a:p>
         </p:txBody>
       </p:sp>
-      <p:graphicFrame>
-        <p:nvGraphicFramePr>
-          <p:cNvPr id="3" name="Table 2"/>
-          <p:cNvGraphicFramePr>
-            <a:graphicFrameLocks noGrp="1"/>
-          </p:cNvGraphicFramePr>
-          <p:nvPr>
-            <p:extLst>
-              <p:ext uri="{D42A27DB-BD31-4B8C-83A1-F6EECF244321}">
-                <p14:modId xmlns:p14="http://schemas.microsoft.com/office/powerpoint/2010/main" val="4036596507"/>
-              </p:ext>
-            </p:extLst>
-          </p:nvPr>
-        </p:nvGraphicFramePr>
-        <p:xfrm>
-          <a:off x="457200" y="2818623"/>
-          <a:ext cx="8229600" cy="3647616"/>
-        </p:xfrm>
-        <a:graphic>
-          <a:graphicData uri="http://schemas.openxmlformats.org/drawingml/2006/table">
-            <a:tbl>
-              <a:tblPr/>
-              <a:tblGrid>
-                <a:gridCol w="177617"/>
-                <a:gridCol w="1530892"/>
-                <a:gridCol w="1201031"/>
-                <a:gridCol w="1201031"/>
-                <a:gridCol w="1201031"/>
-                <a:gridCol w="1201031"/>
-                <a:gridCol w="549768"/>
-                <a:gridCol w="549768"/>
-                <a:gridCol w="617431"/>
-              </a:tblGrid>
-              <a:tr h="339656">
-                <a:tc>
-                  <a:txBody>
-                    <a:bodyPr/>
-                    <a:lstStyle/>
-                    <a:p>
-                      <a:pPr algn="l" fontAlgn="b"/>
-                      <a:endParaRPr lang="en-US" sz="800" b="0" i="0" u="none" strike="noStrike">
-                        <a:solidFill>
-                          <a:srgbClr val="000000"/>
-                        </a:solidFill>
-                        <a:effectLst/>
-                        <a:latin typeface="Calibri"/>
-                      </a:endParaRPr>
-                    </a:p>
-                  </a:txBody>
-                  <a:tcPr marL="8458" marR="8458" marT="8458" marB="0" anchor="b">
-                    <a:lnL>
-                      <a:noFill/>
-                    </a:lnL>
-                    <a:lnR>
-                      <a:noFill/>
-                    </a:lnR>
-                    <a:lnT>
-                      <a:noFill/>
-                    </a:lnT>
-                    <a:lnB>
-                      <a:noFill/>
-                    </a:lnB>
-                  </a:tcPr>
-                </a:tc>
-                <a:tc>
-                  <a:txBody>
-                    <a:bodyPr/>
-                    <a:lstStyle/>
-                    <a:p>
-                      <a:pPr algn="l" fontAlgn="b"/>
-                      <a:endParaRPr lang="en-US" sz="800" b="0" i="0" u="none" strike="noStrike">
-                        <a:solidFill>
-                          <a:srgbClr val="000000"/>
-                        </a:solidFill>
-                        <a:effectLst/>
-                        <a:latin typeface="Calibri"/>
-                      </a:endParaRPr>
-                    </a:p>
-                  </a:txBody>
-                  <a:tcPr marL="8458" marR="8458" marT="8458" marB="0" anchor="b">
-                    <a:lnL>
-                      <a:noFill/>
-                    </a:lnL>
-                    <a:lnR>
-                      <a:noFill/>
-                    </a:lnR>
-                    <a:lnT>
-                      <a:noFill/>
-                    </a:lnT>
-                    <a:lnB w="6350" cap="flat" cmpd="sng" algn="ctr">
-                      <a:solidFill>
-                        <a:srgbClr val="000000"/>
-                      </a:solidFill>
-                      <a:prstDash val="solid"/>
-                      <a:round/>
-                      <a:headEnd type="none" w="med" len="med"/>
-                      <a:tailEnd type="none" w="med" len="med"/>
-                    </a:lnB>
-                  </a:tcPr>
-                </a:tc>
-                <a:tc gridSpan="4">
-                  <a:txBody>
-                    <a:bodyPr/>
-                    <a:lstStyle/>
-                    <a:p>
-                      <a:pPr algn="ctr" fontAlgn="b"/>
-                      <a:r>
-                        <a:rPr lang="en-US" sz="1200" b="1" i="0" u="none" strike="noStrike">
-                          <a:solidFill>
-                            <a:srgbClr val="000000"/>
-                          </a:solidFill>
-                          <a:effectLst/>
-                          <a:latin typeface="Calibri"/>
-                        </a:rPr>
-                        <a:t>Clusters</a:t>
-                      </a:r>
-                    </a:p>
-                  </a:txBody>
-                  <a:tcPr marL="8458" marR="8458" marT="8458" marB="0" anchor="b">
-                    <a:lnL>
-                      <a:noFill/>
-                    </a:lnL>
-                    <a:lnR>
-                      <a:noFill/>
-                    </a:lnR>
-                    <a:lnT>
-                      <a:noFill/>
-                    </a:lnT>
-                    <a:lnB w="6350" cap="flat" cmpd="sng" algn="ctr">
-                      <a:solidFill>
-                        <a:srgbClr val="000000"/>
-                      </a:solidFill>
-                      <a:prstDash val="solid"/>
-                      <a:round/>
-                      <a:headEnd type="none" w="med" len="med"/>
-                      <a:tailEnd type="none" w="med" len="med"/>
-                    </a:lnB>
-                  </a:tcPr>
-                </a:tc>
-                <a:tc hMerge="1">
-                  <a:txBody>
-                    <a:bodyPr/>
-                    <a:lstStyle/>
-                    <a:p>
-                      <a:endParaRPr lang="en-US"/>
-                    </a:p>
-                  </a:txBody>
-                  <a:tcPr/>
-                </a:tc>
-                <a:tc hMerge="1">
-                  <a:txBody>
-                    <a:bodyPr/>
-                    <a:lstStyle/>
-                    <a:p>
-                      <a:endParaRPr lang="en-US"/>
-                    </a:p>
-                  </a:txBody>
-                  <a:tcPr/>
-                </a:tc>
-                <a:tc hMerge="1">
-                  <a:txBody>
-                    <a:bodyPr/>
-                    <a:lstStyle/>
-                    <a:p>
-                      <a:endParaRPr lang="en-US"/>
-                    </a:p>
-                  </a:txBody>
-                  <a:tcPr/>
-                </a:tc>
-                <a:tc>
-                  <a:txBody>
-                    <a:bodyPr/>
-                    <a:lstStyle/>
-                    <a:p>
-                      <a:pPr algn="l" fontAlgn="b"/>
-                      <a:endParaRPr lang="en-US" sz="800" b="0" i="0" u="none" strike="noStrike">
-                        <a:solidFill>
-                          <a:srgbClr val="000000"/>
-                        </a:solidFill>
-                        <a:effectLst/>
-                        <a:latin typeface="Calibri"/>
-                      </a:endParaRPr>
-                    </a:p>
-                  </a:txBody>
-                  <a:tcPr marL="8458" marR="8458" marT="8458" marB="0" anchor="b">
-                    <a:lnL>
-                      <a:noFill/>
-                    </a:lnL>
-                    <a:lnR>
-                      <a:noFill/>
-                    </a:lnR>
-                    <a:lnT>
-                      <a:noFill/>
-                    </a:lnT>
-                    <a:lnB>
-                      <a:noFill/>
-                    </a:lnB>
-                  </a:tcPr>
-                </a:tc>
-                <a:tc>
-                  <a:txBody>
-                    <a:bodyPr/>
-                    <a:lstStyle/>
-                    <a:p>
-                      <a:pPr algn="l" fontAlgn="b"/>
-                      <a:endParaRPr lang="en-US" sz="800" b="0" i="0" u="none" strike="noStrike">
-                        <a:solidFill>
-                          <a:srgbClr val="000000"/>
-                        </a:solidFill>
-                        <a:effectLst/>
-                        <a:latin typeface="Calibri"/>
-                      </a:endParaRPr>
-                    </a:p>
-                  </a:txBody>
-                  <a:tcPr marL="8458" marR="8458" marT="8458" marB="0" anchor="b">
-                    <a:lnL>
-                      <a:noFill/>
-                    </a:lnL>
-                    <a:lnR>
-                      <a:noFill/>
-                    </a:lnR>
-                    <a:lnT>
-                      <a:noFill/>
-                    </a:lnT>
-                    <a:lnB>
-                      <a:noFill/>
-                    </a:lnB>
-                  </a:tcPr>
-                </a:tc>
-                <a:tc>
-                  <a:txBody>
-                    <a:bodyPr/>
-                    <a:lstStyle/>
-                    <a:p>
-                      <a:pPr algn="l" fontAlgn="b"/>
-                      <a:endParaRPr lang="en-US" sz="800" b="0" i="0" u="none" strike="noStrike">
-                        <a:solidFill>
-                          <a:srgbClr val="000000"/>
-                        </a:solidFill>
-                        <a:effectLst/>
-                        <a:latin typeface="Calibri"/>
-                      </a:endParaRPr>
-                    </a:p>
-                  </a:txBody>
-                  <a:tcPr marL="8458" marR="8458" marT="8458" marB="0" anchor="b">
-                    <a:lnL>
-                      <a:noFill/>
-                    </a:lnL>
-                    <a:lnR>
-                      <a:noFill/>
-                    </a:lnR>
-                    <a:lnT>
-                      <a:noFill/>
-                    </a:lnT>
-                    <a:lnB>
-                      <a:noFill/>
-                    </a:lnB>
-                  </a:tcPr>
-                </a:tc>
-              </a:tr>
-              <a:tr h="413495">
-                <a:tc>
-                  <a:txBody>
-                    <a:bodyPr/>
-                    <a:lstStyle/>
-                    <a:p>
-                      <a:pPr algn="l" fontAlgn="b"/>
-                      <a:endParaRPr lang="en-US" sz="800" b="0" i="0" u="none" strike="noStrike">
-                        <a:solidFill>
-                          <a:srgbClr val="000000"/>
-                        </a:solidFill>
-                        <a:effectLst/>
-                        <a:latin typeface="Calibri"/>
-                      </a:endParaRPr>
-                    </a:p>
-                  </a:txBody>
-                  <a:tcPr marL="8458" marR="8458" marT="8458" marB="0" anchor="b">
-                    <a:lnL>
-                      <a:noFill/>
-                    </a:lnL>
-                    <a:lnR w="6350" cap="flat" cmpd="sng" algn="ctr">
-                      <a:solidFill>
-                        <a:srgbClr val="000000"/>
-                      </a:solidFill>
-                      <a:prstDash val="solid"/>
-                      <a:round/>
-                      <a:headEnd type="none" w="med" len="med"/>
-                      <a:tailEnd type="none" w="med" len="med"/>
-                    </a:lnR>
-                    <a:lnT>
-                      <a:noFill/>
-                    </a:lnT>
-                    <a:lnB>
-                      <a:noFill/>
-                    </a:lnB>
-                  </a:tcPr>
-                </a:tc>
-                <a:tc>
-                  <a:txBody>
-                    <a:bodyPr/>
-                    <a:lstStyle/>
-                    <a:p>
-                      <a:pPr algn="l" fontAlgn="b"/>
-                      <a:r>
-                        <a:rPr lang="en-US" sz="800" b="0" i="0" u="none" strike="noStrike">
-                          <a:solidFill>
-                            <a:srgbClr val="000000"/>
-                          </a:solidFill>
-                          <a:effectLst/>
-                          <a:latin typeface="Calibri"/>
-                        </a:rPr>
-                        <a:t> </a:t>
-                      </a:r>
-                    </a:p>
-                  </a:txBody>
-                  <a:tcPr marL="8458" marR="8458" marT="8458" marB="0" anchor="b">
-                    <a:lnL w="6350" cap="flat" cmpd="sng" algn="ctr">
-                      <a:solidFill>
-                        <a:srgbClr val="000000"/>
-                      </a:solidFill>
-                      <a:prstDash val="solid"/>
-                      <a:round/>
-                      <a:headEnd type="none" w="med" len="med"/>
-                      <a:tailEnd type="none" w="med" len="med"/>
-                    </a:lnL>
-                    <a:lnR w="6350" cap="flat" cmpd="sng" algn="ctr">
-                      <a:solidFill>
-                        <a:srgbClr val="000000"/>
-                      </a:solidFill>
-                      <a:prstDash val="solid"/>
-                      <a:round/>
-                      <a:headEnd type="none" w="med" len="med"/>
-                      <a:tailEnd type="none" w="med" len="med"/>
-                    </a:lnR>
-                    <a:lnT w="6350" cap="flat" cmpd="sng" algn="ctr">
-                      <a:solidFill>
-                        <a:srgbClr val="000000"/>
-                      </a:solidFill>
-                      <a:prstDash val="solid"/>
-                      <a:round/>
-                      <a:headEnd type="none" w="med" len="med"/>
-                      <a:tailEnd type="none" w="med" len="med"/>
-                    </a:lnT>
-                    <a:lnB w="6350" cap="flat" cmpd="sng" algn="ctr">
-                      <a:solidFill>
-                        <a:srgbClr val="000000"/>
-                      </a:solidFill>
-                      <a:prstDash val="solid"/>
-                      <a:round/>
-                      <a:headEnd type="none" w="med" len="med"/>
-                      <a:tailEnd type="none" w="med" len="med"/>
-                    </a:lnB>
-                    <a:solidFill>
-                      <a:srgbClr val="D9D9D9"/>
-                    </a:solidFill>
-                  </a:tcPr>
-                </a:tc>
-                <a:tc>
-                  <a:txBody>
-                    <a:bodyPr/>
-                    <a:lstStyle/>
-                    <a:p>
-                      <a:pPr algn="ctr" fontAlgn="ctr"/>
-                      <a:r>
-                        <a:rPr lang="en-US" sz="900" b="1" i="0" u="none" strike="noStrike" dirty="0">
-                          <a:solidFill>
-                            <a:srgbClr val="000000"/>
-                          </a:solidFill>
-                          <a:effectLst/>
-                          <a:latin typeface="Calibri"/>
-                        </a:rPr>
-                        <a:t>a. Strong but Simple</a:t>
-                      </a:r>
-                    </a:p>
-                  </a:txBody>
-                  <a:tcPr marL="8458" marR="8458" marT="8458" marB="0" anchor="ctr">
-                    <a:lnL w="6350" cap="flat" cmpd="sng" algn="ctr">
-                      <a:solidFill>
-                        <a:srgbClr val="000000"/>
-                      </a:solidFill>
-                      <a:prstDash val="solid"/>
-                      <a:round/>
-                      <a:headEnd type="none" w="med" len="med"/>
-                      <a:tailEnd type="none" w="med" len="med"/>
-                    </a:lnL>
-                    <a:lnR w="6350" cap="flat" cmpd="sng" algn="ctr">
-                      <a:solidFill>
-                        <a:srgbClr val="000000"/>
-                      </a:solidFill>
-                      <a:prstDash val="solid"/>
-                      <a:round/>
-                      <a:headEnd type="none" w="med" len="med"/>
-                      <a:tailEnd type="none" w="med" len="med"/>
-                    </a:lnR>
-                    <a:lnT w="6350" cap="flat" cmpd="sng" algn="ctr">
-                      <a:solidFill>
-                        <a:srgbClr val="000000"/>
-                      </a:solidFill>
-                      <a:prstDash val="solid"/>
-                      <a:round/>
-                      <a:headEnd type="none" w="med" len="med"/>
-                      <a:tailEnd type="none" w="med" len="med"/>
-                    </a:lnT>
-                    <a:lnB w="6350" cap="flat" cmpd="sng" algn="ctr">
-                      <a:solidFill>
-                        <a:srgbClr val="000000"/>
-                      </a:solidFill>
-                      <a:prstDash val="solid"/>
-                      <a:round/>
-                      <a:headEnd type="none" w="med" len="med"/>
-                      <a:tailEnd type="none" w="med" len="med"/>
-                    </a:lnB>
-                    <a:solidFill>
-                      <a:srgbClr val="D9D9D9"/>
-                    </a:solidFill>
-                  </a:tcPr>
-                </a:tc>
-                <a:tc>
-                  <a:txBody>
-                    <a:bodyPr/>
-                    <a:lstStyle/>
-                    <a:p>
-                      <a:pPr algn="ctr" fontAlgn="ctr"/>
-                      <a:r>
-                        <a:rPr lang="en-US" sz="900" b="1" i="0" u="none" strike="noStrike" dirty="0">
-                          <a:solidFill>
-                            <a:srgbClr val="000000"/>
-                          </a:solidFill>
-                          <a:effectLst/>
-                          <a:latin typeface="Calibri"/>
-                        </a:rPr>
-                        <a:t>b. Frequent and </a:t>
-                      </a:r>
-                      <a:r>
-                        <a:rPr lang="en-US" sz="900" b="1" i="0" u="none" strike="noStrike" dirty="0" smtClean="0">
-                          <a:solidFill>
-                            <a:srgbClr val="000000"/>
-                          </a:solidFill>
-                          <a:effectLst/>
-                          <a:latin typeface="Calibri"/>
-                        </a:rPr>
-                        <a:t>Careful</a:t>
-                      </a:r>
-                      <a:endParaRPr lang="en-US" sz="900" b="1" i="0" u="none" strike="noStrike" dirty="0">
-                        <a:solidFill>
-                          <a:srgbClr val="000000"/>
-                        </a:solidFill>
-                        <a:effectLst/>
-                        <a:latin typeface="Calibri"/>
-                      </a:endParaRPr>
-                    </a:p>
-                  </a:txBody>
-                  <a:tcPr marL="8458" marR="8458" marT="8458" marB="0" anchor="ctr">
-                    <a:lnL w="6350" cap="flat" cmpd="sng" algn="ctr">
-                      <a:solidFill>
-                        <a:srgbClr val="000000"/>
-                      </a:solidFill>
-                      <a:prstDash val="solid"/>
-                      <a:round/>
-                      <a:headEnd type="none" w="med" len="med"/>
-                      <a:tailEnd type="none" w="med" len="med"/>
-                    </a:lnL>
-                    <a:lnR w="6350" cap="flat" cmpd="sng" algn="ctr">
-                      <a:solidFill>
-                        <a:srgbClr val="000000"/>
-                      </a:solidFill>
-                      <a:prstDash val="solid"/>
-                      <a:round/>
-                      <a:headEnd type="none" w="med" len="med"/>
-                      <a:tailEnd type="none" w="med" len="med"/>
-                    </a:lnR>
-                    <a:lnT w="6350" cap="flat" cmpd="sng" algn="ctr">
-                      <a:solidFill>
-                        <a:srgbClr val="000000"/>
-                      </a:solidFill>
-                      <a:prstDash val="solid"/>
-                      <a:round/>
-                      <a:headEnd type="none" w="med" len="med"/>
-                      <a:tailEnd type="none" w="med" len="med"/>
-                    </a:lnT>
-                    <a:lnB w="6350" cap="flat" cmpd="sng" algn="ctr">
-                      <a:solidFill>
-                        <a:srgbClr val="000000"/>
-                      </a:solidFill>
-                      <a:prstDash val="solid"/>
-                      <a:round/>
-                      <a:headEnd type="none" w="med" len="med"/>
-                      <a:tailEnd type="none" w="med" len="med"/>
-                    </a:lnB>
-                    <a:solidFill>
-                      <a:srgbClr val="D9D9D9"/>
-                    </a:solidFill>
-                  </a:tcPr>
-                </a:tc>
-                <a:tc>
-                  <a:txBody>
-                    <a:bodyPr/>
-                    <a:lstStyle/>
-                    <a:p>
-                      <a:pPr algn="ctr" fontAlgn="ctr"/>
-                      <a:r>
-                        <a:rPr lang="en-US" sz="900" b="1" i="0" u="none" strike="noStrike" dirty="0">
-                          <a:solidFill>
-                            <a:srgbClr val="000000"/>
-                          </a:solidFill>
-                          <a:effectLst/>
-                          <a:latin typeface="Calibri"/>
-                        </a:rPr>
-                        <a:t>c. Fast then Win</a:t>
-                      </a:r>
-                    </a:p>
-                  </a:txBody>
-                  <a:tcPr marL="8458" marR="8458" marT="8458" marB="0" anchor="ctr">
-                    <a:lnL w="6350" cap="flat" cmpd="sng" algn="ctr">
-                      <a:solidFill>
-                        <a:srgbClr val="000000"/>
-                      </a:solidFill>
-                      <a:prstDash val="solid"/>
-                      <a:round/>
-                      <a:headEnd type="none" w="med" len="med"/>
-                      <a:tailEnd type="none" w="med" len="med"/>
-                    </a:lnL>
-                    <a:lnR w="6350" cap="flat" cmpd="sng" algn="ctr">
-                      <a:solidFill>
-                        <a:srgbClr val="000000"/>
-                      </a:solidFill>
-                      <a:prstDash val="solid"/>
-                      <a:round/>
-                      <a:headEnd type="none" w="med" len="med"/>
-                      <a:tailEnd type="none" w="med" len="med"/>
-                    </a:lnR>
-                    <a:lnT w="6350" cap="flat" cmpd="sng" algn="ctr">
-                      <a:solidFill>
-                        <a:srgbClr val="000000"/>
-                      </a:solidFill>
-                      <a:prstDash val="solid"/>
-                      <a:round/>
-                      <a:headEnd type="none" w="med" len="med"/>
-                      <a:tailEnd type="none" w="med" len="med"/>
-                    </a:lnT>
-                    <a:lnB w="6350" cap="flat" cmpd="sng" algn="ctr">
-                      <a:solidFill>
-                        <a:srgbClr val="000000"/>
-                      </a:solidFill>
-                      <a:prstDash val="solid"/>
-                      <a:round/>
-                      <a:headEnd type="none" w="med" len="med"/>
-                      <a:tailEnd type="none" w="med" len="med"/>
-                    </a:lnB>
-                    <a:solidFill>
-                      <a:srgbClr val="D9D9D9"/>
-                    </a:solidFill>
-                  </a:tcPr>
-                </a:tc>
-                <a:tc>
-                  <a:txBody>
-                    <a:bodyPr/>
-                    <a:lstStyle/>
-                    <a:p>
-                      <a:pPr algn="ctr" fontAlgn="ctr"/>
-                      <a:r>
-                        <a:rPr lang="en-US" sz="900" b="1" i="0" u="none" strike="noStrike" dirty="0">
-                          <a:solidFill>
-                            <a:srgbClr val="000000"/>
-                          </a:solidFill>
-                          <a:effectLst/>
-                          <a:latin typeface="Calibri"/>
-                        </a:rPr>
-                        <a:t>d. Casual and </a:t>
-                      </a:r>
-                      <a:r>
-                        <a:rPr lang="en-US" sz="900" b="1" i="0" u="none" strike="noStrike" dirty="0" smtClean="0">
-                          <a:solidFill>
-                            <a:srgbClr val="000000"/>
-                          </a:solidFill>
-                          <a:effectLst/>
-                          <a:latin typeface="Calibri"/>
-                        </a:rPr>
-                        <a:t>Bold</a:t>
-                      </a:r>
-                      <a:endParaRPr lang="en-US" sz="900" b="1" i="0" u="none" strike="noStrike" dirty="0">
-                        <a:solidFill>
-                          <a:srgbClr val="000000"/>
-                        </a:solidFill>
-                        <a:effectLst/>
-                        <a:latin typeface="Calibri"/>
-                      </a:endParaRPr>
-                    </a:p>
-                  </a:txBody>
-                  <a:tcPr marL="8458" marR="8458" marT="8458" marB="0" anchor="ctr">
-                    <a:lnL w="6350" cap="flat" cmpd="sng" algn="ctr">
-                      <a:solidFill>
-                        <a:srgbClr val="000000"/>
-                      </a:solidFill>
-                      <a:prstDash val="solid"/>
-                      <a:round/>
-                      <a:headEnd type="none" w="med" len="med"/>
-                      <a:tailEnd type="none" w="med" len="med"/>
-                    </a:lnL>
-                    <a:lnR w="6350" cap="flat" cmpd="sng" algn="ctr">
-                      <a:solidFill>
-                        <a:srgbClr val="000000"/>
-                      </a:solidFill>
-                      <a:prstDash val="solid"/>
-                      <a:round/>
-                      <a:headEnd type="none" w="med" len="med"/>
-                      <a:tailEnd type="none" w="med" len="med"/>
-                    </a:lnR>
-                    <a:lnT w="6350" cap="flat" cmpd="sng" algn="ctr">
-                      <a:solidFill>
-                        <a:srgbClr val="000000"/>
-                      </a:solidFill>
-                      <a:prstDash val="solid"/>
-                      <a:round/>
-                      <a:headEnd type="none" w="med" len="med"/>
-                      <a:tailEnd type="none" w="med" len="med"/>
-                    </a:lnT>
-                    <a:lnB w="6350" cap="flat" cmpd="sng" algn="ctr">
-                      <a:solidFill>
-                        <a:srgbClr val="000000"/>
-                      </a:solidFill>
-                      <a:prstDash val="solid"/>
-                      <a:round/>
-                      <a:headEnd type="none" w="med" len="med"/>
-                      <a:tailEnd type="none" w="med" len="med"/>
-                    </a:lnB>
-                    <a:solidFill>
-                      <a:srgbClr val="D9D9D9"/>
-                    </a:solidFill>
-                  </a:tcPr>
-                </a:tc>
-                <a:tc>
-                  <a:txBody>
-                    <a:bodyPr/>
-                    <a:lstStyle/>
-                    <a:p>
-                      <a:pPr algn="l" fontAlgn="b"/>
-                      <a:endParaRPr lang="en-US" sz="800" b="0" i="0" u="none" strike="noStrike">
-                        <a:solidFill>
-                          <a:srgbClr val="000000"/>
-                        </a:solidFill>
-                        <a:effectLst/>
-                        <a:latin typeface="Calibri"/>
-                      </a:endParaRPr>
-                    </a:p>
-                  </a:txBody>
-                  <a:tcPr marL="8458" marR="8458" marT="8458" marB="0" anchor="b">
-                    <a:lnL w="6350" cap="flat" cmpd="sng" algn="ctr">
-                      <a:solidFill>
-                        <a:srgbClr val="000000"/>
-                      </a:solidFill>
-                      <a:prstDash val="solid"/>
-                      <a:round/>
-                      <a:headEnd type="none" w="med" len="med"/>
-                      <a:tailEnd type="none" w="med" len="med"/>
-                    </a:lnL>
-                    <a:lnR>
-                      <a:noFill/>
-                    </a:lnR>
-                    <a:lnT>
-                      <a:noFill/>
-                    </a:lnT>
-                    <a:lnB>
-                      <a:noFill/>
-                    </a:lnB>
-                  </a:tcPr>
-                </a:tc>
-                <a:tc>
-                  <a:txBody>
-                    <a:bodyPr/>
-                    <a:lstStyle/>
-                    <a:p>
-                      <a:pPr algn="l" fontAlgn="b"/>
-                      <a:endParaRPr lang="en-US" sz="800" b="0" i="0" u="none" strike="noStrike">
-                        <a:solidFill>
-                          <a:srgbClr val="000000"/>
-                        </a:solidFill>
-                        <a:effectLst/>
-                        <a:latin typeface="Calibri"/>
-                      </a:endParaRPr>
-                    </a:p>
-                  </a:txBody>
-                  <a:tcPr marL="8458" marR="8458" marT="8458" marB="0" anchor="b">
-                    <a:lnL>
-                      <a:noFill/>
-                    </a:lnL>
-                    <a:lnR>
-                      <a:noFill/>
-                    </a:lnR>
-                    <a:lnT>
-                      <a:noFill/>
-                    </a:lnT>
-                    <a:lnB w="6350" cap="flat" cmpd="sng" algn="ctr">
-                      <a:solidFill>
-                        <a:srgbClr val="000000"/>
-                      </a:solidFill>
-                      <a:prstDash val="solid"/>
-                      <a:round/>
-                      <a:headEnd type="none" w="med" len="med"/>
-                      <a:tailEnd type="none" w="med" len="med"/>
-                    </a:lnB>
-                  </a:tcPr>
-                </a:tc>
-                <a:tc>
-                  <a:txBody>
-                    <a:bodyPr/>
-                    <a:lstStyle/>
-                    <a:p>
-                      <a:pPr algn="l" fontAlgn="b"/>
-                      <a:endParaRPr lang="en-US" sz="800" b="0" i="0" u="none" strike="noStrike">
-                        <a:solidFill>
-                          <a:srgbClr val="000000"/>
-                        </a:solidFill>
-                        <a:effectLst/>
-                        <a:latin typeface="Calibri"/>
-                      </a:endParaRPr>
-                    </a:p>
-                  </a:txBody>
-                  <a:tcPr marL="8458" marR="8458" marT="8458" marB="0" anchor="b">
-                    <a:lnL>
-                      <a:noFill/>
-                    </a:lnL>
-                    <a:lnR>
-                      <a:noFill/>
-                    </a:lnR>
-                    <a:lnT>
-                      <a:noFill/>
-                    </a:lnT>
-                    <a:lnB>
-                      <a:noFill/>
-                    </a:lnB>
-                  </a:tcPr>
-                </a:tc>
-              </a:tr>
-              <a:tr h="413495">
-                <a:tc rowSpan="7">
-                  <a:txBody>
-                    <a:bodyPr/>
-                    <a:lstStyle/>
-                    <a:p>
-                      <a:pPr algn="ctr" fontAlgn="ctr"/>
-                      <a:r>
-                        <a:rPr lang="en-US" sz="1200" b="1" i="0" u="none" strike="noStrike">
-                          <a:solidFill>
-                            <a:srgbClr val="000000"/>
-                          </a:solidFill>
-                          <a:effectLst/>
-                          <a:latin typeface="Calibri"/>
-                        </a:rPr>
-                        <a:t>Dimenstions</a:t>
-                      </a:r>
-                    </a:p>
-                  </a:txBody>
-                  <a:tcPr marL="8458" marR="8458" marT="8458" marB="0" vert="vert270" anchor="ctr">
-                    <a:lnL>
-                      <a:noFill/>
-                    </a:lnL>
-                    <a:lnR w="6350" cap="flat" cmpd="sng" algn="ctr">
-                      <a:solidFill>
-                        <a:srgbClr val="000000"/>
-                      </a:solidFill>
-                      <a:prstDash val="solid"/>
-                      <a:round/>
-                      <a:headEnd type="none" w="med" len="med"/>
-                      <a:tailEnd type="none" w="med" len="med"/>
-                    </a:lnR>
-                    <a:lnT>
-                      <a:noFill/>
-                    </a:lnT>
-                    <a:lnB>
-                      <a:noFill/>
-                    </a:lnB>
-                  </a:tcPr>
-                </a:tc>
-                <a:tc>
-                  <a:txBody>
-                    <a:bodyPr/>
-                    <a:lstStyle/>
-                    <a:p>
-                      <a:pPr algn="l" fontAlgn="ctr"/>
-                      <a:r>
-                        <a:rPr lang="en-US" sz="900" b="1" i="0" u="none" strike="noStrike" dirty="0">
-                          <a:solidFill>
-                            <a:srgbClr val="000000"/>
-                          </a:solidFill>
-                          <a:effectLst/>
-                          <a:latin typeface="Calibri"/>
-                        </a:rPr>
-                        <a:t>No. of Transactions per Bet</a:t>
-                      </a:r>
-                    </a:p>
-                  </a:txBody>
-                  <a:tcPr marL="8458" marR="8458" marT="8458" marB="0" anchor="ctr">
-                    <a:lnL w="6350" cap="flat" cmpd="sng" algn="ctr">
-                      <a:solidFill>
-                        <a:srgbClr val="000000"/>
-                      </a:solidFill>
-                      <a:prstDash val="solid"/>
-                      <a:round/>
-                      <a:headEnd type="none" w="med" len="med"/>
-                      <a:tailEnd type="none" w="med" len="med"/>
-                    </a:lnL>
-                    <a:lnR w="6350" cap="flat" cmpd="sng" algn="ctr">
-                      <a:solidFill>
-                        <a:srgbClr val="000000"/>
-                      </a:solidFill>
-                      <a:prstDash val="solid"/>
-                      <a:round/>
-                      <a:headEnd type="none" w="med" len="med"/>
-                      <a:tailEnd type="none" w="med" len="med"/>
-                    </a:lnR>
-                    <a:lnT w="6350" cap="flat" cmpd="sng" algn="ctr">
-                      <a:solidFill>
-                        <a:srgbClr val="000000"/>
-                      </a:solidFill>
-                      <a:prstDash val="solid"/>
-                      <a:round/>
-                      <a:headEnd type="none" w="med" len="med"/>
-                      <a:tailEnd type="none" w="med" len="med"/>
-                    </a:lnT>
-                    <a:lnB w="6350" cap="flat" cmpd="sng" algn="ctr">
-                      <a:solidFill>
-                        <a:srgbClr val="000000"/>
-                      </a:solidFill>
-                      <a:prstDash val="solid"/>
-                      <a:round/>
-                      <a:headEnd type="none" w="med" len="med"/>
-                      <a:tailEnd type="none" w="med" len="med"/>
-                    </a:lnB>
-                    <a:solidFill>
-                      <a:srgbClr val="D9D9D9"/>
-                    </a:solidFill>
-                  </a:tcPr>
-                </a:tc>
-                <a:tc>
-                  <a:txBody>
-                    <a:bodyPr/>
-                    <a:lstStyle/>
-                    <a:p>
-                      <a:pPr algn="l" fontAlgn="b"/>
-                      <a:r>
-                        <a:rPr lang="en-US" sz="800" b="0" i="0" u="none" strike="noStrike">
-                          <a:solidFill>
-                            <a:srgbClr val="000000"/>
-                          </a:solidFill>
-                          <a:effectLst/>
-                          <a:latin typeface="Calibri"/>
-                        </a:rPr>
-                        <a:t> </a:t>
-                      </a:r>
-                    </a:p>
-                  </a:txBody>
-                  <a:tcPr marL="8458" marR="8458" marT="8458" marB="0" anchor="b">
-                    <a:lnL w="6350" cap="flat" cmpd="sng" algn="ctr">
-                      <a:solidFill>
-                        <a:srgbClr val="000000"/>
-                      </a:solidFill>
-                      <a:prstDash val="solid"/>
-                      <a:round/>
-                      <a:headEnd type="none" w="med" len="med"/>
-                      <a:tailEnd type="none" w="med" len="med"/>
-                    </a:lnL>
-                    <a:lnR w="6350" cap="flat" cmpd="sng" algn="ctr">
-                      <a:solidFill>
-                        <a:srgbClr val="000000"/>
-                      </a:solidFill>
-                      <a:prstDash val="solid"/>
-                      <a:round/>
-                      <a:headEnd type="none" w="med" len="med"/>
-                      <a:tailEnd type="none" w="med" len="med"/>
-                    </a:lnR>
-                    <a:lnT w="6350" cap="flat" cmpd="sng" algn="ctr">
-                      <a:solidFill>
-                        <a:srgbClr val="000000"/>
-                      </a:solidFill>
-                      <a:prstDash val="solid"/>
-                      <a:round/>
-                      <a:headEnd type="none" w="med" len="med"/>
-                      <a:tailEnd type="none" w="med" len="med"/>
-                    </a:lnT>
-                    <a:lnB w="6350" cap="flat" cmpd="sng" algn="ctr">
-                      <a:solidFill>
-                        <a:srgbClr val="000000"/>
-                      </a:solidFill>
-                      <a:prstDash val="solid"/>
-                      <a:round/>
-                      <a:headEnd type="none" w="med" len="med"/>
-                      <a:tailEnd type="none" w="med" len="med"/>
-                    </a:lnB>
-                    <a:solidFill>
-                      <a:srgbClr val="E26B0A"/>
-                    </a:solidFill>
-                  </a:tcPr>
-                </a:tc>
-                <a:tc>
-                  <a:txBody>
-                    <a:bodyPr/>
-                    <a:lstStyle/>
-                    <a:p>
-                      <a:pPr algn="l" fontAlgn="b"/>
-                      <a:r>
-                        <a:rPr lang="en-US" sz="800" b="0" i="0" u="none" strike="noStrike">
-                          <a:solidFill>
-                            <a:srgbClr val="000000"/>
-                          </a:solidFill>
-                          <a:effectLst/>
-                          <a:latin typeface="Calibri"/>
-                        </a:rPr>
-                        <a:t> </a:t>
-                      </a:r>
-                    </a:p>
-                  </a:txBody>
-                  <a:tcPr marL="8458" marR="8458" marT="8458" marB="0" anchor="b">
-                    <a:lnL w="6350" cap="flat" cmpd="sng" algn="ctr">
-                      <a:solidFill>
-                        <a:srgbClr val="000000"/>
-                      </a:solidFill>
-                      <a:prstDash val="solid"/>
-                      <a:round/>
-                      <a:headEnd type="none" w="med" len="med"/>
-                      <a:tailEnd type="none" w="med" len="med"/>
-                    </a:lnL>
-                    <a:lnR w="6350" cap="flat" cmpd="sng" algn="ctr">
-                      <a:solidFill>
-                        <a:srgbClr val="000000"/>
-                      </a:solidFill>
-                      <a:prstDash val="solid"/>
-                      <a:round/>
-                      <a:headEnd type="none" w="med" len="med"/>
-                      <a:tailEnd type="none" w="med" len="med"/>
-                    </a:lnR>
-                    <a:lnT w="6350" cap="flat" cmpd="sng" algn="ctr">
-                      <a:solidFill>
-                        <a:srgbClr val="000000"/>
-                      </a:solidFill>
-                      <a:prstDash val="solid"/>
-                      <a:round/>
-                      <a:headEnd type="none" w="med" len="med"/>
-                      <a:tailEnd type="none" w="med" len="med"/>
-                    </a:lnT>
-                    <a:lnB w="6350" cap="flat" cmpd="sng" algn="ctr">
-                      <a:solidFill>
-                        <a:srgbClr val="000000"/>
-                      </a:solidFill>
-                      <a:prstDash val="solid"/>
-                      <a:round/>
-                      <a:headEnd type="none" w="med" len="med"/>
-                      <a:tailEnd type="none" w="med" len="med"/>
-                    </a:lnB>
-                    <a:solidFill>
-                      <a:srgbClr val="974706"/>
-                    </a:solidFill>
-                  </a:tcPr>
-                </a:tc>
-                <a:tc>
-                  <a:txBody>
-                    <a:bodyPr/>
-                    <a:lstStyle/>
-                    <a:p>
-                      <a:pPr algn="l" fontAlgn="b"/>
-                      <a:r>
-                        <a:rPr lang="en-US" sz="800" b="0" i="0" u="none" strike="noStrike">
-                          <a:solidFill>
-                            <a:srgbClr val="000000"/>
-                          </a:solidFill>
-                          <a:effectLst/>
-                          <a:latin typeface="Calibri"/>
-                        </a:rPr>
-                        <a:t> </a:t>
-                      </a:r>
-                    </a:p>
-                  </a:txBody>
-                  <a:tcPr marL="8458" marR="8458" marT="8458" marB="0" anchor="b">
-                    <a:lnL w="6350" cap="flat" cmpd="sng" algn="ctr">
-                      <a:solidFill>
-                        <a:srgbClr val="000000"/>
-                      </a:solidFill>
-                      <a:prstDash val="solid"/>
-                      <a:round/>
-                      <a:headEnd type="none" w="med" len="med"/>
-                      <a:tailEnd type="none" w="med" len="med"/>
-                    </a:lnL>
-                    <a:lnR w="6350" cap="flat" cmpd="sng" algn="ctr">
-                      <a:solidFill>
-                        <a:srgbClr val="000000"/>
-                      </a:solidFill>
-                      <a:prstDash val="solid"/>
-                      <a:round/>
-                      <a:headEnd type="none" w="med" len="med"/>
-                      <a:tailEnd type="none" w="med" len="med"/>
-                    </a:lnR>
-                    <a:lnT w="6350" cap="flat" cmpd="sng" algn="ctr">
-                      <a:solidFill>
-                        <a:srgbClr val="000000"/>
-                      </a:solidFill>
-                      <a:prstDash val="solid"/>
-                      <a:round/>
-                      <a:headEnd type="none" w="med" len="med"/>
-                      <a:tailEnd type="none" w="med" len="med"/>
-                    </a:lnT>
-                    <a:lnB w="6350" cap="flat" cmpd="sng" algn="ctr">
-                      <a:solidFill>
-                        <a:srgbClr val="000000"/>
-                      </a:solidFill>
-                      <a:prstDash val="solid"/>
-                      <a:round/>
-                      <a:headEnd type="none" w="med" len="med"/>
-                      <a:tailEnd type="none" w="med" len="med"/>
-                    </a:lnB>
-                    <a:solidFill>
-                      <a:srgbClr val="FABF8F"/>
-                    </a:solidFill>
-                  </a:tcPr>
-                </a:tc>
-                <a:tc>
-                  <a:txBody>
-                    <a:bodyPr/>
-                    <a:lstStyle/>
-                    <a:p>
-                      <a:pPr algn="l" fontAlgn="b"/>
-                      <a:r>
-                        <a:rPr lang="en-US" sz="800" b="0" i="0" u="none" strike="noStrike">
-                          <a:solidFill>
-                            <a:srgbClr val="000000"/>
-                          </a:solidFill>
-                          <a:effectLst/>
-                          <a:latin typeface="Calibri"/>
-                        </a:rPr>
-                        <a:t> </a:t>
-                      </a:r>
-                    </a:p>
-                  </a:txBody>
-                  <a:tcPr marL="8458" marR="8458" marT="8458" marB="0" anchor="b">
-                    <a:lnL w="6350" cap="flat" cmpd="sng" algn="ctr">
-                      <a:solidFill>
-                        <a:srgbClr val="000000"/>
-                      </a:solidFill>
-                      <a:prstDash val="solid"/>
-                      <a:round/>
-                      <a:headEnd type="none" w="med" len="med"/>
-                      <a:tailEnd type="none" w="med" len="med"/>
-                    </a:lnL>
-                    <a:lnR w="6350" cap="flat" cmpd="sng" algn="ctr">
-                      <a:solidFill>
-                        <a:srgbClr val="000000"/>
-                      </a:solidFill>
-                      <a:prstDash val="solid"/>
-                      <a:round/>
-                      <a:headEnd type="none" w="med" len="med"/>
-                      <a:tailEnd type="none" w="med" len="med"/>
-                    </a:lnR>
-                    <a:lnT w="6350" cap="flat" cmpd="sng" algn="ctr">
-                      <a:solidFill>
-                        <a:srgbClr val="000000"/>
-                      </a:solidFill>
-                      <a:prstDash val="solid"/>
-                      <a:round/>
-                      <a:headEnd type="none" w="med" len="med"/>
-                      <a:tailEnd type="none" w="med" len="med"/>
-                    </a:lnT>
-                    <a:lnB w="6350" cap="flat" cmpd="sng" algn="ctr">
-                      <a:solidFill>
-                        <a:srgbClr val="000000"/>
-                      </a:solidFill>
-                      <a:prstDash val="solid"/>
-                      <a:round/>
-                      <a:headEnd type="none" w="med" len="med"/>
-                      <a:tailEnd type="none" w="med" len="med"/>
-                    </a:lnB>
-                    <a:solidFill>
-                      <a:srgbClr val="FDE9D9"/>
-                    </a:solidFill>
-                  </a:tcPr>
-                </a:tc>
-                <a:tc>
-                  <a:txBody>
-                    <a:bodyPr/>
-                    <a:lstStyle/>
-                    <a:p>
-                      <a:pPr algn="l" fontAlgn="b"/>
-                      <a:endParaRPr lang="en-US" sz="800" b="0" i="0" u="none" strike="noStrike">
-                        <a:solidFill>
-                          <a:srgbClr val="000000"/>
-                        </a:solidFill>
-                        <a:effectLst/>
-                        <a:latin typeface="Calibri"/>
-                      </a:endParaRPr>
-                    </a:p>
-                  </a:txBody>
-                  <a:tcPr marL="8458" marR="8458" marT="8458" marB="0" anchor="b">
-                    <a:lnL w="6350" cap="flat" cmpd="sng" algn="ctr">
-                      <a:solidFill>
-                        <a:srgbClr val="000000"/>
-                      </a:solidFill>
-                      <a:prstDash val="solid"/>
-                      <a:round/>
-                      <a:headEnd type="none" w="med" len="med"/>
-                      <a:tailEnd type="none" w="med" len="med"/>
-                    </a:lnL>
-                    <a:lnR w="6350" cap="flat" cmpd="sng" algn="ctr">
-                      <a:solidFill>
-                        <a:srgbClr val="000000"/>
-                      </a:solidFill>
-                      <a:prstDash val="solid"/>
-                      <a:round/>
-                      <a:headEnd type="none" w="med" len="med"/>
-                      <a:tailEnd type="none" w="med" len="med"/>
-                    </a:lnR>
-                    <a:lnT>
-                      <a:noFill/>
-                    </a:lnT>
-                    <a:lnB>
-                      <a:noFill/>
-                    </a:lnB>
-                  </a:tcPr>
-                </a:tc>
-                <a:tc>
-                  <a:txBody>
-                    <a:bodyPr/>
-                    <a:lstStyle/>
-                    <a:p>
-                      <a:pPr algn="l" fontAlgn="b"/>
-                      <a:r>
-                        <a:rPr lang="en-US" sz="800" b="0" i="0" u="none" strike="noStrike">
-                          <a:solidFill>
-                            <a:srgbClr val="000000"/>
-                          </a:solidFill>
-                          <a:effectLst/>
-                          <a:latin typeface="Calibri"/>
-                        </a:rPr>
-                        <a:t> </a:t>
-                      </a:r>
-                    </a:p>
-                  </a:txBody>
-                  <a:tcPr marL="8458" marR="8458" marT="8458" marB="0" anchor="b">
-                    <a:lnL w="6350" cap="flat" cmpd="sng" algn="ctr">
-                      <a:solidFill>
-                        <a:srgbClr val="000000"/>
-                      </a:solidFill>
-                      <a:prstDash val="solid"/>
-                      <a:round/>
-                      <a:headEnd type="none" w="med" len="med"/>
-                      <a:tailEnd type="none" w="med" len="med"/>
-                    </a:lnL>
-                    <a:lnR w="6350" cap="flat" cmpd="sng" algn="ctr">
-                      <a:solidFill>
-                        <a:srgbClr val="000000"/>
-                      </a:solidFill>
-                      <a:prstDash val="solid"/>
-                      <a:round/>
-                      <a:headEnd type="none" w="med" len="med"/>
-                      <a:tailEnd type="none" w="med" len="med"/>
-                    </a:lnR>
-                    <a:lnT w="6350" cap="flat" cmpd="sng" algn="ctr">
-                      <a:solidFill>
-                        <a:srgbClr val="000000"/>
-                      </a:solidFill>
-                      <a:prstDash val="solid"/>
-                      <a:round/>
-                      <a:headEnd type="none" w="med" len="med"/>
-                      <a:tailEnd type="none" w="med" len="med"/>
-                    </a:lnT>
-                    <a:lnB w="6350" cap="flat" cmpd="sng" algn="ctr">
-                      <a:solidFill>
-                        <a:srgbClr val="000000"/>
-                      </a:solidFill>
-                      <a:prstDash val="solid"/>
-                      <a:round/>
-                      <a:headEnd type="none" w="med" len="med"/>
-                      <a:tailEnd type="none" w="med" len="med"/>
-                    </a:lnB>
-                    <a:solidFill>
-                      <a:srgbClr val="974706"/>
-                    </a:solidFill>
-                  </a:tcPr>
-                </a:tc>
-                <a:tc>
-                  <a:txBody>
-                    <a:bodyPr/>
-                    <a:lstStyle/>
-                    <a:p>
-                      <a:pPr algn="l" fontAlgn="ctr"/>
-                      <a:r>
-                        <a:rPr lang="en-US" sz="800" b="1" i="0" u="none" strike="noStrike">
-                          <a:solidFill>
-                            <a:srgbClr val="000000"/>
-                          </a:solidFill>
-                          <a:effectLst/>
-                          <a:latin typeface="Calibri"/>
-                        </a:rPr>
-                        <a:t>Severely High</a:t>
-                      </a:r>
-                    </a:p>
-                  </a:txBody>
-                  <a:tcPr marL="8458" marR="8458" marT="8458" marB="0" anchor="ctr">
-                    <a:lnL w="6350" cap="flat" cmpd="sng" algn="ctr">
-                      <a:solidFill>
-                        <a:srgbClr val="000000"/>
-                      </a:solidFill>
-                      <a:prstDash val="solid"/>
-                      <a:round/>
-                      <a:headEnd type="none" w="med" len="med"/>
-                      <a:tailEnd type="none" w="med" len="med"/>
-                    </a:lnL>
-                    <a:lnR>
-                      <a:noFill/>
-                    </a:lnR>
-                    <a:lnT>
-                      <a:noFill/>
-                    </a:lnT>
-                    <a:lnB>
-                      <a:noFill/>
-                    </a:lnB>
-                  </a:tcPr>
-                </a:tc>
-              </a:tr>
-              <a:tr h="413495">
-                <a:tc vMerge="1">
-                  <a:txBody>
-                    <a:bodyPr/>
-                    <a:lstStyle/>
-                    <a:p>
-                      <a:endParaRPr lang="en-US"/>
-                    </a:p>
-                  </a:txBody>
-                  <a:tcPr/>
-                </a:tc>
-                <a:tc>
-                  <a:txBody>
-                    <a:bodyPr/>
-                    <a:lstStyle/>
-                    <a:p>
-                      <a:pPr algn="l" fontAlgn="ctr"/>
-                      <a:r>
-                        <a:rPr lang="en-US" sz="900" b="1" i="0" u="none" strike="noStrike" dirty="0">
-                          <a:solidFill>
-                            <a:srgbClr val="000000"/>
-                          </a:solidFill>
-                          <a:effectLst/>
-                          <a:latin typeface="Calibri"/>
-                        </a:rPr>
-                        <a:t>No. of Bets per Match</a:t>
-                      </a:r>
-                    </a:p>
-                  </a:txBody>
-                  <a:tcPr marL="8458" marR="8458" marT="8458" marB="0" anchor="ctr">
-                    <a:lnL w="6350" cap="flat" cmpd="sng" algn="ctr">
-                      <a:solidFill>
-                        <a:srgbClr val="000000"/>
-                      </a:solidFill>
-                      <a:prstDash val="solid"/>
-                      <a:round/>
-                      <a:headEnd type="none" w="med" len="med"/>
-                      <a:tailEnd type="none" w="med" len="med"/>
-                    </a:lnL>
-                    <a:lnR w="6350" cap="flat" cmpd="sng" algn="ctr">
-                      <a:solidFill>
-                        <a:srgbClr val="000000"/>
-                      </a:solidFill>
-                      <a:prstDash val="solid"/>
-                      <a:round/>
-                      <a:headEnd type="none" w="med" len="med"/>
-                      <a:tailEnd type="none" w="med" len="med"/>
-                    </a:lnR>
-                    <a:lnT w="6350" cap="flat" cmpd="sng" algn="ctr">
-                      <a:solidFill>
-                        <a:srgbClr val="000000"/>
-                      </a:solidFill>
-                      <a:prstDash val="solid"/>
-                      <a:round/>
-                      <a:headEnd type="none" w="med" len="med"/>
-                      <a:tailEnd type="none" w="med" len="med"/>
-                    </a:lnT>
-                    <a:lnB w="6350" cap="flat" cmpd="sng" algn="ctr">
-                      <a:solidFill>
-                        <a:srgbClr val="000000"/>
-                      </a:solidFill>
-                      <a:prstDash val="solid"/>
-                      <a:round/>
-                      <a:headEnd type="none" w="med" len="med"/>
-                      <a:tailEnd type="none" w="med" len="med"/>
-                    </a:lnB>
-                    <a:solidFill>
-                      <a:srgbClr val="D9D9D9"/>
-                    </a:solidFill>
-                  </a:tcPr>
-                </a:tc>
-                <a:tc>
-                  <a:txBody>
-                    <a:bodyPr/>
-                    <a:lstStyle/>
-                    <a:p>
-                      <a:pPr algn="l" fontAlgn="b"/>
-                      <a:r>
-                        <a:rPr lang="en-US" sz="800" b="0" i="0" u="none" strike="noStrike">
-                          <a:solidFill>
-                            <a:srgbClr val="000000"/>
-                          </a:solidFill>
-                          <a:effectLst/>
-                          <a:latin typeface="Calibri"/>
-                        </a:rPr>
-                        <a:t> </a:t>
-                      </a:r>
-                    </a:p>
-                  </a:txBody>
-                  <a:tcPr marL="8458" marR="8458" marT="8458" marB="0" anchor="b">
-                    <a:lnL w="6350" cap="flat" cmpd="sng" algn="ctr">
-                      <a:solidFill>
-                        <a:srgbClr val="000000"/>
-                      </a:solidFill>
-                      <a:prstDash val="solid"/>
-                      <a:round/>
-                      <a:headEnd type="none" w="med" len="med"/>
-                      <a:tailEnd type="none" w="med" len="med"/>
-                    </a:lnL>
-                    <a:lnR w="6350" cap="flat" cmpd="sng" algn="ctr">
-                      <a:solidFill>
-                        <a:srgbClr val="000000"/>
-                      </a:solidFill>
-                      <a:prstDash val="solid"/>
-                      <a:round/>
-                      <a:headEnd type="none" w="med" len="med"/>
-                      <a:tailEnd type="none" w="med" len="med"/>
-                    </a:lnR>
-                    <a:lnT w="6350" cap="flat" cmpd="sng" algn="ctr">
-                      <a:solidFill>
-                        <a:srgbClr val="000000"/>
-                      </a:solidFill>
-                      <a:prstDash val="solid"/>
-                      <a:round/>
-                      <a:headEnd type="none" w="med" len="med"/>
-                      <a:tailEnd type="none" w="med" len="med"/>
-                    </a:lnT>
-                    <a:lnB w="6350" cap="flat" cmpd="sng" algn="ctr">
-                      <a:solidFill>
-                        <a:srgbClr val="000000"/>
-                      </a:solidFill>
-                      <a:prstDash val="solid"/>
-                      <a:round/>
-                      <a:headEnd type="none" w="med" len="med"/>
-                      <a:tailEnd type="none" w="med" len="med"/>
-                    </a:lnB>
-                    <a:solidFill>
-                      <a:srgbClr val="974706"/>
-                    </a:solidFill>
-                  </a:tcPr>
-                </a:tc>
-                <a:tc>
-                  <a:txBody>
-                    <a:bodyPr/>
-                    <a:lstStyle/>
-                    <a:p>
-                      <a:pPr algn="l" fontAlgn="b"/>
-                      <a:r>
-                        <a:rPr lang="en-US" sz="800" b="0" i="0" u="none" strike="noStrike">
-                          <a:solidFill>
-                            <a:srgbClr val="000000"/>
-                          </a:solidFill>
-                          <a:effectLst/>
-                          <a:latin typeface="Calibri"/>
-                        </a:rPr>
-                        <a:t> </a:t>
-                      </a:r>
-                    </a:p>
-                  </a:txBody>
-                  <a:tcPr marL="8458" marR="8458" marT="8458" marB="0" anchor="b">
-                    <a:lnL w="6350" cap="flat" cmpd="sng" algn="ctr">
-                      <a:solidFill>
-                        <a:srgbClr val="000000"/>
-                      </a:solidFill>
-                      <a:prstDash val="solid"/>
-                      <a:round/>
-                      <a:headEnd type="none" w="med" len="med"/>
-                      <a:tailEnd type="none" w="med" len="med"/>
-                    </a:lnL>
-                    <a:lnR w="6350" cap="flat" cmpd="sng" algn="ctr">
-                      <a:solidFill>
-                        <a:srgbClr val="000000"/>
-                      </a:solidFill>
-                      <a:prstDash val="solid"/>
-                      <a:round/>
-                      <a:headEnd type="none" w="med" len="med"/>
-                      <a:tailEnd type="none" w="med" len="med"/>
-                    </a:lnR>
-                    <a:lnT w="6350" cap="flat" cmpd="sng" algn="ctr">
-                      <a:solidFill>
-                        <a:srgbClr val="000000"/>
-                      </a:solidFill>
-                      <a:prstDash val="solid"/>
-                      <a:round/>
-                      <a:headEnd type="none" w="med" len="med"/>
-                      <a:tailEnd type="none" w="med" len="med"/>
-                    </a:lnT>
-                    <a:lnB w="6350" cap="flat" cmpd="sng" algn="ctr">
-                      <a:solidFill>
-                        <a:srgbClr val="000000"/>
-                      </a:solidFill>
-                      <a:prstDash val="solid"/>
-                      <a:round/>
-                      <a:headEnd type="none" w="med" len="med"/>
-                      <a:tailEnd type="none" w="med" len="med"/>
-                    </a:lnB>
-                    <a:solidFill>
-                      <a:srgbClr val="FABF8F"/>
-                    </a:solidFill>
-                  </a:tcPr>
-                </a:tc>
-                <a:tc>
-                  <a:txBody>
-                    <a:bodyPr/>
-                    <a:lstStyle/>
-                    <a:p>
-                      <a:pPr algn="l" fontAlgn="b"/>
-                      <a:r>
-                        <a:rPr lang="en-US" sz="800" b="0" i="0" u="none" strike="noStrike">
-                          <a:solidFill>
-                            <a:srgbClr val="000000"/>
-                          </a:solidFill>
-                          <a:effectLst/>
-                          <a:latin typeface="Calibri"/>
-                        </a:rPr>
-                        <a:t> </a:t>
-                      </a:r>
-                    </a:p>
-                  </a:txBody>
-                  <a:tcPr marL="8458" marR="8458" marT="8458" marB="0" anchor="b">
-                    <a:lnL w="6350" cap="flat" cmpd="sng" algn="ctr">
-                      <a:solidFill>
-                        <a:srgbClr val="000000"/>
-                      </a:solidFill>
-                      <a:prstDash val="solid"/>
-                      <a:round/>
-                      <a:headEnd type="none" w="med" len="med"/>
-                      <a:tailEnd type="none" w="med" len="med"/>
-                    </a:lnL>
-                    <a:lnR w="6350" cap="flat" cmpd="sng" algn="ctr">
-                      <a:solidFill>
-                        <a:srgbClr val="000000"/>
-                      </a:solidFill>
-                      <a:prstDash val="solid"/>
-                      <a:round/>
-                      <a:headEnd type="none" w="med" len="med"/>
-                      <a:tailEnd type="none" w="med" len="med"/>
-                    </a:lnR>
-                    <a:lnT w="6350" cap="flat" cmpd="sng" algn="ctr">
-                      <a:solidFill>
-                        <a:srgbClr val="000000"/>
-                      </a:solidFill>
-                      <a:prstDash val="solid"/>
-                      <a:round/>
-                      <a:headEnd type="none" w="med" len="med"/>
-                      <a:tailEnd type="none" w="med" len="med"/>
-                    </a:lnT>
-                    <a:lnB w="6350" cap="flat" cmpd="sng" algn="ctr">
-                      <a:solidFill>
-                        <a:srgbClr val="000000"/>
-                      </a:solidFill>
-                      <a:prstDash val="solid"/>
-                      <a:round/>
-                      <a:headEnd type="none" w="med" len="med"/>
-                      <a:tailEnd type="none" w="med" len="med"/>
-                    </a:lnB>
-                    <a:solidFill>
-                      <a:srgbClr val="E26B0A"/>
-                    </a:solidFill>
-                  </a:tcPr>
-                </a:tc>
-                <a:tc>
-                  <a:txBody>
-                    <a:bodyPr/>
-                    <a:lstStyle/>
-                    <a:p>
-                      <a:pPr algn="l" fontAlgn="b"/>
-                      <a:r>
-                        <a:rPr lang="en-US" sz="800" b="0" i="0" u="none" strike="noStrike">
-                          <a:solidFill>
-                            <a:srgbClr val="000000"/>
-                          </a:solidFill>
-                          <a:effectLst/>
-                          <a:latin typeface="Calibri"/>
-                        </a:rPr>
-                        <a:t> </a:t>
-                      </a:r>
-                    </a:p>
-                  </a:txBody>
-                  <a:tcPr marL="8458" marR="8458" marT="8458" marB="0" anchor="b">
-                    <a:lnL w="6350" cap="flat" cmpd="sng" algn="ctr">
-                      <a:solidFill>
-                        <a:srgbClr val="000000"/>
-                      </a:solidFill>
-                      <a:prstDash val="solid"/>
-                      <a:round/>
-                      <a:headEnd type="none" w="med" len="med"/>
-                      <a:tailEnd type="none" w="med" len="med"/>
-                    </a:lnL>
-                    <a:lnR w="6350" cap="flat" cmpd="sng" algn="ctr">
-                      <a:solidFill>
-                        <a:srgbClr val="000000"/>
-                      </a:solidFill>
-                      <a:prstDash val="solid"/>
-                      <a:round/>
-                      <a:headEnd type="none" w="med" len="med"/>
-                      <a:tailEnd type="none" w="med" len="med"/>
-                    </a:lnR>
-                    <a:lnT w="6350" cap="flat" cmpd="sng" algn="ctr">
-                      <a:solidFill>
-                        <a:srgbClr val="000000"/>
-                      </a:solidFill>
-                      <a:prstDash val="solid"/>
-                      <a:round/>
-                      <a:headEnd type="none" w="med" len="med"/>
-                      <a:tailEnd type="none" w="med" len="med"/>
-                    </a:lnT>
-                    <a:lnB w="6350" cap="flat" cmpd="sng" algn="ctr">
-                      <a:solidFill>
-                        <a:srgbClr val="000000"/>
-                      </a:solidFill>
-                      <a:prstDash val="solid"/>
-                      <a:round/>
-                      <a:headEnd type="none" w="med" len="med"/>
-                      <a:tailEnd type="none" w="med" len="med"/>
-                    </a:lnB>
-                    <a:solidFill>
-                      <a:srgbClr val="FDE9D9"/>
-                    </a:solidFill>
-                  </a:tcPr>
-                </a:tc>
-                <a:tc>
-                  <a:txBody>
-                    <a:bodyPr/>
-                    <a:lstStyle/>
-                    <a:p>
-                      <a:pPr algn="l" fontAlgn="b"/>
-                      <a:endParaRPr lang="en-US" sz="800" b="0" i="0" u="none" strike="noStrike">
-                        <a:solidFill>
-                          <a:srgbClr val="000000"/>
-                        </a:solidFill>
-                        <a:effectLst/>
-                        <a:latin typeface="Calibri"/>
-                      </a:endParaRPr>
-                    </a:p>
-                  </a:txBody>
-                  <a:tcPr marL="8458" marR="8458" marT="8458" marB="0" anchor="b">
-                    <a:lnL w="6350" cap="flat" cmpd="sng" algn="ctr">
-                      <a:solidFill>
-                        <a:srgbClr val="000000"/>
-                      </a:solidFill>
-                      <a:prstDash val="solid"/>
-                      <a:round/>
-                      <a:headEnd type="none" w="med" len="med"/>
-                      <a:tailEnd type="none" w="med" len="med"/>
-                    </a:lnL>
-                    <a:lnR w="6350" cap="flat" cmpd="sng" algn="ctr">
-                      <a:solidFill>
-                        <a:srgbClr val="000000"/>
-                      </a:solidFill>
-                      <a:prstDash val="solid"/>
-                      <a:round/>
-                      <a:headEnd type="none" w="med" len="med"/>
-                      <a:tailEnd type="none" w="med" len="med"/>
-                    </a:lnR>
-                    <a:lnT>
-                      <a:noFill/>
-                    </a:lnT>
-                    <a:lnB>
-                      <a:noFill/>
-                    </a:lnB>
-                  </a:tcPr>
-                </a:tc>
-                <a:tc>
-                  <a:txBody>
-                    <a:bodyPr/>
-                    <a:lstStyle/>
-                    <a:p>
-                      <a:pPr algn="l" fontAlgn="b"/>
-                      <a:r>
-                        <a:rPr lang="en-US" sz="800" b="0" i="0" u="none" strike="noStrike">
-                          <a:solidFill>
-                            <a:srgbClr val="000000"/>
-                          </a:solidFill>
-                          <a:effectLst/>
-                          <a:latin typeface="Calibri"/>
-                        </a:rPr>
-                        <a:t> </a:t>
-                      </a:r>
-                    </a:p>
-                  </a:txBody>
-                  <a:tcPr marL="8458" marR="8458" marT="8458" marB="0" anchor="b">
-                    <a:lnL w="6350" cap="flat" cmpd="sng" algn="ctr">
-                      <a:solidFill>
-                        <a:srgbClr val="000000"/>
-                      </a:solidFill>
-                      <a:prstDash val="solid"/>
-                      <a:round/>
-                      <a:headEnd type="none" w="med" len="med"/>
-                      <a:tailEnd type="none" w="med" len="med"/>
-                    </a:lnL>
-                    <a:lnR w="6350" cap="flat" cmpd="sng" algn="ctr">
-                      <a:solidFill>
-                        <a:srgbClr val="000000"/>
-                      </a:solidFill>
-                      <a:prstDash val="solid"/>
-                      <a:round/>
-                      <a:headEnd type="none" w="med" len="med"/>
-                      <a:tailEnd type="none" w="med" len="med"/>
-                    </a:lnR>
-                    <a:lnT w="6350" cap="flat" cmpd="sng" algn="ctr">
-                      <a:solidFill>
-                        <a:srgbClr val="000000"/>
-                      </a:solidFill>
-                      <a:prstDash val="solid"/>
-                      <a:round/>
-                      <a:headEnd type="none" w="med" len="med"/>
-                      <a:tailEnd type="none" w="med" len="med"/>
-                    </a:lnT>
-                    <a:lnB w="6350" cap="flat" cmpd="sng" algn="ctr">
-                      <a:solidFill>
-                        <a:srgbClr val="000000"/>
-                      </a:solidFill>
-                      <a:prstDash val="solid"/>
-                      <a:round/>
-                      <a:headEnd type="none" w="med" len="med"/>
-                      <a:tailEnd type="none" w="med" len="med"/>
-                    </a:lnB>
-                    <a:solidFill>
-                      <a:srgbClr val="E26B0A"/>
-                    </a:solidFill>
-                  </a:tcPr>
-                </a:tc>
-                <a:tc>
-                  <a:txBody>
-                    <a:bodyPr/>
-                    <a:lstStyle/>
-                    <a:p>
-                      <a:pPr algn="l" fontAlgn="ctr"/>
-                      <a:r>
-                        <a:rPr lang="en-US" sz="800" b="1" i="0" u="none" strike="noStrike">
-                          <a:solidFill>
-                            <a:srgbClr val="000000"/>
-                          </a:solidFill>
-                          <a:effectLst/>
-                          <a:latin typeface="Calibri"/>
-                        </a:rPr>
-                        <a:t>High</a:t>
-                      </a:r>
-                    </a:p>
-                  </a:txBody>
-                  <a:tcPr marL="8458" marR="8458" marT="8458" marB="0" anchor="ctr">
-                    <a:lnL w="6350" cap="flat" cmpd="sng" algn="ctr">
-                      <a:solidFill>
-                        <a:srgbClr val="000000"/>
-                      </a:solidFill>
-                      <a:prstDash val="solid"/>
-                      <a:round/>
-                      <a:headEnd type="none" w="med" len="med"/>
-                      <a:tailEnd type="none" w="med" len="med"/>
-                    </a:lnL>
-                    <a:lnR>
-                      <a:noFill/>
-                    </a:lnR>
-                    <a:lnT>
-                      <a:noFill/>
-                    </a:lnT>
-                    <a:lnB>
-                      <a:noFill/>
-                    </a:lnB>
-                  </a:tcPr>
-                </a:tc>
-              </a:tr>
-              <a:tr h="413495">
-                <a:tc vMerge="1">
-                  <a:txBody>
-                    <a:bodyPr/>
-                    <a:lstStyle/>
-                    <a:p>
-                      <a:endParaRPr lang="en-US"/>
-                    </a:p>
-                  </a:txBody>
-                  <a:tcPr/>
-                </a:tc>
-                <a:tc>
-                  <a:txBody>
-                    <a:bodyPr/>
-                    <a:lstStyle/>
-                    <a:p>
-                      <a:pPr algn="l" fontAlgn="ctr"/>
-                      <a:r>
-                        <a:rPr lang="en-US" sz="900" b="1" i="0" u="none" strike="noStrike" dirty="0">
-                          <a:solidFill>
-                            <a:srgbClr val="000000"/>
-                          </a:solidFill>
-                          <a:effectLst/>
-                          <a:latin typeface="Calibri"/>
-                        </a:rPr>
-                        <a:t>No. of </a:t>
-                      </a:r>
-                      <a:r>
-                        <a:rPr lang="en-US" sz="900" b="1" i="0" u="none" strike="noStrike" dirty="0" smtClean="0">
-                          <a:solidFill>
-                            <a:srgbClr val="000000"/>
-                          </a:solidFill>
-                          <a:effectLst/>
-                          <a:latin typeface="Calibri"/>
-                        </a:rPr>
-                        <a:t>Matches</a:t>
-                      </a:r>
-                      <a:endParaRPr lang="en-US" sz="900" b="1" i="0" u="none" strike="noStrike" dirty="0">
-                        <a:solidFill>
-                          <a:srgbClr val="000000"/>
-                        </a:solidFill>
-                        <a:effectLst/>
-                        <a:latin typeface="Calibri"/>
-                      </a:endParaRPr>
-                    </a:p>
-                  </a:txBody>
-                  <a:tcPr marL="8458" marR="8458" marT="8458" marB="0" anchor="ctr">
-                    <a:lnL w="6350" cap="flat" cmpd="sng" algn="ctr">
-                      <a:solidFill>
-                        <a:srgbClr val="000000"/>
-                      </a:solidFill>
-                      <a:prstDash val="solid"/>
-                      <a:round/>
-                      <a:headEnd type="none" w="med" len="med"/>
-                      <a:tailEnd type="none" w="med" len="med"/>
-                    </a:lnL>
-                    <a:lnR w="6350" cap="flat" cmpd="sng" algn="ctr">
-                      <a:solidFill>
-                        <a:srgbClr val="000000"/>
-                      </a:solidFill>
-                      <a:prstDash val="solid"/>
-                      <a:round/>
-                      <a:headEnd type="none" w="med" len="med"/>
-                      <a:tailEnd type="none" w="med" len="med"/>
-                    </a:lnR>
-                    <a:lnT w="6350" cap="flat" cmpd="sng" algn="ctr">
-                      <a:solidFill>
-                        <a:srgbClr val="000000"/>
-                      </a:solidFill>
-                      <a:prstDash val="solid"/>
-                      <a:round/>
-                      <a:headEnd type="none" w="med" len="med"/>
-                      <a:tailEnd type="none" w="med" len="med"/>
-                    </a:lnT>
-                    <a:lnB w="6350" cap="flat" cmpd="sng" algn="ctr">
-                      <a:solidFill>
-                        <a:srgbClr val="000000"/>
-                      </a:solidFill>
-                      <a:prstDash val="solid"/>
-                      <a:round/>
-                      <a:headEnd type="none" w="med" len="med"/>
-                      <a:tailEnd type="none" w="med" len="med"/>
-                    </a:lnB>
-                    <a:solidFill>
-                      <a:srgbClr val="D9D9D9"/>
-                    </a:solidFill>
-                  </a:tcPr>
-                </a:tc>
-                <a:tc>
-                  <a:txBody>
-                    <a:bodyPr/>
-                    <a:lstStyle/>
-                    <a:p>
-                      <a:pPr algn="l" fontAlgn="b"/>
-                      <a:r>
-                        <a:rPr lang="en-US" sz="800" b="0" i="0" u="none" strike="noStrike">
-                          <a:solidFill>
-                            <a:srgbClr val="000000"/>
-                          </a:solidFill>
-                          <a:effectLst/>
-                          <a:latin typeface="Calibri"/>
-                        </a:rPr>
-                        <a:t> </a:t>
-                      </a:r>
-                    </a:p>
-                  </a:txBody>
-                  <a:tcPr marL="8458" marR="8458" marT="8458" marB="0" anchor="b">
-                    <a:lnL w="6350" cap="flat" cmpd="sng" algn="ctr">
-                      <a:solidFill>
-                        <a:srgbClr val="000000"/>
-                      </a:solidFill>
-                      <a:prstDash val="solid"/>
-                      <a:round/>
-                      <a:headEnd type="none" w="med" len="med"/>
-                      <a:tailEnd type="none" w="med" len="med"/>
-                    </a:lnL>
-                    <a:lnR w="6350" cap="flat" cmpd="sng" algn="ctr">
-                      <a:solidFill>
-                        <a:srgbClr val="000000"/>
-                      </a:solidFill>
-                      <a:prstDash val="solid"/>
-                      <a:round/>
-                      <a:headEnd type="none" w="med" len="med"/>
-                      <a:tailEnd type="none" w="med" len="med"/>
-                    </a:lnR>
-                    <a:lnT w="6350" cap="flat" cmpd="sng" algn="ctr">
-                      <a:solidFill>
-                        <a:srgbClr val="000000"/>
-                      </a:solidFill>
-                      <a:prstDash val="solid"/>
-                      <a:round/>
-                      <a:headEnd type="none" w="med" len="med"/>
-                      <a:tailEnd type="none" w="med" len="med"/>
-                    </a:lnT>
-                    <a:lnB w="6350" cap="flat" cmpd="sng" algn="ctr">
-                      <a:solidFill>
-                        <a:srgbClr val="000000"/>
-                      </a:solidFill>
-                      <a:prstDash val="solid"/>
-                      <a:round/>
-                      <a:headEnd type="none" w="med" len="med"/>
-                      <a:tailEnd type="none" w="med" len="med"/>
-                    </a:lnB>
-                    <a:solidFill>
-                      <a:srgbClr val="974706"/>
-                    </a:solidFill>
-                  </a:tcPr>
-                </a:tc>
-                <a:tc>
-                  <a:txBody>
-                    <a:bodyPr/>
-                    <a:lstStyle/>
-                    <a:p>
-                      <a:pPr algn="l" fontAlgn="b"/>
-                      <a:r>
-                        <a:rPr lang="en-US" sz="800" b="0" i="0" u="none" strike="noStrike">
-                          <a:solidFill>
-                            <a:srgbClr val="000000"/>
-                          </a:solidFill>
-                          <a:effectLst/>
-                          <a:latin typeface="Calibri"/>
-                        </a:rPr>
-                        <a:t> </a:t>
-                      </a:r>
-                    </a:p>
-                  </a:txBody>
-                  <a:tcPr marL="8458" marR="8458" marT="8458" marB="0" anchor="b">
-                    <a:lnL w="6350" cap="flat" cmpd="sng" algn="ctr">
-                      <a:solidFill>
-                        <a:srgbClr val="000000"/>
-                      </a:solidFill>
-                      <a:prstDash val="solid"/>
-                      <a:round/>
-                      <a:headEnd type="none" w="med" len="med"/>
-                      <a:tailEnd type="none" w="med" len="med"/>
-                    </a:lnL>
-                    <a:lnR w="6350" cap="flat" cmpd="sng" algn="ctr">
-                      <a:solidFill>
-                        <a:srgbClr val="000000"/>
-                      </a:solidFill>
-                      <a:prstDash val="solid"/>
-                      <a:round/>
-                      <a:headEnd type="none" w="med" len="med"/>
-                      <a:tailEnd type="none" w="med" len="med"/>
-                    </a:lnR>
-                    <a:lnT w="6350" cap="flat" cmpd="sng" algn="ctr">
-                      <a:solidFill>
-                        <a:srgbClr val="000000"/>
-                      </a:solidFill>
-                      <a:prstDash val="solid"/>
-                      <a:round/>
-                      <a:headEnd type="none" w="med" len="med"/>
-                      <a:tailEnd type="none" w="med" len="med"/>
-                    </a:lnT>
-                    <a:lnB w="6350" cap="flat" cmpd="sng" algn="ctr">
-                      <a:solidFill>
-                        <a:srgbClr val="000000"/>
-                      </a:solidFill>
-                      <a:prstDash val="solid"/>
-                      <a:round/>
-                      <a:headEnd type="none" w="med" len="med"/>
-                      <a:tailEnd type="none" w="med" len="med"/>
-                    </a:lnB>
-                    <a:solidFill>
-                      <a:srgbClr val="E26B0A"/>
-                    </a:solidFill>
-                  </a:tcPr>
-                </a:tc>
-                <a:tc>
-                  <a:txBody>
-                    <a:bodyPr/>
-                    <a:lstStyle/>
-                    <a:p>
-                      <a:pPr algn="l" fontAlgn="b"/>
-                      <a:r>
-                        <a:rPr lang="en-US" sz="800" b="0" i="0" u="none" strike="noStrike">
-                          <a:solidFill>
-                            <a:srgbClr val="000000"/>
-                          </a:solidFill>
-                          <a:effectLst/>
-                          <a:latin typeface="Calibri"/>
-                        </a:rPr>
-                        <a:t> </a:t>
-                      </a:r>
-                    </a:p>
-                  </a:txBody>
-                  <a:tcPr marL="8458" marR="8458" marT="8458" marB="0" anchor="b">
-                    <a:lnL w="6350" cap="flat" cmpd="sng" algn="ctr">
-                      <a:solidFill>
-                        <a:srgbClr val="000000"/>
-                      </a:solidFill>
-                      <a:prstDash val="solid"/>
-                      <a:round/>
-                      <a:headEnd type="none" w="med" len="med"/>
-                      <a:tailEnd type="none" w="med" len="med"/>
-                    </a:lnL>
-                    <a:lnR w="6350" cap="flat" cmpd="sng" algn="ctr">
-                      <a:solidFill>
-                        <a:srgbClr val="000000"/>
-                      </a:solidFill>
-                      <a:prstDash val="solid"/>
-                      <a:round/>
-                      <a:headEnd type="none" w="med" len="med"/>
-                      <a:tailEnd type="none" w="med" len="med"/>
-                    </a:lnR>
-                    <a:lnT w="6350" cap="flat" cmpd="sng" algn="ctr">
-                      <a:solidFill>
-                        <a:srgbClr val="000000"/>
-                      </a:solidFill>
-                      <a:prstDash val="solid"/>
-                      <a:round/>
-                      <a:headEnd type="none" w="med" len="med"/>
-                      <a:tailEnd type="none" w="med" len="med"/>
-                    </a:lnT>
-                    <a:lnB w="6350" cap="flat" cmpd="sng" algn="ctr">
-                      <a:solidFill>
-                        <a:srgbClr val="000000"/>
-                      </a:solidFill>
-                      <a:prstDash val="solid"/>
-                      <a:round/>
-                      <a:headEnd type="none" w="med" len="med"/>
-                      <a:tailEnd type="none" w="med" len="med"/>
-                    </a:lnB>
-                    <a:solidFill>
-                      <a:srgbClr val="FABF8F"/>
-                    </a:solidFill>
-                  </a:tcPr>
-                </a:tc>
-                <a:tc>
-                  <a:txBody>
-                    <a:bodyPr/>
-                    <a:lstStyle/>
-                    <a:p>
-                      <a:pPr algn="l" fontAlgn="b"/>
-                      <a:r>
-                        <a:rPr lang="en-US" sz="800" b="0" i="0" u="none" strike="noStrike">
-                          <a:solidFill>
-                            <a:srgbClr val="000000"/>
-                          </a:solidFill>
-                          <a:effectLst/>
-                          <a:latin typeface="Calibri"/>
-                        </a:rPr>
-                        <a:t> </a:t>
-                      </a:r>
-                    </a:p>
-                  </a:txBody>
-                  <a:tcPr marL="8458" marR="8458" marT="8458" marB="0" anchor="b">
-                    <a:lnL w="6350" cap="flat" cmpd="sng" algn="ctr">
-                      <a:solidFill>
-                        <a:srgbClr val="000000"/>
-                      </a:solidFill>
-                      <a:prstDash val="solid"/>
-                      <a:round/>
-                      <a:headEnd type="none" w="med" len="med"/>
-                      <a:tailEnd type="none" w="med" len="med"/>
-                    </a:lnL>
-                    <a:lnR w="6350" cap="flat" cmpd="sng" algn="ctr">
-                      <a:solidFill>
-                        <a:srgbClr val="000000"/>
-                      </a:solidFill>
-                      <a:prstDash val="solid"/>
-                      <a:round/>
-                      <a:headEnd type="none" w="med" len="med"/>
-                      <a:tailEnd type="none" w="med" len="med"/>
-                    </a:lnR>
-                    <a:lnT w="6350" cap="flat" cmpd="sng" algn="ctr">
-                      <a:solidFill>
-                        <a:srgbClr val="000000"/>
-                      </a:solidFill>
-                      <a:prstDash val="solid"/>
-                      <a:round/>
-                      <a:headEnd type="none" w="med" len="med"/>
-                      <a:tailEnd type="none" w="med" len="med"/>
-                    </a:lnT>
-                    <a:lnB w="6350" cap="flat" cmpd="sng" algn="ctr">
-                      <a:solidFill>
-                        <a:srgbClr val="000000"/>
-                      </a:solidFill>
-                      <a:prstDash val="solid"/>
-                      <a:round/>
-                      <a:headEnd type="none" w="med" len="med"/>
-                      <a:tailEnd type="none" w="med" len="med"/>
-                    </a:lnB>
-                    <a:solidFill>
-                      <a:srgbClr val="FDE9D9"/>
-                    </a:solidFill>
-                  </a:tcPr>
-                </a:tc>
-                <a:tc>
-                  <a:txBody>
-                    <a:bodyPr/>
-                    <a:lstStyle/>
-                    <a:p>
-                      <a:pPr algn="l" fontAlgn="b"/>
-                      <a:endParaRPr lang="en-US" sz="800" b="0" i="0" u="none" strike="noStrike">
-                        <a:solidFill>
-                          <a:srgbClr val="000000"/>
-                        </a:solidFill>
-                        <a:effectLst/>
-                        <a:latin typeface="Calibri"/>
-                      </a:endParaRPr>
-                    </a:p>
-                  </a:txBody>
-                  <a:tcPr marL="8458" marR="8458" marT="8458" marB="0" anchor="b">
-                    <a:lnL w="6350" cap="flat" cmpd="sng" algn="ctr">
-                      <a:solidFill>
-                        <a:srgbClr val="000000"/>
-                      </a:solidFill>
-                      <a:prstDash val="solid"/>
-                      <a:round/>
-                      <a:headEnd type="none" w="med" len="med"/>
-                      <a:tailEnd type="none" w="med" len="med"/>
-                    </a:lnL>
-                    <a:lnR w="6350" cap="flat" cmpd="sng" algn="ctr">
-                      <a:solidFill>
-                        <a:srgbClr val="000000"/>
-                      </a:solidFill>
-                      <a:prstDash val="solid"/>
-                      <a:round/>
-                      <a:headEnd type="none" w="med" len="med"/>
-                      <a:tailEnd type="none" w="med" len="med"/>
-                    </a:lnR>
-                    <a:lnT>
-                      <a:noFill/>
-                    </a:lnT>
-                    <a:lnB>
-                      <a:noFill/>
-                    </a:lnB>
-                  </a:tcPr>
-                </a:tc>
-                <a:tc>
-                  <a:txBody>
-                    <a:bodyPr/>
-                    <a:lstStyle/>
-                    <a:p>
-                      <a:pPr algn="l" fontAlgn="b"/>
-                      <a:r>
-                        <a:rPr lang="en-US" sz="800" b="0" i="0" u="none" strike="noStrike">
-                          <a:solidFill>
-                            <a:srgbClr val="000000"/>
-                          </a:solidFill>
-                          <a:effectLst/>
-                          <a:latin typeface="Calibri"/>
-                        </a:rPr>
-                        <a:t> </a:t>
-                      </a:r>
-                    </a:p>
-                  </a:txBody>
-                  <a:tcPr marL="8458" marR="8458" marT="8458" marB="0" anchor="b">
-                    <a:lnL w="6350" cap="flat" cmpd="sng" algn="ctr">
-                      <a:solidFill>
-                        <a:srgbClr val="000000"/>
-                      </a:solidFill>
-                      <a:prstDash val="solid"/>
-                      <a:round/>
-                      <a:headEnd type="none" w="med" len="med"/>
-                      <a:tailEnd type="none" w="med" len="med"/>
-                    </a:lnL>
-                    <a:lnR w="6350" cap="flat" cmpd="sng" algn="ctr">
-                      <a:solidFill>
-                        <a:srgbClr val="000000"/>
-                      </a:solidFill>
-                      <a:prstDash val="solid"/>
-                      <a:round/>
-                      <a:headEnd type="none" w="med" len="med"/>
-                      <a:tailEnd type="none" w="med" len="med"/>
-                    </a:lnR>
-                    <a:lnT w="6350" cap="flat" cmpd="sng" algn="ctr">
-                      <a:solidFill>
-                        <a:srgbClr val="000000"/>
-                      </a:solidFill>
-                      <a:prstDash val="solid"/>
-                      <a:round/>
-                      <a:headEnd type="none" w="med" len="med"/>
-                      <a:tailEnd type="none" w="med" len="med"/>
-                    </a:lnT>
-                    <a:lnB w="6350" cap="flat" cmpd="sng" algn="ctr">
-                      <a:solidFill>
-                        <a:srgbClr val="000000"/>
-                      </a:solidFill>
-                      <a:prstDash val="solid"/>
-                      <a:round/>
-                      <a:headEnd type="none" w="med" len="med"/>
-                      <a:tailEnd type="none" w="med" len="med"/>
-                    </a:lnB>
-                    <a:solidFill>
-                      <a:srgbClr val="FABF8F"/>
-                    </a:solidFill>
-                  </a:tcPr>
-                </a:tc>
-                <a:tc>
-                  <a:txBody>
-                    <a:bodyPr/>
-                    <a:lstStyle/>
-                    <a:p>
-                      <a:pPr algn="l" fontAlgn="ctr"/>
-                      <a:r>
-                        <a:rPr lang="en-US" sz="800" b="1" i="0" u="none" strike="noStrike">
-                          <a:solidFill>
-                            <a:srgbClr val="000000"/>
-                          </a:solidFill>
-                          <a:effectLst/>
-                          <a:latin typeface="Calibri"/>
-                        </a:rPr>
-                        <a:t>Low</a:t>
-                      </a:r>
-                    </a:p>
-                  </a:txBody>
-                  <a:tcPr marL="8458" marR="8458" marT="8458" marB="0" anchor="ctr">
-                    <a:lnL w="6350" cap="flat" cmpd="sng" algn="ctr">
-                      <a:solidFill>
-                        <a:srgbClr val="000000"/>
-                      </a:solidFill>
-                      <a:prstDash val="solid"/>
-                      <a:round/>
-                      <a:headEnd type="none" w="med" len="med"/>
-                      <a:tailEnd type="none" w="med" len="med"/>
-                    </a:lnL>
-                    <a:lnR>
-                      <a:noFill/>
-                    </a:lnR>
-                    <a:lnT>
-                      <a:noFill/>
-                    </a:lnT>
-                    <a:lnB>
-                      <a:noFill/>
-                    </a:lnB>
-                  </a:tcPr>
-                </a:tc>
-              </a:tr>
-              <a:tr h="413495">
-                <a:tc vMerge="1">
-                  <a:txBody>
-                    <a:bodyPr/>
-                    <a:lstStyle/>
-                    <a:p>
-                      <a:endParaRPr lang="en-US"/>
-                    </a:p>
-                  </a:txBody>
-                  <a:tcPr/>
-                </a:tc>
-                <a:tc>
-                  <a:txBody>
-                    <a:bodyPr/>
-                    <a:lstStyle/>
-                    <a:p>
-                      <a:pPr algn="l" fontAlgn="ctr"/>
-                      <a:r>
-                        <a:rPr lang="en-US" sz="900" b="1" i="0" u="none" strike="noStrike">
-                          <a:solidFill>
-                            <a:srgbClr val="000000"/>
-                          </a:solidFill>
-                          <a:effectLst/>
-                          <a:latin typeface="Calibri"/>
-                        </a:rPr>
-                        <a:t>Actual Profit Loss Amt per Bet</a:t>
-                      </a:r>
-                    </a:p>
-                  </a:txBody>
-                  <a:tcPr marL="8458" marR="8458" marT="8458" marB="0" anchor="ctr">
-                    <a:lnL w="6350" cap="flat" cmpd="sng" algn="ctr">
-                      <a:solidFill>
-                        <a:srgbClr val="000000"/>
-                      </a:solidFill>
-                      <a:prstDash val="solid"/>
-                      <a:round/>
-                      <a:headEnd type="none" w="med" len="med"/>
-                      <a:tailEnd type="none" w="med" len="med"/>
-                    </a:lnL>
-                    <a:lnR w="6350" cap="flat" cmpd="sng" algn="ctr">
-                      <a:solidFill>
-                        <a:srgbClr val="000000"/>
-                      </a:solidFill>
-                      <a:prstDash val="solid"/>
-                      <a:round/>
-                      <a:headEnd type="none" w="med" len="med"/>
-                      <a:tailEnd type="none" w="med" len="med"/>
-                    </a:lnR>
-                    <a:lnT w="6350" cap="flat" cmpd="sng" algn="ctr">
-                      <a:solidFill>
-                        <a:srgbClr val="000000"/>
-                      </a:solidFill>
-                      <a:prstDash val="solid"/>
-                      <a:round/>
-                      <a:headEnd type="none" w="med" len="med"/>
-                      <a:tailEnd type="none" w="med" len="med"/>
-                    </a:lnT>
-                    <a:lnB w="6350" cap="flat" cmpd="sng" algn="ctr">
-                      <a:solidFill>
-                        <a:srgbClr val="000000"/>
-                      </a:solidFill>
-                      <a:prstDash val="solid"/>
-                      <a:round/>
-                      <a:headEnd type="none" w="med" len="med"/>
-                      <a:tailEnd type="none" w="med" len="med"/>
-                    </a:lnB>
-                    <a:solidFill>
-                      <a:srgbClr val="D9D9D9"/>
-                    </a:solidFill>
-                  </a:tcPr>
-                </a:tc>
-                <a:tc>
-                  <a:txBody>
-                    <a:bodyPr/>
-                    <a:lstStyle/>
-                    <a:p>
-                      <a:pPr algn="l" fontAlgn="b"/>
-                      <a:r>
-                        <a:rPr lang="en-US" sz="800" b="0" i="0" u="none" strike="noStrike">
-                          <a:solidFill>
-                            <a:srgbClr val="000000"/>
-                          </a:solidFill>
-                          <a:effectLst/>
-                          <a:latin typeface="Calibri"/>
-                        </a:rPr>
-                        <a:t> </a:t>
-                      </a:r>
-                    </a:p>
-                  </a:txBody>
-                  <a:tcPr marL="8458" marR="8458" marT="8458" marB="0" anchor="b">
-                    <a:lnL w="6350" cap="flat" cmpd="sng" algn="ctr">
-                      <a:solidFill>
-                        <a:srgbClr val="000000"/>
-                      </a:solidFill>
-                      <a:prstDash val="solid"/>
-                      <a:round/>
-                      <a:headEnd type="none" w="med" len="med"/>
-                      <a:tailEnd type="none" w="med" len="med"/>
-                    </a:lnL>
-                    <a:lnR w="6350" cap="flat" cmpd="sng" algn="ctr">
-                      <a:solidFill>
-                        <a:srgbClr val="000000"/>
-                      </a:solidFill>
-                      <a:prstDash val="solid"/>
-                      <a:round/>
-                      <a:headEnd type="none" w="med" len="med"/>
-                      <a:tailEnd type="none" w="med" len="med"/>
-                    </a:lnR>
-                    <a:lnT w="6350" cap="flat" cmpd="sng" algn="ctr">
-                      <a:solidFill>
-                        <a:srgbClr val="000000"/>
-                      </a:solidFill>
-                      <a:prstDash val="solid"/>
-                      <a:round/>
-                      <a:headEnd type="none" w="med" len="med"/>
-                      <a:tailEnd type="none" w="med" len="med"/>
-                    </a:lnT>
-                    <a:lnB w="6350" cap="flat" cmpd="sng" algn="ctr">
-                      <a:solidFill>
-                        <a:srgbClr val="000000"/>
-                      </a:solidFill>
-                      <a:prstDash val="solid"/>
-                      <a:round/>
-                      <a:headEnd type="none" w="med" len="med"/>
-                      <a:tailEnd type="none" w="med" len="med"/>
-                    </a:lnB>
-                    <a:solidFill>
-                      <a:srgbClr val="FDE9D9"/>
-                    </a:solidFill>
-                  </a:tcPr>
-                </a:tc>
-                <a:tc>
-                  <a:txBody>
-                    <a:bodyPr/>
-                    <a:lstStyle/>
-                    <a:p>
-                      <a:pPr algn="l" fontAlgn="b"/>
-                      <a:r>
-                        <a:rPr lang="en-US" sz="800" b="0" i="0" u="none" strike="noStrike">
-                          <a:solidFill>
-                            <a:srgbClr val="000000"/>
-                          </a:solidFill>
-                          <a:effectLst/>
-                          <a:latin typeface="Calibri"/>
-                        </a:rPr>
-                        <a:t> </a:t>
-                      </a:r>
-                    </a:p>
-                  </a:txBody>
-                  <a:tcPr marL="8458" marR="8458" marT="8458" marB="0" anchor="b">
-                    <a:lnL w="6350" cap="flat" cmpd="sng" algn="ctr">
-                      <a:solidFill>
-                        <a:srgbClr val="000000"/>
-                      </a:solidFill>
-                      <a:prstDash val="solid"/>
-                      <a:round/>
-                      <a:headEnd type="none" w="med" len="med"/>
-                      <a:tailEnd type="none" w="med" len="med"/>
-                    </a:lnL>
-                    <a:lnR w="6350" cap="flat" cmpd="sng" algn="ctr">
-                      <a:solidFill>
-                        <a:srgbClr val="000000"/>
-                      </a:solidFill>
-                      <a:prstDash val="solid"/>
-                      <a:round/>
-                      <a:headEnd type="none" w="med" len="med"/>
-                      <a:tailEnd type="none" w="med" len="med"/>
-                    </a:lnR>
-                    <a:lnT w="6350" cap="flat" cmpd="sng" algn="ctr">
-                      <a:solidFill>
-                        <a:srgbClr val="000000"/>
-                      </a:solidFill>
-                      <a:prstDash val="solid"/>
-                      <a:round/>
-                      <a:headEnd type="none" w="med" len="med"/>
-                      <a:tailEnd type="none" w="med" len="med"/>
-                    </a:lnT>
-                    <a:lnB w="6350" cap="flat" cmpd="sng" algn="ctr">
-                      <a:solidFill>
-                        <a:srgbClr val="000000"/>
-                      </a:solidFill>
-                      <a:prstDash val="solid"/>
-                      <a:round/>
-                      <a:headEnd type="none" w="med" len="med"/>
-                      <a:tailEnd type="none" w="med" len="med"/>
-                    </a:lnB>
-                    <a:solidFill>
-                      <a:srgbClr val="FABF8F"/>
-                    </a:solidFill>
-                  </a:tcPr>
-                </a:tc>
-                <a:tc>
-                  <a:txBody>
-                    <a:bodyPr/>
-                    <a:lstStyle/>
-                    <a:p>
-                      <a:pPr algn="l" fontAlgn="b"/>
-                      <a:r>
-                        <a:rPr lang="en-US" sz="800" b="0" i="0" u="none" strike="noStrike">
-                          <a:solidFill>
-                            <a:srgbClr val="000000"/>
-                          </a:solidFill>
-                          <a:effectLst/>
-                          <a:latin typeface="Calibri"/>
-                        </a:rPr>
-                        <a:t> </a:t>
-                      </a:r>
-                    </a:p>
-                  </a:txBody>
-                  <a:tcPr marL="8458" marR="8458" marT="8458" marB="0" anchor="b">
-                    <a:lnL w="6350" cap="flat" cmpd="sng" algn="ctr">
-                      <a:solidFill>
-                        <a:srgbClr val="000000"/>
-                      </a:solidFill>
-                      <a:prstDash val="solid"/>
-                      <a:round/>
-                      <a:headEnd type="none" w="med" len="med"/>
-                      <a:tailEnd type="none" w="med" len="med"/>
-                    </a:lnL>
-                    <a:lnR w="6350" cap="flat" cmpd="sng" algn="ctr">
-                      <a:solidFill>
-                        <a:srgbClr val="000000"/>
-                      </a:solidFill>
-                      <a:prstDash val="solid"/>
-                      <a:round/>
-                      <a:headEnd type="none" w="med" len="med"/>
-                      <a:tailEnd type="none" w="med" len="med"/>
-                    </a:lnR>
-                    <a:lnT w="6350" cap="flat" cmpd="sng" algn="ctr">
-                      <a:solidFill>
-                        <a:srgbClr val="000000"/>
-                      </a:solidFill>
-                      <a:prstDash val="solid"/>
-                      <a:round/>
-                      <a:headEnd type="none" w="med" len="med"/>
-                      <a:tailEnd type="none" w="med" len="med"/>
-                    </a:lnT>
-                    <a:lnB w="6350" cap="flat" cmpd="sng" algn="ctr">
-                      <a:solidFill>
-                        <a:srgbClr val="000000"/>
-                      </a:solidFill>
-                      <a:prstDash val="solid"/>
-                      <a:round/>
-                      <a:headEnd type="none" w="med" len="med"/>
-                      <a:tailEnd type="none" w="med" len="med"/>
-                    </a:lnB>
-                    <a:solidFill>
-                      <a:srgbClr val="974706"/>
-                    </a:solidFill>
-                  </a:tcPr>
-                </a:tc>
-                <a:tc>
-                  <a:txBody>
-                    <a:bodyPr/>
-                    <a:lstStyle/>
-                    <a:p>
-                      <a:pPr algn="l" fontAlgn="b"/>
-                      <a:r>
-                        <a:rPr lang="en-US" sz="800" b="0" i="0" u="none" strike="noStrike">
-                          <a:solidFill>
-                            <a:srgbClr val="000000"/>
-                          </a:solidFill>
-                          <a:effectLst/>
-                          <a:latin typeface="Calibri"/>
-                        </a:rPr>
-                        <a:t> </a:t>
-                      </a:r>
-                    </a:p>
-                  </a:txBody>
-                  <a:tcPr marL="8458" marR="8458" marT="8458" marB="0" anchor="b">
-                    <a:lnL w="6350" cap="flat" cmpd="sng" algn="ctr">
-                      <a:solidFill>
-                        <a:srgbClr val="000000"/>
-                      </a:solidFill>
-                      <a:prstDash val="solid"/>
-                      <a:round/>
-                      <a:headEnd type="none" w="med" len="med"/>
-                      <a:tailEnd type="none" w="med" len="med"/>
-                    </a:lnL>
-                    <a:lnR w="6350" cap="flat" cmpd="sng" algn="ctr">
-                      <a:solidFill>
-                        <a:srgbClr val="000000"/>
-                      </a:solidFill>
-                      <a:prstDash val="solid"/>
-                      <a:round/>
-                      <a:headEnd type="none" w="med" len="med"/>
-                      <a:tailEnd type="none" w="med" len="med"/>
-                    </a:lnR>
-                    <a:lnT w="6350" cap="flat" cmpd="sng" algn="ctr">
-                      <a:solidFill>
-                        <a:srgbClr val="000000"/>
-                      </a:solidFill>
-                      <a:prstDash val="solid"/>
-                      <a:round/>
-                      <a:headEnd type="none" w="med" len="med"/>
-                      <a:tailEnd type="none" w="med" len="med"/>
-                    </a:lnT>
-                    <a:lnB w="6350" cap="flat" cmpd="sng" algn="ctr">
-                      <a:solidFill>
-                        <a:srgbClr val="000000"/>
-                      </a:solidFill>
-                      <a:prstDash val="solid"/>
-                      <a:round/>
-                      <a:headEnd type="none" w="med" len="med"/>
-                      <a:tailEnd type="none" w="med" len="med"/>
-                    </a:lnB>
-                    <a:solidFill>
-                      <a:srgbClr val="E26B0A"/>
-                    </a:solidFill>
-                  </a:tcPr>
-                </a:tc>
-                <a:tc>
-                  <a:txBody>
-                    <a:bodyPr/>
-                    <a:lstStyle/>
-                    <a:p>
-                      <a:pPr algn="l" fontAlgn="b"/>
-                      <a:endParaRPr lang="en-US" sz="800" b="0" i="0" u="none" strike="noStrike">
-                        <a:solidFill>
-                          <a:srgbClr val="000000"/>
-                        </a:solidFill>
-                        <a:effectLst/>
-                        <a:latin typeface="Calibri"/>
-                      </a:endParaRPr>
-                    </a:p>
-                  </a:txBody>
-                  <a:tcPr marL="8458" marR="8458" marT="8458" marB="0" anchor="b">
-                    <a:lnL w="6350" cap="flat" cmpd="sng" algn="ctr">
-                      <a:solidFill>
-                        <a:srgbClr val="000000"/>
-                      </a:solidFill>
-                      <a:prstDash val="solid"/>
-                      <a:round/>
-                      <a:headEnd type="none" w="med" len="med"/>
-                      <a:tailEnd type="none" w="med" len="med"/>
-                    </a:lnL>
-                    <a:lnR w="6350" cap="flat" cmpd="sng" algn="ctr">
-                      <a:solidFill>
-                        <a:srgbClr val="000000"/>
-                      </a:solidFill>
-                      <a:prstDash val="solid"/>
-                      <a:round/>
-                      <a:headEnd type="none" w="med" len="med"/>
-                      <a:tailEnd type="none" w="med" len="med"/>
-                    </a:lnR>
-                    <a:lnT>
-                      <a:noFill/>
-                    </a:lnT>
-                    <a:lnB>
-                      <a:noFill/>
-                    </a:lnB>
-                  </a:tcPr>
-                </a:tc>
-                <a:tc>
-                  <a:txBody>
-                    <a:bodyPr/>
-                    <a:lstStyle/>
-                    <a:p>
-                      <a:pPr algn="l" fontAlgn="b"/>
-                      <a:r>
-                        <a:rPr lang="en-US" sz="800" b="0" i="0" u="none" strike="noStrike">
-                          <a:solidFill>
-                            <a:srgbClr val="000000"/>
-                          </a:solidFill>
-                          <a:effectLst/>
-                          <a:latin typeface="Calibri"/>
-                        </a:rPr>
-                        <a:t> </a:t>
-                      </a:r>
-                    </a:p>
-                  </a:txBody>
-                  <a:tcPr marL="8458" marR="8458" marT="8458" marB="0" anchor="b">
-                    <a:lnL w="6350" cap="flat" cmpd="sng" algn="ctr">
-                      <a:solidFill>
-                        <a:srgbClr val="000000"/>
-                      </a:solidFill>
-                      <a:prstDash val="solid"/>
-                      <a:round/>
-                      <a:headEnd type="none" w="med" len="med"/>
-                      <a:tailEnd type="none" w="med" len="med"/>
-                    </a:lnL>
-                    <a:lnR w="6350" cap="flat" cmpd="sng" algn="ctr">
-                      <a:solidFill>
-                        <a:srgbClr val="000000"/>
-                      </a:solidFill>
-                      <a:prstDash val="solid"/>
-                      <a:round/>
-                      <a:headEnd type="none" w="med" len="med"/>
-                      <a:tailEnd type="none" w="med" len="med"/>
-                    </a:lnR>
-                    <a:lnT w="6350" cap="flat" cmpd="sng" algn="ctr">
-                      <a:solidFill>
-                        <a:srgbClr val="000000"/>
-                      </a:solidFill>
-                      <a:prstDash val="solid"/>
-                      <a:round/>
-                      <a:headEnd type="none" w="med" len="med"/>
-                      <a:tailEnd type="none" w="med" len="med"/>
-                    </a:lnT>
-                    <a:lnB w="6350" cap="flat" cmpd="sng" algn="ctr">
-                      <a:solidFill>
-                        <a:srgbClr val="000000"/>
-                      </a:solidFill>
-                      <a:prstDash val="solid"/>
-                      <a:round/>
-                      <a:headEnd type="none" w="med" len="med"/>
-                      <a:tailEnd type="none" w="med" len="med"/>
-                    </a:lnB>
-                    <a:solidFill>
-                      <a:srgbClr val="FDE9D9"/>
-                    </a:solidFill>
-                  </a:tcPr>
-                </a:tc>
-                <a:tc>
-                  <a:txBody>
-                    <a:bodyPr/>
-                    <a:lstStyle/>
-                    <a:p>
-                      <a:pPr algn="l" fontAlgn="ctr"/>
-                      <a:r>
-                        <a:rPr lang="en-US" sz="800" b="1" i="0" u="none" strike="noStrike">
-                          <a:solidFill>
-                            <a:srgbClr val="000000"/>
-                          </a:solidFill>
-                          <a:effectLst/>
-                          <a:latin typeface="Calibri"/>
-                        </a:rPr>
-                        <a:t>Severely Low</a:t>
-                      </a:r>
-                    </a:p>
-                  </a:txBody>
-                  <a:tcPr marL="8458" marR="8458" marT="8458" marB="0" anchor="ctr">
-                    <a:lnL w="6350" cap="flat" cmpd="sng" algn="ctr">
-                      <a:solidFill>
-                        <a:srgbClr val="000000"/>
-                      </a:solidFill>
-                      <a:prstDash val="solid"/>
-                      <a:round/>
-                      <a:headEnd type="none" w="med" len="med"/>
-                      <a:tailEnd type="none" w="med" len="med"/>
-                    </a:lnL>
-                    <a:lnR>
-                      <a:noFill/>
-                    </a:lnR>
-                    <a:lnT>
-                      <a:noFill/>
-                    </a:lnT>
-                    <a:lnB>
-                      <a:noFill/>
-                    </a:lnB>
-                  </a:tcPr>
-                </a:tc>
-              </a:tr>
-              <a:tr h="413495">
-                <a:tc vMerge="1">
-                  <a:txBody>
-                    <a:bodyPr/>
-                    <a:lstStyle/>
-                    <a:p>
-                      <a:endParaRPr lang="en-US"/>
-                    </a:p>
-                  </a:txBody>
-                  <a:tcPr/>
-                </a:tc>
-                <a:tc>
-                  <a:txBody>
-                    <a:bodyPr/>
-                    <a:lstStyle/>
-                    <a:p>
-                      <a:pPr algn="l" fontAlgn="ctr"/>
-                      <a:r>
-                        <a:rPr lang="en-US" sz="900" b="1" i="0" u="none" strike="noStrike">
-                          <a:solidFill>
-                            <a:srgbClr val="000000"/>
-                          </a:solidFill>
-                          <a:effectLst/>
-                          <a:latin typeface="Calibri"/>
-                        </a:rPr>
-                        <a:t>Rate of Cancellation</a:t>
-                      </a:r>
-                    </a:p>
-                  </a:txBody>
-                  <a:tcPr marL="8458" marR="8458" marT="8458" marB="0" anchor="ctr">
-                    <a:lnL w="6350" cap="flat" cmpd="sng" algn="ctr">
-                      <a:solidFill>
-                        <a:srgbClr val="000000"/>
-                      </a:solidFill>
-                      <a:prstDash val="solid"/>
-                      <a:round/>
-                      <a:headEnd type="none" w="med" len="med"/>
-                      <a:tailEnd type="none" w="med" len="med"/>
-                    </a:lnL>
-                    <a:lnR w="6350" cap="flat" cmpd="sng" algn="ctr">
-                      <a:solidFill>
-                        <a:srgbClr val="000000"/>
-                      </a:solidFill>
-                      <a:prstDash val="solid"/>
-                      <a:round/>
-                      <a:headEnd type="none" w="med" len="med"/>
-                      <a:tailEnd type="none" w="med" len="med"/>
-                    </a:lnR>
-                    <a:lnT w="6350" cap="flat" cmpd="sng" algn="ctr">
-                      <a:solidFill>
-                        <a:srgbClr val="000000"/>
-                      </a:solidFill>
-                      <a:prstDash val="solid"/>
-                      <a:round/>
-                      <a:headEnd type="none" w="med" len="med"/>
-                      <a:tailEnd type="none" w="med" len="med"/>
-                    </a:lnT>
-                    <a:lnB w="6350" cap="flat" cmpd="sng" algn="ctr">
-                      <a:solidFill>
-                        <a:srgbClr val="000000"/>
-                      </a:solidFill>
-                      <a:prstDash val="solid"/>
-                      <a:round/>
-                      <a:headEnd type="none" w="med" len="med"/>
-                      <a:tailEnd type="none" w="med" len="med"/>
-                    </a:lnB>
-                    <a:solidFill>
-                      <a:srgbClr val="D9D9D9"/>
-                    </a:solidFill>
-                  </a:tcPr>
-                </a:tc>
-                <a:tc>
-                  <a:txBody>
-                    <a:bodyPr/>
-                    <a:lstStyle/>
-                    <a:p>
-                      <a:pPr algn="l" fontAlgn="b"/>
-                      <a:r>
-                        <a:rPr lang="en-US" sz="800" b="0" i="0" u="none" strike="noStrike">
-                          <a:solidFill>
-                            <a:srgbClr val="000000"/>
-                          </a:solidFill>
-                          <a:effectLst/>
-                          <a:latin typeface="Calibri"/>
-                        </a:rPr>
-                        <a:t> </a:t>
-                      </a:r>
-                    </a:p>
-                  </a:txBody>
-                  <a:tcPr marL="8458" marR="8458" marT="8458" marB="0" anchor="b">
-                    <a:lnL w="6350" cap="flat" cmpd="sng" algn="ctr">
-                      <a:solidFill>
-                        <a:srgbClr val="000000"/>
-                      </a:solidFill>
-                      <a:prstDash val="solid"/>
-                      <a:round/>
-                      <a:headEnd type="none" w="med" len="med"/>
-                      <a:tailEnd type="none" w="med" len="med"/>
-                    </a:lnL>
-                    <a:lnR w="6350" cap="flat" cmpd="sng" algn="ctr">
-                      <a:solidFill>
-                        <a:srgbClr val="000000"/>
-                      </a:solidFill>
-                      <a:prstDash val="solid"/>
-                      <a:round/>
-                      <a:headEnd type="none" w="med" len="med"/>
-                      <a:tailEnd type="none" w="med" len="med"/>
-                    </a:lnR>
-                    <a:lnT w="6350" cap="flat" cmpd="sng" algn="ctr">
-                      <a:solidFill>
-                        <a:srgbClr val="000000"/>
-                      </a:solidFill>
-                      <a:prstDash val="solid"/>
-                      <a:round/>
-                      <a:headEnd type="none" w="med" len="med"/>
-                      <a:tailEnd type="none" w="med" len="med"/>
-                    </a:lnT>
-                    <a:lnB w="6350" cap="flat" cmpd="sng" algn="ctr">
-                      <a:solidFill>
-                        <a:srgbClr val="000000"/>
-                      </a:solidFill>
-                      <a:prstDash val="solid"/>
-                      <a:round/>
-                      <a:headEnd type="none" w="med" len="med"/>
-                      <a:tailEnd type="none" w="med" len="med"/>
-                    </a:lnB>
-                    <a:solidFill>
-                      <a:srgbClr val="FABF8F"/>
-                    </a:solidFill>
-                  </a:tcPr>
-                </a:tc>
-                <a:tc>
-                  <a:txBody>
-                    <a:bodyPr/>
-                    <a:lstStyle/>
-                    <a:p>
-                      <a:pPr algn="l" fontAlgn="b"/>
-                      <a:r>
-                        <a:rPr lang="en-US" sz="800" b="0" i="0" u="none" strike="noStrike">
-                          <a:solidFill>
-                            <a:srgbClr val="000000"/>
-                          </a:solidFill>
-                          <a:effectLst/>
-                          <a:latin typeface="Calibri"/>
-                        </a:rPr>
-                        <a:t> </a:t>
-                      </a:r>
-                    </a:p>
-                  </a:txBody>
-                  <a:tcPr marL="8458" marR="8458" marT="8458" marB="0" anchor="b">
-                    <a:lnL w="6350" cap="flat" cmpd="sng" algn="ctr">
-                      <a:solidFill>
-                        <a:srgbClr val="000000"/>
-                      </a:solidFill>
-                      <a:prstDash val="solid"/>
-                      <a:round/>
-                      <a:headEnd type="none" w="med" len="med"/>
-                      <a:tailEnd type="none" w="med" len="med"/>
-                    </a:lnL>
-                    <a:lnR w="6350" cap="flat" cmpd="sng" algn="ctr">
-                      <a:solidFill>
-                        <a:srgbClr val="000000"/>
-                      </a:solidFill>
-                      <a:prstDash val="solid"/>
-                      <a:round/>
-                      <a:headEnd type="none" w="med" len="med"/>
-                      <a:tailEnd type="none" w="med" len="med"/>
-                    </a:lnR>
-                    <a:lnT w="6350" cap="flat" cmpd="sng" algn="ctr">
-                      <a:solidFill>
-                        <a:srgbClr val="000000"/>
-                      </a:solidFill>
-                      <a:prstDash val="solid"/>
-                      <a:round/>
-                      <a:headEnd type="none" w="med" len="med"/>
-                      <a:tailEnd type="none" w="med" len="med"/>
-                    </a:lnT>
-                    <a:lnB w="6350" cap="flat" cmpd="sng" algn="ctr">
-                      <a:solidFill>
-                        <a:srgbClr val="000000"/>
-                      </a:solidFill>
-                      <a:prstDash val="solid"/>
-                      <a:round/>
-                      <a:headEnd type="none" w="med" len="med"/>
-                      <a:tailEnd type="none" w="med" len="med"/>
-                    </a:lnB>
-                    <a:solidFill>
-                      <a:srgbClr val="974706"/>
-                    </a:solidFill>
-                  </a:tcPr>
-                </a:tc>
-                <a:tc>
-                  <a:txBody>
-                    <a:bodyPr/>
-                    <a:lstStyle/>
-                    <a:p>
-                      <a:pPr algn="l" fontAlgn="b"/>
-                      <a:r>
-                        <a:rPr lang="en-US" sz="800" b="0" i="0" u="none" strike="noStrike">
-                          <a:solidFill>
-                            <a:srgbClr val="000000"/>
-                          </a:solidFill>
-                          <a:effectLst/>
-                          <a:latin typeface="Calibri"/>
-                        </a:rPr>
-                        <a:t> </a:t>
-                      </a:r>
-                    </a:p>
-                  </a:txBody>
-                  <a:tcPr marL="8458" marR="8458" marT="8458" marB="0" anchor="b">
-                    <a:lnL w="6350" cap="flat" cmpd="sng" algn="ctr">
-                      <a:solidFill>
-                        <a:srgbClr val="000000"/>
-                      </a:solidFill>
-                      <a:prstDash val="solid"/>
-                      <a:round/>
-                      <a:headEnd type="none" w="med" len="med"/>
-                      <a:tailEnd type="none" w="med" len="med"/>
-                    </a:lnL>
-                    <a:lnR w="6350" cap="flat" cmpd="sng" algn="ctr">
-                      <a:solidFill>
-                        <a:srgbClr val="000000"/>
-                      </a:solidFill>
-                      <a:prstDash val="solid"/>
-                      <a:round/>
-                      <a:headEnd type="none" w="med" len="med"/>
-                      <a:tailEnd type="none" w="med" len="med"/>
-                    </a:lnR>
-                    <a:lnT w="6350" cap="flat" cmpd="sng" algn="ctr">
-                      <a:solidFill>
-                        <a:srgbClr val="000000"/>
-                      </a:solidFill>
-                      <a:prstDash val="solid"/>
-                      <a:round/>
-                      <a:headEnd type="none" w="med" len="med"/>
-                      <a:tailEnd type="none" w="med" len="med"/>
-                    </a:lnT>
-                    <a:lnB w="6350" cap="flat" cmpd="sng" algn="ctr">
-                      <a:solidFill>
-                        <a:srgbClr val="000000"/>
-                      </a:solidFill>
-                      <a:prstDash val="solid"/>
-                      <a:round/>
-                      <a:headEnd type="none" w="med" len="med"/>
-                      <a:tailEnd type="none" w="med" len="med"/>
-                    </a:lnB>
-                    <a:solidFill>
-                      <a:srgbClr val="E26B0A"/>
-                    </a:solidFill>
-                  </a:tcPr>
-                </a:tc>
-                <a:tc>
-                  <a:txBody>
-                    <a:bodyPr/>
-                    <a:lstStyle/>
-                    <a:p>
-                      <a:pPr algn="l" fontAlgn="b"/>
-                      <a:r>
-                        <a:rPr lang="en-US" sz="800" b="0" i="0" u="none" strike="noStrike">
-                          <a:solidFill>
-                            <a:srgbClr val="000000"/>
-                          </a:solidFill>
-                          <a:effectLst/>
-                          <a:latin typeface="Calibri"/>
-                        </a:rPr>
-                        <a:t> </a:t>
-                      </a:r>
-                    </a:p>
-                  </a:txBody>
-                  <a:tcPr marL="8458" marR="8458" marT="8458" marB="0" anchor="b">
-                    <a:lnL w="6350" cap="flat" cmpd="sng" algn="ctr">
-                      <a:solidFill>
-                        <a:srgbClr val="000000"/>
-                      </a:solidFill>
-                      <a:prstDash val="solid"/>
-                      <a:round/>
-                      <a:headEnd type="none" w="med" len="med"/>
-                      <a:tailEnd type="none" w="med" len="med"/>
-                    </a:lnL>
-                    <a:lnR w="6350" cap="flat" cmpd="sng" algn="ctr">
-                      <a:solidFill>
-                        <a:srgbClr val="000000"/>
-                      </a:solidFill>
-                      <a:prstDash val="solid"/>
-                      <a:round/>
-                      <a:headEnd type="none" w="med" len="med"/>
-                      <a:tailEnd type="none" w="med" len="med"/>
-                    </a:lnR>
-                    <a:lnT w="6350" cap="flat" cmpd="sng" algn="ctr">
-                      <a:solidFill>
-                        <a:srgbClr val="000000"/>
-                      </a:solidFill>
-                      <a:prstDash val="solid"/>
-                      <a:round/>
-                      <a:headEnd type="none" w="med" len="med"/>
-                      <a:tailEnd type="none" w="med" len="med"/>
-                    </a:lnT>
-                    <a:lnB w="6350" cap="flat" cmpd="sng" algn="ctr">
-                      <a:solidFill>
-                        <a:srgbClr val="000000"/>
-                      </a:solidFill>
-                      <a:prstDash val="solid"/>
-                      <a:round/>
-                      <a:headEnd type="none" w="med" len="med"/>
-                      <a:tailEnd type="none" w="med" len="med"/>
-                    </a:lnB>
-                    <a:solidFill>
-                      <a:srgbClr val="FDE9D9"/>
-                    </a:solidFill>
-                  </a:tcPr>
-                </a:tc>
-                <a:tc>
-                  <a:txBody>
-                    <a:bodyPr/>
-                    <a:lstStyle/>
-                    <a:p>
-                      <a:pPr algn="l" fontAlgn="b"/>
-                      <a:endParaRPr lang="en-US" sz="800" b="0" i="0" u="none" strike="noStrike">
-                        <a:solidFill>
-                          <a:srgbClr val="000000"/>
-                        </a:solidFill>
-                        <a:effectLst/>
-                        <a:latin typeface="Calibri"/>
-                      </a:endParaRPr>
-                    </a:p>
-                  </a:txBody>
-                  <a:tcPr marL="8458" marR="8458" marT="8458" marB="0" anchor="b">
-                    <a:lnL w="6350" cap="flat" cmpd="sng" algn="ctr">
-                      <a:solidFill>
-                        <a:srgbClr val="000000"/>
-                      </a:solidFill>
-                      <a:prstDash val="solid"/>
-                      <a:round/>
-                      <a:headEnd type="none" w="med" len="med"/>
-                      <a:tailEnd type="none" w="med" len="med"/>
-                    </a:lnL>
-                    <a:lnR>
-                      <a:noFill/>
-                    </a:lnR>
-                    <a:lnT>
-                      <a:noFill/>
-                    </a:lnT>
-                    <a:lnB>
-                      <a:noFill/>
-                    </a:lnB>
-                  </a:tcPr>
-                </a:tc>
-                <a:tc>
-                  <a:txBody>
-                    <a:bodyPr/>
-                    <a:lstStyle/>
-                    <a:p>
-                      <a:pPr algn="l" fontAlgn="b"/>
-                      <a:endParaRPr lang="en-US" sz="800" b="0" i="0" u="none" strike="noStrike">
-                        <a:solidFill>
-                          <a:srgbClr val="000000"/>
-                        </a:solidFill>
-                        <a:effectLst/>
-                        <a:latin typeface="Calibri"/>
-                      </a:endParaRPr>
-                    </a:p>
-                  </a:txBody>
-                  <a:tcPr marL="8458" marR="8458" marT="8458" marB="0" anchor="b">
-                    <a:lnL>
-                      <a:noFill/>
-                    </a:lnL>
-                    <a:lnR>
-                      <a:noFill/>
-                    </a:lnR>
-                    <a:lnT w="6350" cap="flat" cmpd="sng" algn="ctr">
-                      <a:solidFill>
-                        <a:srgbClr val="000000"/>
-                      </a:solidFill>
-                      <a:prstDash val="solid"/>
-                      <a:round/>
-                      <a:headEnd type="none" w="med" len="med"/>
-                      <a:tailEnd type="none" w="med" len="med"/>
-                    </a:lnT>
-                    <a:lnB>
-                      <a:noFill/>
-                    </a:lnB>
-                  </a:tcPr>
-                </a:tc>
-                <a:tc>
-                  <a:txBody>
-                    <a:bodyPr/>
-                    <a:lstStyle/>
-                    <a:p>
-                      <a:pPr algn="l" fontAlgn="b"/>
-                      <a:endParaRPr lang="en-US" sz="800" b="0" i="0" u="none" strike="noStrike">
-                        <a:solidFill>
-                          <a:srgbClr val="000000"/>
-                        </a:solidFill>
-                        <a:effectLst/>
-                        <a:latin typeface="Calibri"/>
-                      </a:endParaRPr>
-                    </a:p>
-                  </a:txBody>
-                  <a:tcPr marL="8458" marR="8458" marT="8458" marB="0" anchor="b">
-                    <a:lnL>
-                      <a:noFill/>
-                    </a:lnL>
-                    <a:lnR>
-                      <a:noFill/>
-                    </a:lnR>
-                    <a:lnT>
-                      <a:noFill/>
-                    </a:lnT>
-                    <a:lnB>
-                      <a:noFill/>
-                    </a:lnB>
-                  </a:tcPr>
-                </a:tc>
-              </a:tr>
-              <a:tr h="413495">
-                <a:tc vMerge="1">
-                  <a:txBody>
-                    <a:bodyPr/>
-                    <a:lstStyle/>
-                    <a:p>
-                      <a:endParaRPr lang="en-US"/>
-                    </a:p>
-                  </a:txBody>
-                  <a:tcPr/>
-                </a:tc>
-                <a:tc>
-                  <a:txBody>
-                    <a:bodyPr/>
-                    <a:lstStyle/>
-                    <a:p>
-                      <a:pPr algn="l" fontAlgn="ctr"/>
-                      <a:r>
-                        <a:rPr lang="en-US" sz="900" b="1" i="0" u="none" strike="noStrike" dirty="0">
-                          <a:solidFill>
-                            <a:srgbClr val="000000"/>
-                          </a:solidFill>
-                          <a:effectLst/>
-                          <a:latin typeface="Calibri"/>
-                        </a:rPr>
-                        <a:t>Rate of Win per Bet</a:t>
-                      </a:r>
-                    </a:p>
-                  </a:txBody>
-                  <a:tcPr marL="8458" marR="8458" marT="8458" marB="0" anchor="ctr">
-                    <a:lnL w="6350" cap="flat" cmpd="sng" algn="ctr">
-                      <a:solidFill>
-                        <a:srgbClr val="000000"/>
-                      </a:solidFill>
-                      <a:prstDash val="solid"/>
-                      <a:round/>
-                      <a:headEnd type="none" w="med" len="med"/>
-                      <a:tailEnd type="none" w="med" len="med"/>
-                    </a:lnL>
-                    <a:lnR w="6350" cap="flat" cmpd="sng" algn="ctr">
-                      <a:solidFill>
-                        <a:srgbClr val="000000"/>
-                      </a:solidFill>
-                      <a:prstDash val="solid"/>
-                      <a:round/>
-                      <a:headEnd type="none" w="med" len="med"/>
-                      <a:tailEnd type="none" w="med" len="med"/>
-                    </a:lnR>
-                    <a:lnT w="6350" cap="flat" cmpd="sng" algn="ctr">
-                      <a:solidFill>
-                        <a:srgbClr val="000000"/>
-                      </a:solidFill>
-                      <a:prstDash val="solid"/>
-                      <a:round/>
-                      <a:headEnd type="none" w="med" len="med"/>
-                      <a:tailEnd type="none" w="med" len="med"/>
-                    </a:lnT>
-                    <a:lnB w="6350" cap="flat" cmpd="sng" algn="ctr">
-                      <a:solidFill>
-                        <a:srgbClr val="000000"/>
-                      </a:solidFill>
-                      <a:prstDash val="solid"/>
-                      <a:round/>
-                      <a:headEnd type="none" w="med" len="med"/>
-                      <a:tailEnd type="none" w="med" len="med"/>
-                    </a:lnB>
-                    <a:solidFill>
-                      <a:srgbClr val="D9D9D9"/>
-                    </a:solidFill>
-                  </a:tcPr>
-                </a:tc>
-                <a:tc>
-                  <a:txBody>
-                    <a:bodyPr/>
-                    <a:lstStyle/>
-                    <a:p>
-                      <a:pPr algn="l" fontAlgn="b"/>
-                      <a:r>
-                        <a:rPr lang="en-US" sz="800" b="0" i="0" u="none" strike="noStrike">
-                          <a:solidFill>
-                            <a:srgbClr val="000000"/>
-                          </a:solidFill>
-                          <a:effectLst/>
-                          <a:latin typeface="Calibri"/>
-                        </a:rPr>
-                        <a:t> </a:t>
-                      </a:r>
-                    </a:p>
-                  </a:txBody>
-                  <a:tcPr marL="8458" marR="8458" marT="8458" marB="0" anchor="b">
-                    <a:lnL w="6350" cap="flat" cmpd="sng" algn="ctr">
-                      <a:solidFill>
-                        <a:srgbClr val="000000"/>
-                      </a:solidFill>
-                      <a:prstDash val="solid"/>
-                      <a:round/>
-                      <a:headEnd type="none" w="med" len="med"/>
-                      <a:tailEnd type="none" w="med" len="med"/>
-                    </a:lnL>
-                    <a:lnR w="6350" cap="flat" cmpd="sng" algn="ctr">
-                      <a:solidFill>
-                        <a:srgbClr val="000000"/>
-                      </a:solidFill>
-                      <a:prstDash val="solid"/>
-                      <a:round/>
-                      <a:headEnd type="none" w="med" len="med"/>
-                      <a:tailEnd type="none" w="med" len="med"/>
-                    </a:lnR>
-                    <a:lnT w="6350" cap="flat" cmpd="sng" algn="ctr">
-                      <a:solidFill>
-                        <a:srgbClr val="000000"/>
-                      </a:solidFill>
-                      <a:prstDash val="solid"/>
-                      <a:round/>
-                      <a:headEnd type="none" w="med" len="med"/>
-                      <a:tailEnd type="none" w="med" len="med"/>
-                    </a:lnT>
-                    <a:lnB w="6350" cap="flat" cmpd="sng" algn="ctr">
-                      <a:solidFill>
-                        <a:srgbClr val="000000"/>
-                      </a:solidFill>
-                      <a:prstDash val="solid"/>
-                      <a:round/>
-                      <a:headEnd type="none" w="med" len="med"/>
-                      <a:tailEnd type="none" w="med" len="med"/>
-                    </a:lnB>
-                    <a:solidFill>
-                      <a:srgbClr val="E26B0A"/>
-                    </a:solidFill>
-                  </a:tcPr>
-                </a:tc>
-                <a:tc>
-                  <a:txBody>
-                    <a:bodyPr/>
-                    <a:lstStyle/>
-                    <a:p>
-                      <a:pPr algn="l" fontAlgn="b"/>
-                      <a:r>
-                        <a:rPr lang="en-US" sz="800" b="0" i="0" u="none" strike="noStrike">
-                          <a:solidFill>
-                            <a:srgbClr val="000000"/>
-                          </a:solidFill>
-                          <a:effectLst/>
-                          <a:latin typeface="Calibri"/>
-                        </a:rPr>
-                        <a:t> </a:t>
-                      </a:r>
-                    </a:p>
-                  </a:txBody>
-                  <a:tcPr marL="8458" marR="8458" marT="8458" marB="0" anchor="b">
-                    <a:lnL w="6350" cap="flat" cmpd="sng" algn="ctr">
-                      <a:solidFill>
-                        <a:srgbClr val="000000"/>
-                      </a:solidFill>
-                      <a:prstDash val="solid"/>
-                      <a:round/>
-                      <a:headEnd type="none" w="med" len="med"/>
-                      <a:tailEnd type="none" w="med" len="med"/>
-                    </a:lnL>
-                    <a:lnR w="6350" cap="flat" cmpd="sng" algn="ctr">
-                      <a:solidFill>
-                        <a:srgbClr val="000000"/>
-                      </a:solidFill>
-                      <a:prstDash val="solid"/>
-                      <a:round/>
-                      <a:headEnd type="none" w="med" len="med"/>
-                      <a:tailEnd type="none" w="med" len="med"/>
-                    </a:lnR>
-                    <a:lnT w="6350" cap="flat" cmpd="sng" algn="ctr">
-                      <a:solidFill>
-                        <a:srgbClr val="000000"/>
-                      </a:solidFill>
-                      <a:prstDash val="solid"/>
-                      <a:round/>
-                      <a:headEnd type="none" w="med" len="med"/>
-                      <a:tailEnd type="none" w="med" len="med"/>
-                    </a:lnT>
-                    <a:lnB w="6350" cap="flat" cmpd="sng" algn="ctr">
-                      <a:solidFill>
-                        <a:srgbClr val="000000"/>
-                      </a:solidFill>
-                      <a:prstDash val="solid"/>
-                      <a:round/>
-                      <a:headEnd type="none" w="med" len="med"/>
-                      <a:tailEnd type="none" w="med" len="med"/>
-                    </a:lnB>
-                    <a:solidFill>
-                      <a:srgbClr val="974706"/>
-                    </a:solidFill>
-                  </a:tcPr>
-                </a:tc>
-                <a:tc>
-                  <a:txBody>
-                    <a:bodyPr/>
-                    <a:lstStyle/>
-                    <a:p>
-                      <a:pPr algn="l" fontAlgn="b"/>
-                      <a:r>
-                        <a:rPr lang="en-US" sz="800" b="0" i="0" u="none" strike="noStrike">
-                          <a:solidFill>
-                            <a:srgbClr val="000000"/>
-                          </a:solidFill>
-                          <a:effectLst/>
-                          <a:latin typeface="Calibri"/>
-                        </a:rPr>
-                        <a:t> </a:t>
-                      </a:r>
-                    </a:p>
-                  </a:txBody>
-                  <a:tcPr marL="8458" marR="8458" marT="8458" marB="0" anchor="b">
-                    <a:lnL w="6350" cap="flat" cmpd="sng" algn="ctr">
-                      <a:solidFill>
-                        <a:srgbClr val="000000"/>
-                      </a:solidFill>
-                      <a:prstDash val="solid"/>
-                      <a:round/>
-                      <a:headEnd type="none" w="med" len="med"/>
-                      <a:tailEnd type="none" w="med" len="med"/>
-                    </a:lnL>
-                    <a:lnR w="6350" cap="flat" cmpd="sng" algn="ctr">
-                      <a:solidFill>
-                        <a:srgbClr val="000000"/>
-                      </a:solidFill>
-                      <a:prstDash val="solid"/>
-                      <a:round/>
-                      <a:headEnd type="none" w="med" len="med"/>
-                      <a:tailEnd type="none" w="med" len="med"/>
-                    </a:lnR>
-                    <a:lnT w="6350" cap="flat" cmpd="sng" algn="ctr">
-                      <a:solidFill>
-                        <a:srgbClr val="000000"/>
-                      </a:solidFill>
-                      <a:prstDash val="solid"/>
-                      <a:round/>
-                      <a:headEnd type="none" w="med" len="med"/>
-                      <a:tailEnd type="none" w="med" len="med"/>
-                    </a:lnT>
-                    <a:lnB w="6350" cap="flat" cmpd="sng" algn="ctr">
-                      <a:solidFill>
-                        <a:srgbClr val="000000"/>
-                      </a:solidFill>
-                      <a:prstDash val="solid"/>
-                      <a:round/>
-                      <a:headEnd type="none" w="med" len="med"/>
-                      <a:tailEnd type="none" w="med" len="med"/>
-                    </a:lnB>
-                    <a:solidFill>
-                      <a:srgbClr val="FDE9D9"/>
-                    </a:solidFill>
-                  </a:tcPr>
-                </a:tc>
-                <a:tc>
-                  <a:txBody>
-                    <a:bodyPr/>
-                    <a:lstStyle/>
-                    <a:p>
-                      <a:pPr algn="l" fontAlgn="b"/>
-                      <a:r>
-                        <a:rPr lang="en-US" sz="800" b="0" i="0" u="none" strike="noStrike">
-                          <a:solidFill>
-                            <a:srgbClr val="000000"/>
-                          </a:solidFill>
-                          <a:effectLst/>
-                          <a:latin typeface="Calibri"/>
-                        </a:rPr>
-                        <a:t> </a:t>
-                      </a:r>
-                    </a:p>
-                  </a:txBody>
-                  <a:tcPr marL="8458" marR="8458" marT="8458" marB="0" anchor="b">
-                    <a:lnL w="6350" cap="flat" cmpd="sng" algn="ctr">
-                      <a:solidFill>
-                        <a:srgbClr val="000000"/>
-                      </a:solidFill>
-                      <a:prstDash val="solid"/>
-                      <a:round/>
-                      <a:headEnd type="none" w="med" len="med"/>
-                      <a:tailEnd type="none" w="med" len="med"/>
-                    </a:lnL>
-                    <a:lnR w="6350" cap="flat" cmpd="sng" algn="ctr">
-                      <a:solidFill>
-                        <a:srgbClr val="000000"/>
-                      </a:solidFill>
-                      <a:prstDash val="solid"/>
-                      <a:round/>
-                      <a:headEnd type="none" w="med" len="med"/>
-                      <a:tailEnd type="none" w="med" len="med"/>
-                    </a:lnR>
-                    <a:lnT w="6350" cap="flat" cmpd="sng" algn="ctr">
-                      <a:solidFill>
-                        <a:srgbClr val="000000"/>
-                      </a:solidFill>
-                      <a:prstDash val="solid"/>
-                      <a:round/>
-                      <a:headEnd type="none" w="med" len="med"/>
-                      <a:tailEnd type="none" w="med" len="med"/>
-                    </a:lnT>
-                    <a:lnB w="6350" cap="flat" cmpd="sng" algn="ctr">
-                      <a:solidFill>
-                        <a:srgbClr val="000000"/>
-                      </a:solidFill>
-                      <a:prstDash val="solid"/>
-                      <a:round/>
-                      <a:headEnd type="none" w="med" len="med"/>
-                      <a:tailEnd type="none" w="med" len="med"/>
-                    </a:lnB>
-                    <a:solidFill>
-                      <a:srgbClr val="FABF8F"/>
-                    </a:solidFill>
-                  </a:tcPr>
-                </a:tc>
-                <a:tc>
-                  <a:txBody>
-                    <a:bodyPr/>
-                    <a:lstStyle/>
-                    <a:p>
-                      <a:pPr algn="l" fontAlgn="b"/>
-                      <a:endParaRPr lang="en-US" sz="800" b="0" i="0" u="none" strike="noStrike">
-                        <a:solidFill>
-                          <a:srgbClr val="000000"/>
-                        </a:solidFill>
-                        <a:effectLst/>
-                        <a:latin typeface="Calibri"/>
-                      </a:endParaRPr>
-                    </a:p>
-                  </a:txBody>
-                  <a:tcPr marL="8458" marR="8458" marT="8458" marB="0" anchor="b">
-                    <a:lnL w="6350" cap="flat" cmpd="sng" algn="ctr">
-                      <a:solidFill>
-                        <a:srgbClr val="000000"/>
-                      </a:solidFill>
-                      <a:prstDash val="solid"/>
-                      <a:round/>
-                      <a:headEnd type="none" w="med" len="med"/>
-                      <a:tailEnd type="none" w="med" len="med"/>
-                    </a:lnL>
-                    <a:lnR>
-                      <a:noFill/>
-                    </a:lnR>
-                    <a:lnT>
-                      <a:noFill/>
-                    </a:lnT>
-                    <a:lnB>
-                      <a:noFill/>
-                    </a:lnB>
-                  </a:tcPr>
-                </a:tc>
-                <a:tc>
-                  <a:txBody>
-                    <a:bodyPr/>
-                    <a:lstStyle/>
-                    <a:p>
-                      <a:pPr algn="l" fontAlgn="b"/>
-                      <a:endParaRPr lang="en-US" sz="800" b="0" i="0" u="none" strike="noStrike">
-                        <a:solidFill>
-                          <a:srgbClr val="000000"/>
-                        </a:solidFill>
-                        <a:effectLst/>
-                        <a:latin typeface="Calibri"/>
-                      </a:endParaRPr>
-                    </a:p>
-                  </a:txBody>
-                  <a:tcPr marL="8458" marR="8458" marT="8458" marB="0" anchor="b">
-                    <a:lnL>
-                      <a:noFill/>
-                    </a:lnL>
-                    <a:lnR>
-                      <a:noFill/>
-                    </a:lnR>
-                    <a:lnT>
-                      <a:noFill/>
-                    </a:lnT>
-                    <a:lnB>
-                      <a:noFill/>
-                    </a:lnB>
-                  </a:tcPr>
-                </a:tc>
-                <a:tc>
-                  <a:txBody>
-                    <a:bodyPr/>
-                    <a:lstStyle/>
-                    <a:p>
-                      <a:pPr algn="l" fontAlgn="b"/>
-                      <a:endParaRPr lang="en-US" sz="800" b="0" i="0" u="none" strike="noStrike">
-                        <a:solidFill>
-                          <a:srgbClr val="000000"/>
-                        </a:solidFill>
-                        <a:effectLst/>
-                        <a:latin typeface="Calibri"/>
-                      </a:endParaRPr>
-                    </a:p>
-                  </a:txBody>
-                  <a:tcPr marL="8458" marR="8458" marT="8458" marB="0" anchor="b">
-                    <a:lnL>
-                      <a:noFill/>
-                    </a:lnL>
-                    <a:lnR>
-                      <a:noFill/>
-                    </a:lnR>
-                    <a:lnT>
-                      <a:noFill/>
-                    </a:lnT>
-                    <a:lnB>
-                      <a:noFill/>
-                    </a:lnB>
-                  </a:tcPr>
-                </a:tc>
-              </a:tr>
-              <a:tr h="413495">
-                <a:tc vMerge="1">
-                  <a:txBody>
-                    <a:bodyPr/>
-                    <a:lstStyle/>
-                    <a:p>
-                      <a:endParaRPr lang="en-US"/>
-                    </a:p>
-                  </a:txBody>
-                  <a:tcPr/>
-                </a:tc>
-                <a:tc>
-                  <a:txBody>
-                    <a:bodyPr/>
-                    <a:lstStyle/>
-                    <a:p>
-                      <a:pPr algn="l" fontAlgn="ctr"/>
-                      <a:r>
-                        <a:rPr lang="en-US" sz="900" b="1" i="0" u="none" strike="noStrike" dirty="0">
-                          <a:solidFill>
-                            <a:srgbClr val="000000"/>
-                          </a:solidFill>
-                          <a:effectLst/>
-                          <a:latin typeface="Calibri"/>
-                        </a:rPr>
-                        <a:t>Times of being an Early Bet Placer</a:t>
-                      </a:r>
-                    </a:p>
-                  </a:txBody>
-                  <a:tcPr marL="8458" marR="8458" marT="8458" marB="0" anchor="ctr">
-                    <a:lnL w="6350" cap="flat" cmpd="sng" algn="ctr">
-                      <a:solidFill>
-                        <a:srgbClr val="000000"/>
-                      </a:solidFill>
-                      <a:prstDash val="solid"/>
-                      <a:round/>
-                      <a:headEnd type="none" w="med" len="med"/>
-                      <a:tailEnd type="none" w="med" len="med"/>
-                    </a:lnL>
-                    <a:lnR w="6350" cap="flat" cmpd="sng" algn="ctr">
-                      <a:solidFill>
-                        <a:srgbClr val="000000"/>
-                      </a:solidFill>
-                      <a:prstDash val="solid"/>
-                      <a:round/>
-                      <a:headEnd type="none" w="med" len="med"/>
-                      <a:tailEnd type="none" w="med" len="med"/>
-                    </a:lnR>
-                    <a:lnT w="6350" cap="flat" cmpd="sng" algn="ctr">
-                      <a:solidFill>
-                        <a:srgbClr val="000000"/>
-                      </a:solidFill>
-                      <a:prstDash val="solid"/>
-                      <a:round/>
-                      <a:headEnd type="none" w="med" len="med"/>
-                      <a:tailEnd type="none" w="med" len="med"/>
-                    </a:lnT>
-                    <a:lnB w="6350" cap="flat" cmpd="sng" algn="ctr">
-                      <a:solidFill>
-                        <a:srgbClr val="000000"/>
-                      </a:solidFill>
-                      <a:prstDash val="solid"/>
-                      <a:round/>
-                      <a:headEnd type="none" w="med" len="med"/>
-                      <a:tailEnd type="none" w="med" len="med"/>
-                    </a:lnB>
-                    <a:solidFill>
-                      <a:srgbClr val="D9D9D9"/>
-                    </a:solidFill>
-                  </a:tcPr>
-                </a:tc>
-                <a:tc>
-                  <a:txBody>
-                    <a:bodyPr/>
-                    <a:lstStyle/>
-                    <a:p>
-                      <a:pPr algn="l" fontAlgn="b"/>
-                      <a:r>
-                        <a:rPr lang="en-US" sz="800" b="0" i="0" u="none" strike="noStrike">
-                          <a:solidFill>
-                            <a:srgbClr val="000000"/>
-                          </a:solidFill>
-                          <a:effectLst/>
-                          <a:latin typeface="Calibri"/>
-                        </a:rPr>
-                        <a:t> </a:t>
-                      </a:r>
-                    </a:p>
-                  </a:txBody>
-                  <a:tcPr marL="8458" marR="8458" marT="8458" marB="0" anchor="b">
-                    <a:lnL w="6350" cap="flat" cmpd="sng" algn="ctr">
-                      <a:solidFill>
-                        <a:srgbClr val="000000"/>
-                      </a:solidFill>
-                      <a:prstDash val="solid"/>
-                      <a:round/>
-                      <a:headEnd type="none" w="med" len="med"/>
-                      <a:tailEnd type="none" w="med" len="med"/>
-                    </a:lnL>
-                    <a:lnR w="6350" cap="flat" cmpd="sng" algn="ctr">
-                      <a:solidFill>
-                        <a:srgbClr val="000000"/>
-                      </a:solidFill>
-                      <a:prstDash val="solid"/>
-                      <a:round/>
-                      <a:headEnd type="none" w="med" len="med"/>
-                      <a:tailEnd type="none" w="med" len="med"/>
-                    </a:lnR>
-                    <a:lnT w="6350" cap="flat" cmpd="sng" algn="ctr">
-                      <a:solidFill>
-                        <a:srgbClr val="000000"/>
-                      </a:solidFill>
-                      <a:prstDash val="solid"/>
-                      <a:round/>
-                      <a:headEnd type="none" w="med" len="med"/>
-                      <a:tailEnd type="none" w="med" len="med"/>
-                    </a:lnT>
-                    <a:lnB w="6350" cap="flat" cmpd="sng" algn="ctr">
-                      <a:solidFill>
-                        <a:srgbClr val="000000"/>
-                      </a:solidFill>
-                      <a:prstDash val="solid"/>
-                      <a:round/>
-                      <a:headEnd type="none" w="med" len="med"/>
-                      <a:tailEnd type="none" w="med" len="med"/>
-                    </a:lnB>
-                    <a:solidFill>
-                      <a:srgbClr val="FABF8F"/>
-                    </a:solidFill>
-                  </a:tcPr>
-                </a:tc>
-                <a:tc>
-                  <a:txBody>
-                    <a:bodyPr/>
-                    <a:lstStyle/>
-                    <a:p>
-                      <a:pPr algn="l" fontAlgn="b"/>
-                      <a:r>
-                        <a:rPr lang="en-US" sz="800" b="0" i="0" u="none" strike="noStrike">
-                          <a:solidFill>
-                            <a:srgbClr val="000000"/>
-                          </a:solidFill>
-                          <a:effectLst/>
-                          <a:latin typeface="Calibri"/>
-                        </a:rPr>
-                        <a:t> </a:t>
-                      </a:r>
-                    </a:p>
-                  </a:txBody>
-                  <a:tcPr marL="8458" marR="8458" marT="8458" marB="0" anchor="b">
-                    <a:lnL w="6350" cap="flat" cmpd="sng" algn="ctr">
-                      <a:solidFill>
-                        <a:srgbClr val="000000"/>
-                      </a:solidFill>
-                      <a:prstDash val="solid"/>
-                      <a:round/>
-                      <a:headEnd type="none" w="med" len="med"/>
-                      <a:tailEnd type="none" w="med" len="med"/>
-                    </a:lnL>
-                    <a:lnR w="6350" cap="flat" cmpd="sng" algn="ctr">
-                      <a:solidFill>
-                        <a:srgbClr val="000000"/>
-                      </a:solidFill>
-                      <a:prstDash val="solid"/>
-                      <a:round/>
-                      <a:headEnd type="none" w="med" len="med"/>
-                      <a:tailEnd type="none" w="med" len="med"/>
-                    </a:lnR>
-                    <a:lnT w="6350" cap="flat" cmpd="sng" algn="ctr">
-                      <a:solidFill>
-                        <a:srgbClr val="000000"/>
-                      </a:solidFill>
-                      <a:prstDash val="solid"/>
-                      <a:round/>
-                      <a:headEnd type="none" w="med" len="med"/>
-                      <a:tailEnd type="none" w="med" len="med"/>
-                    </a:lnT>
-                    <a:lnB w="6350" cap="flat" cmpd="sng" algn="ctr">
-                      <a:solidFill>
-                        <a:srgbClr val="000000"/>
-                      </a:solidFill>
-                      <a:prstDash val="solid"/>
-                      <a:round/>
-                      <a:headEnd type="none" w="med" len="med"/>
-                      <a:tailEnd type="none" w="med" len="med"/>
-                    </a:lnB>
-                    <a:solidFill>
-                      <a:srgbClr val="FDE9D9"/>
-                    </a:solidFill>
-                  </a:tcPr>
-                </a:tc>
-                <a:tc>
-                  <a:txBody>
-                    <a:bodyPr/>
-                    <a:lstStyle/>
-                    <a:p>
-                      <a:pPr algn="l" fontAlgn="b"/>
-                      <a:r>
-                        <a:rPr lang="en-US" sz="800" b="0" i="0" u="none" strike="noStrike">
-                          <a:solidFill>
-                            <a:srgbClr val="000000"/>
-                          </a:solidFill>
-                          <a:effectLst/>
-                          <a:latin typeface="Calibri"/>
-                        </a:rPr>
-                        <a:t> </a:t>
-                      </a:r>
-                    </a:p>
-                  </a:txBody>
-                  <a:tcPr marL="8458" marR="8458" marT="8458" marB="0" anchor="b">
-                    <a:lnL w="6350" cap="flat" cmpd="sng" algn="ctr">
-                      <a:solidFill>
-                        <a:srgbClr val="000000"/>
-                      </a:solidFill>
-                      <a:prstDash val="solid"/>
-                      <a:round/>
-                      <a:headEnd type="none" w="med" len="med"/>
-                      <a:tailEnd type="none" w="med" len="med"/>
-                    </a:lnL>
-                    <a:lnR w="6350" cap="flat" cmpd="sng" algn="ctr">
-                      <a:solidFill>
-                        <a:srgbClr val="000000"/>
-                      </a:solidFill>
-                      <a:prstDash val="solid"/>
-                      <a:round/>
-                      <a:headEnd type="none" w="med" len="med"/>
-                      <a:tailEnd type="none" w="med" len="med"/>
-                    </a:lnR>
-                    <a:lnT w="6350" cap="flat" cmpd="sng" algn="ctr">
-                      <a:solidFill>
-                        <a:srgbClr val="000000"/>
-                      </a:solidFill>
-                      <a:prstDash val="solid"/>
-                      <a:round/>
-                      <a:headEnd type="none" w="med" len="med"/>
-                      <a:tailEnd type="none" w="med" len="med"/>
-                    </a:lnT>
-                    <a:lnB w="6350" cap="flat" cmpd="sng" algn="ctr">
-                      <a:solidFill>
-                        <a:srgbClr val="000000"/>
-                      </a:solidFill>
-                      <a:prstDash val="solid"/>
-                      <a:round/>
-                      <a:headEnd type="none" w="med" len="med"/>
-                      <a:tailEnd type="none" w="med" len="med"/>
-                    </a:lnB>
-                    <a:solidFill>
-                      <a:srgbClr val="974706"/>
-                    </a:solidFill>
-                  </a:tcPr>
-                </a:tc>
-                <a:tc>
-                  <a:txBody>
-                    <a:bodyPr/>
-                    <a:lstStyle/>
-                    <a:p>
-                      <a:pPr algn="l" fontAlgn="b"/>
-                      <a:r>
-                        <a:rPr lang="en-US" sz="800" b="0" i="0" u="none" strike="noStrike">
-                          <a:solidFill>
-                            <a:srgbClr val="000000"/>
-                          </a:solidFill>
-                          <a:effectLst/>
-                          <a:latin typeface="Calibri"/>
-                        </a:rPr>
-                        <a:t> </a:t>
-                      </a:r>
-                    </a:p>
-                  </a:txBody>
-                  <a:tcPr marL="8458" marR="8458" marT="8458" marB="0" anchor="b">
-                    <a:lnL w="6350" cap="flat" cmpd="sng" algn="ctr">
-                      <a:solidFill>
-                        <a:srgbClr val="000000"/>
-                      </a:solidFill>
-                      <a:prstDash val="solid"/>
-                      <a:round/>
-                      <a:headEnd type="none" w="med" len="med"/>
-                      <a:tailEnd type="none" w="med" len="med"/>
-                    </a:lnL>
-                    <a:lnR w="6350" cap="flat" cmpd="sng" algn="ctr">
-                      <a:solidFill>
-                        <a:srgbClr val="000000"/>
-                      </a:solidFill>
-                      <a:prstDash val="solid"/>
-                      <a:round/>
-                      <a:headEnd type="none" w="med" len="med"/>
-                      <a:tailEnd type="none" w="med" len="med"/>
-                    </a:lnR>
-                    <a:lnT w="6350" cap="flat" cmpd="sng" algn="ctr">
-                      <a:solidFill>
-                        <a:srgbClr val="000000"/>
-                      </a:solidFill>
-                      <a:prstDash val="solid"/>
-                      <a:round/>
-                      <a:headEnd type="none" w="med" len="med"/>
-                      <a:tailEnd type="none" w="med" len="med"/>
-                    </a:lnT>
-                    <a:lnB w="6350" cap="flat" cmpd="sng" algn="ctr">
-                      <a:solidFill>
-                        <a:srgbClr val="000000"/>
-                      </a:solidFill>
-                      <a:prstDash val="solid"/>
-                      <a:round/>
-                      <a:headEnd type="none" w="med" len="med"/>
-                      <a:tailEnd type="none" w="med" len="med"/>
-                    </a:lnB>
-                    <a:solidFill>
-                      <a:srgbClr val="E26B0A"/>
-                    </a:solidFill>
-                  </a:tcPr>
-                </a:tc>
-                <a:tc>
-                  <a:txBody>
-                    <a:bodyPr/>
-                    <a:lstStyle/>
-                    <a:p>
-                      <a:pPr algn="l" fontAlgn="b"/>
-                      <a:endParaRPr lang="en-US" sz="800" b="0" i="0" u="none" strike="noStrike">
-                        <a:solidFill>
-                          <a:srgbClr val="000000"/>
-                        </a:solidFill>
-                        <a:effectLst/>
-                        <a:latin typeface="Calibri"/>
-                      </a:endParaRPr>
-                    </a:p>
-                  </a:txBody>
-                  <a:tcPr marL="8458" marR="8458" marT="8458" marB="0" anchor="b">
-                    <a:lnL w="6350" cap="flat" cmpd="sng" algn="ctr">
-                      <a:solidFill>
-                        <a:srgbClr val="000000"/>
-                      </a:solidFill>
-                      <a:prstDash val="solid"/>
-                      <a:round/>
-                      <a:headEnd type="none" w="med" len="med"/>
-                      <a:tailEnd type="none" w="med" len="med"/>
-                    </a:lnL>
-                    <a:lnR>
-                      <a:noFill/>
-                    </a:lnR>
-                    <a:lnT>
-                      <a:noFill/>
-                    </a:lnT>
-                    <a:lnB>
-                      <a:noFill/>
-                    </a:lnB>
-                  </a:tcPr>
-                </a:tc>
-                <a:tc>
-                  <a:txBody>
-                    <a:bodyPr/>
-                    <a:lstStyle/>
-                    <a:p>
-                      <a:pPr algn="l" fontAlgn="b"/>
-                      <a:endParaRPr lang="en-US" sz="800" b="0" i="0" u="none" strike="noStrike">
-                        <a:solidFill>
-                          <a:srgbClr val="000000"/>
-                        </a:solidFill>
-                        <a:effectLst/>
-                        <a:latin typeface="Calibri"/>
-                      </a:endParaRPr>
-                    </a:p>
-                  </a:txBody>
-                  <a:tcPr marL="8458" marR="8458" marT="8458" marB="0" anchor="b">
-                    <a:lnL>
-                      <a:noFill/>
-                    </a:lnL>
-                    <a:lnR>
-                      <a:noFill/>
-                    </a:lnR>
-                    <a:lnT>
-                      <a:noFill/>
-                    </a:lnT>
-                    <a:lnB>
-                      <a:noFill/>
-                    </a:lnB>
-                  </a:tcPr>
-                </a:tc>
-                <a:tc>
-                  <a:txBody>
-                    <a:bodyPr/>
-                    <a:lstStyle/>
-                    <a:p>
-                      <a:pPr algn="l" fontAlgn="b"/>
-                      <a:endParaRPr lang="en-US" sz="800" b="0" i="0" u="none" strike="noStrike" dirty="0">
-                        <a:solidFill>
-                          <a:srgbClr val="000000"/>
-                        </a:solidFill>
-                        <a:effectLst/>
-                        <a:latin typeface="Calibri"/>
-                      </a:endParaRPr>
-                    </a:p>
-                  </a:txBody>
-                  <a:tcPr marL="8458" marR="8458" marT="8458" marB="0" anchor="b">
-                    <a:lnL>
-                      <a:noFill/>
-                    </a:lnL>
-                    <a:lnR>
-                      <a:noFill/>
-                    </a:lnR>
-                    <a:lnT>
-                      <a:noFill/>
-                    </a:lnT>
-                    <a:lnB>
-                      <a:noFill/>
-                    </a:lnB>
-                  </a:tcPr>
-                </a:tc>
-              </a:tr>
-            </a:tbl>
-          </a:graphicData>
-        </a:graphic>
-      </p:graphicFrame>
+      <p:pic>
+        <p:nvPicPr>
+          <p:cNvPr id="2" name="Picture 1" descr="heatmap_kmeans.png"/>
+          <p:cNvPicPr>
+            <a:picLocks noChangeAspect="1"/>
+          </p:cNvPicPr>
+          <p:nvPr/>
+        </p:nvPicPr>
+        <p:blipFill>
+          <a:blip r:embed="rId2">
+            <a:extLst>
+              <a:ext uri="{28A0092B-C50C-407E-A947-70E740481C1C}">
+                <a14:useLocalDpi xmlns:a14="http://schemas.microsoft.com/office/drawing/2010/main" val="0"/>
+              </a:ext>
+            </a:extLst>
+          </a:blip>
+          <a:stretch>
+            <a:fillRect/>
+          </a:stretch>
+        </p:blipFill>
+        <p:spPr>
+          <a:xfrm>
+            <a:off x="1281734" y="2527548"/>
+            <a:ext cx="6196014" cy="4045477"/>
+          </a:xfrm>
+          <a:prstGeom prst="rect">
+            <a:avLst/>
+          </a:prstGeom>
+        </p:spPr>
+      </p:pic>
     </p:spTree>
     <p:extLst>
       <p:ext uri="{BB962C8B-B14F-4D97-AF65-F5344CB8AC3E}">
@@ -13315,13 +9519,6 @@
               </a:rPr>
               <a:t>More bets do not mean more win/profit</a:t>
             </a:r>
-            <a:endParaRPr lang="en-GB" sz="1400" dirty="0" smtClean="0">
-              <a:solidFill>
-                <a:schemeClr val="bg1">
-                  <a:lumMod val="50000"/>
-                </a:schemeClr>
-              </a:solidFill>
-            </a:endParaRPr>
           </a:p>
         </p:txBody>
       </p:sp>
